--- a/Elements de rendu/Documentation Projet.pptx
+++ b/Elements de rendu/Documentation Projet.pptx
@@ -17,12 +17,15 @@
     <p:sldId id="266" r:id="rId11"/>
     <p:sldId id="270" r:id="rId12"/>
     <p:sldId id="269" r:id="rId13"/>
-    <p:sldId id="274" r:id="rId14"/>
-    <p:sldId id="272" r:id="rId15"/>
-    <p:sldId id="275" r:id="rId16"/>
-    <p:sldId id="276" r:id="rId17"/>
-    <p:sldId id="277" r:id="rId18"/>
-    <p:sldId id="278" r:id="rId19"/>
+    <p:sldId id="280" r:id="rId14"/>
+    <p:sldId id="281" r:id="rId15"/>
+    <p:sldId id="282" r:id="rId16"/>
+    <p:sldId id="274" r:id="rId17"/>
+    <p:sldId id="272" r:id="rId18"/>
+    <p:sldId id="275" r:id="rId19"/>
+    <p:sldId id="276" r:id="rId20"/>
+    <p:sldId id="277" r:id="rId21"/>
+    <p:sldId id="278" r:id="rId22"/>
   </p:sldIdLst>
   <p:sldSz cx="12192000" cy="6858000"/>
   <p:notesSz cx="6858000" cy="9144000"/>
@@ -121,6 +124,11 @@
       </a:defRPr>
     </a:lvl9pPr>
   </p:defaultTextStyle>
+  <p:extLst>
+    <p:ext uri="{EFAFB233-063F-42B5-8137-9DF3F51BA10A}">
+      <p15:sldGuideLst xmlns:p15="http://schemas.microsoft.com/office/powerpoint/2012/main"/>
+    </p:ext>
+  </p:extLst>
 </p:presentation>
 </file>
 
@@ -138,7 +146,34 @@
     </mc:Fallback>
   </mc:AlternateContent>
   <c:chart>
-    <c:autoTitleDeleted val="1"/>
+    <c:title>
+      <c:overlay val="0"/>
+      <c:spPr>
+        <a:noFill/>
+        <a:ln>
+          <a:noFill/>
+        </a:ln>
+        <a:effectLst/>
+      </c:spPr>
+      <c:txPr>
+        <a:bodyPr rot="0" spcFirstLastPara="1" vertOverflow="ellipsis" vert="horz" wrap="square" anchor="ctr" anchorCtr="1"/>
+        <a:lstStyle/>
+        <a:p>
+          <a:pPr>
+            <a:defRPr sz="1400" b="0" i="0" u="none" strike="noStrike" kern="1200" spc="0" baseline="0">
+              <a:solidFill>
+                <a:schemeClr val="bg1"/>
+              </a:solidFill>
+              <a:latin typeface="+mn-lt"/>
+              <a:ea typeface="+mn-ea"/>
+              <a:cs typeface="+mn-cs"/>
+            </a:defRPr>
+          </a:pPr>
+          <a:endParaRPr lang="fr-FR"/>
+        </a:p>
+      </c:txPr>
+    </c:title>
+    <c:autoTitleDeleted val="0"/>
     <c:plotArea>
       <c:layout/>
       <c:scatterChart>
@@ -170,11 +205,11 @@
             <c:size val="5"/>
             <c:spPr>
               <a:solidFill>
-                <a:schemeClr val="bg1"/>
+                <a:schemeClr val="accent1"/>
               </a:solidFill>
               <a:ln w="9525">
                 <a:solidFill>
-                  <a:schemeClr val="bg1"/>
+                  <a:schemeClr val="accent1"/>
                 </a:solidFill>
               </a:ln>
               <a:effectLst/>
@@ -184,7 +219,7 @@
             <c:spPr>
               <a:ln w="19050" cap="rnd">
                 <a:solidFill>
-                  <a:srgbClr val="FF0000"/>
+                  <a:schemeClr val="accent1"/>
                 </a:solidFill>
                 <a:prstDash val="sysDot"/>
               </a:ln>
@@ -196,10 +231,10 @@
           </c:trendline>
           <c:xVal>
             <c:numRef>
-              <c:f>Stat!$A$2:$A$55</c:f>
+              <c:f>Stat!$A$2:$A$78</c:f>
               <c:numCache>
                 <c:formatCode>General</c:formatCode>
-                <c:ptCount val="54"/>
+                <c:ptCount val="77"/>
                 <c:pt idx="0">
                   <c:v>1</c:v>
                 </c:pt>
@@ -361,16 +396,85 @@
                 </c:pt>
                 <c:pt idx="53">
                   <c:v>200</c:v>
+                </c:pt>
+                <c:pt idx="54">
+                  <c:v>500</c:v>
+                </c:pt>
+                <c:pt idx="55">
+                  <c:v>500</c:v>
+                </c:pt>
+                <c:pt idx="56">
+                  <c:v>500</c:v>
+                </c:pt>
+                <c:pt idx="57">
+                  <c:v>500</c:v>
+                </c:pt>
+                <c:pt idx="58">
+                  <c:v>500</c:v>
+                </c:pt>
+                <c:pt idx="59">
+                  <c:v>500</c:v>
+                </c:pt>
+                <c:pt idx="60">
+                  <c:v>500</c:v>
+                </c:pt>
+                <c:pt idx="61">
+                  <c:v>500</c:v>
+                </c:pt>
+                <c:pt idx="62">
+                  <c:v>500</c:v>
+                </c:pt>
+                <c:pt idx="63">
+                  <c:v>500</c:v>
+                </c:pt>
+                <c:pt idx="64">
+                  <c:v>500</c:v>
+                </c:pt>
+                <c:pt idx="65">
+                  <c:v>1000</c:v>
+                </c:pt>
+                <c:pt idx="66">
+                  <c:v>1000</c:v>
+                </c:pt>
+                <c:pt idx="67">
+                  <c:v>1000</c:v>
+                </c:pt>
+                <c:pt idx="68">
+                  <c:v>1000</c:v>
+                </c:pt>
+                <c:pt idx="69">
+                  <c:v>1000</c:v>
+                </c:pt>
+                <c:pt idx="70">
+                  <c:v>1000</c:v>
+                </c:pt>
+                <c:pt idx="71">
+                  <c:v>1000</c:v>
+                </c:pt>
+                <c:pt idx="72">
+                  <c:v>1000</c:v>
+                </c:pt>
+                <c:pt idx="73">
+                  <c:v>1000</c:v>
+                </c:pt>
+                <c:pt idx="74">
+                  <c:v>1000</c:v>
+                </c:pt>
+                <c:pt idx="75">
+                  <c:v>1000</c:v>
+                </c:pt>
+                <c:pt idx="76">
+                  <c:v>1000</c:v>
                 </c:pt>
               </c:numCache>
             </c:numRef>
           </c:xVal>
           <c:yVal>
             <c:numRef>
-              <c:f>Stat!$B$2:$B$55</c:f>
+              <c:f>Stat!$B$2:$B$78</c:f>
               <c:numCache>
                 <c:formatCode>General</c:formatCode>
-                <c:ptCount val="54"/>
+                <c:ptCount val="77"/>
                 <c:pt idx="0">
                   <c:v>8</c:v>
                 </c:pt>
@@ -532,6 +636,75 @@
                 </c:pt>
                 <c:pt idx="53">
                   <c:v>28</c:v>
+                </c:pt>
+                <c:pt idx="54">
+                  <c:v>47</c:v>
+                </c:pt>
+                <c:pt idx="55">
+                  <c:v>56</c:v>
+                </c:pt>
+                <c:pt idx="56">
+                  <c:v>48</c:v>
+                </c:pt>
+                <c:pt idx="57">
+                  <c:v>55</c:v>
+                </c:pt>
+                <c:pt idx="58">
+                  <c:v>43</c:v>
+                </c:pt>
+                <c:pt idx="59">
+                  <c:v>60</c:v>
+                </c:pt>
+                <c:pt idx="60">
+                  <c:v>58</c:v>
+                </c:pt>
+                <c:pt idx="61">
+                  <c:v>49</c:v>
+                </c:pt>
+                <c:pt idx="62">
+                  <c:v>57</c:v>
+                </c:pt>
+                <c:pt idx="63">
+                  <c:v>49</c:v>
+                </c:pt>
+                <c:pt idx="64">
+                  <c:v>51</c:v>
+                </c:pt>
+                <c:pt idx="65">
+                  <c:v>98</c:v>
+                </c:pt>
+                <c:pt idx="66">
+                  <c:v>79</c:v>
+                </c:pt>
+                <c:pt idx="67">
+                  <c:v>88</c:v>
+                </c:pt>
+                <c:pt idx="68">
+                  <c:v>106</c:v>
+                </c:pt>
+                <c:pt idx="69">
+                  <c:v>90</c:v>
+                </c:pt>
+                <c:pt idx="70">
+                  <c:v>79</c:v>
+                </c:pt>
+                <c:pt idx="71">
+                  <c:v>82</c:v>
+                </c:pt>
+                <c:pt idx="72">
+                  <c:v>104</c:v>
+                </c:pt>
+                <c:pt idx="73">
+                  <c:v>92</c:v>
+                </c:pt>
+                <c:pt idx="74">
+                  <c:v>100</c:v>
+                </c:pt>
+                <c:pt idx="75">
+                  <c:v>95</c:v>
+                </c:pt>
+                <c:pt idx="76">
+                  <c:v>85</c:v>
                 </c:pt>
               </c:numCache>
             </c:numRef>
@@ -539,7 +712,7 @@
           <c:smooth val="0"/>
           <c:extLst>
             <c:ext xmlns:c16="http://schemas.microsoft.com/office/drawing/2014/chart" uri="{C3380CC4-5D6E-409C-BE32-E72D297353CC}">
-              <c16:uniqueId val="{00000001-0CCC-41EC-ADDA-C25C45B3C795}"/>
+              <c16:uniqueId val="{00000001-9F03-4067-A911-C89DC6158E6D}"/>
             </c:ext>
           </c:extLst>
         </c:ser>
@@ -871,7 +1044,56 @@
     </mc:Fallback>
   </mc:AlternateContent>
   <c:chart>
-    <c:autoTitleDeleted val="1"/>
+    <c:title>
+      <c:tx>
+        <c:rich>
+          <a:bodyPr rot="0" spcFirstLastPara="1" vertOverflow="ellipsis" vert="horz" wrap="square" anchor="ctr" anchorCtr="1"/>
+          <a:lstStyle/>
+          <a:p>
+            <a:pPr>
+              <a:defRPr sz="1400" b="0" i="0" u="none" strike="noStrike" kern="1200" spc="0" baseline="0">
+                <a:solidFill>
+                  <a:schemeClr val="bg1"/>
+                </a:solidFill>
+                <a:latin typeface="+mn-lt"/>
+                <a:ea typeface="+mn-ea"/>
+                <a:cs typeface="+mn-cs"/>
+              </a:defRPr>
+            </a:pPr>
+            <a:r>
+              <a:rPr lang="fr-FR"/>
+              <a:t>Durée</a:t>
+            </a:r>
+          </a:p>
+        </c:rich>
+      </c:tx>
+      <c:overlay val="0"/>
+      <c:spPr>
+        <a:noFill/>
+        <a:ln>
+          <a:noFill/>
+        </a:ln>
+        <a:effectLst/>
+      </c:spPr>
+      <c:txPr>
+        <a:bodyPr rot="0" spcFirstLastPara="1" vertOverflow="ellipsis" vert="horz" wrap="square" anchor="ctr" anchorCtr="1"/>
+        <a:lstStyle/>
+        <a:p>
+          <a:pPr>
+            <a:defRPr sz="1400" b="0" i="0" u="none" strike="noStrike" kern="1200" spc="0" baseline="0">
+              <a:solidFill>
+                <a:schemeClr val="bg1"/>
+              </a:solidFill>
+              <a:latin typeface="+mn-lt"/>
+              <a:ea typeface="+mn-ea"/>
+              <a:cs typeface="+mn-cs"/>
+            </a:defRPr>
+          </a:pPr>
+          <a:endParaRPr lang="fr-FR"/>
+        </a:p>
+      </c:txPr>
+    </c:title>
+    <c:autoTitleDeleted val="0"/>
     <c:plotArea>
       <c:layout/>
       <c:scatterChart>
@@ -903,11 +1125,11 @@
             <c:size val="5"/>
             <c:spPr>
               <a:solidFill>
-                <a:schemeClr val="bg1"/>
+                <a:schemeClr val="accent1"/>
               </a:solidFill>
               <a:ln w="9525">
                 <a:solidFill>
-                  <a:schemeClr val="bg1"/>
+                  <a:schemeClr val="accent1"/>
                 </a:solidFill>
               </a:ln>
               <a:effectLst/>
@@ -917,7 +1139,7 @@
             <c:spPr>
               <a:ln w="19050" cap="rnd">
                 <a:solidFill>
-                  <a:srgbClr val="FF0000"/>
+                  <a:schemeClr val="accent1"/>
                 </a:solidFill>
                 <a:prstDash val="sysDot"/>
               </a:ln>
@@ -929,10 +1151,10 @@
           </c:trendline>
           <c:xVal>
             <c:numRef>
-              <c:f>Stat!$A$2:$A$55</c:f>
+              <c:f>Stat!$A$2:$A$78</c:f>
               <c:numCache>
                 <c:formatCode>General</c:formatCode>
-                <c:ptCount val="54"/>
+                <c:ptCount val="77"/>
                 <c:pt idx="0">
                   <c:v>1</c:v>
                 </c:pt>
@@ -1094,16 +1316,85 @@
                 </c:pt>
                 <c:pt idx="53">
                   <c:v>200</c:v>
+                </c:pt>
+                <c:pt idx="54">
+                  <c:v>500</c:v>
+                </c:pt>
+                <c:pt idx="55">
+                  <c:v>500</c:v>
+                </c:pt>
+                <c:pt idx="56">
+                  <c:v>500</c:v>
+                </c:pt>
+                <c:pt idx="57">
+                  <c:v>500</c:v>
+                </c:pt>
+                <c:pt idx="58">
+                  <c:v>500</c:v>
+                </c:pt>
+                <c:pt idx="59">
+                  <c:v>500</c:v>
+                </c:pt>
+                <c:pt idx="60">
+                  <c:v>500</c:v>
+                </c:pt>
+                <c:pt idx="61">
+                  <c:v>500</c:v>
+                </c:pt>
+                <c:pt idx="62">
+                  <c:v>500</c:v>
+                </c:pt>
+                <c:pt idx="63">
+                  <c:v>500</c:v>
+                </c:pt>
+                <c:pt idx="64">
+                  <c:v>500</c:v>
+                </c:pt>
+                <c:pt idx="65">
+                  <c:v>1000</c:v>
+                </c:pt>
+                <c:pt idx="66">
+                  <c:v>1000</c:v>
+                </c:pt>
+                <c:pt idx="67">
+                  <c:v>1000</c:v>
+                </c:pt>
+                <c:pt idx="68">
+                  <c:v>1000</c:v>
+                </c:pt>
+                <c:pt idx="69">
+                  <c:v>1000</c:v>
+                </c:pt>
+                <c:pt idx="70">
+                  <c:v>1000</c:v>
+                </c:pt>
+                <c:pt idx="71">
+                  <c:v>1000</c:v>
+                </c:pt>
+                <c:pt idx="72">
+                  <c:v>1000</c:v>
+                </c:pt>
+                <c:pt idx="73">
+                  <c:v>1000</c:v>
+                </c:pt>
+                <c:pt idx="74">
+                  <c:v>1000</c:v>
+                </c:pt>
+                <c:pt idx="75">
+                  <c:v>1000</c:v>
+                </c:pt>
+                <c:pt idx="76">
+                  <c:v>1000</c:v>
                 </c:pt>
               </c:numCache>
             </c:numRef>
           </c:xVal>
           <c:yVal>
             <c:numRef>
-              <c:f>Stat!$C$2:$C$55</c:f>
+              <c:f>Stat!$C$2:$C$78</c:f>
               <c:numCache>
                 <c:formatCode>General</c:formatCode>
-                <c:ptCount val="54"/>
+                <c:ptCount val="77"/>
                 <c:pt idx="0">
                   <c:v>15</c:v>
                 </c:pt>
@@ -1265,6 +1556,75 @@
                 </c:pt>
                 <c:pt idx="53">
                   <c:v>31</c:v>
+                </c:pt>
+                <c:pt idx="54">
+                  <c:v>30</c:v>
+                </c:pt>
+                <c:pt idx="55">
+                  <c:v>39</c:v>
+                </c:pt>
+                <c:pt idx="56">
+                  <c:v>46</c:v>
+                </c:pt>
+                <c:pt idx="57">
+                  <c:v>43</c:v>
+                </c:pt>
+                <c:pt idx="58">
+                  <c:v>33</c:v>
+                </c:pt>
+                <c:pt idx="59">
+                  <c:v>41</c:v>
+                </c:pt>
+                <c:pt idx="60">
+                  <c:v>34</c:v>
+                </c:pt>
+                <c:pt idx="61">
+                  <c:v>36</c:v>
+                </c:pt>
+                <c:pt idx="62">
+                  <c:v>41</c:v>
+                </c:pt>
+                <c:pt idx="63">
+                  <c:v>35</c:v>
+                </c:pt>
+                <c:pt idx="64">
+                  <c:v>37</c:v>
+                </c:pt>
+                <c:pt idx="65">
+                  <c:v>51</c:v>
+                </c:pt>
+                <c:pt idx="66">
+                  <c:v>39</c:v>
+                </c:pt>
+                <c:pt idx="67">
+                  <c:v>55</c:v>
+                </c:pt>
+                <c:pt idx="68">
+                  <c:v>40</c:v>
+                </c:pt>
+                <c:pt idx="69">
+                  <c:v>45</c:v>
+                </c:pt>
+                <c:pt idx="70">
+                  <c:v>51</c:v>
+                </c:pt>
+                <c:pt idx="71">
+                  <c:v>44</c:v>
+                </c:pt>
+                <c:pt idx="72">
+                  <c:v>46</c:v>
+                </c:pt>
+                <c:pt idx="73">
+                  <c:v>50</c:v>
+                </c:pt>
+                <c:pt idx="74">
+                  <c:v>47</c:v>
+                </c:pt>
+                <c:pt idx="75">
+                  <c:v>43</c:v>
+                </c:pt>
+                <c:pt idx="76">
+                  <c:v>42</c:v>
                 </c:pt>
               </c:numCache>
             </c:numRef>
@@ -1272,7 +1632,7 @@
           <c:smooth val="0"/>
           <c:extLst>
             <c:ext xmlns:c16="http://schemas.microsoft.com/office/drawing/2014/chart" uri="{C3380CC4-5D6E-409C-BE32-E72D297353CC}">
-              <c16:uniqueId val="{00000001-AD41-4E61-90CB-7CC983AAB84B}"/>
+              <c16:uniqueId val="{00000001-38C5-4D08-ABF0-B59ABC50D19D}"/>
             </c:ext>
           </c:extLst>
         </c:ser>
@@ -1661,11 +2021,11 @@
             <c:size val="5"/>
             <c:spPr>
               <a:solidFill>
-                <a:schemeClr val="bg1"/>
+                <a:schemeClr val="accent1"/>
               </a:solidFill>
               <a:ln w="9525">
                 <a:solidFill>
-                  <a:schemeClr val="bg1"/>
+                  <a:schemeClr val="accent1"/>
                 </a:solidFill>
               </a:ln>
               <a:effectLst/>
@@ -1675,7 +2035,7 @@
             <c:spPr>
               <a:ln w="19050" cap="rnd">
                 <a:solidFill>
-                  <a:srgbClr val="FF0000"/>
+                  <a:schemeClr val="accent1"/>
                 </a:solidFill>
                 <a:prstDash val="sysDot"/>
               </a:ln>
@@ -1688,10 +2048,10 @@
           </c:trendline>
           <c:xVal>
             <c:numRef>
-              <c:f>Stat!$B$2:$B$55</c:f>
+              <c:f>Stat!$B$2:$B$78</c:f>
               <c:numCache>
                 <c:formatCode>General</c:formatCode>
-                <c:ptCount val="54"/>
+                <c:ptCount val="77"/>
                 <c:pt idx="0">
                   <c:v>8</c:v>
                 </c:pt>
@@ -1853,16 +2213,85 @@
                 </c:pt>
                 <c:pt idx="53">
                   <c:v>28</c:v>
+                </c:pt>
+                <c:pt idx="54">
+                  <c:v>47</c:v>
+                </c:pt>
+                <c:pt idx="55">
+                  <c:v>56</c:v>
+                </c:pt>
+                <c:pt idx="56">
+                  <c:v>48</c:v>
+                </c:pt>
+                <c:pt idx="57">
+                  <c:v>55</c:v>
+                </c:pt>
+                <c:pt idx="58">
+                  <c:v>43</c:v>
+                </c:pt>
+                <c:pt idx="59">
+                  <c:v>60</c:v>
+                </c:pt>
+                <c:pt idx="60">
+                  <c:v>58</c:v>
+                </c:pt>
+                <c:pt idx="61">
+                  <c:v>49</c:v>
+                </c:pt>
+                <c:pt idx="62">
+                  <c:v>57</c:v>
+                </c:pt>
+                <c:pt idx="63">
+                  <c:v>49</c:v>
+                </c:pt>
+                <c:pt idx="64">
+                  <c:v>51</c:v>
+                </c:pt>
+                <c:pt idx="65">
+                  <c:v>98</c:v>
+                </c:pt>
+                <c:pt idx="66">
+                  <c:v>79</c:v>
+                </c:pt>
+                <c:pt idx="67">
+                  <c:v>88</c:v>
+                </c:pt>
+                <c:pt idx="68">
+                  <c:v>106</c:v>
+                </c:pt>
+                <c:pt idx="69">
+                  <c:v>90</c:v>
+                </c:pt>
+                <c:pt idx="70">
+                  <c:v>79</c:v>
+                </c:pt>
+                <c:pt idx="71">
+                  <c:v>82</c:v>
+                </c:pt>
+                <c:pt idx="72">
+                  <c:v>104</c:v>
+                </c:pt>
+                <c:pt idx="73">
+                  <c:v>92</c:v>
+                </c:pt>
+                <c:pt idx="74">
+                  <c:v>100</c:v>
+                </c:pt>
+                <c:pt idx="75">
+                  <c:v>95</c:v>
+                </c:pt>
+                <c:pt idx="76">
+                  <c:v>85</c:v>
                 </c:pt>
               </c:numCache>
             </c:numRef>
           </c:xVal>
           <c:yVal>
             <c:numRef>
-              <c:f>Stat!$C$2:$C$55</c:f>
+              <c:f>Stat!$C$2:$C$78</c:f>
               <c:numCache>
                 <c:formatCode>General</c:formatCode>
-                <c:ptCount val="54"/>
+                <c:ptCount val="77"/>
                 <c:pt idx="0">
                   <c:v>15</c:v>
                 </c:pt>
@@ -2024,6 +2453,75 @@
                 </c:pt>
                 <c:pt idx="53">
                   <c:v>31</c:v>
+                </c:pt>
+                <c:pt idx="54">
+                  <c:v>30</c:v>
+                </c:pt>
+                <c:pt idx="55">
+                  <c:v>39</c:v>
+                </c:pt>
+                <c:pt idx="56">
+                  <c:v>46</c:v>
+                </c:pt>
+                <c:pt idx="57">
+                  <c:v>43</c:v>
+                </c:pt>
+                <c:pt idx="58">
+                  <c:v>33</c:v>
+                </c:pt>
+                <c:pt idx="59">
+                  <c:v>41</c:v>
+                </c:pt>
+                <c:pt idx="60">
+                  <c:v>34</c:v>
+                </c:pt>
+                <c:pt idx="61">
+                  <c:v>36</c:v>
+                </c:pt>
+                <c:pt idx="62">
+                  <c:v>41</c:v>
+                </c:pt>
+                <c:pt idx="63">
+                  <c:v>35</c:v>
+                </c:pt>
+                <c:pt idx="64">
+                  <c:v>37</c:v>
+                </c:pt>
+                <c:pt idx="65">
+                  <c:v>51</c:v>
+                </c:pt>
+                <c:pt idx="66">
+                  <c:v>39</c:v>
+                </c:pt>
+                <c:pt idx="67">
+                  <c:v>55</c:v>
+                </c:pt>
+                <c:pt idx="68">
+                  <c:v>40</c:v>
+                </c:pt>
+                <c:pt idx="69">
+                  <c:v>45</c:v>
+                </c:pt>
+                <c:pt idx="70">
+                  <c:v>51</c:v>
+                </c:pt>
+                <c:pt idx="71">
+                  <c:v>44</c:v>
+                </c:pt>
+                <c:pt idx="72">
+                  <c:v>46</c:v>
+                </c:pt>
+                <c:pt idx="73">
+                  <c:v>50</c:v>
+                </c:pt>
+                <c:pt idx="74">
+                  <c:v>47</c:v>
+                </c:pt>
+                <c:pt idx="75">
+                  <c:v>43</c:v>
+                </c:pt>
+                <c:pt idx="76">
+                  <c:v>42</c:v>
                 </c:pt>
               </c:numCache>
             </c:numRef>
@@ -2031,7 +2529,7 @@
           <c:smooth val="0"/>
           <c:extLst>
             <c:ext xmlns:c16="http://schemas.microsoft.com/office/drawing/2014/chart" uri="{C3380CC4-5D6E-409C-BE32-E72D297353CC}">
-              <c16:uniqueId val="{00000001-DFF9-4140-A96C-293A6F0803A5}"/>
+              <c16:uniqueId val="{00000001-1FEF-44F4-8DDD-989DAD9C8C81}"/>
             </c:ext>
           </c:extLst>
         </c:ser>
@@ -8488,7 +8986,7 @@
           <a:p>
             <a:fld id="{192FD1CC-A67F-4324-B4C4-686A1BA9B484}" type="datetimeFigureOut">
               <a:rPr lang="fr-FR" smtClean="0"/>
-              <a:t>11/12/2019</a:t>
+              <a:t>16/12/2019</a:t>
             </a:fld>
             <a:endParaRPr lang="fr-FR"/>
           </a:p>
@@ -8686,7 +9184,7 @@
           <a:p>
             <a:fld id="{192FD1CC-A67F-4324-B4C4-686A1BA9B484}" type="datetimeFigureOut">
               <a:rPr lang="fr-FR" smtClean="0"/>
-              <a:t>11/12/2019</a:t>
+              <a:t>16/12/2019</a:t>
             </a:fld>
             <a:endParaRPr lang="fr-FR"/>
           </a:p>
@@ -8894,7 +9392,7 @@
           <a:p>
             <a:fld id="{192FD1CC-A67F-4324-B4C4-686A1BA9B484}" type="datetimeFigureOut">
               <a:rPr lang="fr-FR" smtClean="0"/>
-              <a:t>11/12/2019</a:t>
+              <a:t>16/12/2019</a:t>
             </a:fld>
             <a:endParaRPr lang="fr-FR"/>
           </a:p>
@@ -9092,7 +9590,7 @@
           <a:p>
             <a:fld id="{192FD1CC-A67F-4324-B4C4-686A1BA9B484}" type="datetimeFigureOut">
               <a:rPr lang="fr-FR" smtClean="0"/>
-              <a:t>11/12/2019</a:t>
+              <a:t>16/12/2019</a:t>
             </a:fld>
             <a:endParaRPr lang="fr-FR"/>
           </a:p>
@@ -9367,7 +9865,7 @@
           <a:p>
             <a:fld id="{192FD1CC-A67F-4324-B4C4-686A1BA9B484}" type="datetimeFigureOut">
               <a:rPr lang="fr-FR" smtClean="0"/>
-              <a:t>11/12/2019</a:t>
+              <a:t>16/12/2019</a:t>
             </a:fld>
             <a:endParaRPr lang="fr-FR"/>
           </a:p>
@@ -9632,7 +10130,7 @@
           <a:p>
             <a:fld id="{192FD1CC-A67F-4324-B4C4-686A1BA9B484}" type="datetimeFigureOut">
               <a:rPr lang="fr-FR" smtClean="0"/>
-              <a:t>11/12/2019</a:t>
+              <a:t>16/12/2019</a:t>
             </a:fld>
             <a:endParaRPr lang="fr-FR"/>
           </a:p>
@@ -10044,7 +10542,7 @@
           <a:p>
             <a:fld id="{192FD1CC-A67F-4324-B4C4-686A1BA9B484}" type="datetimeFigureOut">
               <a:rPr lang="fr-FR" smtClean="0"/>
-              <a:t>11/12/2019</a:t>
+              <a:t>16/12/2019</a:t>
             </a:fld>
             <a:endParaRPr lang="fr-FR"/>
           </a:p>
@@ -10185,7 +10683,7 @@
           <a:p>
             <a:fld id="{192FD1CC-A67F-4324-B4C4-686A1BA9B484}" type="datetimeFigureOut">
               <a:rPr lang="fr-FR" smtClean="0"/>
-              <a:t>11/12/2019</a:t>
+              <a:t>16/12/2019</a:t>
             </a:fld>
             <a:endParaRPr lang="fr-FR"/>
           </a:p>
@@ -10298,7 +10796,7 @@
           <a:p>
             <a:fld id="{192FD1CC-A67F-4324-B4C4-686A1BA9B484}" type="datetimeFigureOut">
               <a:rPr lang="fr-FR" smtClean="0"/>
-              <a:t>11/12/2019</a:t>
+              <a:t>16/12/2019</a:t>
             </a:fld>
             <a:endParaRPr lang="fr-FR"/>
           </a:p>
@@ -10609,7 +11107,7 @@
           <a:p>
             <a:fld id="{192FD1CC-A67F-4324-B4C4-686A1BA9B484}" type="datetimeFigureOut">
               <a:rPr lang="fr-FR" smtClean="0"/>
-              <a:t>11/12/2019</a:t>
+              <a:t>16/12/2019</a:t>
             </a:fld>
             <a:endParaRPr lang="fr-FR"/>
           </a:p>
@@ -10897,7 +11395,7 @@
           <a:p>
             <a:fld id="{192FD1CC-A67F-4324-B4C4-686A1BA9B484}" type="datetimeFigureOut">
               <a:rPr lang="fr-FR" smtClean="0"/>
-              <a:t>11/12/2019</a:t>
+              <a:t>16/12/2019</a:t>
             </a:fld>
             <a:endParaRPr lang="fr-FR"/>
           </a:p>
@@ -11138,7 +11636,7 @@
           <a:p>
             <a:fld id="{192FD1CC-A67F-4324-B4C4-686A1BA9B484}" type="datetimeFigureOut">
               <a:rPr lang="fr-FR" smtClean="0"/>
-              <a:t>11/12/2019</a:t>
+              <a:t>16/12/2019</a:t>
             </a:fld>
             <a:endParaRPr lang="fr-FR"/>
           </a:p>
@@ -13562,913 +14060,6 @@
           <a:chExt cx="0" cy="0"/>
         </a:xfrm>
       </p:grpSpPr>
-      <p:sp useBgFill="1">
-        <p:nvSpPr>
-          <p:cNvPr id="18" name="Rectangle 20">
-            <a:extLst>
-              <a:ext uri="{FF2B5EF4-FFF2-40B4-BE49-F238E27FC236}">
-                <a16:creationId xmlns:a16="http://schemas.microsoft.com/office/drawing/2014/main" id="{98135EBA-B3A3-4F88-BCB1-D0C8E63F47CA}"/>
-              </a:ext>
-              <a:ext uri="{C183D7F6-B498-43B3-948B-1728B52AA6E4}">
-                <adec:decorative xmlns:adec="http://schemas.microsoft.com/office/drawing/2017/decorative" val="1"/>
-              </a:ext>
-            </a:extLst>
-          </p:cNvPr>
-          <p:cNvSpPr>
-            <a:spLocks noGrp="1" noRot="1" noChangeAspect="1" noMove="1" noResize="1" noEditPoints="1" noAdjustHandles="1" noChangeArrowheads="1" noChangeShapeType="1" noTextEdit="1"/>
-          </p:cNvSpPr>
-          <p:nvPr>
-            <p:extLst>
-              <p:ext uri="{386F3935-93C4-4BCD-93E2-E3B085C9AB24}">
-                <p16:designElem xmlns:p16="http://schemas.microsoft.com/office/powerpoint/2015/main" val="1"/>
-              </p:ext>
-            </p:extLst>
-          </p:nvPr>
-        </p:nvSpPr>
-        <p:spPr>
-          <a:xfrm>
-            <a:off x="0" y="0"/>
-            <a:ext cx="12188952" cy="6858000"/>
-          </a:xfrm>
-          <a:prstGeom prst="rect">
-            <a:avLst/>
-          </a:prstGeom>
-          <a:ln>
-            <a:noFill/>
-          </a:ln>
-        </p:spPr>
-        <p:style>
-          <a:lnRef idx="2">
-            <a:schemeClr val="accent1">
-              <a:shade val="50000"/>
-            </a:schemeClr>
-          </a:lnRef>
-          <a:fillRef idx="1">
-            <a:schemeClr val="accent1"/>
-          </a:fillRef>
-          <a:effectRef idx="0">
-            <a:schemeClr val="accent1"/>
-          </a:effectRef>
-          <a:fontRef idx="minor">
-            <a:schemeClr val="lt1"/>
-          </a:fontRef>
-        </p:style>
-        <p:txBody>
-          <a:bodyPr rtlCol="0" anchor="ctr"/>
-          <a:lstStyle/>
-          <a:p>
-            <a:pPr algn="ctr"/>
-            <a:endParaRPr lang="en-US"/>
-          </a:p>
-        </p:txBody>
-      </p:sp>
-      <p:sp>
-        <p:nvSpPr>
-          <p:cNvPr id="19" name="Rectangle 22">
-            <a:extLst>
-              <a:ext uri="{FF2B5EF4-FFF2-40B4-BE49-F238E27FC236}">
-                <a16:creationId xmlns:a16="http://schemas.microsoft.com/office/drawing/2014/main" id="{B551406E-05CC-4445-9609-3E253925D771}"/>
-              </a:ext>
-              <a:ext uri="{C183D7F6-B498-43B3-948B-1728B52AA6E4}">
-                <adec:decorative xmlns:adec="http://schemas.microsoft.com/office/drawing/2017/decorative" val="1"/>
-              </a:ext>
-            </a:extLst>
-          </p:cNvPr>
-          <p:cNvSpPr>
-            <a:spLocks noGrp="1" noRot="1" noChangeAspect="1" noMove="1" noResize="1" noEditPoints="1" noAdjustHandles="1" noChangeArrowheads="1" noChangeShapeType="1" noTextEdit="1"/>
-          </p:cNvSpPr>
-          <p:nvPr>
-            <p:extLst>
-              <p:ext uri="{386F3935-93C4-4BCD-93E2-E3B085C9AB24}">
-                <p16:designElem xmlns:p16="http://schemas.microsoft.com/office/powerpoint/2015/main" val="1"/>
-              </p:ext>
-            </p:extLst>
-          </p:nvPr>
-        </p:nvSpPr>
-        <p:spPr>
-          <a:xfrm>
-            <a:off x="0" y="4572457"/>
-            <a:ext cx="12192000" cy="2285543"/>
-          </a:xfrm>
-          <a:prstGeom prst="rect">
-            <a:avLst/>
-          </a:prstGeom>
-          <a:solidFill>
-            <a:schemeClr val="tx1">
-              <a:lumMod val="75000"/>
-              <a:lumOff val="25000"/>
-            </a:schemeClr>
-          </a:solidFill>
-          <a:ln>
-            <a:noFill/>
-          </a:ln>
-        </p:spPr>
-        <p:style>
-          <a:lnRef idx="2">
-            <a:schemeClr val="accent1">
-              <a:shade val="50000"/>
-            </a:schemeClr>
-          </a:lnRef>
-          <a:fillRef idx="1">
-            <a:schemeClr val="accent1"/>
-          </a:fillRef>
-          <a:effectRef idx="0">
-            <a:schemeClr val="accent1"/>
-          </a:effectRef>
-          <a:fontRef idx="minor">
-            <a:schemeClr val="lt1"/>
-          </a:fontRef>
-        </p:style>
-        <p:txBody>
-          <a:bodyPr rtlCol="0" anchor="ctr"/>
-          <a:lstStyle/>
-          <a:p>
-            <a:pPr marL="0" marR="0" lvl="0" indent="0" algn="ctr" defTabSz="914400" rtl="0" eaLnBrk="1" fontAlgn="auto" latinLnBrk="0" hangingPunct="1">
-              <a:lnSpc>
-                <a:spcPct val="100000"/>
-              </a:lnSpc>
-              <a:spcBef>
-                <a:spcPts val="0"/>
-              </a:spcBef>
-              <a:spcAft>
-                <a:spcPts val="0"/>
-              </a:spcAft>
-              <a:buClrTx/>
-              <a:buSzTx/>
-              <a:buFontTx/>
-              <a:buNone/>
-              <a:tabLst/>
-              <a:defRPr/>
-            </a:pPr>
-            <a:endParaRPr kumimoji="0" lang="en-US" sz="1800" b="0" i="0" u="none" strike="noStrike" kern="1200" cap="none" spc="0" normalizeH="0" baseline="0" noProof="0">
-              <a:ln>
-                <a:noFill/>
-              </a:ln>
-              <a:solidFill>
-                <a:prstClr val="white"/>
-              </a:solidFill>
-              <a:effectLst/>
-              <a:uLnTx/>
-              <a:uFillTx/>
-              <a:latin typeface="Tw Cen MT" panose="020B0602020104020603"/>
-              <a:ea typeface="+mn-ea"/>
-              <a:cs typeface="+mn-cs"/>
-            </a:endParaRPr>
-          </a:p>
-        </p:txBody>
-      </p:sp>
-      <p:sp>
-        <p:nvSpPr>
-          <p:cNvPr id="2" name="Titre 1">
-            <a:extLst>
-              <a:ext uri="{FF2B5EF4-FFF2-40B4-BE49-F238E27FC236}">
-                <a16:creationId xmlns:a16="http://schemas.microsoft.com/office/drawing/2014/main" id="{F0AD156C-2034-45B6-AD2B-19B2FAC07076}"/>
-              </a:ext>
-            </a:extLst>
-          </p:cNvPr>
-          <p:cNvSpPr>
-            <a:spLocks noGrp="1"/>
-          </p:cNvSpPr>
-          <p:nvPr>
-            <p:ph type="title"/>
-          </p:nvPr>
-        </p:nvSpPr>
-        <p:spPr>
-          <a:xfrm>
-            <a:off x="1303513" y="4984597"/>
-            <a:ext cx="3767328" cy="1325880"/>
-          </a:xfrm>
-        </p:spPr>
-        <p:txBody>
-          <a:bodyPr vert="horz" lIns="91440" tIns="45720" rIns="91440" bIns="45720" rtlCol="0" anchor="ctr">
-            <a:normAutofit/>
-          </a:bodyPr>
-          <a:lstStyle/>
-          <a:p>
-            <a:pPr lvl="0"/>
-            <a:r>
-              <a:rPr lang="en-US" sz="7200" b="1" dirty="0">
-                <a:solidFill>
-                  <a:schemeClr val="bg1"/>
-                </a:solidFill>
-              </a:rPr>
-              <a:t>IHM</a:t>
-            </a:r>
-          </a:p>
-        </p:txBody>
-      </p:sp>
-      <p:pic>
-        <p:nvPicPr>
-          <p:cNvPr id="16" name="Image 15" descr="Une image contenant noir, photo, grand&#10;&#10;Description générée automatiquement">
-            <a:extLst>
-              <a:ext uri="{FF2B5EF4-FFF2-40B4-BE49-F238E27FC236}">
-                <a16:creationId xmlns:a16="http://schemas.microsoft.com/office/drawing/2014/main" id="{37619466-95C8-4891-8248-F15C89A83E01}"/>
-              </a:ext>
-            </a:extLst>
-          </p:cNvPr>
-          <p:cNvPicPr>
-            <a:picLocks noChangeAspect="1"/>
-          </p:cNvPicPr>
-          <p:nvPr/>
-        </p:nvPicPr>
-        <p:blipFill>
-          <a:blip r:embed="rId2">
-            <a:extLst>
-              <a:ext uri="{28A0092B-C50C-407E-A947-70E740481C1C}">
-                <a14:useLocalDpi xmlns:a14="http://schemas.microsoft.com/office/drawing/2010/main" val="0"/>
-              </a:ext>
-            </a:extLst>
-          </a:blip>
-          <a:stretch>
-            <a:fillRect/>
-          </a:stretch>
-        </p:blipFill>
-        <p:spPr>
-          <a:xfrm>
-            <a:off x="1177259" y="645396"/>
-            <a:ext cx="1093046" cy="3209544"/>
-          </a:xfrm>
-          <a:prstGeom prst="rect">
-            <a:avLst/>
-          </a:prstGeom>
-        </p:spPr>
-      </p:pic>
-      <p:cxnSp>
-        <p:nvCxnSpPr>
-          <p:cNvPr id="20" name="Straight Connector 24">
-            <a:extLst>
-              <a:ext uri="{FF2B5EF4-FFF2-40B4-BE49-F238E27FC236}">
-                <a16:creationId xmlns:a16="http://schemas.microsoft.com/office/drawing/2014/main" id="{FB9683CF-0DA1-46CF-ACAC-D8EE1B15BDB7}"/>
-              </a:ext>
-              <a:ext uri="{C183D7F6-B498-43B3-948B-1728B52AA6E4}">
-                <adec:decorative xmlns:adec="http://schemas.microsoft.com/office/drawing/2017/decorative" val="1"/>
-              </a:ext>
-            </a:extLst>
-          </p:cNvPr>
-          <p:cNvCxnSpPr>
-            <a:cxnSpLocks noGrp="1" noRot="1" noChangeAspect="1" noMove="1" noResize="1" noEditPoints="1" noAdjustHandles="1" noChangeArrowheads="1" noChangeShapeType="1"/>
-          </p:cNvCxnSpPr>
-          <p:nvPr>
-            <p:extLst>
-              <p:ext uri="{386F3935-93C4-4BCD-93E2-E3B085C9AB24}">
-                <p16:designElem xmlns:p16="http://schemas.microsoft.com/office/powerpoint/2015/main" val="1"/>
-              </p:ext>
-            </p:extLst>
-          </p:nvPr>
-        </p:nvCxnSpPr>
-        <p:spPr>
-          <a:xfrm>
-            <a:off x="3187177" y="1347782"/>
-            <a:ext cx="0" cy="1828800"/>
-          </a:xfrm>
-          <a:prstGeom prst="line">
-            <a:avLst/>
-          </a:prstGeom>
-          <a:ln w="19050">
-            <a:solidFill>
-              <a:schemeClr val="tx1">
-                <a:lumMod val="75000"/>
-                <a:lumOff val="25000"/>
-                <a:alpha val="60000"/>
-              </a:schemeClr>
-            </a:solidFill>
-          </a:ln>
-        </p:spPr>
-        <p:style>
-          <a:lnRef idx="1">
-            <a:schemeClr val="accent1"/>
-          </a:lnRef>
-          <a:fillRef idx="0">
-            <a:schemeClr val="accent1"/>
-          </a:fillRef>
-          <a:effectRef idx="0">
-            <a:schemeClr val="accent1"/>
-          </a:effectRef>
-          <a:fontRef idx="minor">
-            <a:schemeClr val="tx1"/>
-          </a:fontRef>
-        </p:style>
-      </p:cxnSp>
-      <p:pic>
-        <p:nvPicPr>
-          <p:cNvPr id="14" name="Image 13" descr="Une image contenant noir, assis, table, grand&#10;&#10;Description générée automatiquement">
-            <a:extLst>
-              <a:ext uri="{FF2B5EF4-FFF2-40B4-BE49-F238E27FC236}">
-                <a16:creationId xmlns:a16="http://schemas.microsoft.com/office/drawing/2014/main" id="{B309E603-C6C1-4441-86D6-DD62E8B0317A}"/>
-              </a:ext>
-            </a:extLst>
-          </p:cNvPr>
-          <p:cNvPicPr>
-            <a:picLocks noChangeAspect="1"/>
-          </p:cNvPicPr>
-          <p:nvPr/>
-        </p:nvPicPr>
-        <p:blipFill>
-          <a:blip r:embed="rId3">
-            <a:extLst>
-              <a:ext uri="{28A0092B-C50C-407E-A947-70E740481C1C}">
-                <a14:useLocalDpi xmlns:a14="http://schemas.microsoft.com/office/drawing/2010/main" val="0"/>
-              </a:ext>
-            </a:extLst>
-          </a:blip>
-          <a:stretch>
-            <a:fillRect/>
-          </a:stretch>
-        </p:blipFill>
-        <p:spPr>
-          <a:xfrm>
-            <a:off x="3772238" y="645396"/>
-            <a:ext cx="1739801" cy="3209544"/>
-          </a:xfrm>
-          <a:prstGeom prst="rect">
-            <a:avLst/>
-          </a:prstGeom>
-        </p:spPr>
-      </p:pic>
-      <p:cxnSp>
-        <p:nvCxnSpPr>
-          <p:cNvPr id="22" name="Straight Connector 26">
-            <a:extLst>
-              <a:ext uri="{FF2B5EF4-FFF2-40B4-BE49-F238E27FC236}">
-                <a16:creationId xmlns:a16="http://schemas.microsoft.com/office/drawing/2014/main" id="{C2AE770B-9BD5-45F7-9DD4-D3FFD62FE6FE}"/>
-              </a:ext>
-              <a:ext uri="{C183D7F6-B498-43B3-948B-1728B52AA6E4}">
-                <adec:decorative xmlns:adec="http://schemas.microsoft.com/office/drawing/2017/decorative" val="1"/>
-              </a:ext>
-            </a:extLst>
-          </p:cNvPr>
-          <p:cNvCxnSpPr>
-            <a:cxnSpLocks noGrp="1" noRot="1" noChangeAspect="1" noMove="1" noResize="1" noEditPoints="1" noAdjustHandles="1" noChangeArrowheads="1" noChangeShapeType="1"/>
-          </p:cNvCxnSpPr>
-          <p:nvPr>
-            <p:extLst>
-              <p:ext uri="{386F3935-93C4-4BCD-93E2-E3B085C9AB24}">
-                <p16:designElem xmlns:p16="http://schemas.microsoft.com/office/powerpoint/2015/main" val="1"/>
-              </p:ext>
-            </p:extLst>
-          </p:nvPr>
-        </p:nvCxnSpPr>
-        <p:spPr>
-          <a:xfrm>
-            <a:off x="6096000" y="1349484"/>
-            <a:ext cx="0" cy="1828800"/>
-          </a:xfrm>
-          <a:prstGeom prst="line">
-            <a:avLst/>
-          </a:prstGeom>
-          <a:ln w="19050">
-            <a:solidFill>
-              <a:schemeClr val="tx1">
-                <a:lumMod val="75000"/>
-                <a:lumOff val="25000"/>
-                <a:alpha val="60000"/>
-              </a:schemeClr>
-            </a:solidFill>
-          </a:ln>
-        </p:spPr>
-        <p:style>
-          <a:lnRef idx="1">
-            <a:schemeClr val="accent1"/>
-          </a:lnRef>
-          <a:fillRef idx="0">
-            <a:schemeClr val="accent1"/>
-          </a:fillRef>
-          <a:effectRef idx="0">
-            <a:schemeClr val="accent1"/>
-          </a:effectRef>
-          <a:fontRef idx="minor">
-            <a:schemeClr val="tx1"/>
-          </a:fontRef>
-        </p:style>
-      </p:cxnSp>
-      <p:pic>
-        <p:nvPicPr>
-          <p:cNvPr id="12" name="Image 11" descr="Une image contenant noir, assis, signe, téléphone&#10;&#10;Description générée automatiquement">
-            <a:extLst>
-              <a:ext uri="{FF2B5EF4-FFF2-40B4-BE49-F238E27FC236}">
-                <a16:creationId xmlns:a16="http://schemas.microsoft.com/office/drawing/2014/main" id="{8BAC2201-3B3B-4A75-AD87-58493DDB4358}"/>
-              </a:ext>
-            </a:extLst>
-          </p:cNvPr>
-          <p:cNvPicPr>
-            <a:picLocks noChangeAspect="1"/>
-          </p:cNvPicPr>
-          <p:nvPr/>
-        </p:nvPicPr>
-        <p:blipFill>
-          <a:blip r:embed="rId4">
-            <a:extLst>
-              <a:ext uri="{28A0092B-C50C-407E-A947-70E740481C1C}">
-                <a14:useLocalDpi xmlns:a14="http://schemas.microsoft.com/office/drawing/2010/main" val="0"/>
-              </a:ext>
-            </a:extLst>
-          </a:blip>
-          <a:stretch>
-            <a:fillRect/>
-          </a:stretch>
-        </p:blipFill>
-        <p:spPr>
-          <a:xfrm>
-            <a:off x="6265129" y="1210462"/>
-            <a:ext cx="2569464" cy="2079411"/>
-          </a:xfrm>
-          <a:prstGeom prst="rect">
-            <a:avLst/>
-          </a:prstGeom>
-        </p:spPr>
-      </p:pic>
-      <p:cxnSp>
-        <p:nvCxnSpPr>
-          <p:cNvPr id="24" name="Straight Connector 28">
-            <a:extLst>
-              <a:ext uri="{FF2B5EF4-FFF2-40B4-BE49-F238E27FC236}">
-                <a16:creationId xmlns:a16="http://schemas.microsoft.com/office/drawing/2014/main" id="{24A55763-CE5D-4A9B-A9F7-982C800073B9}"/>
-              </a:ext>
-              <a:ext uri="{C183D7F6-B498-43B3-948B-1728B52AA6E4}">
-                <adec:decorative xmlns:adec="http://schemas.microsoft.com/office/drawing/2017/decorative" val="1"/>
-              </a:ext>
-            </a:extLst>
-          </p:cNvPr>
-          <p:cNvCxnSpPr>
-            <a:cxnSpLocks noGrp="1" noRot="1" noChangeAspect="1" noMove="1" noResize="1" noEditPoints="1" noAdjustHandles="1" noChangeArrowheads="1" noChangeShapeType="1"/>
-          </p:cNvCxnSpPr>
-          <p:nvPr>
-            <p:extLst>
-              <p:ext uri="{386F3935-93C4-4BCD-93E2-E3B085C9AB24}">
-                <p16:designElem xmlns:p16="http://schemas.microsoft.com/office/powerpoint/2015/main" val="1"/>
-              </p:ext>
-            </p:extLst>
-          </p:nvPr>
-        </p:nvCxnSpPr>
-        <p:spPr>
-          <a:xfrm>
-            <a:off x="9013824" y="1349484"/>
-            <a:ext cx="0" cy="1828800"/>
-          </a:xfrm>
-          <a:prstGeom prst="line">
-            <a:avLst/>
-          </a:prstGeom>
-          <a:ln w="19050">
-            <a:solidFill>
-              <a:schemeClr val="tx1">
-                <a:lumMod val="75000"/>
-                <a:lumOff val="25000"/>
-                <a:alpha val="60000"/>
-              </a:schemeClr>
-            </a:solidFill>
-          </a:ln>
-        </p:spPr>
-        <p:style>
-          <a:lnRef idx="1">
-            <a:schemeClr val="accent1"/>
-          </a:lnRef>
-          <a:fillRef idx="0">
-            <a:schemeClr val="accent1"/>
-          </a:fillRef>
-          <a:effectRef idx="0">
-            <a:schemeClr val="accent1"/>
-          </a:effectRef>
-          <a:fontRef idx="minor">
-            <a:schemeClr val="tx1"/>
-          </a:fontRef>
-        </p:style>
-      </p:cxnSp>
-      <p:pic>
-        <p:nvPicPr>
-          <p:cNvPr id="6" name="Image 5" descr="Une image contenant ordinateur&#10;&#10;Description générée automatiquement">
-            <a:extLst>
-              <a:ext uri="{FF2B5EF4-FFF2-40B4-BE49-F238E27FC236}">
-                <a16:creationId xmlns:a16="http://schemas.microsoft.com/office/drawing/2014/main" id="{799A3967-3404-4C38-A713-415A9A463D56}"/>
-              </a:ext>
-            </a:extLst>
-          </p:cNvPr>
-          <p:cNvPicPr>
-            <a:picLocks noChangeAspect="1"/>
-          </p:cNvPicPr>
-          <p:nvPr/>
-        </p:nvPicPr>
-        <p:blipFill>
-          <a:blip r:embed="rId5">
-            <a:extLst>
-              <a:ext uri="{28A0092B-C50C-407E-A947-70E740481C1C}">
-                <a14:useLocalDpi xmlns:a14="http://schemas.microsoft.com/office/drawing/2010/main" val="0"/>
-              </a:ext>
-            </a:extLst>
-          </a:blip>
-          <a:stretch>
-            <a:fillRect/>
-          </a:stretch>
-        </p:blipFill>
-        <p:spPr>
-          <a:xfrm>
-            <a:off x="9183486" y="1454401"/>
-            <a:ext cx="2569464" cy="1591533"/>
-          </a:xfrm>
-          <a:prstGeom prst="rect">
-            <a:avLst/>
-          </a:prstGeom>
-        </p:spPr>
-      </p:pic>
-      <p:cxnSp>
-        <p:nvCxnSpPr>
-          <p:cNvPr id="26" name="Straight Connector 30">
-            <a:extLst>
-              <a:ext uri="{FF2B5EF4-FFF2-40B4-BE49-F238E27FC236}">
-                <a16:creationId xmlns:a16="http://schemas.microsoft.com/office/drawing/2014/main" id="{4E4DDBE7-307B-40B1-B6B5-5B376C16D732}"/>
-              </a:ext>
-              <a:ext uri="{C183D7F6-B498-43B3-948B-1728B52AA6E4}">
-                <adec:decorative xmlns:adec="http://schemas.microsoft.com/office/drawing/2017/decorative" val="1"/>
-              </a:ext>
-            </a:extLst>
-          </p:cNvPr>
-          <p:cNvCxnSpPr>
-            <a:cxnSpLocks noGrp="1" noRot="1" noChangeAspect="1" noMove="1" noResize="1" noEditPoints="1" noAdjustHandles="1" noChangeArrowheads="1" noChangeShapeType="1"/>
-          </p:cNvCxnSpPr>
-          <p:nvPr>
-            <p:extLst>
-              <p:ext uri="{386F3935-93C4-4BCD-93E2-E3B085C9AB24}">
-                <p16:designElem xmlns:p16="http://schemas.microsoft.com/office/powerpoint/2015/main" val="1"/>
-              </p:ext>
-            </p:extLst>
-          </p:nvPr>
-        </p:nvCxnSpPr>
-        <p:spPr>
-          <a:xfrm flipV="1">
-            <a:off x="4639665" y="5097939"/>
-            <a:ext cx="0" cy="914400"/>
-          </a:xfrm>
-          <a:prstGeom prst="line">
-            <a:avLst/>
-          </a:prstGeom>
-          <a:ln w="19050">
-            <a:solidFill>
-              <a:schemeClr val="bg1">
-                <a:alpha val="70000"/>
-              </a:schemeClr>
-            </a:solidFill>
-          </a:ln>
-        </p:spPr>
-        <p:style>
-          <a:lnRef idx="1">
-            <a:schemeClr val="accent1"/>
-          </a:lnRef>
-          <a:fillRef idx="0">
-            <a:schemeClr val="accent1"/>
-          </a:fillRef>
-          <a:effectRef idx="0">
-            <a:schemeClr val="accent1"/>
-          </a:effectRef>
-          <a:fontRef idx="minor">
-            <a:schemeClr val="tx1"/>
-          </a:fontRef>
-        </p:style>
-      </p:cxnSp>
-      <p:sp>
-        <p:nvSpPr>
-          <p:cNvPr id="3" name="Rectangle 2">
-            <a:extLst>
-              <a:ext uri="{FF2B5EF4-FFF2-40B4-BE49-F238E27FC236}">
-                <a16:creationId xmlns:a16="http://schemas.microsoft.com/office/drawing/2014/main" id="{0B32C03D-B7E7-4EA3-ACB5-C202BA8456CA}"/>
-              </a:ext>
-            </a:extLst>
-          </p:cNvPr>
-          <p:cNvSpPr/>
-          <p:nvPr/>
-        </p:nvSpPr>
-        <p:spPr>
-          <a:xfrm>
-            <a:off x="4881067" y="4653475"/>
-            <a:ext cx="7062201" cy="1988125"/>
-          </a:xfrm>
-          <a:prstGeom prst="rect">
-            <a:avLst/>
-          </a:prstGeom>
-        </p:spPr>
-        <p:txBody>
-          <a:bodyPr vert="horz" lIns="91440" tIns="45720" rIns="91440" bIns="45720" rtlCol="0" anchor="ctr">
-            <a:noAutofit/>
-          </a:bodyPr>
-          <a:lstStyle/>
-          <a:p>
-            <a:pPr>
-              <a:lnSpc>
-                <a:spcPct val="90000"/>
-              </a:lnSpc>
-              <a:spcAft>
-                <a:spcPts val="600"/>
-              </a:spcAft>
-            </a:pPr>
-            <a:r>
-              <a:rPr lang="fr-FR" dirty="0">
-                <a:solidFill>
-                  <a:schemeClr val="bg1"/>
-                </a:solidFill>
-              </a:rPr>
-              <a:t>Les méthodes suivantes permettre d’afficher les informations relatives aux différents objets du système pour connaitre leurs états</a:t>
-            </a:r>
-          </a:p>
-          <a:p>
-            <a:pPr indent="-228600">
-              <a:lnSpc>
-                <a:spcPct val="90000"/>
-              </a:lnSpc>
-              <a:spcAft>
-                <a:spcPts val="600"/>
-              </a:spcAft>
-              <a:buFont typeface="Arial" panose="020B0604020202020204" pitchFamily="34" charset="0"/>
-              <a:buChar char="•"/>
-            </a:pPr>
-            <a:r>
-              <a:rPr lang="fr-FR" dirty="0">
-                <a:solidFill>
-                  <a:schemeClr val="bg1"/>
-                </a:solidFill>
-              </a:rPr>
-              <a:t>Utils.displayDemandsDetails();</a:t>
-            </a:r>
-          </a:p>
-          <a:p>
-            <a:pPr indent="-228600">
-              <a:lnSpc>
-                <a:spcPct val="90000"/>
-              </a:lnSpc>
-              <a:spcAft>
-                <a:spcPts val="600"/>
-              </a:spcAft>
-              <a:buFont typeface="Arial" panose="020B0604020202020204" pitchFamily="34" charset="0"/>
-              <a:buChar char="•"/>
-            </a:pPr>
-            <a:r>
-              <a:rPr lang="fr-FR" dirty="0" err="1">
-                <a:solidFill>
-                  <a:schemeClr val="bg1"/>
-                </a:solidFill>
-              </a:rPr>
-              <a:t>Utils.displayElevatorDetails</a:t>
-            </a:r>
-            <a:r>
-              <a:rPr lang="fr-FR" dirty="0">
-                <a:solidFill>
-                  <a:schemeClr val="bg1"/>
-                </a:solidFill>
-              </a:rPr>
-              <a:t>();</a:t>
-            </a:r>
-          </a:p>
-          <a:p>
-            <a:pPr indent="-228600">
-              <a:lnSpc>
-                <a:spcPct val="90000"/>
-              </a:lnSpc>
-              <a:spcAft>
-                <a:spcPts val="600"/>
-              </a:spcAft>
-              <a:buFont typeface="Arial" panose="020B0604020202020204" pitchFamily="34" charset="0"/>
-              <a:buChar char="•"/>
-            </a:pPr>
-            <a:r>
-              <a:rPr lang="fr-FR" dirty="0" err="1">
-                <a:solidFill>
-                  <a:schemeClr val="bg1"/>
-                </a:solidFill>
-              </a:rPr>
-              <a:t>Utils.displayFloorsDetails</a:t>
-            </a:r>
-            <a:r>
-              <a:rPr lang="fr-FR" dirty="0">
-                <a:solidFill>
-                  <a:schemeClr val="bg1"/>
-                </a:solidFill>
-              </a:rPr>
-              <a:t>();</a:t>
-            </a:r>
-          </a:p>
-          <a:p>
-            <a:pPr indent="-228600">
-              <a:lnSpc>
-                <a:spcPct val="90000"/>
-              </a:lnSpc>
-              <a:spcAft>
-                <a:spcPts val="600"/>
-              </a:spcAft>
-              <a:buFont typeface="Arial" panose="020B0604020202020204" pitchFamily="34" charset="0"/>
-              <a:buChar char="•"/>
-            </a:pPr>
-            <a:r>
-              <a:rPr lang="fr-FR" dirty="0" err="1">
-                <a:solidFill>
-                  <a:schemeClr val="bg1"/>
-                </a:solidFill>
-              </a:rPr>
-              <a:t>Utils.displayUsersDetails</a:t>
-            </a:r>
-            <a:endParaRPr lang="fr-FR" dirty="0">
-              <a:solidFill>
-                <a:schemeClr val="bg1"/>
-              </a:solidFill>
-            </a:endParaRPr>
-          </a:p>
-        </p:txBody>
-      </p:sp>
-      <p:sp>
-        <p:nvSpPr>
-          <p:cNvPr id="17" name="ZoneTexte 16">
-            <a:extLst>
-              <a:ext uri="{FF2B5EF4-FFF2-40B4-BE49-F238E27FC236}">
-                <a16:creationId xmlns:a16="http://schemas.microsoft.com/office/drawing/2014/main" id="{8C53AA3C-6B10-4167-967B-49C11BFCD278}"/>
-              </a:ext>
-            </a:extLst>
-          </p:cNvPr>
-          <p:cNvSpPr txBox="1"/>
-          <p:nvPr/>
-        </p:nvSpPr>
-        <p:spPr>
-          <a:xfrm>
-            <a:off x="1266159" y="239271"/>
-            <a:ext cx="1460500" cy="400110"/>
-          </a:xfrm>
-          <a:prstGeom prst="rect">
-            <a:avLst/>
-          </a:prstGeom>
-          <a:noFill/>
-        </p:spPr>
-        <p:txBody>
-          <a:bodyPr wrap="square" rtlCol="0">
-            <a:spAutoFit/>
-          </a:bodyPr>
-          <a:lstStyle/>
-          <a:p>
-            <a:r>
-              <a:rPr lang="fr-FR" sz="2000" b="1" dirty="0" err="1">
-                <a:latin typeface="Abadi Extra Light" panose="020B0204020104020204" pitchFamily="34" charset="0"/>
-              </a:rPr>
-              <a:t>Floors</a:t>
-            </a:r>
-            <a:endParaRPr lang="fr-FR" sz="2000" b="1" dirty="0">
-              <a:latin typeface="Abadi Extra Light" panose="020B0204020104020204" pitchFamily="34" charset="0"/>
-            </a:endParaRPr>
-          </a:p>
-        </p:txBody>
-      </p:sp>
-      <p:sp>
-        <p:nvSpPr>
-          <p:cNvPr id="41" name="ZoneTexte 40">
-            <a:extLst>
-              <a:ext uri="{FF2B5EF4-FFF2-40B4-BE49-F238E27FC236}">
-                <a16:creationId xmlns:a16="http://schemas.microsoft.com/office/drawing/2014/main" id="{8E3C1BCB-5D8B-4AE8-AF60-36A0C6B31BF1}"/>
-              </a:ext>
-            </a:extLst>
-          </p:cNvPr>
-          <p:cNvSpPr txBox="1"/>
-          <p:nvPr/>
-        </p:nvSpPr>
-        <p:spPr>
-          <a:xfrm>
-            <a:off x="4118580" y="228941"/>
-            <a:ext cx="1460500" cy="400110"/>
-          </a:xfrm>
-          <a:prstGeom prst="rect">
-            <a:avLst/>
-          </a:prstGeom>
-          <a:noFill/>
-        </p:spPr>
-        <p:txBody>
-          <a:bodyPr wrap="square" rtlCol="0">
-            <a:spAutoFit/>
-          </a:bodyPr>
-          <a:lstStyle/>
-          <a:p>
-            <a:r>
-              <a:rPr lang="fr-FR" sz="2000" b="1" dirty="0" err="1">
-                <a:latin typeface="Abadi Extra Light" panose="020B0204020104020204" pitchFamily="34" charset="0"/>
-              </a:rPr>
-              <a:t>Users</a:t>
-            </a:r>
-            <a:endParaRPr lang="fr-FR" sz="2000" b="1" dirty="0">
-              <a:latin typeface="Abadi Extra Light" panose="020B0204020104020204" pitchFamily="34" charset="0"/>
-            </a:endParaRPr>
-          </a:p>
-        </p:txBody>
-      </p:sp>
-      <p:sp>
-        <p:nvSpPr>
-          <p:cNvPr id="43" name="ZoneTexte 42">
-            <a:extLst>
-              <a:ext uri="{FF2B5EF4-FFF2-40B4-BE49-F238E27FC236}">
-                <a16:creationId xmlns:a16="http://schemas.microsoft.com/office/drawing/2014/main" id="{80161D00-BB39-4B55-A514-C7E2D7004BCA}"/>
-              </a:ext>
-            </a:extLst>
-          </p:cNvPr>
-          <p:cNvSpPr txBox="1"/>
-          <p:nvPr/>
-        </p:nvSpPr>
-        <p:spPr>
-          <a:xfrm>
-            <a:off x="6951667" y="769843"/>
-            <a:ext cx="1460500" cy="400110"/>
-          </a:xfrm>
-          <a:prstGeom prst="rect">
-            <a:avLst/>
-          </a:prstGeom>
-          <a:noFill/>
-        </p:spPr>
-        <p:txBody>
-          <a:bodyPr wrap="square" rtlCol="0">
-            <a:spAutoFit/>
-          </a:bodyPr>
-          <a:lstStyle/>
-          <a:p>
-            <a:r>
-              <a:rPr lang="fr-FR" sz="2000" b="1" dirty="0" err="1">
-                <a:latin typeface="Abadi Extra Light" panose="020B0204020104020204" pitchFamily="34" charset="0"/>
-              </a:rPr>
-              <a:t>Demands</a:t>
-            </a:r>
-            <a:endParaRPr lang="fr-FR" sz="2000" b="1" dirty="0">
-              <a:latin typeface="Abadi Extra Light" panose="020B0204020104020204" pitchFamily="34" charset="0"/>
-            </a:endParaRPr>
-          </a:p>
-        </p:txBody>
-      </p:sp>
-      <p:sp>
-        <p:nvSpPr>
-          <p:cNvPr id="45" name="ZoneTexte 44">
-            <a:extLst>
-              <a:ext uri="{FF2B5EF4-FFF2-40B4-BE49-F238E27FC236}">
-                <a16:creationId xmlns:a16="http://schemas.microsoft.com/office/drawing/2014/main" id="{7DC88882-A987-448F-AA7C-76DEBB3FDDAE}"/>
-              </a:ext>
-            </a:extLst>
-          </p:cNvPr>
-          <p:cNvSpPr txBox="1"/>
-          <p:nvPr/>
-        </p:nvSpPr>
-        <p:spPr>
-          <a:xfrm>
-            <a:off x="9737968" y="1010407"/>
-            <a:ext cx="1460500" cy="400110"/>
-          </a:xfrm>
-          <a:prstGeom prst="rect">
-            <a:avLst/>
-          </a:prstGeom>
-          <a:noFill/>
-        </p:spPr>
-        <p:txBody>
-          <a:bodyPr wrap="square" rtlCol="0">
-            <a:spAutoFit/>
-          </a:bodyPr>
-          <a:lstStyle/>
-          <a:p>
-            <a:pPr algn="ctr"/>
-            <a:r>
-              <a:rPr lang="fr-FR" sz="2000" b="1" dirty="0" err="1">
-                <a:latin typeface="Abadi Extra Light" panose="020B0204020104020204" pitchFamily="34" charset="0"/>
-              </a:rPr>
-              <a:t>Elevator</a:t>
-            </a:r>
-            <a:endParaRPr lang="fr-FR" sz="2000" b="1" dirty="0">
-              <a:latin typeface="Abadi Extra Light" panose="020B0204020104020204" pitchFamily="34" charset="0"/>
-            </a:endParaRPr>
-          </a:p>
-        </p:txBody>
-      </p:sp>
-    </p:spTree>
-    <p:extLst>
-      <p:ext uri="{BB962C8B-B14F-4D97-AF65-F5344CB8AC3E}">
-        <p14:creationId xmlns:p14="http://schemas.microsoft.com/office/powerpoint/2010/main" val="1465593723"/>
-      </p:ext>
-    </p:extLst>
-  </p:cSld>
-  <p:clrMapOvr>
-    <a:masterClrMapping/>
-  </p:clrMapOvr>
-</p:sld>
-</file>
-
-<file path=ppt/slides/slide14.xml><?xml version="1.0" encoding="utf-8"?>
-<p:sld xmlns:a="http://schemas.openxmlformats.org/drawingml/2006/main" xmlns:r="http://schemas.openxmlformats.org/officeDocument/2006/relationships" xmlns:p="http://schemas.openxmlformats.org/presentationml/2006/main">
-  <p:cSld>
-    <p:bg>
-      <p:bgPr>
-        <a:solidFill>
-          <a:schemeClr val="bg1"/>
-        </a:solidFill>
-        <a:effectLst/>
-      </p:bgPr>
-    </p:bg>
-    <p:spTree>
-      <p:nvGrpSpPr>
-        <p:cNvPr id="1" name=""/>
-        <p:cNvGrpSpPr/>
-        <p:nvPr/>
-      </p:nvGrpSpPr>
-      <p:grpSpPr>
-        <a:xfrm>
-          <a:off x="0" y="0"/>
-          <a:ext cx="0" cy="0"/>
-          <a:chOff x="0" y="0"/>
-          <a:chExt cx="0" cy="0"/>
-        </a:xfrm>
-      </p:grpSpPr>
       <p:sp>
         <p:nvSpPr>
           <p:cNvPr id="8" name="Down Arrow 7">
@@ -14569,6 +14160,2115 @@
           <a:p>
             <a:pPr lvl="0" algn="ctr"/>
             <a:r>
+              <a:rPr lang="fr-FR" sz="5400" b="1" dirty="0">
+                <a:solidFill>
+                  <a:schemeClr val="bg1"/>
+                </a:solidFill>
+                <a:latin typeface="Abadi Extra Light" panose="020B0204020104020204" pitchFamily="34" charset="0"/>
+              </a:rPr>
+              <a:t>Tests Unitaires</a:t>
+            </a:r>
+            <a:endParaRPr lang="en-US" sz="4000" b="1" dirty="0">
+              <a:solidFill>
+                <a:schemeClr val="bg1"/>
+              </a:solidFill>
+              <a:latin typeface="Abadi Extra Light" panose="020B0204020104020204" pitchFamily="34" charset="0"/>
+            </a:endParaRPr>
+          </a:p>
+        </p:txBody>
+      </p:sp>
+      <p:pic>
+        <p:nvPicPr>
+          <p:cNvPr id="9" name="Image 8">
+            <a:extLst>
+              <a:ext uri="{FF2B5EF4-FFF2-40B4-BE49-F238E27FC236}">
+                <a16:creationId xmlns:a16="http://schemas.microsoft.com/office/drawing/2014/main" id="{69DD5DAA-BE1B-421A-9ED6-85CD2B1DDFDB}"/>
+              </a:ext>
+            </a:extLst>
+          </p:cNvPr>
+          <p:cNvPicPr>
+            <a:picLocks noChangeAspect="1"/>
+          </p:cNvPicPr>
+          <p:nvPr/>
+        </p:nvPicPr>
+        <p:blipFill>
+          <a:blip r:embed="rId2">
+            <a:extLst>
+              <a:ext uri="{28A0092B-C50C-407E-A947-70E740481C1C}">
+                <a14:useLocalDpi xmlns:a14="http://schemas.microsoft.com/office/drawing/2010/main" val="0"/>
+              </a:ext>
+            </a:extLst>
+          </a:blip>
+          <a:stretch>
+            <a:fillRect/>
+          </a:stretch>
+        </p:blipFill>
+        <p:spPr>
+          <a:xfrm>
+            <a:off x="703131" y="5415334"/>
+            <a:ext cx="10785737" cy="1105539"/>
+          </a:xfrm>
+          <a:prstGeom prst="rect">
+            <a:avLst/>
+          </a:prstGeom>
+          <a:ln w="12700">
+            <a:noFill/>
+          </a:ln>
+        </p:spPr>
+      </p:pic>
+      <p:pic>
+        <p:nvPicPr>
+          <p:cNvPr id="12" name="Image 11" descr="Une image contenant capture d’écran, moniteur, écran, noir&#10;&#10;Description générée automatiquement">
+            <a:extLst>
+              <a:ext uri="{FF2B5EF4-FFF2-40B4-BE49-F238E27FC236}">
+                <a16:creationId xmlns:a16="http://schemas.microsoft.com/office/drawing/2014/main" id="{9FC65D63-BCD9-4785-B757-EA70723AC7B9}"/>
+              </a:ext>
+            </a:extLst>
+          </p:cNvPr>
+          <p:cNvPicPr>
+            <a:picLocks noChangeAspect="1"/>
+          </p:cNvPicPr>
+          <p:nvPr/>
+        </p:nvPicPr>
+        <p:blipFill>
+          <a:blip r:embed="rId3">
+            <a:extLst>
+              <a:ext uri="{28A0092B-C50C-407E-A947-70E740481C1C}">
+                <a14:useLocalDpi xmlns:a14="http://schemas.microsoft.com/office/drawing/2010/main" val="0"/>
+              </a:ext>
+            </a:extLst>
+          </a:blip>
+          <a:stretch>
+            <a:fillRect/>
+          </a:stretch>
+        </p:blipFill>
+        <p:spPr>
+          <a:xfrm>
+            <a:off x="6211479" y="75091"/>
+            <a:ext cx="5277389" cy="3258660"/>
+          </a:xfrm>
+          <a:prstGeom prst="rect">
+            <a:avLst/>
+          </a:prstGeom>
+          <a:ln w="12700">
+            <a:noFill/>
+          </a:ln>
+        </p:spPr>
+      </p:pic>
+      <p:sp>
+        <p:nvSpPr>
+          <p:cNvPr id="13" name="ZoneTexte 12">
+            <a:extLst>
+              <a:ext uri="{FF2B5EF4-FFF2-40B4-BE49-F238E27FC236}">
+                <a16:creationId xmlns:a16="http://schemas.microsoft.com/office/drawing/2014/main" id="{3E257AD2-BC2B-474E-BF78-80DEEE5B71F2}"/>
+              </a:ext>
+            </a:extLst>
+          </p:cNvPr>
+          <p:cNvSpPr txBox="1"/>
+          <p:nvPr/>
+        </p:nvSpPr>
+        <p:spPr>
+          <a:xfrm>
+            <a:off x="187573" y="4017907"/>
+            <a:ext cx="11684289" cy="1015663"/>
+          </a:xfrm>
+          <a:prstGeom prst="rect">
+            <a:avLst/>
+          </a:prstGeom>
+          <a:noFill/>
+        </p:spPr>
+        <p:txBody>
+          <a:bodyPr wrap="square" rtlCol="0">
+            <a:spAutoFit/>
+          </a:bodyPr>
+          <a:lstStyle/>
+          <a:p>
+            <a:pPr algn="just"/>
+            <a:r>
+              <a:rPr lang="fr-FR" sz="2000" dirty="0">
+                <a:latin typeface="Abadi Extra Light" panose="020B0204020104020204" pitchFamily="34" charset="0"/>
+              </a:rPr>
+              <a:t>Nous avons utilisé </a:t>
+            </a:r>
+            <a:r>
+              <a:rPr lang="fr-FR" sz="2000" dirty="0" err="1">
+                <a:latin typeface="Abadi Extra Light" panose="020B0204020104020204" pitchFamily="34" charset="0"/>
+              </a:rPr>
+              <a:t>Junits</a:t>
+            </a:r>
+            <a:r>
+              <a:rPr lang="fr-FR" sz="2000" dirty="0">
+                <a:latin typeface="Abadi Extra Light" panose="020B0204020104020204" pitchFamily="34" charset="0"/>
+              </a:rPr>
+              <a:t> pour effectuer nos tests </a:t>
+            </a:r>
+            <a:r>
+              <a:rPr lang="fr-FR" sz="2000" dirty="0" err="1">
+                <a:latin typeface="Abadi Extra Light" panose="020B0204020104020204" pitchFamily="34" charset="0"/>
+              </a:rPr>
+              <a:t>unitaites</a:t>
+            </a:r>
+            <a:r>
+              <a:rPr lang="fr-FR" sz="2000" dirty="0">
+                <a:latin typeface="Abadi Extra Light" panose="020B0204020104020204" pitchFamily="34" charset="0"/>
+              </a:rPr>
+              <a:t>. Le </a:t>
+            </a:r>
+            <a:r>
+              <a:rPr lang="fr-FR" sz="2000" dirty="0" err="1">
+                <a:latin typeface="Abadi Extra Light" panose="020B0204020104020204" pitchFamily="34" charset="0"/>
+              </a:rPr>
+              <a:t>covorage</a:t>
+            </a:r>
+            <a:r>
+              <a:rPr lang="fr-FR" sz="2000" dirty="0">
+                <a:latin typeface="Abadi Extra Light" panose="020B0204020104020204" pitchFamily="34" charset="0"/>
+              </a:rPr>
+              <a:t> total du projet est de 69,8%. Nous laissons une grande partie non testé de part les affichages qui représentent un grand nombre d’instructions. Seul la partie fonctionnelle est testé ici par des tests unitaires.</a:t>
+            </a:r>
+            <a:endParaRPr lang="fr-FR" sz="2000" b="1" dirty="0">
+              <a:latin typeface="Abadi Extra Light" panose="020B0204020104020204" pitchFamily="34" charset="0"/>
+            </a:endParaRPr>
+          </a:p>
+        </p:txBody>
+      </p:sp>
+      <p:pic>
+        <p:nvPicPr>
+          <p:cNvPr id="5" name="Graphique 4" descr="Liste de vérification">
+            <a:extLst>
+              <a:ext uri="{FF2B5EF4-FFF2-40B4-BE49-F238E27FC236}">
+                <a16:creationId xmlns:a16="http://schemas.microsoft.com/office/drawing/2014/main" id="{651D818B-3D98-4346-8681-4505CAF9DFA0}"/>
+              </a:ext>
+            </a:extLst>
+          </p:cNvPr>
+          <p:cNvPicPr>
+            <a:picLocks noChangeAspect="1"/>
+          </p:cNvPicPr>
+          <p:nvPr/>
+        </p:nvPicPr>
+        <p:blipFill>
+          <a:blip r:embed="rId4">
+            <a:extLst>
+              <a:ext uri="{28A0092B-C50C-407E-A947-70E740481C1C}">
+                <a14:useLocalDpi xmlns:a14="http://schemas.microsoft.com/office/drawing/2010/main" val="0"/>
+              </a:ext>
+              <a:ext uri="{96DAC541-7B7A-43D3-8B79-37D633B846F1}">
+                <asvg:svgBlip xmlns:asvg="http://schemas.microsoft.com/office/drawing/2016/SVG/main" r:embed="rId5"/>
+              </a:ext>
+            </a:extLst>
+          </a:blip>
+          <a:stretch>
+            <a:fillRect/>
+          </a:stretch>
+        </p:blipFill>
+        <p:spPr>
+          <a:xfrm>
+            <a:off x="1905720" y="1943193"/>
+            <a:ext cx="1133044" cy="1133044"/>
+          </a:xfrm>
+          <a:prstGeom prst="rect">
+            <a:avLst/>
+          </a:prstGeom>
+        </p:spPr>
+      </p:pic>
+    </p:spTree>
+    <p:extLst>
+      <p:ext uri="{BB962C8B-B14F-4D97-AF65-F5344CB8AC3E}">
+        <p14:creationId xmlns:p14="http://schemas.microsoft.com/office/powerpoint/2010/main" val="724108530"/>
+      </p:ext>
+    </p:extLst>
+  </p:cSld>
+  <p:clrMapOvr>
+    <a:masterClrMapping/>
+  </p:clrMapOvr>
+</p:sld>
+</file>
+
+<file path=ppt/slides/slide14.xml><?xml version="1.0" encoding="utf-8"?>
+<p:sld xmlns:a="http://schemas.openxmlformats.org/drawingml/2006/main" xmlns:r="http://schemas.openxmlformats.org/officeDocument/2006/relationships" xmlns:p="http://schemas.openxmlformats.org/presentationml/2006/main">
+  <p:cSld>
+    <p:bg>
+      <p:bgPr>
+        <a:solidFill>
+          <a:schemeClr val="bg1">
+            <a:tint val="95000"/>
+            <a:satMod val="170000"/>
+          </a:schemeClr>
+        </a:solidFill>
+        <a:effectLst/>
+      </p:bgPr>
+    </p:bg>
+    <p:spTree>
+      <p:nvGrpSpPr>
+        <p:cNvPr id="1" name=""/>
+        <p:cNvGrpSpPr/>
+        <p:nvPr/>
+      </p:nvGrpSpPr>
+      <p:grpSpPr>
+        <a:xfrm>
+          <a:off x="0" y="0"/>
+          <a:ext cx="0" cy="0"/>
+          <a:chOff x="0" y="0"/>
+          <a:chExt cx="0" cy="0"/>
+        </a:xfrm>
+      </p:grpSpPr>
+      <p:sp useBgFill="1">
+        <p:nvSpPr>
+          <p:cNvPr id="13" name="Rectangle 12">
+            <a:extLst>
+              <a:ext uri="{FF2B5EF4-FFF2-40B4-BE49-F238E27FC236}">
+                <a16:creationId xmlns:a16="http://schemas.microsoft.com/office/drawing/2014/main" id="{2032B1E8-BC40-4380-97A6-14C0320AE1C0}"/>
+              </a:ext>
+              <a:ext uri="{C183D7F6-B498-43B3-948B-1728B52AA6E4}">
+                <adec:decorative xmlns:adec="http://schemas.microsoft.com/office/drawing/2017/decorative" val="1"/>
+              </a:ext>
+            </a:extLst>
+          </p:cNvPr>
+          <p:cNvSpPr>
+            <a:spLocks noGrp="1" noRot="1" noChangeAspect="1" noMove="1" noResize="1" noEditPoints="1" noAdjustHandles="1" noChangeArrowheads="1" noChangeShapeType="1" noTextEdit="1"/>
+          </p:cNvSpPr>
+          <p:nvPr>
+            <p:extLst>
+              <p:ext uri="{386F3935-93C4-4BCD-93E2-E3B085C9AB24}">
+                <p16:designElem xmlns:p16="http://schemas.microsoft.com/office/powerpoint/2015/main" val="1"/>
+              </p:ext>
+            </p:extLst>
+          </p:nvPr>
+        </p:nvSpPr>
+        <p:spPr>
+          <a:xfrm>
+            <a:off x="0" y="0"/>
+            <a:ext cx="12188952" cy="6858000"/>
+          </a:xfrm>
+          <a:prstGeom prst="rect">
+            <a:avLst/>
+          </a:prstGeom>
+          <a:ln>
+            <a:noFill/>
+          </a:ln>
+        </p:spPr>
+        <p:style>
+          <a:lnRef idx="2">
+            <a:schemeClr val="accent1">
+              <a:shade val="50000"/>
+            </a:schemeClr>
+          </a:lnRef>
+          <a:fillRef idx="1">
+            <a:schemeClr val="accent1"/>
+          </a:fillRef>
+          <a:effectRef idx="0">
+            <a:schemeClr val="accent1"/>
+          </a:effectRef>
+          <a:fontRef idx="minor">
+            <a:schemeClr val="lt1"/>
+          </a:fontRef>
+        </p:style>
+        <p:txBody>
+          <a:bodyPr rtlCol="0" anchor="ctr"/>
+          <a:lstStyle/>
+          <a:p>
+            <a:pPr algn="ctr"/>
+            <a:endParaRPr lang="en-US"/>
+          </a:p>
+        </p:txBody>
+      </p:sp>
+      <p:sp>
+        <p:nvSpPr>
+          <p:cNvPr id="15" name="Rectangle 14">
+            <a:extLst>
+              <a:ext uri="{FF2B5EF4-FFF2-40B4-BE49-F238E27FC236}">
+                <a16:creationId xmlns:a16="http://schemas.microsoft.com/office/drawing/2014/main" id="{82BEABD9-E1ED-49C7-8734-5494C88EE5A7}"/>
+              </a:ext>
+              <a:ext uri="{C183D7F6-B498-43B3-948B-1728B52AA6E4}">
+                <adec:decorative xmlns:adec="http://schemas.microsoft.com/office/drawing/2017/decorative" val="1"/>
+              </a:ext>
+            </a:extLst>
+          </p:cNvPr>
+          <p:cNvSpPr>
+            <a:spLocks noGrp="1" noRot="1" noChangeAspect="1" noMove="1" noResize="1" noEditPoints="1" noAdjustHandles="1" noChangeArrowheads="1" noChangeShapeType="1" noTextEdit="1"/>
+          </p:cNvSpPr>
+          <p:nvPr>
+            <p:extLst>
+              <p:ext uri="{386F3935-93C4-4BCD-93E2-E3B085C9AB24}">
+                <p16:designElem xmlns:p16="http://schemas.microsoft.com/office/powerpoint/2015/main" val="1"/>
+              </p:ext>
+            </p:extLst>
+          </p:nvPr>
+        </p:nvSpPr>
+        <p:spPr bwMode="ltGray">
+          <a:xfrm>
+            <a:off x="321564" y="4782312"/>
+            <a:ext cx="11548872" cy="1755648"/>
+          </a:xfrm>
+          <a:prstGeom prst="rect">
+            <a:avLst/>
+          </a:prstGeom>
+          <a:solidFill>
+            <a:schemeClr val="tx1">
+              <a:alpha val="93000"/>
+            </a:schemeClr>
+          </a:solidFill>
+          <a:ln w="127000" cap="sq" cmpd="thinThick">
+            <a:noFill/>
+          </a:ln>
+        </p:spPr>
+        <p:style>
+          <a:lnRef idx="2">
+            <a:schemeClr val="accent1">
+              <a:shade val="50000"/>
+            </a:schemeClr>
+          </a:lnRef>
+          <a:fillRef idx="1">
+            <a:schemeClr val="accent1"/>
+          </a:fillRef>
+          <a:effectRef idx="0">
+            <a:schemeClr val="accent1"/>
+          </a:effectRef>
+          <a:fontRef idx="minor">
+            <a:schemeClr val="lt1"/>
+          </a:fontRef>
+        </p:style>
+        <p:txBody>
+          <a:bodyPr rtlCol="0" anchor="ctr"/>
+          <a:lstStyle/>
+          <a:p>
+            <a:pPr marL="0" marR="0" lvl="0" indent="0" algn="ctr" defTabSz="914400" rtl="0" eaLnBrk="1" fontAlgn="auto" latinLnBrk="0" hangingPunct="1">
+              <a:lnSpc>
+                <a:spcPct val="100000"/>
+              </a:lnSpc>
+              <a:spcBef>
+                <a:spcPts val="0"/>
+              </a:spcBef>
+              <a:spcAft>
+                <a:spcPts val="0"/>
+              </a:spcAft>
+              <a:buClrTx/>
+              <a:buSzTx/>
+              <a:buFontTx/>
+              <a:buNone/>
+              <a:tabLst/>
+              <a:defRPr/>
+            </a:pPr>
+            <a:endParaRPr kumimoji="0" lang="en-US" sz="1800" b="0" i="0" u="none" strike="noStrike" kern="1200" cap="none" spc="0" normalizeH="0" baseline="0" noProof="0">
+              <a:ln>
+                <a:noFill/>
+              </a:ln>
+              <a:solidFill>
+                <a:prstClr val="white"/>
+              </a:solidFill>
+              <a:effectLst/>
+              <a:uLnTx/>
+              <a:uFillTx/>
+              <a:latin typeface="Calibri" panose="020F0502020204030204"/>
+              <a:ea typeface="+mn-ea"/>
+              <a:cs typeface="+mn-cs"/>
+            </a:endParaRPr>
+          </a:p>
+        </p:txBody>
+      </p:sp>
+      <p:sp>
+        <p:nvSpPr>
+          <p:cNvPr id="2" name="Titre 1">
+            <a:extLst>
+              <a:ext uri="{FF2B5EF4-FFF2-40B4-BE49-F238E27FC236}">
+                <a16:creationId xmlns:a16="http://schemas.microsoft.com/office/drawing/2014/main" id="{B218C841-CE77-4BE9-8B19-0614071A1154}"/>
+              </a:ext>
+            </a:extLst>
+          </p:cNvPr>
+          <p:cNvSpPr>
+            <a:spLocks noGrp="1"/>
+          </p:cNvSpPr>
+          <p:nvPr>
+            <p:ph type="title"/>
+          </p:nvPr>
+        </p:nvSpPr>
+        <p:spPr>
+          <a:xfrm>
+            <a:off x="841248" y="5010912"/>
+            <a:ext cx="2889504" cy="1344168"/>
+          </a:xfrm>
+        </p:spPr>
+        <p:txBody>
+          <a:bodyPr vert="horz" lIns="91440" tIns="45720" rIns="91440" bIns="45720" rtlCol="0" anchor="ctr">
+            <a:normAutofit/>
+          </a:bodyPr>
+          <a:lstStyle/>
+          <a:p>
+            <a:r>
+              <a:rPr lang="en-US" sz="2600" dirty="0">
+                <a:solidFill>
+                  <a:schemeClr val="bg1"/>
+                </a:solidFill>
+              </a:rPr>
+              <a:t>Maven</a:t>
+            </a:r>
+          </a:p>
+        </p:txBody>
+      </p:sp>
+      <p:pic>
+        <p:nvPicPr>
+          <p:cNvPr id="5" name="Image 4" descr="Une image contenant capture d’écran&#10;&#10;Description générée automatiquement">
+            <a:extLst>
+              <a:ext uri="{FF2B5EF4-FFF2-40B4-BE49-F238E27FC236}">
+                <a16:creationId xmlns:a16="http://schemas.microsoft.com/office/drawing/2014/main" id="{5DF2AF94-1F80-4301-ABB6-50F1A693FAF9}"/>
+              </a:ext>
+            </a:extLst>
+          </p:cNvPr>
+          <p:cNvPicPr>
+            <a:picLocks noChangeAspect="1"/>
+          </p:cNvPicPr>
+          <p:nvPr/>
+        </p:nvPicPr>
+        <p:blipFill rotWithShape="1">
+          <a:blip r:embed="rId2">
+            <a:extLst>
+              <a:ext uri="{28A0092B-C50C-407E-A947-70E740481C1C}">
+                <a14:useLocalDpi xmlns:a14="http://schemas.microsoft.com/office/drawing/2010/main" val="0"/>
+              </a:ext>
+            </a:extLst>
+          </a:blip>
+          <a:srcRect r="11992"/>
+          <a:stretch/>
+        </p:blipFill>
+        <p:spPr>
+          <a:xfrm>
+            <a:off x="884886" y="424328"/>
+            <a:ext cx="4710278" cy="3973936"/>
+          </a:xfrm>
+          <a:prstGeom prst="rect">
+            <a:avLst/>
+          </a:prstGeom>
+        </p:spPr>
+      </p:pic>
+      <p:cxnSp>
+        <p:nvCxnSpPr>
+          <p:cNvPr id="17" name="Straight Connector 16">
+            <a:extLst>
+              <a:ext uri="{FF2B5EF4-FFF2-40B4-BE49-F238E27FC236}">
+                <a16:creationId xmlns:a16="http://schemas.microsoft.com/office/drawing/2014/main" id="{17341211-05E5-4FDD-98B1-F551CD0EAE1C}"/>
+              </a:ext>
+              <a:ext uri="{C183D7F6-B498-43B3-948B-1728B52AA6E4}">
+                <adec:decorative xmlns:adec="http://schemas.microsoft.com/office/drawing/2017/decorative" val="1"/>
+              </a:ext>
+            </a:extLst>
+          </p:cNvPr>
+          <p:cNvCxnSpPr>
+            <a:cxnSpLocks noGrp="1" noRot="1" noChangeAspect="1" noMove="1" noResize="1" noEditPoints="1" noAdjustHandles="1" noChangeArrowheads="1" noChangeShapeType="1"/>
+          </p:cNvCxnSpPr>
+          <p:nvPr>
+            <p:extLst>
+              <p:ext uri="{386F3935-93C4-4BCD-93E2-E3B085C9AB24}">
+                <p16:designElem xmlns:p16="http://schemas.microsoft.com/office/powerpoint/2015/main" val="1"/>
+              </p:ext>
+            </p:extLst>
+          </p:nvPr>
+        </p:nvCxnSpPr>
+        <p:spPr>
+          <a:xfrm flipV="1">
+            <a:off x="4059936" y="5239512"/>
+            <a:ext cx="0" cy="914400"/>
+          </a:xfrm>
+          <a:prstGeom prst="line">
+            <a:avLst/>
+          </a:prstGeom>
+          <a:ln w="19050">
+            <a:solidFill>
+              <a:schemeClr val="bg1">
+                <a:alpha val="70000"/>
+              </a:schemeClr>
+            </a:solidFill>
+          </a:ln>
+        </p:spPr>
+        <p:style>
+          <a:lnRef idx="1">
+            <a:schemeClr val="accent1"/>
+          </a:lnRef>
+          <a:fillRef idx="0">
+            <a:schemeClr val="accent1"/>
+          </a:fillRef>
+          <a:effectRef idx="0">
+            <a:schemeClr val="accent1"/>
+          </a:effectRef>
+          <a:fontRef idx="minor">
+            <a:schemeClr val="tx1"/>
+          </a:fontRef>
+        </p:style>
+      </p:cxnSp>
+      <p:sp>
+        <p:nvSpPr>
+          <p:cNvPr id="8" name="ZoneTexte 7">
+            <a:extLst>
+              <a:ext uri="{FF2B5EF4-FFF2-40B4-BE49-F238E27FC236}">
+                <a16:creationId xmlns:a16="http://schemas.microsoft.com/office/drawing/2014/main" id="{F6853CD5-D24F-471F-960E-9D195DF17A25}"/>
+              </a:ext>
+            </a:extLst>
+          </p:cNvPr>
+          <p:cNvSpPr txBox="1"/>
+          <p:nvPr/>
+        </p:nvSpPr>
+        <p:spPr>
+          <a:xfrm>
+            <a:off x="4379976" y="5010912"/>
+            <a:ext cx="6976872" cy="1344168"/>
+          </a:xfrm>
+          <a:prstGeom prst="rect">
+            <a:avLst/>
+          </a:prstGeom>
+        </p:spPr>
+        <p:txBody>
+          <a:bodyPr vert="horz" lIns="91440" tIns="45720" rIns="91440" bIns="45720" rtlCol="0" anchor="ctr">
+            <a:normAutofit/>
+          </a:bodyPr>
+          <a:lstStyle/>
+          <a:p>
+            <a:pPr indent="-228600">
+              <a:lnSpc>
+                <a:spcPct val="90000"/>
+              </a:lnSpc>
+              <a:spcAft>
+                <a:spcPts val="600"/>
+              </a:spcAft>
+              <a:buFont typeface="Arial" panose="020B0604020202020204" pitchFamily="34" charset="0"/>
+              <a:buChar char="•"/>
+            </a:pPr>
+            <a:r>
+              <a:rPr lang="fr-FR" sz="1100" dirty="0">
+                <a:solidFill>
+                  <a:schemeClr val="bg1"/>
+                </a:solidFill>
+              </a:rPr>
+              <a:t>Nous avons choisis de faire un projet Maven ce qui nous a permis de faire un </a:t>
+            </a:r>
+            <a:r>
+              <a:rPr lang="fr-FR" sz="1100" dirty="0" err="1">
+                <a:solidFill>
+                  <a:schemeClr val="bg1"/>
+                </a:solidFill>
+              </a:rPr>
+              <a:t>build</a:t>
+            </a:r>
+            <a:r>
+              <a:rPr lang="fr-FR" sz="1100" dirty="0">
+                <a:solidFill>
+                  <a:schemeClr val="bg1"/>
+                </a:solidFill>
+              </a:rPr>
+              <a:t> de notre projet (</a:t>
+            </a:r>
+            <a:r>
+              <a:rPr lang="fr-FR" sz="1100" dirty="0" err="1">
+                <a:solidFill>
+                  <a:schemeClr val="bg1"/>
+                </a:solidFill>
+              </a:rPr>
+              <a:t>Build</a:t>
+            </a:r>
+            <a:r>
+              <a:rPr lang="fr-FR" sz="1100" dirty="0">
+                <a:solidFill>
+                  <a:schemeClr val="bg1"/>
+                </a:solidFill>
+              </a:rPr>
+              <a:t> v1.0.0). </a:t>
+            </a:r>
+          </a:p>
+          <a:p>
+            <a:pPr indent="-228600">
+              <a:lnSpc>
+                <a:spcPct val="90000"/>
+              </a:lnSpc>
+              <a:spcAft>
+                <a:spcPts val="600"/>
+              </a:spcAft>
+              <a:buFont typeface="Arial" panose="020B0604020202020204" pitchFamily="34" charset="0"/>
+              <a:buChar char="•"/>
+            </a:pPr>
+            <a:endParaRPr lang="fr-FR" sz="1100" dirty="0">
+              <a:solidFill>
+                <a:schemeClr val="bg1"/>
+              </a:solidFill>
+            </a:endParaRPr>
+          </a:p>
+          <a:p>
+            <a:pPr indent="-228600">
+              <a:lnSpc>
+                <a:spcPct val="90000"/>
+              </a:lnSpc>
+              <a:spcAft>
+                <a:spcPts val="600"/>
+              </a:spcAft>
+              <a:buFont typeface="Arial" panose="020B0604020202020204" pitchFamily="34" charset="0"/>
+              <a:buChar char="•"/>
+            </a:pPr>
+            <a:r>
+              <a:rPr lang="fr-FR" sz="1100" dirty="0">
+                <a:solidFill>
+                  <a:schemeClr val="bg1"/>
+                </a:solidFill>
+              </a:rPr>
+              <a:t>Le fichier POM.XML contient tous nos </a:t>
+            </a:r>
+            <a:r>
+              <a:rPr lang="fr-FR" sz="1100" dirty="0" err="1">
+                <a:solidFill>
+                  <a:schemeClr val="bg1"/>
+                </a:solidFill>
+              </a:rPr>
+              <a:t>dependence</a:t>
+            </a:r>
+            <a:r>
+              <a:rPr lang="fr-FR" sz="1100" dirty="0">
+                <a:solidFill>
+                  <a:schemeClr val="bg1"/>
+                </a:solidFill>
+              </a:rPr>
+              <a:t> (ici seulement Junit5)</a:t>
+            </a:r>
+          </a:p>
+          <a:p>
+            <a:pPr indent="-228600">
+              <a:lnSpc>
+                <a:spcPct val="90000"/>
+              </a:lnSpc>
+              <a:spcAft>
+                <a:spcPts val="600"/>
+              </a:spcAft>
+              <a:buFont typeface="Arial" panose="020B0604020202020204" pitchFamily="34" charset="0"/>
+              <a:buChar char="•"/>
+            </a:pPr>
+            <a:endParaRPr lang="fr-FR" sz="1100" dirty="0">
+              <a:solidFill>
+                <a:schemeClr val="bg1"/>
+              </a:solidFill>
+            </a:endParaRPr>
+          </a:p>
+          <a:p>
+            <a:pPr indent="-228600">
+              <a:lnSpc>
+                <a:spcPct val="90000"/>
+              </a:lnSpc>
+              <a:spcAft>
+                <a:spcPts val="600"/>
+              </a:spcAft>
+              <a:buFont typeface="Arial" panose="020B0604020202020204" pitchFamily="34" charset="0"/>
+              <a:buChar char="•"/>
+            </a:pPr>
+            <a:r>
+              <a:rPr lang="fr-FR" sz="1100" dirty="0">
+                <a:solidFill>
+                  <a:schemeClr val="bg1"/>
+                </a:solidFill>
+              </a:rPr>
+              <a:t>Les fichiers sources ce trouvent dans le répertoire src</a:t>
+            </a:r>
+          </a:p>
+        </p:txBody>
+      </p:sp>
+      <p:pic>
+        <p:nvPicPr>
+          <p:cNvPr id="12" name="Image 11" descr="Une image contenant capture d’écran&#10;&#10;Description générée automatiquement">
+            <a:extLst>
+              <a:ext uri="{FF2B5EF4-FFF2-40B4-BE49-F238E27FC236}">
+                <a16:creationId xmlns:a16="http://schemas.microsoft.com/office/drawing/2014/main" id="{07D6CCB7-60A3-4825-9C7B-22A4E48BF46A}"/>
+              </a:ext>
+            </a:extLst>
+          </p:cNvPr>
+          <p:cNvPicPr>
+            <a:picLocks noChangeAspect="1"/>
+          </p:cNvPicPr>
+          <p:nvPr/>
+        </p:nvPicPr>
+        <p:blipFill>
+          <a:blip r:embed="rId3">
+            <a:extLst>
+              <a:ext uri="{28A0092B-C50C-407E-A947-70E740481C1C}">
+                <a14:useLocalDpi xmlns:a14="http://schemas.microsoft.com/office/drawing/2010/main" val="0"/>
+              </a:ext>
+            </a:extLst>
+          </a:blip>
+          <a:stretch>
+            <a:fillRect/>
+          </a:stretch>
+        </p:blipFill>
+        <p:spPr>
+          <a:xfrm>
+            <a:off x="6038922" y="1707860"/>
+            <a:ext cx="5706271" cy="1352739"/>
+          </a:xfrm>
+          <a:prstGeom prst="rect">
+            <a:avLst/>
+          </a:prstGeom>
+        </p:spPr>
+      </p:pic>
+    </p:spTree>
+    <p:extLst>
+      <p:ext uri="{BB962C8B-B14F-4D97-AF65-F5344CB8AC3E}">
+        <p14:creationId xmlns:p14="http://schemas.microsoft.com/office/powerpoint/2010/main" val="2048431519"/>
+      </p:ext>
+    </p:extLst>
+  </p:cSld>
+  <p:clrMapOvr>
+    <a:overrideClrMapping bg1="dk1" tx1="lt1" bg2="dk2" tx2="lt2" accent1="accent1" accent2="accent2" accent3="accent3" accent4="accent4" accent5="accent5" accent6="accent6" hlink="hlink" folHlink="folHlink"/>
+  </p:clrMapOvr>
+</p:sld>
+</file>
+
+<file path=ppt/slides/slide15.xml><?xml version="1.0" encoding="utf-8"?>
+<p:sld xmlns:a="http://schemas.openxmlformats.org/drawingml/2006/main" xmlns:r="http://schemas.openxmlformats.org/officeDocument/2006/relationships" xmlns:p="http://schemas.openxmlformats.org/presentationml/2006/main">
+  <p:cSld>
+    <p:bg>
+      <p:bgPr>
+        <a:solidFill>
+          <a:schemeClr val="bg1">
+            <a:tint val="95000"/>
+            <a:satMod val="170000"/>
+          </a:schemeClr>
+        </a:solidFill>
+        <a:effectLst/>
+      </p:bgPr>
+    </p:bg>
+    <p:spTree>
+      <p:nvGrpSpPr>
+        <p:cNvPr id="1" name=""/>
+        <p:cNvGrpSpPr/>
+        <p:nvPr/>
+      </p:nvGrpSpPr>
+      <p:grpSpPr>
+        <a:xfrm>
+          <a:off x="0" y="0"/>
+          <a:ext cx="0" cy="0"/>
+          <a:chOff x="0" y="0"/>
+          <a:chExt cx="0" cy="0"/>
+        </a:xfrm>
+      </p:grpSpPr>
+      <p:sp useBgFill="1">
+        <p:nvSpPr>
+          <p:cNvPr id="22" name="Rectangle 21">
+            <a:extLst>
+              <a:ext uri="{FF2B5EF4-FFF2-40B4-BE49-F238E27FC236}">
+                <a16:creationId xmlns:a16="http://schemas.microsoft.com/office/drawing/2014/main" id="{B0792D4F-247E-46FE-85FC-881DEFA41D94}"/>
+              </a:ext>
+              <a:ext uri="{C183D7F6-B498-43B3-948B-1728B52AA6E4}">
+                <adec:decorative xmlns:adec="http://schemas.microsoft.com/office/drawing/2017/decorative" val="1"/>
+              </a:ext>
+            </a:extLst>
+          </p:cNvPr>
+          <p:cNvSpPr>
+            <a:spLocks noGrp="1" noRot="1" noChangeAspect="1" noMove="1" noResize="1" noEditPoints="1" noAdjustHandles="1" noChangeArrowheads="1" noChangeShapeType="1" noTextEdit="1"/>
+          </p:cNvSpPr>
+          <p:nvPr>
+            <p:extLst>
+              <p:ext uri="{386F3935-93C4-4BCD-93E2-E3B085C9AB24}">
+                <p16:designElem xmlns:p16="http://schemas.microsoft.com/office/powerpoint/2015/main" val="1"/>
+              </p:ext>
+            </p:extLst>
+          </p:nvPr>
+        </p:nvSpPr>
+        <p:spPr>
+          <a:xfrm>
+            <a:off x="0" y="-1"/>
+            <a:ext cx="12188952" cy="6858000"/>
+          </a:xfrm>
+          <a:prstGeom prst="rect">
+            <a:avLst/>
+          </a:prstGeom>
+          <a:ln>
+            <a:noFill/>
+          </a:ln>
+        </p:spPr>
+        <p:style>
+          <a:lnRef idx="2">
+            <a:schemeClr val="accent1">
+              <a:shade val="50000"/>
+            </a:schemeClr>
+          </a:lnRef>
+          <a:fillRef idx="1">
+            <a:schemeClr val="accent1"/>
+          </a:fillRef>
+          <a:effectRef idx="0">
+            <a:schemeClr val="accent1"/>
+          </a:effectRef>
+          <a:fontRef idx="minor">
+            <a:schemeClr val="lt1"/>
+          </a:fontRef>
+        </p:style>
+        <p:txBody>
+          <a:bodyPr rtlCol="0" anchor="ctr"/>
+          <a:lstStyle/>
+          <a:p>
+            <a:pPr marL="0" marR="0" lvl="0" indent="0" algn="ctr" defTabSz="914400" rtl="0" eaLnBrk="1" fontAlgn="auto" latinLnBrk="0" hangingPunct="1">
+              <a:lnSpc>
+                <a:spcPct val="100000"/>
+              </a:lnSpc>
+              <a:spcBef>
+                <a:spcPts val="0"/>
+              </a:spcBef>
+              <a:spcAft>
+                <a:spcPts val="0"/>
+              </a:spcAft>
+              <a:buClrTx/>
+              <a:buSzTx/>
+              <a:buFontTx/>
+              <a:buNone/>
+              <a:tabLst/>
+              <a:defRPr/>
+            </a:pPr>
+            <a:endParaRPr kumimoji="0" lang="en-US" sz="1800" b="0" i="0" u="none" strike="noStrike" kern="1200" cap="none" spc="0" normalizeH="0" baseline="0" noProof="0">
+              <a:ln>
+                <a:noFill/>
+              </a:ln>
+              <a:solidFill>
+                <a:prstClr val="white"/>
+              </a:solidFill>
+              <a:effectLst/>
+              <a:uLnTx/>
+              <a:uFillTx/>
+              <a:latin typeface="Tw Cen MT" panose="020B0602020104020603"/>
+              <a:ea typeface="+mn-ea"/>
+              <a:cs typeface="+mn-cs"/>
+            </a:endParaRPr>
+          </a:p>
+        </p:txBody>
+      </p:sp>
+      <p:sp>
+        <p:nvSpPr>
+          <p:cNvPr id="2" name="Titre 1">
+            <a:extLst>
+              <a:ext uri="{FF2B5EF4-FFF2-40B4-BE49-F238E27FC236}">
+                <a16:creationId xmlns:a16="http://schemas.microsoft.com/office/drawing/2014/main" id="{DFF41272-55A7-423C-906C-5446DB6A938B}"/>
+              </a:ext>
+            </a:extLst>
+          </p:cNvPr>
+          <p:cNvSpPr>
+            <a:spLocks noGrp="1"/>
+          </p:cNvSpPr>
+          <p:nvPr>
+            <p:ph type="title"/>
+          </p:nvPr>
+        </p:nvSpPr>
+        <p:spPr>
+          <a:xfrm>
+            <a:off x="841248" y="475488"/>
+            <a:ext cx="10515600" cy="1197864"/>
+          </a:xfrm>
+        </p:spPr>
+        <p:txBody>
+          <a:bodyPr>
+            <a:normAutofit/>
+          </a:bodyPr>
+          <a:lstStyle/>
+          <a:p>
+            <a:r>
+              <a:rPr lang="fr-FR" sz="5400" dirty="0" err="1">
+                <a:latin typeface="Abadi Extra Light" panose="020B0204020104020204" pitchFamily="34" charset="0"/>
+              </a:rPr>
+              <a:t>Javadoc</a:t>
+            </a:r>
+            <a:endParaRPr lang="fr-FR" sz="5400" dirty="0">
+              <a:latin typeface="Abadi Extra Light" panose="020B0204020104020204" pitchFamily="34" charset="0"/>
+            </a:endParaRPr>
+          </a:p>
+        </p:txBody>
+      </p:sp>
+      <p:cxnSp>
+        <p:nvCxnSpPr>
+          <p:cNvPr id="24" name="Straight Connector 23">
+            <a:extLst>
+              <a:ext uri="{FF2B5EF4-FFF2-40B4-BE49-F238E27FC236}">
+                <a16:creationId xmlns:a16="http://schemas.microsoft.com/office/drawing/2014/main" id="{CE272F12-AF86-441A-BC1B-C014BBBF85B5}"/>
+              </a:ext>
+              <a:ext uri="{C183D7F6-B498-43B3-948B-1728B52AA6E4}">
+                <adec:decorative xmlns:adec="http://schemas.microsoft.com/office/drawing/2017/decorative" val="1"/>
+              </a:ext>
+            </a:extLst>
+          </p:cNvPr>
+          <p:cNvCxnSpPr>
+            <a:cxnSpLocks noGrp="1" noRot="1" noChangeAspect="1" noMove="1" noResize="1" noEditPoints="1" noAdjustHandles="1" noChangeArrowheads="1" noChangeShapeType="1"/>
+          </p:cNvCxnSpPr>
+          <p:nvPr>
+            <p:extLst>
+              <p:ext uri="{386F3935-93C4-4BCD-93E2-E3B085C9AB24}">
+                <p16:designElem xmlns:p16="http://schemas.microsoft.com/office/powerpoint/2015/main" val="1"/>
+              </p:ext>
+            </p:extLst>
+          </p:nvPr>
+        </p:nvCxnSpPr>
+        <p:spPr>
+          <a:xfrm flipV="1">
+            <a:off x="475488" y="585216"/>
+            <a:ext cx="0" cy="914400"/>
+          </a:xfrm>
+          <a:prstGeom prst="line">
+            <a:avLst/>
+          </a:prstGeom>
+          <a:ln w="19050">
+            <a:solidFill>
+              <a:schemeClr val="tx1">
+                <a:alpha val="70000"/>
+              </a:schemeClr>
+            </a:solidFill>
+          </a:ln>
+        </p:spPr>
+        <p:style>
+          <a:lnRef idx="1">
+            <a:schemeClr val="accent1"/>
+          </a:lnRef>
+          <a:fillRef idx="0">
+            <a:schemeClr val="accent1"/>
+          </a:fillRef>
+          <a:effectRef idx="0">
+            <a:schemeClr val="accent1"/>
+          </a:effectRef>
+          <a:fontRef idx="minor">
+            <a:schemeClr val="tx1"/>
+          </a:fontRef>
+        </p:style>
+      </p:cxnSp>
+      <p:pic>
+        <p:nvPicPr>
+          <p:cNvPr id="5" name="Image 4" descr="Une image contenant capture d’écran&#10;&#10;Description générée automatiquement">
+            <a:extLst>
+              <a:ext uri="{FF2B5EF4-FFF2-40B4-BE49-F238E27FC236}">
+                <a16:creationId xmlns:a16="http://schemas.microsoft.com/office/drawing/2014/main" id="{B2087BBF-A00E-4D05-93C9-64B29C9721D0}"/>
+              </a:ext>
+            </a:extLst>
+          </p:cNvPr>
+          <p:cNvPicPr>
+            <a:picLocks noChangeAspect="1"/>
+          </p:cNvPicPr>
+          <p:nvPr/>
+        </p:nvPicPr>
+        <p:blipFill>
+          <a:blip r:embed="rId2">
+            <a:extLst>
+              <a:ext uri="{28A0092B-C50C-407E-A947-70E740481C1C}">
+                <a14:useLocalDpi xmlns:a14="http://schemas.microsoft.com/office/drawing/2010/main" val="0"/>
+              </a:ext>
+            </a:extLst>
+          </a:blip>
+          <a:stretch>
+            <a:fillRect/>
+          </a:stretch>
+        </p:blipFill>
+        <p:spPr>
+          <a:xfrm>
+            <a:off x="424543" y="1917170"/>
+            <a:ext cx="7304772" cy="4255029"/>
+          </a:xfrm>
+          <a:prstGeom prst="rect">
+            <a:avLst/>
+          </a:prstGeom>
+        </p:spPr>
+      </p:pic>
+      <p:sp>
+        <p:nvSpPr>
+          <p:cNvPr id="3" name="Espace réservé du contenu 2">
+            <a:extLst>
+              <a:ext uri="{FF2B5EF4-FFF2-40B4-BE49-F238E27FC236}">
+                <a16:creationId xmlns:a16="http://schemas.microsoft.com/office/drawing/2014/main" id="{B6C583FE-CC21-46AE-878E-4D375ACDF8C4}"/>
+              </a:ext>
+            </a:extLst>
+          </p:cNvPr>
+          <p:cNvSpPr>
+            <a:spLocks noGrp="1"/>
+          </p:cNvSpPr>
+          <p:nvPr>
+            <p:ph idx="1"/>
+          </p:nvPr>
+        </p:nvSpPr>
+        <p:spPr>
+          <a:xfrm>
+            <a:off x="7947363" y="2787626"/>
+            <a:ext cx="4023541" cy="2440156"/>
+          </a:xfrm>
+        </p:spPr>
+        <p:txBody>
+          <a:bodyPr anchor="t">
+            <a:normAutofit/>
+          </a:bodyPr>
+          <a:lstStyle/>
+          <a:p>
+            <a:pPr marL="0" indent="0" algn="ctr">
+              <a:buNone/>
+            </a:pPr>
+            <a:r>
+              <a:rPr lang="fr-FR" sz="2400" dirty="0">
+                <a:latin typeface="Abadi Extra Light" panose="020B0204020104020204" pitchFamily="34" charset="0"/>
+              </a:rPr>
+              <a:t>Plutôt que de commenter le code, nous nous somme servis de la génération de </a:t>
+            </a:r>
+            <a:r>
+              <a:rPr lang="fr-FR" sz="2400" dirty="0" err="1">
+                <a:latin typeface="Abadi Extra Light" panose="020B0204020104020204" pitchFamily="34" charset="0"/>
+              </a:rPr>
+              <a:t>Javadoc</a:t>
+            </a:r>
+            <a:r>
+              <a:rPr lang="fr-FR" sz="2400" dirty="0">
+                <a:latin typeface="Abadi Extra Light" panose="020B0204020104020204" pitchFamily="34" charset="0"/>
+              </a:rPr>
+              <a:t> par Eclipse pour documenter notre code. Vous pouvez la retrouver dans le répertoire :  « \</a:t>
+            </a:r>
+            <a:r>
+              <a:rPr lang="fr-FR" sz="2400" dirty="0" err="1">
+                <a:latin typeface="Abadi Extra Light" panose="020B0204020104020204" pitchFamily="34" charset="0"/>
+              </a:rPr>
+              <a:t>POO_Ascenseur</a:t>
+            </a:r>
+            <a:r>
+              <a:rPr lang="fr-FR" sz="2400" dirty="0">
+                <a:latin typeface="Abadi Extra Light" panose="020B0204020104020204" pitchFamily="34" charset="0"/>
+              </a:rPr>
+              <a:t>\src\doc »</a:t>
+            </a:r>
+          </a:p>
+        </p:txBody>
+      </p:sp>
+    </p:spTree>
+    <p:extLst>
+      <p:ext uri="{BB962C8B-B14F-4D97-AF65-F5344CB8AC3E}">
+        <p14:creationId xmlns:p14="http://schemas.microsoft.com/office/powerpoint/2010/main" val="3389315366"/>
+      </p:ext>
+    </p:extLst>
+  </p:cSld>
+  <p:clrMapOvr>
+    <a:overrideClrMapping bg1="dk1" tx1="lt1" bg2="dk2" tx2="lt2" accent1="accent1" accent2="accent2" accent3="accent3" accent4="accent4" accent5="accent5" accent6="accent6" hlink="hlink" folHlink="folHlink"/>
+  </p:clrMapOvr>
+</p:sld>
+</file>
+
+<file path=ppt/slides/slide16.xml><?xml version="1.0" encoding="utf-8"?>
+<p:sld xmlns:a="http://schemas.openxmlformats.org/drawingml/2006/main" xmlns:r="http://schemas.openxmlformats.org/officeDocument/2006/relationships" xmlns:p="http://schemas.openxmlformats.org/presentationml/2006/main">
+  <p:cSld>
+    <p:bg>
+      <p:bgPr>
+        <a:solidFill>
+          <a:schemeClr val="bg1"/>
+        </a:solidFill>
+        <a:effectLst/>
+      </p:bgPr>
+    </p:bg>
+    <p:spTree>
+      <p:nvGrpSpPr>
+        <p:cNvPr id="1" name=""/>
+        <p:cNvGrpSpPr/>
+        <p:nvPr/>
+      </p:nvGrpSpPr>
+      <p:grpSpPr>
+        <a:xfrm>
+          <a:off x="0" y="0"/>
+          <a:ext cx="0" cy="0"/>
+          <a:chOff x="0" y="0"/>
+          <a:chExt cx="0" cy="0"/>
+        </a:xfrm>
+      </p:grpSpPr>
+      <p:sp useBgFill="1">
+        <p:nvSpPr>
+          <p:cNvPr id="18" name="Rectangle 20">
+            <a:extLst>
+              <a:ext uri="{FF2B5EF4-FFF2-40B4-BE49-F238E27FC236}">
+                <a16:creationId xmlns:a16="http://schemas.microsoft.com/office/drawing/2014/main" id="{98135EBA-B3A3-4F88-BCB1-D0C8E63F47CA}"/>
+              </a:ext>
+              <a:ext uri="{C183D7F6-B498-43B3-948B-1728B52AA6E4}">
+                <adec:decorative xmlns:adec="http://schemas.microsoft.com/office/drawing/2017/decorative" val="1"/>
+              </a:ext>
+            </a:extLst>
+          </p:cNvPr>
+          <p:cNvSpPr>
+            <a:spLocks noGrp="1" noRot="1" noChangeAspect="1" noMove="1" noResize="1" noEditPoints="1" noAdjustHandles="1" noChangeArrowheads="1" noChangeShapeType="1" noTextEdit="1"/>
+          </p:cNvSpPr>
+          <p:nvPr>
+            <p:extLst>
+              <p:ext uri="{386F3935-93C4-4BCD-93E2-E3B085C9AB24}">
+                <p16:designElem xmlns:p16="http://schemas.microsoft.com/office/powerpoint/2015/main" val="1"/>
+              </p:ext>
+            </p:extLst>
+          </p:nvPr>
+        </p:nvSpPr>
+        <p:spPr>
+          <a:xfrm>
+            <a:off x="0" y="0"/>
+            <a:ext cx="12188952" cy="6858000"/>
+          </a:xfrm>
+          <a:prstGeom prst="rect">
+            <a:avLst/>
+          </a:prstGeom>
+          <a:ln>
+            <a:noFill/>
+          </a:ln>
+        </p:spPr>
+        <p:style>
+          <a:lnRef idx="2">
+            <a:schemeClr val="accent1">
+              <a:shade val="50000"/>
+            </a:schemeClr>
+          </a:lnRef>
+          <a:fillRef idx="1">
+            <a:schemeClr val="accent1"/>
+          </a:fillRef>
+          <a:effectRef idx="0">
+            <a:schemeClr val="accent1"/>
+          </a:effectRef>
+          <a:fontRef idx="minor">
+            <a:schemeClr val="lt1"/>
+          </a:fontRef>
+        </p:style>
+        <p:txBody>
+          <a:bodyPr rtlCol="0" anchor="ctr"/>
+          <a:lstStyle/>
+          <a:p>
+            <a:pPr algn="ctr"/>
+            <a:endParaRPr lang="en-US"/>
+          </a:p>
+        </p:txBody>
+      </p:sp>
+      <p:sp>
+        <p:nvSpPr>
+          <p:cNvPr id="19" name="Rectangle 22">
+            <a:extLst>
+              <a:ext uri="{FF2B5EF4-FFF2-40B4-BE49-F238E27FC236}">
+                <a16:creationId xmlns:a16="http://schemas.microsoft.com/office/drawing/2014/main" id="{B551406E-05CC-4445-9609-3E253925D771}"/>
+              </a:ext>
+              <a:ext uri="{C183D7F6-B498-43B3-948B-1728B52AA6E4}">
+                <adec:decorative xmlns:adec="http://schemas.microsoft.com/office/drawing/2017/decorative" val="1"/>
+              </a:ext>
+            </a:extLst>
+          </p:cNvPr>
+          <p:cNvSpPr>
+            <a:spLocks noGrp="1" noRot="1" noChangeAspect="1" noMove="1" noResize="1" noEditPoints="1" noAdjustHandles="1" noChangeArrowheads="1" noChangeShapeType="1" noTextEdit="1"/>
+          </p:cNvSpPr>
+          <p:nvPr>
+            <p:extLst>
+              <p:ext uri="{386F3935-93C4-4BCD-93E2-E3B085C9AB24}">
+                <p16:designElem xmlns:p16="http://schemas.microsoft.com/office/powerpoint/2015/main" val="1"/>
+              </p:ext>
+            </p:extLst>
+          </p:nvPr>
+        </p:nvSpPr>
+        <p:spPr>
+          <a:xfrm>
+            <a:off x="0" y="4572457"/>
+            <a:ext cx="12192000" cy="2285543"/>
+          </a:xfrm>
+          <a:prstGeom prst="rect">
+            <a:avLst/>
+          </a:prstGeom>
+          <a:solidFill>
+            <a:schemeClr val="tx1">
+              <a:lumMod val="75000"/>
+              <a:lumOff val="25000"/>
+            </a:schemeClr>
+          </a:solidFill>
+          <a:ln>
+            <a:noFill/>
+          </a:ln>
+        </p:spPr>
+        <p:style>
+          <a:lnRef idx="2">
+            <a:schemeClr val="accent1">
+              <a:shade val="50000"/>
+            </a:schemeClr>
+          </a:lnRef>
+          <a:fillRef idx="1">
+            <a:schemeClr val="accent1"/>
+          </a:fillRef>
+          <a:effectRef idx="0">
+            <a:schemeClr val="accent1"/>
+          </a:effectRef>
+          <a:fontRef idx="minor">
+            <a:schemeClr val="lt1"/>
+          </a:fontRef>
+        </p:style>
+        <p:txBody>
+          <a:bodyPr rtlCol="0" anchor="ctr"/>
+          <a:lstStyle/>
+          <a:p>
+            <a:pPr marL="0" marR="0" lvl="0" indent="0" algn="ctr" defTabSz="914400" rtl="0" eaLnBrk="1" fontAlgn="auto" latinLnBrk="0" hangingPunct="1">
+              <a:lnSpc>
+                <a:spcPct val="100000"/>
+              </a:lnSpc>
+              <a:spcBef>
+                <a:spcPts val="0"/>
+              </a:spcBef>
+              <a:spcAft>
+                <a:spcPts val="0"/>
+              </a:spcAft>
+              <a:buClrTx/>
+              <a:buSzTx/>
+              <a:buFontTx/>
+              <a:buNone/>
+              <a:tabLst/>
+              <a:defRPr/>
+            </a:pPr>
+            <a:endParaRPr kumimoji="0" lang="en-US" sz="1800" b="0" i="0" u="none" strike="noStrike" kern="1200" cap="none" spc="0" normalizeH="0" baseline="0" noProof="0">
+              <a:ln>
+                <a:noFill/>
+              </a:ln>
+              <a:solidFill>
+                <a:prstClr val="white"/>
+              </a:solidFill>
+              <a:effectLst/>
+              <a:uLnTx/>
+              <a:uFillTx/>
+              <a:latin typeface="Tw Cen MT" panose="020B0602020104020603"/>
+              <a:ea typeface="+mn-ea"/>
+              <a:cs typeface="+mn-cs"/>
+            </a:endParaRPr>
+          </a:p>
+        </p:txBody>
+      </p:sp>
+      <p:sp>
+        <p:nvSpPr>
+          <p:cNvPr id="2" name="Titre 1">
+            <a:extLst>
+              <a:ext uri="{FF2B5EF4-FFF2-40B4-BE49-F238E27FC236}">
+                <a16:creationId xmlns:a16="http://schemas.microsoft.com/office/drawing/2014/main" id="{F0AD156C-2034-45B6-AD2B-19B2FAC07076}"/>
+              </a:ext>
+            </a:extLst>
+          </p:cNvPr>
+          <p:cNvSpPr>
+            <a:spLocks noGrp="1"/>
+          </p:cNvSpPr>
+          <p:nvPr>
+            <p:ph type="title"/>
+          </p:nvPr>
+        </p:nvSpPr>
+        <p:spPr>
+          <a:xfrm>
+            <a:off x="1303513" y="4984597"/>
+            <a:ext cx="3767328" cy="1325880"/>
+          </a:xfrm>
+        </p:spPr>
+        <p:txBody>
+          <a:bodyPr vert="horz" lIns="91440" tIns="45720" rIns="91440" bIns="45720" rtlCol="0" anchor="ctr">
+            <a:normAutofit/>
+          </a:bodyPr>
+          <a:lstStyle/>
+          <a:p>
+            <a:pPr lvl="0"/>
+            <a:r>
+              <a:rPr lang="en-US" sz="7200" b="1" dirty="0">
+                <a:solidFill>
+                  <a:schemeClr val="bg1"/>
+                </a:solidFill>
+              </a:rPr>
+              <a:t>IHM</a:t>
+            </a:r>
+          </a:p>
+        </p:txBody>
+      </p:sp>
+      <p:pic>
+        <p:nvPicPr>
+          <p:cNvPr id="16" name="Image 15" descr="Une image contenant noir, photo, grand&#10;&#10;Description générée automatiquement">
+            <a:extLst>
+              <a:ext uri="{FF2B5EF4-FFF2-40B4-BE49-F238E27FC236}">
+                <a16:creationId xmlns:a16="http://schemas.microsoft.com/office/drawing/2014/main" id="{37619466-95C8-4891-8248-F15C89A83E01}"/>
+              </a:ext>
+            </a:extLst>
+          </p:cNvPr>
+          <p:cNvPicPr>
+            <a:picLocks noChangeAspect="1"/>
+          </p:cNvPicPr>
+          <p:nvPr/>
+        </p:nvPicPr>
+        <p:blipFill>
+          <a:blip r:embed="rId2">
+            <a:extLst>
+              <a:ext uri="{28A0092B-C50C-407E-A947-70E740481C1C}">
+                <a14:useLocalDpi xmlns:a14="http://schemas.microsoft.com/office/drawing/2010/main" val="0"/>
+              </a:ext>
+            </a:extLst>
+          </a:blip>
+          <a:stretch>
+            <a:fillRect/>
+          </a:stretch>
+        </p:blipFill>
+        <p:spPr>
+          <a:xfrm>
+            <a:off x="1177259" y="645396"/>
+            <a:ext cx="1093046" cy="3209544"/>
+          </a:xfrm>
+          <a:prstGeom prst="rect">
+            <a:avLst/>
+          </a:prstGeom>
+        </p:spPr>
+      </p:pic>
+      <p:cxnSp>
+        <p:nvCxnSpPr>
+          <p:cNvPr id="20" name="Straight Connector 24">
+            <a:extLst>
+              <a:ext uri="{FF2B5EF4-FFF2-40B4-BE49-F238E27FC236}">
+                <a16:creationId xmlns:a16="http://schemas.microsoft.com/office/drawing/2014/main" id="{FB9683CF-0DA1-46CF-ACAC-D8EE1B15BDB7}"/>
+              </a:ext>
+              <a:ext uri="{C183D7F6-B498-43B3-948B-1728B52AA6E4}">
+                <adec:decorative xmlns:adec="http://schemas.microsoft.com/office/drawing/2017/decorative" val="1"/>
+              </a:ext>
+            </a:extLst>
+          </p:cNvPr>
+          <p:cNvCxnSpPr>
+            <a:cxnSpLocks noGrp="1" noRot="1" noChangeAspect="1" noMove="1" noResize="1" noEditPoints="1" noAdjustHandles="1" noChangeArrowheads="1" noChangeShapeType="1"/>
+          </p:cNvCxnSpPr>
+          <p:nvPr>
+            <p:extLst>
+              <p:ext uri="{386F3935-93C4-4BCD-93E2-E3B085C9AB24}">
+                <p16:designElem xmlns:p16="http://schemas.microsoft.com/office/powerpoint/2015/main" val="1"/>
+              </p:ext>
+            </p:extLst>
+          </p:nvPr>
+        </p:nvCxnSpPr>
+        <p:spPr>
+          <a:xfrm>
+            <a:off x="3187177" y="1347782"/>
+            <a:ext cx="0" cy="1828800"/>
+          </a:xfrm>
+          <a:prstGeom prst="line">
+            <a:avLst/>
+          </a:prstGeom>
+          <a:ln w="19050">
+            <a:solidFill>
+              <a:schemeClr val="tx1">
+                <a:lumMod val="75000"/>
+                <a:lumOff val="25000"/>
+                <a:alpha val="60000"/>
+              </a:schemeClr>
+            </a:solidFill>
+          </a:ln>
+        </p:spPr>
+        <p:style>
+          <a:lnRef idx="1">
+            <a:schemeClr val="accent1"/>
+          </a:lnRef>
+          <a:fillRef idx="0">
+            <a:schemeClr val="accent1"/>
+          </a:fillRef>
+          <a:effectRef idx="0">
+            <a:schemeClr val="accent1"/>
+          </a:effectRef>
+          <a:fontRef idx="minor">
+            <a:schemeClr val="tx1"/>
+          </a:fontRef>
+        </p:style>
+      </p:cxnSp>
+      <p:pic>
+        <p:nvPicPr>
+          <p:cNvPr id="14" name="Image 13" descr="Une image contenant noir, assis, table, grand&#10;&#10;Description générée automatiquement">
+            <a:extLst>
+              <a:ext uri="{FF2B5EF4-FFF2-40B4-BE49-F238E27FC236}">
+                <a16:creationId xmlns:a16="http://schemas.microsoft.com/office/drawing/2014/main" id="{B309E603-C6C1-4441-86D6-DD62E8B0317A}"/>
+              </a:ext>
+            </a:extLst>
+          </p:cNvPr>
+          <p:cNvPicPr>
+            <a:picLocks noChangeAspect="1"/>
+          </p:cNvPicPr>
+          <p:nvPr/>
+        </p:nvPicPr>
+        <p:blipFill>
+          <a:blip r:embed="rId3">
+            <a:extLst>
+              <a:ext uri="{28A0092B-C50C-407E-A947-70E740481C1C}">
+                <a14:useLocalDpi xmlns:a14="http://schemas.microsoft.com/office/drawing/2010/main" val="0"/>
+              </a:ext>
+            </a:extLst>
+          </a:blip>
+          <a:stretch>
+            <a:fillRect/>
+          </a:stretch>
+        </p:blipFill>
+        <p:spPr>
+          <a:xfrm>
+            <a:off x="3772238" y="645396"/>
+            <a:ext cx="1739801" cy="3209544"/>
+          </a:xfrm>
+          <a:prstGeom prst="rect">
+            <a:avLst/>
+          </a:prstGeom>
+        </p:spPr>
+      </p:pic>
+      <p:cxnSp>
+        <p:nvCxnSpPr>
+          <p:cNvPr id="22" name="Straight Connector 26">
+            <a:extLst>
+              <a:ext uri="{FF2B5EF4-FFF2-40B4-BE49-F238E27FC236}">
+                <a16:creationId xmlns:a16="http://schemas.microsoft.com/office/drawing/2014/main" id="{C2AE770B-9BD5-45F7-9DD4-D3FFD62FE6FE}"/>
+              </a:ext>
+              <a:ext uri="{C183D7F6-B498-43B3-948B-1728B52AA6E4}">
+                <adec:decorative xmlns:adec="http://schemas.microsoft.com/office/drawing/2017/decorative" val="1"/>
+              </a:ext>
+            </a:extLst>
+          </p:cNvPr>
+          <p:cNvCxnSpPr>
+            <a:cxnSpLocks noGrp="1" noRot="1" noChangeAspect="1" noMove="1" noResize="1" noEditPoints="1" noAdjustHandles="1" noChangeArrowheads="1" noChangeShapeType="1"/>
+          </p:cNvCxnSpPr>
+          <p:nvPr>
+            <p:extLst>
+              <p:ext uri="{386F3935-93C4-4BCD-93E2-E3B085C9AB24}">
+                <p16:designElem xmlns:p16="http://schemas.microsoft.com/office/powerpoint/2015/main" val="1"/>
+              </p:ext>
+            </p:extLst>
+          </p:nvPr>
+        </p:nvCxnSpPr>
+        <p:spPr>
+          <a:xfrm>
+            <a:off x="6096000" y="1349484"/>
+            <a:ext cx="0" cy="1828800"/>
+          </a:xfrm>
+          <a:prstGeom prst="line">
+            <a:avLst/>
+          </a:prstGeom>
+          <a:ln w="19050">
+            <a:solidFill>
+              <a:schemeClr val="tx1">
+                <a:lumMod val="75000"/>
+                <a:lumOff val="25000"/>
+                <a:alpha val="60000"/>
+              </a:schemeClr>
+            </a:solidFill>
+          </a:ln>
+        </p:spPr>
+        <p:style>
+          <a:lnRef idx="1">
+            <a:schemeClr val="accent1"/>
+          </a:lnRef>
+          <a:fillRef idx="0">
+            <a:schemeClr val="accent1"/>
+          </a:fillRef>
+          <a:effectRef idx="0">
+            <a:schemeClr val="accent1"/>
+          </a:effectRef>
+          <a:fontRef idx="minor">
+            <a:schemeClr val="tx1"/>
+          </a:fontRef>
+        </p:style>
+      </p:cxnSp>
+      <p:pic>
+        <p:nvPicPr>
+          <p:cNvPr id="12" name="Image 11" descr="Une image contenant noir, assis, signe, téléphone&#10;&#10;Description générée automatiquement">
+            <a:extLst>
+              <a:ext uri="{FF2B5EF4-FFF2-40B4-BE49-F238E27FC236}">
+                <a16:creationId xmlns:a16="http://schemas.microsoft.com/office/drawing/2014/main" id="{8BAC2201-3B3B-4A75-AD87-58493DDB4358}"/>
+              </a:ext>
+            </a:extLst>
+          </p:cNvPr>
+          <p:cNvPicPr>
+            <a:picLocks noChangeAspect="1"/>
+          </p:cNvPicPr>
+          <p:nvPr/>
+        </p:nvPicPr>
+        <p:blipFill>
+          <a:blip r:embed="rId4">
+            <a:extLst>
+              <a:ext uri="{28A0092B-C50C-407E-A947-70E740481C1C}">
+                <a14:useLocalDpi xmlns:a14="http://schemas.microsoft.com/office/drawing/2010/main" val="0"/>
+              </a:ext>
+            </a:extLst>
+          </a:blip>
+          <a:stretch>
+            <a:fillRect/>
+          </a:stretch>
+        </p:blipFill>
+        <p:spPr>
+          <a:xfrm>
+            <a:off x="6265129" y="1210462"/>
+            <a:ext cx="2569464" cy="2079411"/>
+          </a:xfrm>
+          <a:prstGeom prst="rect">
+            <a:avLst/>
+          </a:prstGeom>
+        </p:spPr>
+      </p:pic>
+      <p:cxnSp>
+        <p:nvCxnSpPr>
+          <p:cNvPr id="24" name="Straight Connector 28">
+            <a:extLst>
+              <a:ext uri="{FF2B5EF4-FFF2-40B4-BE49-F238E27FC236}">
+                <a16:creationId xmlns:a16="http://schemas.microsoft.com/office/drawing/2014/main" id="{24A55763-CE5D-4A9B-A9F7-982C800073B9}"/>
+              </a:ext>
+              <a:ext uri="{C183D7F6-B498-43B3-948B-1728B52AA6E4}">
+                <adec:decorative xmlns:adec="http://schemas.microsoft.com/office/drawing/2017/decorative" val="1"/>
+              </a:ext>
+            </a:extLst>
+          </p:cNvPr>
+          <p:cNvCxnSpPr>
+            <a:cxnSpLocks noGrp="1" noRot="1" noChangeAspect="1" noMove="1" noResize="1" noEditPoints="1" noAdjustHandles="1" noChangeArrowheads="1" noChangeShapeType="1"/>
+          </p:cNvCxnSpPr>
+          <p:nvPr>
+            <p:extLst>
+              <p:ext uri="{386F3935-93C4-4BCD-93E2-E3B085C9AB24}">
+                <p16:designElem xmlns:p16="http://schemas.microsoft.com/office/powerpoint/2015/main" val="1"/>
+              </p:ext>
+            </p:extLst>
+          </p:nvPr>
+        </p:nvCxnSpPr>
+        <p:spPr>
+          <a:xfrm>
+            <a:off x="9013824" y="1349484"/>
+            <a:ext cx="0" cy="1828800"/>
+          </a:xfrm>
+          <a:prstGeom prst="line">
+            <a:avLst/>
+          </a:prstGeom>
+          <a:ln w="19050">
+            <a:solidFill>
+              <a:schemeClr val="tx1">
+                <a:lumMod val="75000"/>
+                <a:lumOff val="25000"/>
+                <a:alpha val="60000"/>
+              </a:schemeClr>
+            </a:solidFill>
+          </a:ln>
+        </p:spPr>
+        <p:style>
+          <a:lnRef idx="1">
+            <a:schemeClr val="accent1"/>
+          </a:lnRef>
+          <a:fillRef idx="0">
+            <a:schemeClr val="accent1"/>
+          </a:fillRef>
+          <a:effectRef idx="0">
+            <a:schemeClr val="accent1"/>
+          </a:effectRef>
+          <a:fontRef idx="minor">
+            <a:schemeClr val="tx1"/>
+          </a:fontRef>
+        </p:style>
+      </p:cxnSp>
+      <p:pic>
+        <p:nvPicPr>
+          <p:cNvPr id="6" name="Image 5" descr="Une image contenant ordinateur&#10;&#10;Description générée automatiquement">
+            <a:extLst>
+              <a:ext uri="{FF2B5EF4-FFF2-40B4-BE49-F238E27FC236}">
+                <a16:creationId xmlns:a16="http://schemas.microsoft.com/office/drawing/2014/main" id="{799A3967-3404-4C38-A713-415A9A463D56}"/>
+              </a:ext>
+            </a:extLst>
+          </p:cNvPr>
+          <p:cNvPicPr>
+            <a:picLocks noChangeAspect="1"/>
+          </p:cNvPicPr>
+          <p:nvPr/>
+        </p:nvPicPr>
+        <p:blipFill>
+          <a:blip r:embed="rId5">
+            <a:extLst>
+              <a:ext uri="{28A0092B-C50C-407E-A947-70E740481C1C}">
+                <a14:useLocalDpi xmlns:a14="http://schemas.microsoft.com/office/drawing/2010/main" val="0"/>
+              </a:ext>
+            </a:extLst>
+          </a:blip>
+          <a:stretch>
+            <a:fillRect/>
+          </a:stretch>
+        </p:blipFill>
+        <p:spPr>
+          <a:xfrm>
+            <a:off x="9183486" y="1454401"/>
+            <a:ext cx="2569464" cy="1591533"/>
+          </a:xfrm>
+          <a:prstGeom prst="rect">
+            <a:avLst/>
+          </a:prstGeom>
+        </p:spPr>
+      </p:pic>
+      <p:cxnSp>
+        <p:nvCxnSpPr>
+          <p:cNvPr id="26" name="Straight Connector 30">
+            <a:extLst>
+              <a:ext uri="{FF2B5EF4-FFF2-40B4-BE49-F238E27FC236}">
+                <a16:creationId xmlns:a16="http://schemas.microsoft.com/office/drawing/2014/main" id="{4E4DDBE7-307B-40B1-B6B5-5B376C16D732}"/>
+              </a:ext>
+              <a:ext uri="{C183D7F6-B498-43B3-948B-1728B52AA6E4}">
+                <adec:decorative xmlns:adec="http://schemas.microsoft.com/office/drawing/2017/decorative" val="1"/>
+              </a:ext>
+            </a:extLst>
+          </p:cNvPr>
+          <p:cNvCxnSpPr>
+            <a:cxnSpLocks noGrp="1" noRot="1" noChangeAspect="1" noMove="1" noResize="1" noEditPoints="1" noAdjustHandles="1" noChangeArrowheads="1" noChangeShapeType="1"/>
+          </p:cNvCxnSpPr>
+          <p:nvPr>
+            <p:extLst>
+              <p:ext uri="{386F3935-93C4-4BCD-93E2-E3B085C9AB24}">
+                <p16:designElem xmlns:p16="http://schemas.microsoft.com/office/powerpoint/2015/main" val="1"/>
+              </p:ext>
+            </p:extLst>
+          </p:nvPr>
+        </p:nvCxnSpPr>
+        <p:spPr>
+          <a:xfrm flipV="1">
+            <a:off x="4639665" y="5097939"/>
+            <a:ext cx="0" cy="914400"/>
+          </a:xfrm>
+          <a:prstGeom prst="line">
+            <a:avLst/>
+          </a:prstGeom>
+          <a:ln w="19050">
+            <a:solidFill>
+              <a:schemeClr val="bg1">
+                <a:alpha val="70000"/>
+              </a:schemeClr>
+            </a:solidFill>
+          </a:ln>
+        </p:spPr>
+        <p:style>
+          <a:lnRef idx="1">
+            <a:schemeClr val="accent1"/>
+          </a:lnRef>
+          <a:fillRef idx="0">
+            <a:schemeClr val="accent1"/>
+          </a:fillRef>
+          <a:effectRef idx="0">
+            <a:schemeClr val="accent1"/>
+          </a:effectRef>
+          <a:fontRef idx="minor">
+            <a:schemeClr val="tx1"/>
+          </a:fontRef>
+        </p:style>
+      </p:cxnSp>
+      <p:sp>
+        <p:nvSpPr>
+          <p:cNvPr id="3" name="Rectangle 2">
+            <a:extLst>
+              <a:ext uri="{FF2B5EF4-FFF2-40B4-BE49-F238E27FC236}">
+                <a16:creationId xmlns:a16="http://schemas.microsoft.com/office/drawing/2014/main" id="{0B32C03D-B7E7-4EA3-ACB5-C202BA8456CA}"/>
+              </a:ext>
+            </a:extLst>
+          </p:cNvPr>
+          <p:cNvSpPr/>
+          <p:nvPr/>
+        </p:nvSpPr>
+        <p:spPr>
+          <a:xfrm>
+            <a:off x="4881067" y="4653475"/>
+            <a:ext cx="7062201" cy="1988125"/>
+          </a:xfrm>
+          <a:prstGeom prst="rect">
+            <a:avLst/>
+          </a:prstGeom>
+        </p:spPr>
+        <p:txBody>
+          <a:bodyPr vert="horz" lIns="91440" tIns="45720" rIns="91440" bIns="45720" rtlCol="0" anchor="ctr">
+            <a:noAutofit/>
+          </a:bodyPr>
+          <a:lstStyle/>
+          <a:p>
+            <a:pPr>
+              <a:lnSpc>
+                <a:spcPct val="90000"/>
+              </a:lnSpc>
+              <a:spcAft>
+                <a:spcPts val="600"/>
+              </a:spcAft>
+            </a:pPr>
+            <a:r>
+              <a:rPr lang="fr-FR" dirty="0">
+                <a:solidFill>
+                  <a:schemeClr val="bg1"/>
+                </a:solidFill>
+              </a:rPr>
+              <a:t>Les méthodes suivantes permettre d’afficher les informations relatives aux différents objets du système pour connaitre leurs états</a:t>
+            </a:r>
+          </a:p>
+          <a:p>
+            <a:pPr indent="-228600">
+              <a:lnSpc>
+                <a:spcPct val="90000"/>
+              </a:lnSpc>
+              <a:spcAft>
+                <a:spcPts val="600"/>
+              </a:spcAft>
+              <a:buFont typeface="Arial" panose="020B0604020202020204" pitchFamily="34" charset="0"/>
+              <a:buChar char="•"/>
+            </a:pPr>
+            <a:r>
+              <a:rPr lang="fr-FR" dirty="0">
+                <a:solidFill>
+                  <a:schemeClr val="bg1"/>
+                </a:solidFill>
+              </a:rPr>
+              <a:t>Utils.displayDemandsDetails();</a:t>
+            </a:r>
+          </a:p>
+          <a:p>
+            <a:pPr indent="-228600">
+              <a:lnSpc>
+                <a:spcPct val="90000"/>
+              </a:lnSpc>
+              <a:spcAft>
+                <a:spcPts val="600"/>
+              </a:spcAft>
+              <a:buFont typeface="Arial" panose="020B0604020202020204" pitchFamily="34" charset="0"/>
+              <a:buChar char="•"/>
+            </a:pPr>
+            <a:r>
+              <a:rPr lang="fr-FR" dirty="0" err="1">
+                <a:solidFill>
+                  <a:schemeClr val="bg1"/>
+                </a:solidFill>
+              </a:rPr>
+              <a:t>Utils.displayElevatorDetails</a:t>
+            </a:r>
+            <a:r>
+              <a:rPr lang="fr-FR" dirty="0">
+                <a:solidFill>
+                  <a:schemeClr val="bg1"/>
+                </a:solidFill>
+              </a:rPr>
+              <a:t>();</a:t>
+            </a:r>
+          </a:p>
+          <a:p>
+            <a:pPr indent="-228600">
+              <a:lnSpc>
+                <a:spcPct val="90000"/>
+              </a:lnSpc>
+              <a:spcAft>
+                <a:spcPts val="600"/>
+              </a:spcAft>
+              <a:buFont typeface="Arial" panose="020B0604020202020204" pitchFamily="34" charset="0"/>
+              <a:buChar char="•"/>
+            </a:pPr>
+            <a:r>
+              <a:rPr lang="fr-FR" dirty="0" err="1">
+                <a:solidFill>
+                  <a:schemeClr val="bg1"/>
+                </a:solidFill>
+              </a:rPr>
+              <a:t>Utils.displayFloorsDetails</a:t>
+            </a:r>
+            <a:r>
+              <a:rPr lang="fr-FR" dirty="0">
+                <a:solidFill>
+                  <a:schemeClr val="bg1"/>
+                </a:solidFill>
+              </a:rPr>
+              <a:t>();</a:t>
+            </a:r>
+          </a:p>
+          <a:p>
+            <a:pPr indent="-228600">
+              <a:lnSpc>
+                <a:spcPct val="90000"/>
+              </a:lnSpc>
+              <a:spcAft>
+                <a:spcPts val="600"/>
+              </a:spcAft>
+              <a:buFont typeface="Arial" panose="020B0604020202020204" pitchFamily="34" charset="0"/>
+              <a:buChar char="•"/>
+            </a:pPr>
+            <a:r>
+              <a:rPr lang="fr-FR" dirty="0" err="1">
+                <a:solidFill>
+                  <a:schemeClr val="bg1"/>
+                </a:solidFill>
+              </a:rPr>
+              <a:t>Utils.displayUsersDetails</a:t>
+            </a:r>
+            <a:endParaRPr lang="fr-FR" dirty="0">
+              <a:solidFill>
+                <a:schemeClr val="bg1"/>
+              </a:solidFill>
+            </a:endParaRPr>
+          </a:p>
+        </p:txBody>
+      </p:sp>
+      <p:sp>
+        <p:nvSpPr>
+          <p:cNvPr id="17" name="ZoneTexte 16">
+            <a:extLst>
+              <a:ext uri="{FF2B5EF4-FFF2-40B4-BE49-F238E27FC236}">
+                <a16:creationId xmlns:a16="http://schemas.microsoft.com/office/drawing/2014/main" id="{8C53AA3C-6B10-4167-967B-49C11BFCD278}"/>
+              </a:ext>
+            </a:extLst>
+          </p:cNvPr>
+          <p:cNvSpPr txBox="1"/>
+          <p:nvPr/>
+        </p:nvSpPr>
+        <p:spPr>
+          <a:xfrm>
+            <a:off x="1266159" y="239271"/>
+            <a:ext cx="1460500" cy="400110"/>
+          </a:xfrm>
+          <a:prstGeom prst="rect">
+            <a:avLst/>
+          </a:prstGeom>
+          <a:noFill/>
+        </p:spPr>
+        <p:txBody>
+          <a:bodyPr wrap="square" rtlCol="0">
+            <a:spAutoFit/>
+          </a:bodyPr>
+          <a:lstStyle/>
+          <a:p>
+            <a:r>
+              <a:rPr lang="fr-FR" sz="2000" b="1" dirty="0" err="1">
+                <a:latin typeface="Abadi Extra Light" panose="020B0204020104020204" pitchFamily="34" charset="0"/>
+              </a:rPr>
+              <a:t>Floors</a:t>
+            </a:r>
+            <a:endParaRPr lang="fr-FR" sz="2000" b="1" dirty="0">
+              <a:latin typeface="Abadi Extra Light" panose="020B0204020104020204" pitchFamily="34" charset="0"/>
+            </a:endParaRPr>
+          </a:p>
+        </p:txBody>
+      </p:sp>
+      <p:sp>
+        <p:nvSpPr>
+          <p:cNvPr id="41" name="ZoneTexte 40">
+            <a:extLst>
+              <a:ext uri="{FF2B5EF4-FFF2-40B4-BE49-F238E27FC236}">
+                <a16:creationId xmlns:a16="http://schemas.microsoft.com/office/drawing/2014/main" id="{8E3C1BCB-5D8B-4AE8-AF60-36A0C6B31BF1}"/>
+              </a:ext>
+            </a:extLst>
+          </p:cNvPr>
+          <p:cNvSpPr txBox="1"/>
+          <p:nvPr/>
+        </p:nvSpPr>
+        <p:spPr>
+          <a:xfrm>
+            <a:off x="4118580" y="228941"/>
+            <a:ext cx="1460500" cy="400110"/>
+          </a:xfrm>
+          <a:prstGeom prst="rect">
+            <a:avLst/>
+          </a:prstGeom>
+          <a:noFill/>
+        </p:spPr>
+        <p:txBody>
+          <a:bodyPr wrap="square" rtlCol="0">
+            <a:spAutoFit/>
+          </a:bodyPr>
+          <a:lstStyle/>
+          <a:p>
+            <a:r>
+              <a:rPr lang="fr-FR" sz="2000" b="1" dirty="0" err="1">
+                <a:latin typeface="Abadi Extra Light" panose="020B0204020104020204" pitchFamily="34" charset="0"/>
+              </a:rPr>
+              <a:t>Users</a:t>
+            </a:r>
+            <a:endParaRPr lang="fr-FR" sz="2000" b="1" dirty="0">
+              <a:latin typeface="Abadi Extra Light" panose="020B0204020104020204" pitchFamily="34" charset="0"/>
+            </a:endParaRPr>
+          </a:p>
+        </p:txBody>
+      </p:sp>
+      <p:sp>
+        <p:nvSpPr>
+          <p:cNvPr id="43" name="ZoneTexte 42">
+            <a:extLst>
+              <a:ext uri="{FF2B5EF4-FFF2-40B4-BE49-F238E27FC236}">
+                <a16:creationId xmlns:a16="http://schemas.microsoft.com/office/drawing/2014/main" id="{80161D00-BB39-4B55-A514-C7E2D7004BCA}"/>
+              </a:ext>
+            </a:extLst>
+          </p:cNvPr>
+          <p:cNvSpPr txBox="1"/>
+          <p:nvPr/>
+        </p:nvSpPr>
+        <p:spPr>
+          <a:xfrm>
+            <a:off x="6951667" y="769843"/>
+            <a:ext cx="1460500" cy="400110"/>
+          </a:xfrm>
+          <a:prstGeom prst="rect">
+            <a:avLst/>
+          </a:prstGeom>
+          <a:noFill/>
+        </p:spPr>
+        <p:txBody>
+          <a:bodyPr wrap="square" rtlCol="0">
+            <a:spAutoFit/>
+          </a:bodyPr>
+          <a:lstStyle/>
+          <a:p>
+            <a:r>
+              <a:rPr lang="fr-FR" sz="2000" b="1" dirty="0" err="1">
+                <a:latin typeface="Abadi Extra Light" panose="020B0204020104020204" pitchFamily="34" charset="0"/>
+              </a:rPr>
+              <a:t>Demands</a:t>
+            </a:r>
+            <a:endParaRPr lang="fr-FR" sz="2000" b="1" dirty="0">
+              <a:latin typeface="Abadi Extra Light" panose="020B0204020104020204" pitchFamily="34" charset="0"/>
+            </a:endParaRPr>
+          </a:p>
+        </p:txBody>
+      </p:sp>
+      <p:sp>
+        <p:nvSpPr>
+          <p:cNvPr id="45" name="ZoneTexte 44">
+            <a:extLst>
+              <a:ext uri="{FF2B5EF4-FFF2-40B4-BE49-F238E27FC236}">
+                <a16:creationId xmlns:a16="http://schemas.microsoft.com/office/drawing/2014/main" id="{7DC88882-A987-448F-AA7C-76DEBB3FDDAE}"/>
+              </a:ext>
+            </a:extLst>
+          </p:cNvPr>
+          <p:cNvSpPr txBox="1"/>
+          <p:nvPr/>
+        </p:nvSpPr>
+        <p:spPr>
+          <a:xfrm>
+            <a:off x="9737968" y="1010407"/>
+            <a:ext cx="1460500" cy="400110"/>
+          </a:xfrm>
+          <a:prstGeom prst="rect">
+            <a:avLst/>
+          </a:prstGeom>
+          <a:noFill/>
+        </p:spPr>
+        <p:txBody>
+          <a:bodyPr wrap="square" rtlCol="0">
+            <a:spAutoFit/>
+          </a:bodyPr>
+          <a:lstStyle/>
+          <a:p>
+            <a:pPr algn="ctr"/>
+            <a:r>
+              <a:rPr lang="fr-FR" sz="2000" b="1" dirty="0" err="1">
+                <a:latin typeface="Abadi Extra Light" panose="020B0204020104020204" pitchFamily="34" charset="0"/>
+              </a:rPr>
+              <a:t>Elevator</a:t>
+            </a:r>
+            <a:endParaRPr lang="fr-FR" sz="2000" b="1" dirty="0">
+              <a:latin typeface="Abadi Extra Light" panose="020B0204020104020204" pitchFamily="34" charset="0"/>
+            </a:endParaRPr>
+          </a:p>
+        </p:txBody>
+      </p:sp>
+    </p:spTree>
+    <p:extLst>
+      <p:ext uri="{BB962C8B-B14F-4D97-AF65-F5344CB8AC3E}">
+        <p14:creationId xmlns:p14="http://schemas.microsoft.com/office/powerpoint/2010/main" val="1465593723"/>
+      </p:ext>
+    </p:extLst>
+  </p:cSld>
+  <p:clrMapOvr>
+    <a:masterClrMapping/>
+  </p:clrMapOvr>
+</p:sld>
+</file>
+
+<file path=ppt/slides/slide17.xml><?xml version="1.0" encoding="utf-8"?>
+<p:sld xmlns:a="http://schemas.openxmlformats.org/drawingml/2006/main" xmlns:r="http://schemas.openxmlformats.org/officeDocument/2006/relationships" xmlns:p="http://schemas.openxmlformats.org/presentationml/2006/main">
+  <p:cSld>
+    <p:bg>
+      <p:bgPr>
+        <a:solidFill>
+          <a:schemeClr val="bg1"/>
+        </a:solidFill>
+        <a:effectLst/>
+      </p:bgPr>
+    </p:bg>
+    <p:spTree>
+      <p:nvGrpSpPr>
+        <p:cNvPr id="1" name=""/>
+        <p:cNvGrpSpPr/>
+        <p:nvPr/>
+      </p:nvGrpSpPr>
+      <p:grpSpPr>
+        <a:xfrm>
+          <a:off x="0" y="0"/>
+          <a:ext cx="0" cy="0"/>
+          <a:chOff x="0" y="0"/>
+          <a:chExt cx="0" cy="0"/>
+        </a:xfrm>
+      </p:grpSpPr>
+      <p:sp>
+        <p:nvSpPr>
+          <p:cNvPr id="8" name="Down Arrow 7">
+            <a:extLst>
+              <a:ext uri="{FF2B5EF4-FFF2-40B4-BE49-F238E27FC236}">
+                <a16:creationId xmlns:a16="http://schemas.microsoft.com/office/drawing/2014/main" id="{B547373F-AF2E-4907-B442-9F902B387FD0}"/>
+              </a:ext>
+              <a:ext uri="{C183D7F6-B498-43B3-948B-1728B52AA6E4}">
+                <adec:decorative xmlns:adec="http://schemas.microsoft.com/office/drawing/2017/decorative" val="1"/>
+              </a:ext>
+            </a:extLst>
+          </p:cNvPr>
+          <p:cNvSpPr>
+            <a:spLocks noGrp="1" noRot="1" noChangeAspect="1" noMove="1" noResize="1" noEditPoints="1" noAdjustHandles="1" noChangeArrowheads="1" noChangeShapeType="1" noTextEdit="1"/>
+          </p:cNvSpPr>
+          <p:nvPr>
+            <p:extLst>
+              <p:ext uri="{386F3935-93C4-4BCD-93E2-E3B085C9AB24}">
+                <p16:designElem xmlns:p16="http://schemas.microsoft.com/office/powerpoint/2015/main" val="1"/>
+              </p:ext>
+            </p:extLst>
+          </p:nvPr>
+        </p:nvSpPr>
+        <p:spPr>
+          <a:xfrm>
+            <a:off x="800100" y="-4763"/>
+            <a:ext cx="3333749" cy="3338514"/>
+          </a:xfrm>
+          <a:prstGeom prst="downArrow">
+            <a:avLst>
+              <a:gd name="adj1" fmla="val 100000"/>
+              <a:gd name="adj2" fmla="val 26890"/>
+            </a:avLst>
+          </a:prstGeom>
+          <a:solidFill>
+            <a:schemeClr val="tx1">
+              <a:lumMod val="85000"/>
+              <a:lumOff val="15000"/>
+            </a:schemeClr>
+          </a:solidFill>
+          <a:ln w="53975">
+            <a:noFill/>
+          </a:ln>
+        </p:spPr>
+        <p:style>
+          <a:lnRef idx="2">
+            <a:schemeClr val="accent1">
+              <a:shade val="50000"/>
+            </a:schemeClr>
+          </a:lnRef>
+          <a:fillRef idx="1">
+            <a:schemeClr val="accent1"/>
+          </a:fillRef>
+          <a:effectRef idx="0">
+            <a:schemeClr val="accent1"/>
+          </a:effectRef>
+          <a:fontRef idx="minor">
+            <a:schemeClr val="lt1"/>
+          </a:fontRef>
+        </p:style>
+        <p:txBody>
+          <a:bodyPr rtlCol="0" anchor="ctr"/>
+          <a:lstStyle/>
+          <a:p>
+            <a:pPr algn="ctr"/>
+            <a:endParaRPr lang="en-US"/>
+          </a:p>
+        </p:txBody>
+      </p:sp>
+      <p:sp>
+        <p:nvSpPr>
+          <p:cNvPr id="2" name="Titre 1">
+            <a:extLst>
+              <a:ext uri="{FF2B5EF4-FFF2-40B4-BE49-F238E27FC236}">
+                <a16:creationId xmlns:a16="http://schemas.microsoft.com/office/drawing/2014/main" id="{F0AD156C-2034-45B6-AD2B-19B2FAC07076}"/>
+              </a:ext>
+            </a:extLst>
+          </p:cNvPr>
+          <p:cNvSpPr>
+            <a:spLocks noGrp="1"/>
+          </p:cNvSpPr>
+          <p:nvPr>
+            <p:ph type="title"/>
+          </p:nvPr>
+        </p:nvSpPr>
+        <p:spPr>
+          <a:xfrm>
+            <a:off x="1028700" y="190501"/>
+            <a:ext cx="3019425" cy="2009774"/>
+          </a:xfrm>
+          <a:noFill/>
+        </p:spPr>
+        <p:txBody>
+          <a:bodyPr vert="horz" lIns="91440" tIns="45720" rIns="91440" bIns="45720" rtlCol="0" anchor="ctr">
+            <a:noAutofit/>
+          </a:bodyPr>
+          <a:lstStyle/>
+          <a:p>
+            <a:pPr lvl="0" algn="ctr"/>
+            <a:r>
               <a:rPr lang="fr-FR" b="1" dirty="0" err="1">
                 <a:solidFill>
                   <a:schemeClr val="bg1"/>
@@ -14760,7 +16460,7 @@
 </p:sld>
 </file>
 
-<file path=ppt/slides/slide15.xml><?xml version="1.0" encoding="utf-8"?>
+<file path=ppt/slides/slide18.xml><?xml version="1.0" encoding="utf-8"?>
 <p:sld xmlns:a="http://schemas.openxmlformats.org/drawingml/2006/main" xmlns:r="http://schemas.openxmlformats.org/officeDocument/2006/relationships" xmlns:p="http://schemas.openxmlformats.org/presentationml/2006/main">
   <p:cSld>
     <p:bg>
@@ -15226,7 +16926,7 @@
 </p:sld>
 </file>
 
-<file path=ppt/slides/slide16.xml><?xml version="1.0" encoding="utf-8"?>
+<file path=ppt/slides/slide19.xml><?xml version="1.0" encoding="utf-8"?>
 <p:sld xmlns:a="http://schemas.openxmlformats.org/drawingml/2006/main" xmlns:r="http://schemas.openxmlformats.org/officeDocument/2006/relationships" xmlns:p="http://schemas.openxmlformats.org/presentationml/2006/main">
   <p:cSld>
     <p:bg>
@@ -15527,42 +17227,12 @@
           </a:p>
         </p:txBody>
       </p:sp>
-      <p:graphicFrame>
-        <p:nvGraphicFramePr>
-          <p:cNvPr id="4" name="Graphique 3">
-            <a:extLst>
-              <a:ext uri="{FF2B5EF4-FFF2-40B4-BE49-F238E27FC236}">
-                <a16:creationId xmlns:a16="http://schemas.microsoft.com/office/drawing/2014/main" id="{B30BC50A-EC31-4D20-9DBE-2F71F22CB038}"/>
-              </a:ext>
-            </a:extLst>
-          </p:cNvPr>
-          <p:cNvGraphicFramePr>
-            <a:graphicFrameLocks/>
-          </p:cNvGraphicFramePr>
-          <p:nvPr>
-            <p:extLst>
-              <p:ext uri="{D42A27DB-BD31-4B8C-83A1-F6EECF244321}">
-                <p14:modId xmlns:p14="http://schemas.microsoft.com/office/powerpoint/2010/main" val="2234399662"/>
-              </p:ext>
-            </p:extLst>
-          </p:nvPr>
-        </p:nvGraphicFramePr>
-        <p:xfrm>
-          <a:off x="4038600" y="961812"/>
-          <a:ext cx="7188199" cy="4930987"/>
-        </p:xfrm>
-        <a:graphic>
-          <a:graphicData uri="http://schemas.openxmlformats.org/drawingml/2006/chart">
-            <c:chart xmlns:c="http://schemas.openxmlformats.org/drawingml/2006/chart" xmlns:r="http://schemas.openxmlformats.org/officeDocument/2006/relationships" r:id="rId2"/>
-          </a:graphicData>
-        </a:graphic>
-      </p:graphicFrame>
       <p:sp>
         <p:nvSpPr>
-          <p:cNvPr id="5" name="Rectangle 4">
+          <p:cNvPr id="7" name="Rectangle 6">
             <a:extLst>
               <a:ext uri="{FF2B5EF4-FFF2-40B4-BE49-F238E27FC236}">
-                <a16:creationId xmlns:a16="http://schemas.microsoft.com/office/drawing/2014/main" id="{E68C83DA-D1A6-4A15-AC89-6D6FE0F6BABD}"/>
+                <a16:creationId xmlns:a16="http://schemas.microsoft.com/office/drawing/2014/main" id="{0295F283-6B7B-4254-94D5-20F9BFC026F6}"/>
               </a:ext>
             </a:extLst>
           </p:cNvPr>
@@ -15571,8 +17241,8 @@
         </p:nvSpPr>
         <p:spPr>
           <a:xfrm>
-            <a:off x="5715001" y="280851"/>
-            <a:ext cx="4510088" cy="400110"/>
+            <a:off x="5563192" y="236142"/>
+            <a:ext cx="4510088" cy="461665"/>
           </a:xfrm>
           <a:prstGeom prst="rect">
             <a:avLst/>
@@ -15591,7 +17261,19 @@
                 </a:solidFill>
                 <a:latin typeface="Abadi Extra Light" panose="020B0204020104020204" pitchFamily="34" charset="0"/>
               </a:rPr>
-              <a:t>Coefficient de Pearson : 0,75480499</a:t>
+              <a:t>Coefficient de Pearson : </a:t>
+            </a:r>
+            <a:r>
+              <a:rPr lang="fr-FR" sz="2400" b="1" dirty="0">
+                <a:latin typeface="Abadi Extra Light" panose="020B0204020104020204" pitchFamily="34" charset="0"/>
+              </a:rPr>
+              <a:t>0,979242557</a:t>
+            </a:r>
+            <a:r>
+              <a:rPr lang="fr-FR" sz="2000" dirty="0">
+                <a:latin typeface="Abadi Extra Light" panose="020B0204020104020204" pitchFamily="34" charset="0"/>
+              </a:rPr>
+              <a:t> </a:t>
             </a:r>
             <a:r>
               <a:rPr lang="fr-FR" sz="2000" b="1" dirty="0">
@@ -15599,383 +17281,15 @@
               </a:rPr>
               <a:t> </a:t>
             </a:r>
-          </a:p>
-        </p:txBody>
-      </p:sp>
-    </p:spTree>
-    <p:extLst>
-      <p:ext uri="{BB962C8B-B14F-4D97-AF65-F5344CB8AC3E}">
-        <p14:creationId xmlns:p14="http://schemas.microsoft.com/office/powerpoint/2010/main" val="1139310813"/>
-      </p:ext>
-    </p:extLst>
-  </p:cSld>
-  <p:clrMapOvr>
-    <a:masterClrMapping/>
-  </p:clrMapOvr>
-</p:sld>
-</file>
-
-<file path=ppt/slides/slide17.xml><?xml version="1.0" encoding="utf-8"?>
-<p:sld xmlns:a="http://schemas.openxmlformats.org/drawingml/2006/main" xmlns:r="http://schemas.openxmlformats.org/officeDocument/2006/relationships" xmlns:p="http://schemas.openxmlformats.org/presentationml/2006/main">
-  <p:cSld>
-    <p:bg>
-      <p:bgPr>
-        <a:solidFill>
-          <a:schemeClr val="bg1"/>
-        </a:solidFill>
-        <a:effectLst/>
-      </p:bgPr>
-    </p:bg>
-    <p:spTree>
-      <p:nvGrpSpPr>
-        <p:cNvPr id="1" name=""/>
-        <p:cNvGrpSpPr/>
-        <p:nvPr/>
-      </p:nvGrpSpPr>
-      <p:grpSpPr>
-        <a:xfrm>
-          <a:off x="0" y="0"/>
-          <a:ext cx="0" cy="0"/>
-          <a:chOff x="0" y="0"/>
-          <a:chExt cx="0" cy="0"/>
-        </a:xfrm>
-      </p:grpSpPr>
-      <p:sp>
-        <p:nvSpPr>
-          <p:cNvPr id="9" name="Rectangle 8">
-            <a:extLst>
-              <a:ext uri="{FF2B5EF4-FFF2-40B4-BE49-F238E27FC236}">
-                <a16:creationId xmlns:a16="http://schemas.microsoft.com/office/drawing/2014/main" id="{6753252F-4873-4F63-801D-CC719279A7D5}"/>
-              </a:ext>
-              <a:ext uri="{C183D7F6-B498-43B3-948B-1728B52AA6E4}">
-                <adec:decorative xmlns:adec="http://schemas.microsoft.com/office/drawing/2017/decorative" val="1"/>
-              </a:ext>
-            </a:extLst>
-          </p:cNvPr>
-          <p:cNvSpPr>
-            <a:spLocks noGrp="1" noRot="1" noChangeAspect="1" noMove="1" noResize="1" noEditPoints="1" noAdjustHandles="1" noChangeArrowheads="1" noChangeShapeType="1" noTextEdit="1"/>
-          </p:cNvSpPr>
-          <p:nvPr>
-            <p:extLst>
-              <p:ext uri="{386F3935-93C4-4BCD-93E2-E3B085C9AB24}">
-                <p16:designElem xmlns:p16="http://schemas.microsoft.com/office/powerpoint/2015/main" val="1"/>
-              </p:ext>
-            </p:extLst>
-          </p:nvPr>
-        </p:nvSpPr>
-        <p:spPr>
-          <a:xfrm>
-            <a:off x="0" y="0"/>
-            <a:ext cx="12192000" cy="6858000"/>
-          </a:xfrm>
-          <a:prstGeom prst="rect">
-            <a:avLst/>
-          </a:prstGeom>
-          <a:solidFill>
-            <a:srgbClr val="FFFFFF"/>
-          </a:solidFill>
-          <a:ln>
-            <a:noFill/>
-          </a:ln>
-        </p:spPr>
-        <p:style>
-          <a:lnRef idx="2">
-            <a:schemeClr val="accent1">
-              <a:shade val="50000"/>
-            </a:schemeClr>
-          </a:lnRef>
-          <a:fillRef idx="1">
-            <a:schemeClr val="accent1"/>
-          </a:fillRef>
-          <a:effectRef idx="0">
-            <a:schemeClr val="accent1"/>
-          </a:effectRef>
-          <a:fontRef idx="minor">
-            <a:schemeClr val="lt1"/>
-          </a:fontRef>
-        </p:style>
-        <p:txBody>
-          <a:bodyPr rtlCol="0" anchor="ctr"/>
-          <a:lstStyle/>
-          <a:p>
-            <a:pPr algn="ctr"/>
-            <a:endParaRPr lang="en-US"/>
-          </a:p>
-        </p:txBody>
-      </p:sp>
-      <p:sp>
-        <p:nvSpPr>
-          <p:cNvPr id="11" name="Rectangle 10">
-            <a:extLst>
-              <a:ext uri="{FF2B5EF4-FFF2-40B4-BE49-F238E27FC236}">
-                <a16:creationId xmlns:a16="http://schemas.microsoft.com/office/drawing/2014/main" id="{047C8CCB-F95D-4249-92DD-651249D3535A}"/>
-              </a:ext>
-              <a:ext uri="{C183D7F6-B498-43B3-948B-1728B52AA6E4}">
-                <adec:decorative xmlns:adec="http://schemas.microsoft.com/office/drawing/2017/decorative" val="1"/>
-              </a:ext>
-            </a:extLst>
-          </p:cNvPr>
-          <p:cNvSpPr>
-            <a:spLocks noGrp="1" noRot="1" noChangeAspect="1" noMove="1" noResize="1" noEditPoints="1" noAdjustHandles="1" noChangeArrowheads="1" noChangeShapeType="1" noTextEdit="1"/>
-          </p:cNvSpPr>
-          <p:nvPr>
-            <p:extLst>
-              <p:ext uri="{386F3935-93C4-4BCD-93E2-E3B085C9AB24}">
-                <p16:designElem xmlns:p16="http://schemas.microsoft.com/office/powerpoint/2015/main" val="1"/>
-              </p:ext>
-            </p:extLst>
-          </p:nvPr>
-        </p:nvSpPr>
-        <p:spPr>
-          <a:xfrm>
-            <a:off x="0" y="0"/>
-            <a:ext cx="2013557" cy="6858000"/>
-          </a:xfrm>
-          <a:prstGeom prst="rect">
-            <a:avLst/>
-          </a:prstGeom>
-          <a:solidFill>
-            <a:srgbClr val="7F7F7F"/>
-          </a:solidFill>
-          <a:ln>
-            <a:noFill/>
-          </a:ln>
-        </p:spPr>
-        <p:style>
-          <a:lnRef idx="2">
-            <a:schemeClr val="accent1">
-              <a:shade val="50000"/>
-            </a:schemeClr>
-          </a:lnRef>
-          <a:fillRef idx="1">
-            <a:schemeClr val="accent1"/>
-          </a:fillRef>
-          <a:effectRef idx="0">
-            <a:schemeClr val="accent1"/>
-          </a:effectRef>
-          <a:fontRef idx="minor">
-            <a:schemeClr val="lt1"/>
-          </a:fontRef>
-        </p:style>
-        <p:txBody>
-          <a:bodyPr rtlCol="0" anchor="ctr"/>
-          <a:lstStyle/>
-          <a:p>
-            <a:pPr algn="ctr"/>
-            <a:endParaRPr lang="en-US"/>
-          </a:p>
-        </p:txBody>
-      </p:sp>
-      <p:sp>
-        <p:nvSpPr>
-          <p:cNvPr id="2" name="Titre 1">
-            <a:extLst>
-              <a:ext uri="{FF2B5EF4-FFF2-40B4-BE49-F238E27FC236}">
-                <a16:creationId xmlns:a16="http://schemas.microsoft.com/office/drawing/2014/main" id="{1AB1F941-B955-48D0-9584-ADEBD314077F}"/>
-              </a:ext>
-            </a:extLst>
-          </p:cNvPr>
-          <p:cNvSpPr>
-            <a:spLocks noGrp="1"/>
-          </p:cNvSpPr>
-          <p:nvPr>
-            <p:ph type="title"/>
-          </p:nvPr>
-        </p:nvSpPr>
-        <p:spPr>
-          <a:xfrm>
-            <a:off x="640080" y="2074363"/>
-            <a:ext cx="2752354" cy="2709275"/>
-          </a:xfrm>
-          <a:prstGeom prst="ellipse">
-            <a:avLst/>
-          </a:prstGeom>
-          <a:solidFill>
-            <a:srgbClr val="262626"/>
-          </a:solidFill>
-          <a:ln w="174625" cmpd="thinThick">
-            <a:solidFill>
-              <a:srgbClr val="262626"/>
-            </a:solidFill>
-          </a:ln>
-        </p:spPr>
-        <p:txBody>
-          <a:bodyPr vert="horz" lIns="91440" tIns="45720" rIns="91440" bIns="45720" rtlCol="0" anchor="ctr">
-            <a:normAutofit fontScale="90000"/>
-          </a:bodyPr>
-          <a:lstStyle/>
-          <a:p>
-            <a:pPr algn="ctr"/>
-            <a:r>
-              <a:rPr lang="en-US" sz="2200" kern="1200" dirty="0" err="1">
-                <a:solidFill>
-                  <a:srgbClr val="FFFFFF"/>
-                </a:solidFill>
-                <a:latin typeface="+mj-lt"/>
-                <a:ea typeface="+mj-ea"/>
-                <a:cs typeface="+mj-cs"/>
-              </a:rPr>
-              <a:t>Corrélation</a:t>
-            </a:r>
-            <a:r>
-              <a:rPr lang="en-US" sz="2200" kern="1200" dirty="0">
-                <a:solidFill>
-                  <a:srgbClr val="FFFFFF"/>
-                </a:solidFill>
-                <a:latin typeface="+mj-lt"/>
-                <a:ea typeface="+mj-ea"/>
-                <a:cs typeface="+mj-cs"/>
-              </a:rPr>
-              <a:t> entre le </a:t>
-            </a:r>
-            <a:r>
-              <a:rPr lang="en-US" sz="2200" kern="1200" dirty="0" err="1">
-                <a:solidFill>
-                  <a:srgbClr val="FFFFFF"/>
-                </a:solidFill>
-                <a:latin typeface="+mj-lt"/>
-                <a:ea typeface="+mj-ea"/>
-                <a:cs typeface="+mj-cs"/>
-              </a:rPr>
-              <a:t>nombre</a:t>
-            </a:r>
-            <a:r>
-              <a:rPr lang="en-US" sz="2200" kern="1200" dirty="0">
-                <a:solidFill>
-                  <a:srgbClr val="FFFFFF"/>
-                </a:solidFill>
-                <a:latin typeface="+mj-lt"/>
-                <a:ea typeface="+mj-ea"/>
-                <a:cs typeface="+mj-cs"/>
-              </a:rPr>
-              <a:t> </a:t>
-            </a:r>
-            <a:r>
-              <a:rPr lang="en-US" sz="2200" kern="1200" dirty="0" err="1">
-                <a:solidFill>
-                  <a:srgbClr val="FFFFFF"/>
-                </a:solidFill>
-                <a:latin typeface="+mj-lt"/>
-                <a:ea typeface="+mj-ea"/>
-                <a:cs typeface="+mj-cs"/>
-              </a:rPr>
-              <a:t>d’utilisateur</a:t>
-            </a:r>
-            <a:r>
-              <a:rPr lang="en-US" sz="2200" kern="1200" dirty="0">
-                <a:solidFill>
-                  <a:srgbClr val="FFFFFF"/>
-                </a:solidFill>
-                <a:latin typeface="+mj-lt"/>
-                <a:ea typeface="+mj-ea"/>
-                <a:cs typeface="+mj-cs"/>
-              </a:rPr>
-              <a:t> et la durée </a:t>
-            </a:r>
-            <a:r>
-              <a:rPr lang="en-US" sz="2200" kern="1200" dirty="0" err="1">
-                <a:solidFill>
-                  <a:srgbClr val="FFFFFF"/>
-                </a:solidFill>
-                <a:latin typeface="+mj-lt"/>
-                <a:ea typeface="+mj-ea"/>
-                <a:cs typeface="+mj-cs"/>
-              </a:rPr>
-              <a:t>d’éxécution</a:t>
-            </a:r>
-            <a:r>
-              <a:rPr lang="en-US" sz="2200" kern="1200" dirty="0">
-                <a:solidFill>
-                  <a:srgbClr val="FFFFFF"/>
-                </a:solidFill>
-                <a:latin typeface="+mj-lt"/>
-                <a:ea typeface="+mj-ea"/>
-                <a:cs typeface="+mj-cs"/>
-              </a:rPr>
-              <a:t> du </a:t>
-            </a:r>
-            <a:r>
-              <a:rPr lang="en-US" sz="2200" kern="1200" dirty="0" err="1">
-                <a:solidFill>
-                  <a:srgbClr val="FFFFFF"/>
-                </a:solidFill>
-                <a:latin typeface="+mj-lt"/>
-                <a:ea typeface="+mj-ea"/>
-                <a:cs typeface="+mj-cs"/>
-              </a:rPr>
-              <a:t>programme</a:t>
-            </a:r>
-            <a:endParaRPr lang="en-US" sz="2200" kern="1200" dirty="0">
-              <a:solidFill>
-                <a:srgbClr val="FFFFFF"/>
-              </a:solidFill>
-              <a:latin typeface="+mj-lt"/>
-              <a:ea typeface="+mj-ea"/>
-              <a:cs typeface="+mj-cs"/>
-            </a:endParaRPr>
-          </a:p>
-        </p:txBody>
-      </p:sp>
-      <p:sp>
-        <p:nvSpPr>
-          <p:cNvPr id="5" name="Rectangle 4">
-            <a:extLst>
-              <a:ext uri="{FF2B5EF4-FFF2-40B4-BE49-F238E27FC236}">
-                <a16:creationId xmlns:a16="http://schemas.microsoft.com/office/drawing/2014/main" id="{E68C83DA-D1A6-4A15-AC89-6D6FE0F6BABD}"/>
-              </a:ext>
-            </a:extLst>
-          </p:cNvPr>
-          <p:cNvSpPr/>
-          <p:nvPr/>
-        </p:nvSpPr>
-        <p:spPr>
-          <a:xfrm>
-            <a:off x="5727701" y="461113"/>
-            <a:ext cx="4510088" cy="400110"/>
-          </a:xfrm>
-          <a:prstGeom prst="rect">
-            <a:avLst/>
-          </a:prstGeom>
-        </p:spPr>
-        <p:txBody>
-          <a:bodyPr wrap="square">
-            <a:spAutoFit/>
-          </a:bodyPr>
-          <a:lstStyle/>
-          <a:p>
-            <a:r>
-              <a:rPr lang="fr-FR" sz="2000" b="1" dirty="0">
-                <a:solidFill>
-                  <a:srgbClr val="000000"/>
-                </a:solidFill>
-                <a:latin typeface="Abadi Extra Light" panose="020B0204020104020204" pitchFamily="34" charset="0"/>
-              </a:rPr>
-              <a:t>Coefficient de Pearson : </a:t>
-            </a:r>
-            <a:r>
-              <a:rPr lang="fr-FR" b="1" dirty="0">
-                <a:latin typeface="Abadi Extra Light" panose="020B0204020104020204" pitchFamily="34" charset="0"/>
-              </a:rPr>
-              <a:t>0,620707565</a:t>
-            </a:r>
-            <a:r>
-              <a:rPr lang="fr-FR" sz="2000" dirty="0">
-                <a:latin typeface="Abadi Extra Light" panose="020B0204020104020204" pitchFamily="34" charset="0"/>
-              </a:rPr>
-              <a:t> </a:t>
-            </a:r>
-            <a:endParaRPr lang="fr-FR" sz="2000" b="1" dirty="0">
-              <a:latin typeface="Abadi Extra Light" panose="020B0204020104020204" pitchFamily="34" charset="0"/>
-            </a:endParaRPr>
           </a:p>
         </p:txBody>
       </p:sp>
       <p:graphicFrame>
         <p:nvGraphicFramePr>
-          <p:cNvPr id="7" name="Graphique 6">
+          <p:cNvPr id="8" name="Graphique 7">
             <a:extLst>
               <a:ext uri="{FF2B5EF4-FFF2-40B4-BE49-F238E27FC236}">
-                <a16:creationId xmlns:a16="http://schemas.microsoft.com/office/drawing/2014/main" id="{F08B3F68-2407-4A7B-B43B-F3715ADC42FC}"/>
+                <a16:creationId xmlns:a16="http://schemas.microsoft.com/office/drawing/2014/main" id="{39BF9ECF-DB8F-491B-8AE9-ADFB362F4351}"/>
               </a:ext>
             </a:extLst>
           </p:cNvPr>
@@ -15985,14 +17299,14 @@
           <p:nvPr>
             <p:extLst>
               <p:ext uri="{D42A27DB-BD31-4B8C-83A1-F6EECF244321}">
-                <p14:modId xmlns:p14="http://schemas.microsoft.com/office/powerpoint/2010/main" val="3185509099"/>
+                <p14:modId xmlns:p14="http://schemas.microsoft.com/office/powerpoint/2010/main" val="1306604222"/>
               </p:ext>
             </p:extLst>
           </p:nvPr>
         </p:nvGraphicFramePr>
         <p:xfrm>
-          <a:off x="3842014" y="1322336"/>
-          <a:ext cx="7872114" cy="4773664"/>
+          <a:off x="3894546" y="1423415"/>
+          <a:ext cx="7809153" cy="4978335"/>
         </p:xfrm>
         <a:graphic>
           <a:graphicData uri="http://schemas.openxmlformats.org/drawingml/2006/chart">
@@ -16000,399 +17314,47 @@
           </a:graphicData>
         </a:graphic>
       </p:graphicFrame>
-    </p:spTree>
-    <p:extLst>
-      <p:ext uri="{BB962C8B-B14F-4D97-AF65-F5344CB8AC3E}">
-        <p14:creationId xmlns:p14="http://schemas.microsoft.com/office/powerpoint/2010/main" val="172444983"/>
-      </p:ext>
-    </p:extLst>
-  </p:cSld>
-  <p:clrMapOvr>
-    <a:masterClrMapping/>
-  </p:clrMapOvr>
-</p:sld>
-</file>
-
-<file path=ppt/slides/slide18.xml><?xml version="1.0" encoding="utf-8"?>
-<p:sld xmlns:a="http://schemas.openxmlformats.org/drawingml/2006/main" xmlns:r="http://schemas.openxmlformats.org/officeDocument/2006/relationships" xmlns:p="http://schemas.openxmlformats.org/presentationml/2006/main">
-  <p:cSld>
-    <p:bg>
-      <p:bgPr>
-        <a:solidFill>
-          <a:schemeClr val="bg1"/>
-        </a:solidFill>
-        <a:effectLst/>
-      </p:bgPr>
-    </p:bg>
-    <p:spTree>
-      <p:nvGrpSpPr>
-        <p:cNvPr id="1" name=""/>
-        <p:cNvGrpSpPr/>
-        <p:nvPr/>
-      </p:nvGrpSpPr>
-      <p:grpSpPr>
-        <a:xfrm>
-          <a:off x="0" y="0"/>
-          <a:ext cx="0" cy="0"/>
-          <a:chOff x="0" y="0"/>
-          <a:chExt cx="0" cy="0"/>
-        </a:xfrm>
-      </p:grpSpPr>
       <p:sp>
         <p:nvSpPr>
-          <p:cNvPr id="9" name="Rectangle 8">
+          <p:cNvPr id="3" name="ZoneTexte 2">
             <a:extLst>
               <a:ext uri="{FF2B5EF4-FFF2-40B4-BE49-F238E27FC236}">
-                <a16:creationId xmlns:a16="http://schemas.microsoft.com/office/drawing/2014/main" id="{6753252F-4873-4F63-801D-CC719279A7D5}"/>
-              </a:ext>
-              <a:ext uri="{C183D7F6-B498-43B3-948B-1728B52AA6E4}">
-                <adec:decorative xmlns:adec="http://schemas.microsoft.com/office/drawing/2017/decorative" val="1"/>
+                <a16:creationId xmlns:a16="http://schemas.microsoft.com/office/drawing/2014/main" id="{5046108A-F395-42C5-86C0-9A202AF97018}"/>
               </a:ext>
             </a:extLst>
           </p:cNvPr>
-          <p:cNvSpPr>
-            <a:spLocks noGrp="1" noRot="1" noChangeAspect="1" noMove="1" noResize="1" noEditPoints="1" noAdjustHandles="1" noChangeArrowheads="1" noChangeShapeType="1" noTextEdit="1"/>
-          </p:cNvSpPr>
-          <p:nvPr>
-            <p:extLst>
-              <p:ext uri="{386F3935-93C4-4BCD-93E2-E3B085C9AB24}">
-                <p16:designElem xmlns:p16="http://schemas.microsoft.com/office/powerpoint/2015/main" val="1"/>
-              </p:ext>
-            </p:extLst>
-          </p:nvPr>
+          <p:cNvSpPr txBox="1"/>
+          <p:nvPr/>
         </p:nvSpPr>
         <p:spPr>
           <a:xfrm>
-            <a:off x="0" y="0"/>
-            <a:ext cx="12192000" cy="6858000"/>
+            <a:off x="4382847" y="721359"/>
+            <a:ext cx="7809153" cy="369332"/>
           </a:xfrm>
           <a:prstGeom prst="rect">
             <a:avLst/>
           </a:prstGeom>
-          <a:solidFill>
-            <a:srgbClr val="FFFFFF"/>
-          </a:solidFill>
-          <a:ln>
-            <a:noFill/>
-          </a:ln>
-        </p:spPr>
-        <p:style>
-          <a:lnRef idx="2">
-            <a:schemeClr val="accent1">
-              <a:shade val="50000"/>
-            </a:schemeClr>
-          </a:lnRef>
-          <a:fillRef idx="1">
-            <a:schemeClr val="accent1"/>
-          </a:fillRef>
-          <a:effectRef idx="0">
-            <a:schemeClr val="accent1"/>
-          </a:effectRef>
-          <a:fontRef idx="minor">
-            <a:schemeClr val="lt1"/>
-          </a:fontRef>
-        </p:style>
-        <p:txBody>
-          <a:bodyPr rtlCol="0" anchor="ctr"/>
-          <a:lstStyle/>
-          <a:p>
-            <a:pPr algn="ctr"/>
-            <a:endParaRPr lang="en-US"/>
-          </a:p>
-        </p:txBody>
-      </p:sp>
-      <p:sp>
-        <p:nvSpPr>
-          <p:cNvPr id="11" name="Rectangle 10">
-            <a:extLst>
-              <a:ext uri="{FF2B5EF4-FFF2-40B4-BE49-F238E27FC236}">
-                <a16:creationId xmlns:a16="http://schemas.microsoft.com/office/drawing/2014/main" id="{047C8CCB-F95D-4249-92DD-651249D3535A}"/>
-              </a:ext>
-              <a:ext uri="{C183D7F6-B498-43B3-948B-1728B52AA6E4}">
-                <adec:decorative xmlns:adec="http://schemas.microsoft.com/office/drawing/2017/decorative" val="1"/>
-              </a:ext>
-            </a:extLst>
-          </p:cNvPr>
-          <p:cNvSpPr>
-            <a:spLocks noGrp="1" noRot="1" noChangeAspect="1" noMove="1" noResize="1" noEditPoints="1" noAdjustHandles="1" noChangeArrowheads="1" noChangeShapeType="1" noTextEdit="1"/>
-          </p:cNvSpPr>
-          <p:nvPr>
-            <p:extLst>
-              <p:ext uri="{386F3935-93C4-4BCD-93E2-E3B085C9AB24}">
-                <p16:designElem xmlns:p16="http://schemas.microsoft.com/office/powerpoint/2015/main" val="1"/>
-              </p:ext>
-            </p:extLst>
-          </p:nvPr>
-        </p:nvSpPr>
-        <p:spPr>
-          <a:xfrm>
-            <a:off x="0" y="0"/>
-            <a:ext cx="2013557" cy="6858000"/>
-          </a:xfrm>
-          <a:prstGeom prst="rect">
-            <a:avLst/>
-          </a:prstGeom>
-          <a:solidFill>
-            <a:srgbClr val="7F7F7F"/>
-          </a:solidFill>
-          <a:ln>
-            <a:noFill/>
-          </a:ln>
-        </p:spPr>
-        <p:style>
-          <a:lnRef idx="2">
-            <a:schemeClr val="accent1">
-              <a:shade val="50000"/>
-            </a:schemeClr>
-          </a:lnRef>
-          <a:fillRef idx="1">
-            <a:schemeClr val="accent1"/>
-          </a:fillRef>
-          <a:effectRef idx="0">
-            <a:schemeClr val="accent1"/>
-          </a:effectRef>
-          <a:fontRef idx="minor">
-            <a:schemeClr val="lt1"/>
-          </a:fontRef>
-        </p:style>
-        <p:txBody>
-          <a:bodyPr rtlCol="0" anchor="ctr"/>
-          <a:lstStyle/>
-          <a:p>
-            <a:pPr algn="ctr"/>
-            <a:endParaRPr lang="en-US"/>
-          </a:p>
-        </p:txBody>
-      </p:sp>
-      <p:sp>
-        <p:nvSpPr>
-          <p:cNvPr id="2" name="Titre 1">
-            <a:extLst>
-              <a:ext uri="{FF2B5EF4-FFF2-40B4-BE49-F238E27FC236}">
-                <a16:creationId xmlns:a16="http://schemas.microsoft.com/office/drawing/2014/main" id="{1AB1F941-B955-48D0-9584-ADEBD314077F}"/>
-              </a:ext>
-            </a:extLst>
-          </p:cNvPr>
-          <p:cNvSpPr>
-            <a:spLocks noGrp="1"/>
-          </p:cNvSpPr>
-          <p:nvPr>
-            <p:ph type="title"/>
-          </p:nvPr>
-        </p:nvSpPr>
-        <p:spPr>
-          <a:xfrm>
-            <a:off x="640080" y="2074363"/>
-            <a:ext cx="2752354" cy="2709275"/>
-          </a:xfrm>
-          <a:prstGeom prst="ellipse">
-            <a:avLst/>
-          </a:prstGeom>
-          <a:solidFill>
-            <a:srgbClr val="262626"/>
-          </a:solidFill>
-          <a:ln w="174625" cmpd="thinThick">
-            <a:solidFill>
-              <a:srgbClr val="262626"/>
-            </a:solidFill>
-          </a:ln>
+          <a:noFill/>
         </p:spPr>
         <p:txBody>
-          <a:bodyPr vert="horz" lIns="91440" tIns="45720" rIns="91440" bIns="45720" rtlCol="0" anchor="ctr">
-            <a:normAutofit/>
-          </a:bodyPr>
-          <a:lstStyle/>
-          <a:p>
-            <a:pPr algn="ctr"/>
-            <a:r>
-              <a:rPr lang="en-US" sz="2200" kern="1200" dirty="0" err="1">
-                <a:solidFill>
-                  <a:srgbClr val="FFFFFF"/>
-                </a:solidFill>
-                <a:latin typeface="+mj-lt"/>
-                <a:ea typeface="+mj-ea"/>
-                <a:cs typeface="+mj-cs"/>
-              </a:rPr>
-              <a:t>Corrélation</a:t>
-            </a:r>
-            <a:r>
-              <a:rPr lang="en-US" sz="2200" kern="1200" dirty="0">
-                <a:solidFill>
-                  <a:srgbClr val="FFFFFF"/>
-                </a:solidFill>
-                <a:latin typeface="+mj-lt"/>
-                <a:ea typeface="+mj-ea"/>
-                <a:cs typeface="+mj-cs"/>
-              </a:rPr>
-              <a:t> entre la durée </a:t>
-            </a:r>
-            <a:r>
-              <a:rPr lang="en-US" sz="2200" kern="1200" dirty="0" err="1">
-                <a:solidFill>
-                  <a:srgbClr val="FFFFFF"/>
-                </a:solidFill>
-                <a:latin typeface="+mj-lt"/>
-                <a:ea typeface="+mj-ea"/>
-                <a:cs typeface="+mj-cs"/>
-              </a:rPr>
-              <a:t>d’éxécution</a:t>
-            </a:r>
-            <a:r>
-              <a:rPr lang="en-US" sz="2200" kern="1200" dirty="0">
-                <a:solidFill>
-                  <a:srgbClr val="FFFFFF"/>
-                </a:solidFill>
-                <a:latin typeface="+mj-lt"/>
-                <a:ea typeface="+mj-ea"/>
-                <a:cs typeface="+mj-cs"/>
-              </a:rPr>
-              <a:t> du </a:t>
-            </a:r>
-            <a:r>
-              <a:rPr lang="en-US" sz="2200" kern="1200" dirty="0" err="1">
-                <a:solidFill>
-                  <a:srgbClr val="FFFFFF"/>
-                </a:solidFill>
-                <a:latin typeface="+mj-lt"/>
-                <a:ea typeface="+mj-ea"/>
-                <a:cs typeface="+mj-cs"/>
-              </a:rPr>
-              <a:t>programme</a:t>
-            </a:r>
-            <a:r>
-              <a:rPr lang="en-US" sz="2200" kern="1200" dirty="0">
-                <a:solidFill>
-                  <a:srgbClr val="FFFFFF"/>
-                </a:solidFill>
-                <a:latin typeface="+mj-lt"/>
-                <a:ea typeface="+mj-ea"/>
-                <a:cs typeface="+mj-cs"/>
-              </a:rPr>
-              <a:t> et le </a:t>
-            </a:r>
-            <a:r>
-              <a:rPr lang="en-US" sz="2200" kern="1200" dirty="0" err="1">
-                <a:solidFill>
-                  <a:srgbClr val="FFFFFF"/>
-                </a:solidFill>
-                <a:latin typeface="+mj-lt"/>
-                <a:ea typeface="+mj-ea"/>
-                <a:cs typeface="+mj-cs"/>
-              </a:rPr>
-              <a:t>nombre</a:t>
-            </a:r>
-            <a:r>
-              <a:rPr lang="en-US" sz="2200" kern="1200" dirty="0">
-                <a:solidFill>
-                  <a:srgbClr val="FFFFFF"/>
-                </a:solidFill>
-                <a:latin typeface="+mj-lt"/>
-                <a:ea typeface="+mj-ea"/>
-                <a:cs typeface="+mj-cs"/>
-              </a:rPr>
-              <a:t> </a:t>
-            </a:r>
-            <a:r>
-              <a:rPr lang="en-US" sz="2200" kern="1200" dirty="0" err="1">
-                <a:solidFill>
-                  <a:srgbClr val="FFFFFF"/>
-                </a:solidFill>
-                <a:latin typeface="+mj-lt"/>
-                <a:ea typeface="+mj-ea"/>
-                <a:cs typeface="+mj-cs"/>
-              </a:rPr>
-              <a:t>d’itérations</a:t>
-            </a:r>
-            <a:endParaRPr lang="en-US" sz="2200" kern="1200" dirty="0">
-              <a:solidFill>
-                <a:srgbClr val="FFFFFF"/>
-              </a:solidFill>
-              <a:latin typeface="+mj-lt"/>
-              <a:ea typeface="+mj-ea"/>
-              <a:cs typeface="+mj-cs"/>
-            </a:endParaRPr>
-          </a:p>
-        </p:txBody>
-      </p:sp>
-      <p:sp>
-        <p:nvSpPr>
-          <p:cNvPr id="5" name="Rectangle 4">
-            <a:extLst>
-              <a:ext uri="{FF2B5EF4-FFF2-40B4-BE49-F238E27FC236}">
-                <a16:creationId xmlns:a16="http://schemas.microsoft.com/office/drawing/2014/main" id="{E68C83DA-D1A6-4A15-AC89-6D6FE0F6BABD}"/>
-              </a:ext>
-            </a:extLst>
-          </p:cNvPr>
-          <p:cNvSpPr/>
-          <p:nvPr/>
-        </p:nvSpPr>
-        <p:spPr>
-          <a:xfrm>
-            <a:off x="5829301" y="461113"/>
-            <a:ext cx="4510088" cy="400110"/>
-          </a:xfrm>
-          <a:prstGeom prst="rect">
-            <a:avLst/>
-          </a:prstGeom>
-        </p:spPr>
-        <p:txBody>
-          <a:bodyPr wrap="square">
+          <a:bodyPr wrap="square" rtlCol="0">
             <a:spAutoFit/>
           </a:bodyPr>
           <a:lstStyle/>
           <a:p>
             <a:r>
-              <a:rPr lang="fr-FR" sz="2000" b="1" dirty="0">
-                <a:solidFill>
-                  <a:srgbClr val="000000"/>
-                </a:solidFill>
-                <a:latin typeface="Abadi Extra Light" panose="020B0204020104020204" pitchFamily="34" charset="0"/>
-              </a:rPr>
-              <a:t>Coefficient de Pearson : 0,75480499</a:t>
-            </a:r>
-            <a:r>
-              <a:rPr lang="fr-FR" sz="2000" b="1" dirty="0">
-                <a:latin typeface="Abadi Extra Light" panose="020B0204020104020204" pitchFamily="34" charset="0"/>
-              </a:rPr>
-              <a:t> </a:t>
+              <a:rPr lang="fr-FR" dirty="0">
+                <a:latin typeface="Abadi Extra Light" panose="020B0204020104020204" pitchFamily="34" charset="0"/>
+              </a:rPr>
+              <a:t>Le nombre d’itération du système est fortement corrélé au nombre d’User  </a:t>
             </a:r>
           </a:p>
         </p:txBody>
       </p:sp>
-      <p:graphicFrame>
-        <p:nvGraphicFramePr>
-          <p:cNvPr id="8" name="Graphique 7">
-            <a:extLst>
-              <a:ext uri="{FF2B5EF4-FFF2-40B4-BE49-F238E27FC236}">
-                <a16:creationId xmlns:a16="http://schemas.microsoft.com/office/drawing/2014/main" id="{20C6CAA4-4468-48D6-9C2F-AB07932B562B}"/>
-              </a:ext>
-            </a:extLst>
-          </p:cNvPr>
-          <p:cNvGraphicFramePr>
-            <a:graphicFrameLocks/>
-          </p:cNvGraphicFramePr>
-          <p:nvPr>
-            <p:extLst>
-              <p:ext uri="{D42A27DB-BD31-4B8C-83A1-F6EECF244321}">
-                <p14:modId xmlns:p14="http://schemas.microsoft.com/office/powerpoint/2010/main" val="3103546268"/>
-              </p:ext>
-            </p:extLst>
-          </p:nvPr>
-        </p:nvGraphicFramePr>
-        <p:xfrm>
-          <a:off x="3945203" y="1322336"/>
-          <a:ext cx="7751445" cy="4700492"/>
-        </p:xfrm>
-        <a:graphic>
-          <a:graphicData uri="http://schemas.openxmlformats.org/drawingml/2006/chart">
-            <c:chart xmlns:c="http://schemas.openxmlformats.org/drawingml/2006/chart" xmlns:r="http://schemas.openxmlformats.org/officeDocument/2006/relationships" r:id="rId2"/>
-          </a:graphicData>
-        </a:graphic>
-      </p:graphicFrame>
     </p:spTree>
     <p:extLst>
       <p:ext uri="{BB962C8B-B14F-4D97-AF65-F5344CB8AC3E}">
-        <p14:creationId xmlns:p14="http://schemas.microsoft.com/office/powerpoint/2010/main" val="2059467908"/>
+        <p14:creationId xmlns:p14="http://schemas.microsoft.com/office/powerpoint/2010/main" val="1139310813"/>
       </p:ext>
     </p:extLst>
   </p:cSld>
@@ -16992,6 +17954,840 @@
 </p:sld>
 </file>
 
+<file path=ppt/slides/slide20.xml><?xml version="1.0" encoding="utf-8"?>
+<p:sld xmlns:a="http://schemas.openxmlformats.org/drawingml/2006/main" xmlns:r="http://schemas.openxmlformats.org/officeDocument/2006/relationships" xmlns:p="http://schemas.openxmlformats.org/presentationml/2006/main">
+  <p:cSld>
+    <p:bg>
+      <p:bgPr>
+        <a:solidFill>
+          <a:schemeClr val="bg1"/>
+        </a:solidFill>
+        <a:effectLst/>
+      </p:bgPr>
+    </p:bg>
+    <p:spTree>
+      <p:nvGrpSpPr>
+        <p:cNvPr id="1" name=""/>
+        <p:cNvGrpSpPr/>
+        <p:nvPr/>
+      </p:nvGrpSpPr>
+      <p:grpSpPr>
+        <a:xfrm>
+          <a:off x="0" y="0"/>
+          <a:ext cx="0" cy="0"/>
+          <a:chOff x="0" y="0"/>
+          <a:chExt cx="0" cy="0"/>
+        </a:xfrm>
+      </p:grpSpPr>
+      <p:sp>
+        <p:nvSpPr>
+          <p:cNvPr id="9" name="Rectangle 8">
+            <a:extLst>
+              <a:ext uri="{FF2B5EF4-FFF2-40B4-BE49-F238E27FC236}">
+                <a16:creationId xmlns:a16="http://schemas.microsoft.com/office/drawing/2014/main" id="{6753252F-4873-4F63-801D-CC719279A7D5}"/>
+              </a:ext>
+              <a:ext uri="{C183D7F6-B498-43B3-948B-1728B52AA6E4}">
+                <adec:decorative xmlns:adec="http://schemas.microsoft.com/office/drawing/2017/decorative" val="1"/>
+              </a:ext>
+            </a:extLst>
+          </p:cNvPr>
+          <p:cNvSpPr>
+            <a:spLocks noGrp="1" noRot="1" noChangeAspect="1" noMove="1" noResize="1" noEditPoints="1" noAdjustHandles="1" noChangeArrowheads="1" noChangeShapeType="1" noTextEdit="1"/>
+          </p:cNvSpPr>
+          <p:nvPr>
+            <p:extLst>
+              <p:ext uri="{386F3935-93C4-4BCD-93E2-E3B085C9AB24}">
+                <p16:designElem xmlns:p16="http://schemas.microsoft.com/office/powerpoint/2015/main" val="1"/>
+              </p:ext>
+            </p:extLst>
+          </p:nvPr>
+        </p:nvSpPr>
+        <p:spPr>
+          <a:xfrm>
+            <a:off x="0" y="0"/>
+            <a:ext cx="12192000" cy="6858000"/>
+          </a:xfrm>
+          <a:prstGeom prst="rect">
+            <a:avLst/>
+          </a:prstGeom>
+          <a:solidFill>
+            <a:srgbClr val="FFFFFF"/>
+          </a:solidFill>
+          <a:ln>
+            <a:noFill/>
+          </a:ln>
+        </p:spPr>
+        <p:style>
+          <a:lnRef idx="2">
+            <a:schemeClr val="accent1">
+              <a:shade val="50000"/>
+            </a:schemeClr>
+          </a:lnRef>
+          <a:fillRef idx="1">
+            <a:schemeClr val="accent1"/>
+          </a:fillRef>
+          <a:effectRef idx="0">
+            <a:schemeClr val="accent1"/>
+          </a:effectRef>
+          <a:fontRef idx="minor">
+            <a:schemeClr val="lt1"/>
+          </a:fontRef>
+        </p:style>
+        <p:txBody>
+          <a:bodyPr rtlCol="0" anchor="ctr"/>
+          <a:lstStyle/>
+          <a:p>
+            <a:pPr algn="ctr"/>
+            <a:endParaRPr lang="en-US"/>
+          </a:p>
+        </p:txBody>
+      </p:sp>
+      <p:sp>
+        <p:nvSpPr>
+          <p:cNvPr id="11" name="Rectangle 10">
+            <a:extLst>
+              <a:ext uri="{FF2B5EF4-FFF2-40B4-BE49-F238E27FC236}">
+                <a16:creationId xmlns:a16="http://schemas.microsoft.com/office/drawing/2014/main" id="{047C8CCB-F95D-4249-92DD-651249D3535A}"/>
+              </a:ext>
+              <a:ext uri="{C183D7F6-B498-43B3-948B-1728B52AA6E4}">
+                <adec:decorative xmlns:adec="http://schemas.microsoft.com/office/drawing/2017/decorative" val="1"/>
+              </a:ext>
+            </a:extLst>
+          </p:cNvPr>
+          <p:cNvSpPr>
+            <a:spLocks noGrp="1" noRot="1" noChangeAspect="1" noMove="1" noResize="1" noEditPoints="1" noAdjustHandles="1" noChangeArrowheads="1" noChangeShapeType="1" noTextEdit="1"/>
+          </p:cNvSpPr>
+          <p:nvPr>
+            <p:extLst>
+              <p:ext uri="{386F3935-93C4-4BCD-93E2-E3B085C9AB24}">
+                <p16:designElem xmlns:p16="http://schemas.microsoft.com/office/powerpoint/2015/main" val="1"/>
+              </p:ext>
+            </p:extLst>
+          </p:nvPr>
+        </p:nvSpPr>
+        <p:spPr>
+          <a:xfrm>
+            <a:off x="0" y="0"/>
+            <a:ext cx="2013557" cy="6858000"/>
+          </a:xfrm>
+          <a:prstGeom prst="rect">
+            <a:avLst/>
+          </a:prstGeom>
+          <a:solidFill>
+            <a:srgbClr val="7F7F7F"/>
+          </a:solidFill>
+          <a:ln>
+            <a:noFill/>
+          </a:ln>
+        </p:spPr>
+        <p:style>
+          <a:lnRef idx="2">
+            <a:schemeClr val="accent1">
+              <a:shade val="50000"/>
+            </a:schemeClr>
+          </a:lnRef>
+          <a:fillRef idx="1">
+            <a:schemeClr val="accent1"/>
+          </a:fillRef>
+          <a:effectRef idx="0">
+            <a:schemeClr val="accent1"/>
+          </a:effectRef>
+          <a:fontRef idx="minor">
+            <a:schemeClr val="lt1"/>
+          </a:fontRef>
+        </p:style>
+        <p:txBody>
+          <a:bodyPr rtlCol="0" anchor="ctr"/>
+          <a:lstStyle/>
+          <a:p>
+            <a:pPr algn="ctr"/>
+            <a:endParaRPr lang="en-US"/>
+          </a:p>
+        </p:txBody>
+      </p:sp>
+      <p:sp>
+        <p:nvSpPr>
+          <p:cNvPr id="2" name="Titre 1">
+            <a:extLst>
+              <a:ext uri="{FF2B5EF4-FFF2-40B4-BE49-F238E27FC236}">
+                <a16:creationId xmlns:a16="http://schemas.microsoft.com/office/drawing/2014/main" id="{1AB1F941-B955-48D0-9584-ADEBD314077F}"/>
+              </a:ext>
+            </a:extLst>
+          </p:cNvPr>
+          <p:cNvSpPr>
+            <a:spLocks noGrp="1"/>
+          </p:cNvSpPr>
+          <p:nvPr>
+            <p:ph type="title"/>
+          </p:nvPr>
+        </p:nvSpPr>
+        <p:spPr>
+          <a:xfrm>
+            <a:off x="640080" y="2074363"/>
+            <a:ext cx="2752354" cy="2709275"/>
+          </a:xfrm>
+          <a:prstGeom prst="ellipse">
+            <a:avLst/>
+          </a:prstGeom>
+          <a:solidFill>
+            <a:srgbClr val="262626"/>
+          </a:solidFill>
+          <a:ln w="174625" cmpd="thinThick">
+            <a:solidFill>
+              <a:srgbClr val="262626"/>
+            </a:solidFill>
+          </a:ln>
+        </p:spPr>
+        <p:txBody>
+          <a:bodyPr vert="horz" lIns="91440" tIns="45720" rIns="91440" bIns="45720" rtlCol="0" anchor="ctr">
+            <a:normAutofit fontScale="90000"/>
+          </a:bodyPr>
+          <a:lstStyle/>
+          <a:p>
+            <a:pPr algn="ctr"/>
+            <a:r>
+              <a:rPr lang="en-US" sz="2200" kern="1200" dirty="0" err="1">
+                <a:solidFill>
+                  <a:srgbClr val="FFFFFF"/>
+                </a:solidFill>
+                <a:latin typeface="+mj-lt"/>
+                <a:ea typeface="+mj-ea"/>
+                <a:cs typeface="+mj-cs"/>
+              </a:rPr>
+              <a:t>Corrélation</a:t>
+            </a:r>
+            <a:r>
+              <a:rPr lang="en-US" sz="2200" kern="1200" dirty="0">
+                <a:solidFill>
+                  <a:srgbClr val="FFFFFF"/>
+                </a:solidFill>
+                <a:latin typeface="+mj-lt"/>
+                <a:ea typeface="+mj-ea"/>
+                <a:cs typeface="+mj-cs"/>
+              </a:rPr>
+              <a:t> entre le </a:t>
+            </a:r>
+            <a:r>
+              <a:rPr lang="en-US" sz="2200" kern="1200" dirty="0" err="1">
+                <a:solidFill>
+                  <a:srgbClr val="FFFFFF"/>
+                </a:solidFill>
+                <a:latin typeface="+mj-lt"/>
+                <a:ea typeface="+mj-ea"/>
+                <a:cs typeface="+mj-cs"/>
+              </a:rPr>
+              <a:t>nombre</a:t>
+            </a:r>
+            <a:r>
+              <a:rPr lang="en-US" sz="2200" kern="1200" dirty="0">
+                <a:solidFill>
+                  <a:srgbClr val="FFFFFF"/>
+                </a:solidFill>
+                <a:latin typeface="+mj-lt"/>
+                <a:ea typeface="+mj-ea"/>
+                <a:cs typeface="+mj-cs"/>
+              </a:rPr>
+              <a:t> </a:t>
+            </a:r>
+            <a:r>
+              <a:rPr lang="en-US" sz="2200" kern="1200" dirty="0" err="1">
+                <a:solidFill>
+                  <a:srgbClr val="FFFFFF"/>
+                </a:solidFill>
+                <a:latin typeface="+mj-lt"/>
+                <a:ea typeface="+mj-ea"/>
+                <a:cs typeface="+mj-cs"/>
+              </a:rPr>
+              <a:t>d’utilisateur</a:t>
+            </a:r>
+            <a:r>
+              <a:rPr lang="en-US" sz="2200" kern="1200" dirty="0">
+                <a:solidFill>
+                  <a:srgbClr val="FFFFFF"/>
+                </a:solidFill>
+                <a:latin typeface="+mj-lt"/>
+                <a:ea typeface="+mj-ea"/>
+                <a:cs typeface="+mj-cs"/>
+              </a:rPr>
+              <a:t> et la durée </a:t>
+            </a:r>
+            <a:r>
+              <a:rPr lang="en-US" sz="2200" kern="1200" dirty="0" err="1">
+                <a:solidFill>
+                  <a:srgbClr val="FFFFFF"/>
+                </a:solidFill>
+                <a:latin typeface="+mj-lt"/>
+                <a:ea typeface="+mj-ea"/>
+                <a:cs typeface="+mj-cs"/>
+              </a:rPr>
+              <a:t>d’éxécution</a:t>
+            </a:r>
+            <a:r>
+              <a:rPr lang="en-US" sz="2200" kern="1200" dirty="0">
+                <a:solidFill>
+                  <a:srgbClr val="FFFFFF"/>
+                </a:solidFill>
+                <a:latin typeface="+mj-lt"/>
+                <a:ea typeface="+mj-ea"/>
+                <a:cs typeface="+mj-cs"/>
+              </a:rPr>
+              <a:t> du </a:t>
+            </a:r>
+            <a:r>
+              <a:rPr lang="en-US" sz="2200" kern="1200" dirty="0" err="1">
+                <a:solidFill>
+                  <a:srgbClr val="FFFFFF"/>
+                </a:solidFill>
+                <a:latin typeface="+mj-lt"/>
+                <a:ea typeface="+mj-ea"/>
+                <a:cs typeface="+mj-cs"/>
+              </a:rPr>
+              <a:t>programme</a:t>
+            </a:r>
+            <a:endParaRPr lang="en-US" sz="2200" kern="1200" dirty="0">
+              <a:solidFill>
+                <a:srgbClr val="FFFFFF"/>
+              </a:solidFill>
+              <a:latin typeface="+mj-lt"/>
+              <a:ea typeface="+mj-ea"/>
+              <a:cs typeface="+mj-cs"/>
+            </a:endParaRPr>
+          </a:p>
+        </p:txBody>
+      </p:sp>
+      <p:sp>
+        <p:nvSpPr>
+          <p:cNvPr id="5" name="Rectangle 4">
+            <a:extLst>
+              <a:ext uri="{FF2B5EF4-FFF2-40B4-BE49-F238E27FC236}">
+                <a16:creationId xmlns:a16="http://schemas.microsoft.com/office/drawing/2014/main" id="{E68C83DA-D1A6-4A15-AC89-6D6FE0F6BABD}"/>
+              </a:ext>
+            </a:extLst>
+          </p:cNvPr>
+          <p:cNvSpPr/>
+          <p:nvPr/>
+        </p:nvSpPr>
+        <p:spPr>
+          <a:xfrm>
+            <a:off x="5670963" y="56926"/>
+            <a:ext cx="4510088" cy="461665"/>
+          </a:xfrm>
+          <a:prstGeom prst="rect">
+            <a:avLst/>
+          </a:prstGeom>
+        </p:spPr>
+        <p:txBody>
+          <a:bodyPr wrap="square">
+            <a:spAutoFit/>
+          </a:bodyPr>
+          <a:lstStyle/>
+          <a:p>
+            <a:r>
+              <a:rPr lang="fr-FR" sz="2000" b="1" dirty="0">
+                <a:solidFill>
+                  <a:srgbClr val="000000"/>
+                </a:solidFill>
+                <a:latin typeface="Abadi Extra Light" panose="020B0204020104020204" pitchFamily="34" charset="0"/>
+              </a:rPr>
+              <a:t>Coefficient de Pearson : </a:t>
+            </a:r>
+            <a:r>
+              <a:rPr lang="fr-FR" sz="2400" b="1" dirty="0">
+                <a:latin typeface="Abadi Extra Light" panose="020B0204020104020204" pitchFamily="34" charset="0"/>
+              </a:rPr>
+              <a:t>0,883175475</a:t>
+            </a:r>
+            <a:r>
+              <a:rPr lang="fr-FR" sz="2000" dirty="0"/>
+              <a:t> </a:t>
+            </a:r>
+            <a:endParaRPr lang="fr-FR" sz="2000" b="1" dirty="0">
+              <a:latin typeface="Abadi Extra Light" panose="020B0204020104020204" pitchFamily="34" charset="0"/>
+            </a:endParaRPr>
+          </a:p>
+        </p:txBody>
+      </p:sp>
+      <p:graphicFrame>
+        <p:nvGraphicFramePr>
+          <p:cNvPr id="8" name="Graphique 7">
+            <a:extLst>
+              <a:ext uri="{FF2B5EF4-FFF2-40B4-BE49-F238E27FC236}">
+                <a16:creationId xmlns:a16="http://schemas.microsoft.com/office/drawing/2014/main" id="{F08B3F68-2407-4A7B-B43B-F3715ADC42FC}"/>
+              </a:ext>
+            </a:extLst>
+          </p:cNvPr>
+          <p:cNvGraphicFramePr>
+            <a:graphicFrameLocks/>
+          </p:cNvGraphicFramePr>
+          <p:nvPr>
+            <p:extLst>
+              <p:ext uri="{D42A27DB-BD31-4B8C-83A1-F6EECF244321}">
+                <p14:modId xmlns:p14="http://schemas.microsoft.com/office/powerpoint/2010/main" val="1846103046"/>
+              </p:ext>
+            </p:extLst>
+          </p:nvPr>
+        </p:nvGraphicFramePr>
+        <p:xfrm>
+          <a:off x="3695626" y="1539880"/>
+          <a:ext cx="8220142" cy="4983461"/>
+        </p:xfrm>
+        <a:graphic>
+          <a:graphicData uri="http://schemas.openxmlformats.org/drawingml/2006/chart">
+            <c:chart xmlns:c="http://schemas.openxmlformats.org/drawingml/2006/chart" xmlns:r="http://schemas.openxmlformats.org/officeDocument/2006/relationships" r:id="rId2"/>
+          </a:graphicData>
+        </a:graphic>
+      </p:graphicFrame>
+      <p:sp>
+        <p:nvSpPr>
+          <p:cNvPr id="10" name="ZoneTexte 9">
+            <a:extLst>
+              <a:ext uri="{FF2B5EF4-FFF2-40B4-BE49-F238E27FC236}">
+                <a16:creationId xmlns:a16="http://schemas.microsoft.com/office/drawing/2014/main" id="{C54CDD3B-5D95-4FFA-AA97-A7BECEBCB4FE}"/>
+              </a:ext>
+            </a:extLst>
+          </p:cNvPr>
+          <p:cNvSpPr txBox="1"/>
+          <p:nvPr/>
+        </p:nvSpPr>
+        <p:spPr>
+          <a:xfrm>
+            <a:off x="3695626" y="462662"/>
+            <a:ext cx="7809153" cy="1077218"/>
+          </a:xfrm>
+          <a:prstGeom prst="rect">
+            <a:avLst/>
+          </a:prstGeom>
+          <a:noFill/>
+        </p:spPr>
+        <p:txBody>
+          <a:bodyPr wrap="square" rtlCol="0">
+            <a:spAutoFit/>
+          </a:bodyPr>
+          <a:lstStyle/>
+          <a:p>
+            <a:pPr algn="just"/>
+            <a:r>
+              <a:rPr lang="fr-FR" sz="1600" dirty="0">
+                <a:latin typeface="Abadi Extra Light" panose="020B0204020104020204" pitchFamily="34" charset="0"/>
+              </a:rPr>
+              <a:t>Le nombre temps mis par le system pour effectuer toutes ses taches est corrélé au nombre d’User, Néanmoins cette corrélation est moins forte qu’avec les itération. On peux expliquer cela par le nature des User. En effet, s’il y a beaucoup d’User PMR par exemple, le système dois mettre plus de temps par itérations</a:t>
+            </a:r>
+          </a:p>
+        </p:txBody>
+      </p:sp>
+    </p:spTree>
+    <p:extLst>
+      <p:ext uri="{BB962C8B-B14F-4D97-AF65-F5344CB8AC3E}">
+        <p14:creationId xmlns:p14="http://schemas.microsoft.com/office/powerpoint/2010/main" val="172444983"/>
+      </p:ext>
+    </p:extLst>
+  </p:cSld>
+  <p:clrMapOvr>
+    <a:masterClrMapping/>
+  </p:clrMapOvr>
+</p:sld>
+</file>
+
+<file path=ppt/slides/slide21.xml><?xml version="1.0" encoding="utf-8"?>
+<p:sld xmlns:a="http://schemas.openxmlformats.org/drawingml/2006/main" xmlns:r="http://schemas.openxmlformats.org/officeDocument/2006/relationships" xmlns:p="http://schemas.openxmlformats.org/presentationml/2006/main">
+  <p:cSld>
+    <p:bg>
+      <p:bgPr>
+        <a:solidFill>
+          <a:schemeClr val="bg1"/>
+        </a:solidFill>
+        <a:effectLst/>
+      </p:bgPr>
+    </p:bg>
+    <p:spTree>
+      <p:nvGrpSpPr>
+        <p:cNvPr id="1" name=""/>
+        <p:cNvGrpSpPr/>
+        <p:nvPr/>
+      </p:nvGrpSpPr>
+      <p:grpSpPr>
+        <a:xfrm>
+          <a:off x="0" y="0"/>
+          <a:ext cx="0" cy="0"/>
+          <a:chOff x="0" y="0"/>
+          <a:chExt cx="0" cy="0"/>
+        </a:xfrm>
+      </p:grpSpPr>
+      <p:sp>
+        <p:nvSpPr>
+          <p:cNvPr id="9" name="Rectangle 8">
+            <a:extLst>
+              <a:ext uri="{FF2B5EF4-FFF2-40B4-BE49-F238E27FC236}">
+                <a16:creationId xmlns:a16="http://schemas.microsoft.com/office/drawing/2014/main" id="{6753252F-4873-4F63-801D-CC719279A7D5}"/>
+              </a:ext>
+              <a:ext uri="{C183D7F6-B498-43B3-948B-1728B52AA6E4}">
+                <adec:decorative xmlns:adec="http://schemas.microsoft.com/office/drawing/2017/decorative" val="1"/>
+              </a:ext>
+            </a:extLst>
+          </p:cNvPr>
+          <p:cNvSpPr>
+            <a:spLocks noGrp="1" noRot="1" noChangeAspect="1" noMove="1" noResize="1" noEditPoints="1" noAdjustHandles="1" noChangeArrowheads="1" noChangeShapeType="1" noTextEdit="1"/>
+          </p:cNvSpPr>
+          <p:nvPr>
+            <p:extLst>
+              <p:ext uri="{386F3935-93C4-4BCD-93E2-E3B085C9AB24}">
+                <p16:designElem xmlns:p16="http://schemas.microsoft.com/office/powerpoint/2015/main" val="1"/>
+              </p:ext>
+            </p:extLst>
+          </p:nvPr>
+        </p:nvSpPr>
+        <p:spPr>
+          <a:xfrm>
+            <a:off x="0" y="0"/>
+            <a:ext cx="12192000" cy="6858000"/>
+          </a:xfrm>
+          <a:prstGeom prst="rect">
+            <a:avLst/>
+          </a:prstGeom>
+          <a:solidFill>
+            <a:srgbClr val="FFFFFF"/>
+          </a:solidFill>
+          <a:ln>
+            <a:noFill/>
+          </a:ln>
+        </p:spPr>
+        <p:style>
+          <a:lnRef idx="2">
+            <a:schemeClr val="accent1">
+              <a:shade val="50000"/>
+            </a:schemeClr>
+          </a:lnRef>
+          <a:fillRef idx="1">
+            <a:schemeClr val="accent1"/>
+          </a:fillRef>
+          <a:effectRef idx="0">
+            <a:schemeClr val="accent1"/>
+          </a:effectRef>
+          <a:fontRef idx="minor">
+            <a:schemeClr val="lt1"/>
+          </a:fontRef>
+        </p:style>
+        <p:txBody>
+          <a:bodyPr rtlCol="0" anchor="ctr"/>
+          <a:lstStyle/>
+          <a:p>
+            <a:pPr algn="ctr"/>
+            <a:endParaRPr lang="en-US"/>
+          </a:p>
+        </p:txBody>
+      </p:sp>
+      <p:sp>
+        <p:nvSpPr>
+          <p:cNvPr id="11" name="Rectangle 10">
+            <a:extLst>
+              <a:ext uri="{FF2B5EF4-FFF2-40B4-BE49-F238E27FC236}">
+                <a16:creationId xmlns:a16="http://schemas.microsoft.com/office/drawing/2014/main" id="{047C8CCB-F95D-4249-92DD-651249D3535A}"/>
+              </a:ext>
+              <a:ext uri="{C183D7F6-B498-43B3-948B-1728B52AA6E4}">
+                <adec:decorative xmlns:adec="http://schemas.microsoft.com/office/drawing/2017/decorative" val="1"/>
+              </a:ext>
+            </a:extLst>
+          </p:cNvPr>
+          <p:cNvSpPr>
+            <a:spLocks noGrp="1" noRot="1" noChangeAspect="1" noMove="1" noResize="1" noEditPoints="1" noAdjustHandles="1" noChangeArrowheads="1" noChangeShapeType="1" noTextEdit="1"/>
+          </p:cNvSpPr>
+          <p:nvPr>
+            <p:extLst>
+              <p:ext uri="{386F3935-93C4-4BCD-93E2-E3B085C9AB24}">
+                <p16:designElem xmlns:p16="http://schemas.microsoft.com/office/powerpoint/2015/main" val="1"/>
+              </p:ext>
+            </p:extLst>
+          </p:nvPr>
+        </p:nvSpPr>
+        <p:spPr>
+          <a:xfrm>
+            <a:off x="0" y="0"/>
+            <a:ext cx="2013557" cy="6858000"/>
+          </a:xfrm>
+          <a:prstGeom prst="rect">
+            <a:avLst/>
+          </a:prstGeom>
+          <a:solidFill>
+            <a:srgbClr val="7F7F7F"/>
+          </a:solidFill>
+          <a:ln>
+            <a:noFill/>
+          </a:ln>
+        </p:spPr>
+        <p:style>
+          <a:lnRef idx="2">
+            <a:schemeClr val="accent1">
+              <a:shade val="50000"/>
+            </a:schemeClr>
+          </a:lnRef>
+          <a:fillRef idx="1">
+            <a:schemeClr val="accent1"/>
+          </a:fillRef>
+          <a:effectRef idx="0">
+            <a:schemeClr val="accent1"/>
+          </a:effectRef>
+          <a:fontRef idx="minor">
+            <a:schemeClr val="lt1"/>
+          </a:fontRef>
+        </p:style>
+        <p:txBody>
+          <a:bodyPr rtlCol="0" anchor="ctr"/>
+          <a:lstStyle/>
+          <a:p>
+            <a:pPr algn="ctr"/>
+            <a:endParaRPr lang="en-US"/>
+          </a:p>
+        </p:txBody>
+      </p:sp>
+      <p:sp>
+        <p:nvSpPr>
+          <p:cNvPr id="2" name="Titre 1">
+            <a:extLst>
+              <a:ext uri="{FF2B5EF4-FFF2-40B4-BE49-F238E27FC236}">
+                <a16:creationId xmlns:a16="http://schemas.microsoft.com/office/drawing/2014/main" id="{1AB1F941-B955-48D0-9584-ADEBD314077F}"/>
+              </a:ext>
+            </a:extLst>
+          </p:cNvPr>
+          <p:cNvSpPr>
+            <a:spLocks noGrp="1"/>
+          </p:cNvSpPr>
+          <p:nvPr>
+            <p:ph type="title"/>
+          </p:nvPr>
+        </p:nvSpPr>
+        <p:spPr>
+          <a:xfrm>
+            <a:off x="640080" y="2074363"/>
+            <a:ext cx="2752354" cy="2709275"/>
+          </a:xfrm>
+          <a:prstGeom prst="ellipse">
+            <a:avLst/>
+          </a:prstGeom>
+          <a:solidFill>
+            <a:srgbClr val="262626"/>
+          </a:solidFill>
+          <a:ln w="174625" cmpd="thinThick">
+            <a:solidFill>
+              <a:srgbClr val="262626"/>
+            </a:solidFill>
+          </a:ln>
+        </p:spPr>
+        <p:txBody>
+          <a:bodyPr vert="horz" lIns="91440" tIns="45720" rIns="91440" bIns="45720" rtlCol="0" anchor="ctr">
+            <a:normAutofit/>
+          </a:bodyPr>
+          <a:lstStyle/>
+          <a:p>
+            <a:pPr algn="ctr"/>
+            <a:r>
+              <a:rPr lang="en-US" sz="2200" kern="1200" dirty="0" err="1">
+                <a:solidFill>
+                  <a:srgbClr val="FFFFFF"/>
+                </a:solidFill>
+                <a:latin typeface="+mj-lt"/>
+                <a:ea typeface="+mj-ea"/>
+                <a:cs typeface="+mj-cs"/>
+              </a:rPr>
+              <a:t>Corrélation</a:t>
+            </a:r>
+            <a:r>
+              <a:rPr lang="en-US" sz="2200" kern="1200" dirty="0">
+                <a:solidFill>
+                  <a:srgbClr val="FFFFFF"/>
+                </a:solidFill>
+                <a:latin typeface="+mj-lt"/>
+                <a:ea typeface="+mj-ea"/>
+                <a:cs typeface="+mj-cs"/>
+              </a:rPr>
+              <a:t> entre la durée </a:t>
+            </a:r>
+            <a:r>
+              <a:rPr lang="en-US" sz="2200" kern="1200" dirty="0" err="1">
+                <a:solidFill>
+                  <a:srgbClr val="FFFFFF"/>
+                </a:solidFill>
+                <a:latin typeface="+mj-lt"/>
+                <a:ea typeface="+mj-ea"/>
+                <a:cs typeface="+mj-cs"/>
+              </a:rPr>
+              <a:t>d’éxécution</a:t>
+            </a:r>
+            <a:r>
+              <a:rPr lang="en-US" sz="2200" kern="1200" dirty="0">
+                <a:solidFill>
+                  <a:srgbClr val="FFFFFF"/>
+                </a:solidFill>
+                <a:latin typeface="+mj-lt"/>
+                <a:ea typeface="+mj-ea"/>
+                <a:cs typeface="+mj-cs"/>
+              </a:rPr>
+              <a:t> du </a:t>
+            </a:r>
+            <a:r>
+              <a:rPr lang="en-US" sz="2200" kern="1200" dirty="0" err="1">
+                <a:solidFill>
+                  <a:srgbClr val="FFFFFF"/>
+                </a:solidFill>
+                <a:latin typeface="+mj-lt"/>
+                <a:ea typeface="+mj-ea"/>
+                <a:cs typeface="+mj-cs"/>
+              </a:rPr>
+              <a:t>programme</a:t>
+            </a:r>
+            <a:r>
+              <a:rPr lang="en-US" sz="2200" kern="1200" dirty="0">
+                <a:solidFill>
+                  <a:srgbClr val="FFFFFF"/>
+                </a:solidFill>
+                <a:latin typeface="+mj-lt"/>
+                <a:ea typeface="+mj-ea"/>
+                <a:cs typeface="+mj-cs"/>
+              </a:rPr>
+              <a:t> et le </a:t>
+            </a:r>
+            <a:r>
+              <a:rPr lang="en-US" sz="2200" kern="1200" dirty="0" err="1">
+                <a:solidFill>
+                  <a:srgbClr val="FFFFFF"/>
+                </a:solidFill>
+                <a:latin typeface="+mj-lt"/>
+                <a:ea typeface="+mj-ea"/>
+                <a:cs typeface="+mj-cs"/>
+              </a:rPr>
+              <a:t>nombre</a:t>
+            </a:r>
+            <a:r>
+              <a:rPr lang="en-US" sz="2200" kern="1200" dirty="0">
+                <a:solidFill>
+                  <a:srgbClr val="FFFFFF"/>
+                </a:solidFill>
+                <a:latin typeface="+mj-lt"/>
+                <a:ea typeface="+mj-ea"/>
+                <a:cs typeface="+mj-cs"/>
+              </a:rPr>
+              <a:t> </a:t>
+            </a:r>
+            <a:r>
+              <a:rPr lang="en-US" sz="2200" kern="1200" dirty="0" err="1">
+                <a:solidFill>
+                  <a:srgbClr val="FFFFFF"/>
+                </a:solidFill>
+                <a:latin typeface="+mj-lt"/>
+                <a:ea typeface="+mj-ea"/>
+                <a:cs typeface="+mj-cs"/>
+              </a:rPr>
+              <a:t>d’itérations</a:t>
+            </a:r>
+            <a:endParaRPr lang="en-US" sz="2200" kern="1200" dirty="0">
+              <a:solidFill>
+                <a:srgbClr val="FFFFFF"/>
+              </a:solidFill>
+              <a:latin typeface="+mj-lt"/>
+              <a:ea typeface="+mj-ea"/>
+              <a:cs typeface="+mj-cs"/>
+            </a:endParaRPr>
+          </a:p>
+        </p:txBody>
+      </p:sp>
+      <p:graphicFrame>
+        <p:nvGraphicFramePr>
+          <p:cNvPr id="10" name="Graphique 9">
+            <a:extLst>
+              <a:ext uri="{FF2B5EF4-FFF2-40B4-BE49-F238E27FC236}">
+                <a16:creationId xmlns:a16="http://schemas.microsoft.com/office/drawing/2014/main" id="{20C6CAA4-4468-48D6-9C2F-AB07932B562B}"/>
+              </a:ext>
+            </a:extLst>
+          </p:cNvPr>
+          <p:cNvGraphicFramePr>
+            <a:graphicFrameLocks/>
+          </p:cNvGraphicFramePr>
+          <p:nvPr>
+            <p:extLst>
+              <p:ext uri="{D42A27DB-BD31-4B8C-83A1-F6EECF244321}">
+                <p14:modId xmlns:p14="http://schemas.microsoft.com/office/powerpoint/2010/main" val="3010435813"/>
+              </p:ext>
+            </p:extLst>
+          </p:nvPr>
+        </p:nvGraphicFramePr>
+        <p:xfrm>
+          <a:off x="3609837" y="1164338"/>
+          <a:ext cx="7942083" cy="4814888"/>
+        </p:xfrm>
+        <a:graphic>
+          <a:graphicData uri="http://schemas.openxmlformats.org/drawingml/2006/chart">
+            <c:chart xmlns:c="http://schemas.openxmlformats.org/drawingml/2006/chart" xmlns:r="http://schemas.openxmlformats.org/officeDocument/2006/relationships" r:id="rId2"/>
+          </a:graphicData>
+        </a:graphic>
+      </p:graphicFrame>
+      <p:sp>
+        <p:nvSpPr>
+          <p:cNvPr id="12" name="Rectangle 11">
+            <a:extLst>
+              <a:ext uri="{FF2B5EF4-FFF2-40B4-BE49-F238E27FC236}">
+                <a16:creationId xmlns:a16="http://schemas.microsoft.com/office/drawing/2014/main" id="{2310EB9E-2A78-4012-859C-13CA7F37B721}"/>
+              </a:ext>
+            </a:extLst>
+          </p:cNvPr>
+          <p:cNvSpPr/>
+          <p:nvPr/>
+        </p:nvSpPr>
+        <p:spPr>
+          <a:xfrm>
+            <a:off x="5680200" y="199856"/>
+            <a:ext cx="4510088" cy="461665"/>
+          </a:xfrm>
+          <a:prstGeom prst="rect">
+            <a:avLst/>
+          </a:prstGeom>
+        </p:spPr>
+        <p:txBody>
+          <a:bodyPr wrap="square">
+            <a:spAutoFit/>
+          </a:bodyPr>
+          <a:lstStyle/>
+          <a:p>
+            <a:r>
+              <a:rPr lang="fr-FR" sz="2000" b="1" dirty="0">
+                <a:solidFill>
+                  <a:srgbClr val="000000"/>
+                </a:solidFill>
+                <a:latin typeface="Abadi Extra Light" panose="020B0204020104020204" pitchFamily="34" charset="0"/>
+              </a:rPr>
+              <a:t>Coefficient de Pearson : </a:t>
+            </a:r>
+            <a:r>
+              <a:rPr lang="fr-FR" sz="2400" b="1" dirty="0">
+                <a:latin typeface="Abadi Extra Light" panose="020B0204020104020204" pitchFamily="34" charset="0"/>
+              </a:rPr>
+              <a:t>0,872814409</a:t>
+            </a:r>
+            <a:r>
+              <a:rPr lang="fr-FR" sz="2400" dirty="0"/>
+              <a:t> </a:t>
+            </a:r>
+            <a:r>
+              <a:rPr lang="fr-FR" sz="2000" dirty="0"/>
+              <a:t> </a:t>
+            </a:r>
+            <a:endParaRPr lang="fr-FR" sz="2000" b="1" dirty="0">
+              <a:latin typeface="Abadi Extra Light" panose="020B0204020104020204" pitchFamily="34" charset="0"/>
+            </a:endParaRPr>
+          </a:p>
+        </p:txBody>
+      </p:sp>
+    </p:spTree>
+    <p:extLst>
+      <p:ext uri="{BB962C8B-B14F-4D97-AF65-F5344CB8AC3E}">
+        <p14:creationId xmlns:p14="http://schemas.microsoft.com/office/powerpoint/2010/main" val="2059467908"/>
+      </p:ext>
+    </p:extLst>
+  </p:cSld>
+  <p:clrMapOvr>
+    <a:masterClrMapping/>
+  </p:clrMapOvr>
+</p:sld>
+</file>
+
 <file path=ppt/slides/slide3.xml><?xml version="1.0" encoding="utf-8"?>
 <p:sld xmlns:a="http://schemas.openxmlformats.org/drawingml/2006/main" xmlns:r="http://schemas.openxmlformats.org/officeDocument/2006/relationships" xmlns:p="http://schemas.openxmlformats.org/presentationml/2006/main">
   <p:cSld>

--- a/Elements de rendu/Documentation Projet.pptx
+++ b/Elements de rendu/Documentation Projet.pptx
@@ -4,6 +4,9 @@
   <p:sldMasterIdLst>
     <p:sldMasterId id="2147483648" r:id="rId1"/>
   </p:sldMasterIdLst>
+  <p:notesMasterIdLst>
+    <p:notesMasterId r:id="rId24"/>
+  </p:notesMasterIdLst>
   <p:sldIdLst>
     <p:sldId id="256" r:id="rId2"/>
     <p:sldId id="257" r:id="rId3"/>
@@ -26,6 +29,7 @@
     <p:sldId id="276" r:id="rId20"/>
     <p:sldId id="277" r:id="rId21"/>
     <p:sldId id="278" r:id="rId22"/>
+    <p:sldId id="283" r:id="rId23"/>
   </p:sldIdLst>
   <p:sldSz cx="12192000" cy="6858000"/>
   <p:notesSz cx="6858000" cy="9144000"/>
@@ -5711,7 +5715,7 @@
             <a:rPr lang="fr-FR" dirty="0">
               <a:latin typeface="Abadi Extra Light" panose="020B0204020104020204" pitchFamily="34" charset="0"/>
             </a:rPr>
-            <a:t>Gérer la priorités des entrées et des sorties</a:t>
+            <a:t>Gérer la priorité des entrées et des sorties</a:t>
           </a:r>
           <a:endParaRPr lang="en-US" dirty="0">
             <a:latin typeface="Abadi Extra Light" panose="020B0204020104020204" pitchFamily="34" charset="0"/>
@@ -7495,7 +7499,7 @@
             <a:rPr lang="fr-FR" sz="1600" kern="1200" dirty="0">
               <a:latin typeface="Abadi Extra Light" panose="020B0204020104020204" pitchFamily="34" charset="0"/>
             </a:rPr>
-            <a:t>Gérer la priorités des entrées et des sorties</a:t>
+            <a:t>Gérer la priorité des entrées et des sorties</a:t>
           </a:r>
           <a:endParaRPr lang="en-US" sz="1600" kern="1200" dirty="0">
             <a:latin typeface="Abadi Extra Light" panose="020B0204020104020204" pitchFamily="34" charset="0"/>
@@ -8839,6 +8843,439 @@
 </dgm:styleDef>
 </file>
 
+<file path=ppt/notesMasters/notesMaster1.xml><?xml version="1.0" encoding="utf-8"?>
+<p:notesMaster xmlns:a="http://schemas.openxmlformats.org/drawingml/2006/main" xmlns:r="http://schemas.openxmlformats.org/officeDocument/2006/relationships" xmlns:p="http://schemas.openxmlformats.org/presentationml/2006/main">
+  <p:cSld>
+    <p:bg>
+      <p:bgRef idx="1001">
+        <a:schemeClr val="bg1"/>
+      </p:bgRef>
+    </p:bg>
+    <p:spTree>
+      <p:nvGrpSpPr>
+        <p:cNvPr id="1" name=""/>
+        <p:cNvGrpSpPr/>
+        <p:nvPr/>
+      </p:nvGrpSpPr>
+      <p:grpSpPr>
+        <a:xfrm>
+          <a:off x="0" y="0"/>
+          <a:ext cx="0" cy="0"/>
+          <a:chOff x="0" y="0"/>
+          <a:chExt cx="0" cy="0"/>
+        </a:xfrm>
+      </p:grpSpPr>
+      <p:sp>
+        <p:nvSpPr>
+          <p:cNvPr id="2" name="Espace réservé de l'en-tête 1"/>
+          <p:cNvSpPr>
+            <a:spLocks noGrp="1"/>
+          </p:cNvSpPr>
+          <p:nvPr>
+            <p:ph type="hdr" sz="quarter"/>
+          </p:nvPr>
+        </p:nvSpPr>
+        <p:spPr>
+          <a:xfrm>
+            <a:off x="0" y="0"/>
+            <a:ext cx="2971800" cy="458788"/>
+          </a:xfrm>
+          <a:prstGeom prst="rect">
+            <a:avLst/>
+          </a:prstGeom>
+        </p:spPr>
+        <p:txBody>
+          <a:bodyPr vert="horz" lIns="91440" tIns="45720" rIns="91440" bIns="45720" rtlCol="0"/>
+          <a:lstStyle>
+            <a:lvl1pPr algn="l">
+              <a:defRPr sz="1200"/>
+            </a:lvl1pPr>
+          </a:lstStyle>
+          <a:p>
+            <a:endParaRPr lang="fr-FR"/>
+          </a:p>
+        </p:txBody>
+      </p:sp>
+      <p:sp>
+        <p:nvSpPr>
+          <p:cNvPr id="3" name="Espace réservé de la date 2"/>
+          <p:cNvSpPr>
+            <a:spLocks noGrp="1"/>
+          </p:cNvSpPr>
+          <p:nvPr>
+            <p:ph type="dt" idx="1"/>
+          </p:nvPr>
+        </p:nvSpPr>
+        <p:spPr>
+          <a:xfrm>
+            <a:off x="3884613" y="0"/>
+            <a:ext cx="2971800" cy="458788"/>
+          </a:xfrm>
+          <a:prstGeom prst="rect">
+            <a:avLst/>
+          </a:prstGeom>
+        </p:spPr>
+        <p:txBody>
+          <a:bodyPr vert="horz" lIns="91440" tIns="45720" rIns="91440" bIns="45720" rtlCol="0"/>
+          <a:lstStyle>
+            <a:lvl1pPr algn="r">
+              <a:defRPr sz="1200"/>
+            </a:lvl1pPr>
+          </a:lstStyle>
+          <a:p>
+            <a:fld id="{6B7F2C77-2C08-4585-917B-594B8B2BDAFA}" type="datetimeFigureOut">
+              <a:rPr lang="fr-FR" smtClean="0"/>
+              <a:t>16/12/2019</a:t>
+            </a:fld>
+            <a:endParaRPr lang="fr-FR"/>
+          </a:p>
+        </p:txBody>
+      </p:sp>
+      <p:sp>
+        <p:nvSpPr>
+          <p:cNvPr id="4" name="Espace réservé de l'image des diapositives 3"/>
+          <p:cNvSpPr>
+            <a:spLocks noGrp="1" noRot="1" noChangeAspect="1"/>
+          </p:cNvSpPr>
+          <p:nvPr>
+            <p:ph type="sldImg" idx="2"/>
+          </p:nvPr>
+        </p:nvSpPr>
+        <p:spPr>
+          <a:xfrm>
+            <a:off x="685800" y="1143000"/>
+            <a:ext cx="5486400" cy="3086100"/>
+          </a:xfrm>
+          <a:prstGeom prst="rect">
+            <a:avLst/>
+          </a:prstGeom>
+          <a:noFill/>
+          <a:ln w="12700">
+            <a:solidFill>
+              <a:prstClr val="black"/>
+            </a:solidFill>
+          </a:ln>
+        </p:spPr>
+        <p:txBody>
+          <a:bodyPr vert="horz" lIns="91440" tIns="45720" rIns="91440" bIns="45720" rtlCol="0" anchor="ctr"/>
+          <a:lstStyle/>
+          <a:p>
+            <a:endParaRPr lang="fr-FR"/>
+          </a:p>
+        </p:txBody>
+      </p:sp>
+      <p:sp>
+        <p:nvSpPr>
+          <p:cNvPr id="5" name="Espace réservé des notes 4"/>
+          <p:cNvSpPr>
+            <a:spLocks noGrp="1"/>
+          </p:cNvSpPr>
+          <p:nvPr>
+            <p:ph type="body" sz="quarter" idx="3"/>
+          </p:nvPr>
+        </p:nvSpPr>
+        <p:spPr>
+          <a:xfrm>
+            <a:off x="685800" y="4400550"/>
+            <a:ext cx="5486400" cy="3600450"/>
+          </a:xfrm>
+          <a:prstGeom prst="rect">
+            <a:avLst/>
+          </a:prstGeom>
+        </p:spPr>
+        <p:txBody>
+          <a:bodyPr vert="horz" lIns="91440" tIns="45720" rIns="91440" bIns="45720" rtlCol="0"/>
+          <a:lstStyle/>
+          <a:p>
+            <a:pPr lvl="0"/>
+            <a:r>
+              <a:rPr lang="fr-FR"/>
+              <a:t>Cliquez pour modifier les styles du texte du masque</a:t>
+            </a:r>
+          </a:p>
+          <a:p>
+            <a:pPr lvl="1"/>
+            <a:r>
+              <a:rPr lang="fr-FR"/>
+              <a:t>Deuxième niveau</a:t>
+            </a:r>
+          </a:p>
+          <a:p>
+            <a:pPr lvl="2"/>
+            <a:r>
+              <a:rPr lang="fr-FR"/>
+              <a:t>Troisième niveau</a:t>
+            </a:r>
+          </a:p>
+          <a:p>
+            <a:pPr lvl="3"/>
+            <a:r>
+              <a:rPr lang="fr-FR"/>
+              <a:t>Quatrième niveau</a:t>
+            </a:r>
+          </a:p>
+          <a:p>
+            <a:pPr lvl="4"/>
+            <a:r>
+              <a:rPr lang="fr-FR"/>
+              <a:t>Cinquième niveau</a:t>
+            </a:r>
+          </a:p>
+        </p:txBody>
+      </p:sp>
+      <p:sp>
+        <p:nvSpPr>
+          <p:cNvPr id="6" name="Espace réservé du pied de page 5"/>
+          <p:cNvSpPr>
+            <a:spLocks noGrp="1"/>
+          </p:cNvSpPr>
+          <p:nvPr>
+            <p:ph type="ftr" sz="quarter" idx="4"/>
+          </p:nvPr>
+        </p:nvSpPr>
+        <p:spPr>
+          <a:xfrm>
+            <a:off x="0" y="8685213"/>
+            <a:ext cx="2971800" cy="458787"/>
+          </a:xfrm>
+          <a:prstGeom prst="rect">
+            <a:avLst/>
+          </a:prstGeom>
+        </p:spPr>
+        <p:txBody>
+          <a:bodyPr vert="horz" lIns="91440" tIns="45720" rIns="91440" bIns="45720" rtlCol="0" anchor="b"/>
+          <a:lstStyle>
+            <a:lvl1pPr algn="l">
+              <a:defRPr sz="1200"/>
+            </a:lvl1pPr>
+          </a:lstStyle>
+          <a:p>
+            <a:endParaRPr lang="fr-FR"/>
+          </a:p>
+        </p:txBody>
+      </p:sp>
+      <p:sp>
+        <p:nvSpPr>
+          <p:cNvPr id="7" name="Espace réservé du numéro de diapositive 6"/>
+          <p:cNvSpPr>
+            <a:spLocks noGrp="1"/>
+          </p:cNvSpPr>
+          <p:nvPr>
+            <p:ph type="sldNum" sz="quarter" idx="5"/>
+          </p:nvPr>
+        </p:nvSpPr>
+        <p:spPr>
+          <a:xfrm>
+            <a:off x="3884613" y="8685213"/>
+            <a:ext cx="2971800" cy="458787"/>
+          </a:xfrm>
+          <a:prstGeom prst="rect">
+            <a:avLst/>
+          </a:prstGeom>
+        </p:spPr>
+        <p:txBody>
+          <a:bodyPr vert="horz" lIns="91440" tIns="45720" rIns="91440" bIns="45720" rtlCol="0" anchor="b"/>
+          <a:lstStyle>
+            <a:lvl1pPr algn="r">
+              <a:defRPr sz="1200"/>
+            </a:lvl1pPr>
+          </a:lstStyle>
+          <a:p>
+            <a:fld id="{BEC223F8-6ED7-4CCA-8F4D-E23DD698A13A}" type="slidenum">
+              <a:rPr lang="fr-FR" smtClean="0"/>
+              <a:t>‹N°›</a:t>
+            </a:fld>
+            <a:endParaRPr lang="fr-FR"/>
+          </a:p>
+        </p:txBody>
+      </p:sp>
+    </p:spTree>
+    <p:extLst>
+      <p:ext uri="{BB962C8B-B14F-4D97-AF65-F5344CB8AC3E}">
+        <p14:creationId xmlns:p14="http://schemas.microsoft.com/office/powerpoint/2010/main" val="3057399094"/>
+      </p:ext>
+    </p:extLst>
+  </p:cSld>
+  <p:clrMap bg1="lt1" tx1="dk1" bg2="lt2" tx2="dk2" accent1="accent1" accent2="accent2" accent3="accent3" accent4="accent4" accent5="accent5" accent6="accent6" hlink="hlink" folHlink="folHlink"/>
+  <p:notesStyle>
+    <a:lvl1pPr marL="0" algn="l" defTabSz="914400" rtl="0" eaLnBrk="1" latinLnBrk="0" hangingPunct="1">
+      <a:defRPr sz="1200" kern="1200">
+        <a:solidFill>
+          <a:schemeClr val="tx1"/>
+        </a:solidFill>
+        <a:latin typeface="+mn-lt"/>
+        <a:ea typeface="+mn-ea"/>
+        <a:cs typeface="+mn-cs"/>
+      </a:defRPr>
+    </a:lvl1pPr>
+    <a:lvl2pPr marL="457200" algn="l" defTabSz="914400" rtl="0" eaLnBrk="1" latinLnBrk="0" hangingPunct="1">
+      <a:defRPr sz="1200" kern="1200">
+        <a:solidFill>
+          <a:schemeClr val="tx1"/>
+        </a:solidFill>
+        <a:latin typeface="+mn-lt"/>
+        <a:ea typeface="+mn-ea"/>
+        <a:cs typeface="+mn-cs"/>
+      </a:defRPr>
+    </a:lvl2pPr>
+    <a:lvl3pPr marL="914400" algn="l" defTabSz="914400" rtl="0" eaLnBrk="1" latinLnBrk="0" hangingPunct="1">
+      <a:defRPr sz="1200" kern="1200">
+        <a:solidFill>
+          <a:schemeClr val="tx1"/>
+        </a:solidFill>
+        <a:latin typeface="+mn-lt"/>
+        <a:ea typeface="+mn-ea"/>
+        <a:cs typeface="+mn-cs"/>
+      </a:defRPr>
+    </a:lvl3pPr>
+    <a:lvl4pPr marL="1371600" algn="l" defTabSz="914400" rtl="0" eaLnBrk="1" latinLnBrk="0" hangingPunct="1">
+      <a:defRPr sz="1200" kern="1200">
+        <a:solidFill>
+          <a:schemeClr val="tx1"/>
+        </a:solidFill>
+        <a:latin typeface="+mn-lt"/>
+        <a:ea typeface="+mn-ea"/>
+        <a:cs typeface="+mn-cs"/>
+      </a:defRPr>
+    </a:lvl4pPr>
+    <a:lvl5pPr marL="1828800" algn="l" defTabSz="914400" rtl="0" eaLnBrk="1" latinLnBrk="0" hangingPunct="1">
+      <a:defRPr sz="1200" kern="1200">
+        <a:solidFill>
+          <a:schemeClr val="tx1"/>
+        </a:solidFill>
+        <a:latin typeface="+mn-lt"/>
+        <a:ea typeface="+mn-ea"/>
+        <a:cs typeface="+mn-cs"/>
+      </a:defRPr>
+    </a:lvl5pPr>
+    <a:lvl6pPr marL="2286000" algn="l" defTabSz="914400" rtl="0" eaLnBrk="1" latinLnBrk="0" hangingPunct="1">
+      <a:defRPr sz="1200" kern="1200">
+        <a:solidFill>
+          <a:schemeClr val="tx1"/>
+        </a:solidFill>
+        <a:latin typeface="+mn-lt"/>
+        <a:ea typeface="+mn-ea"/>
+        <a:cs typeface="+mn-cs"/>
+      </a:defRPr>
+    </a:lvl6pPr>
+    <a:lvl7pPr marL="2743200" algn="l" defTabSz="914400" rtl="0" eaLnBrk="1" latinLnBrk="0" hangingPunct="1">
+      <a:defRPr sz="1200" kern="1200">
+        <a:solidFill>
+          <a:schemeClr val="tx1"/>
+        </a:solidFill>
+        <a:latin typeface="+mn-lt"/>
+        <a:ea typeface="+mn-ea"/>
+        <a:cs typeface="+mn-cs"/>
+      </a:defRPr>
+    </a:lvl7pPr>
+    <a:lvl8pPr marL="3200400" algn="l" defTabSz="914400" rtl="0" eaLnBrk="1" latinLnBrk="0" hangingPunct="1">
+      <a:defRPr sz="1200" kern="1200">
+        <a:solidFill>
+          <a:schemeClr val="tx1"/>
+        </a:solidFill>
+        <a:latin typeface="+mn-lt"/>
+        <a:ea typeface="+mn-ea"/>
+        <a:cs typeface="+mn-cs"/>
+      </a:defRPr>
+    </a:lvl8pPr>
+    <a:lvl9pPr marL="3657600" algn="l" defTabSz="914400" rtl="0" eaLnBrk="1" latinLnBrk="0" hangingPunct="1">
+      <a:defRPr sz="1200" kern="1200">
+        <a:solidFill>
+          <a:schemeClr val="tx1"/>
+        </a:solidFill>
+        <a:latin typeface="+mn-lt"/>
+        <a:ea typeface="+mn-ea"/>
+        <a:cs typeface="+mn-cs"/>
+      </a:defRPr>
+    </a:lvl9pPr>
+  </p:notesStyle>
+</p:notesMaster>
+</file>
+
+<file path=ppt/notesSlides/notesSlide1.xml><?xml version="1.0" encoding="utf-8"?>
+<p:notes xmlns:a="http://schemas.openxmlformats.org/drawingml/2006/main" xmlns:r="http://schemas.openxmlformats.org/officeDocument/2006/relationships" xmlns:p="http://schemas.openxmlformats.org/presentationml/2006/main">
+  <p:cSld>
+    <p:spTree>
+      <p:nvGrpSpPr>
+        <p:cNvPr id="1" name=""/>
+        <p:cNvGrpSpPr/>
+        <p:nvPr/>
+      </p:nvGrpSpPr>
+      <p:grpSpPr>
+        <a:xfrm>
+          <a:off x="0" y="0"/>
+          <a:ext cx="0" cy="0"/>
+          <a:chOff x="0" y="0"/>
+          <a:chExt cx="0" cy="0"/>
+        </a:xfrm>
+      </p:grpSpPr>
+      <p:sp>
+        <p:nvSpPr>
+          <p:cNvPr id="2" name="Espace réservé de l'image des diapositives 1"/>
+          <p:cNvSpPr>
+            <a:spLocks noGrp="1" noRot="1" noChangeAspect="1"/>
+          </p:cNvSpPr>
+          <p:nvPr>
+            <p:ph type="sldImg"/>
+          </p:nvPr>
+        </p:nvSpPr>
+        <p:spPr/>
+      </p:sp>
+      <p:sp>
+        <p:nvSpPr>
+          <p:cNvPr id="3" name="Espace réservé des notes 2"/>
+          <p:cNvSpPr>
+            <a:spLocks noGrp="1"/>
+          </p:cNvSpPr>
+          <p:nvPr>
+            <p:ph type="body" idx="1"/>
+          </p:nvPr>
+        </p:nvSpPr>
+        <p:spPr/>
+        <p:txBody>
+          <a:bodyPr/>
+          <a:lstStyle/>
+          <a:p>
+            <a:endParaRPr lang="fr-FR" dirty="0"/>
+          </a:p>
+        </p:txBody>
+      </p:sp>
+      <p:sp>
+        <p:nvSpPr>
+          <p:cNvPr id="4" name="Espace réservé du numéro de diapositive 3"/>
+          <p:cNvSpPr>
+            <a:spLocks noGrp="1"/>
+          </p:cNvSpPr>
+          <p:nvPr>
+            <p:ph type="sldNum" sz="quarter" idx="5"/>
+          </p:nvPr>
+        </p:nvSpPr>
+        <p:spPr/>
+        <p:txBody>
+          <a:bodyPr/>
+          <a:lstStyle/>
+          <a:p>
+            <a:fld id="{BEC223F8-6ED7-4CCA-8F4D-E23DD698A13A}" type="slidenum">
+              <a:rPr lang="fr-FR" smtClean="0"/>
+              <a:t>16</a:t>
+            </a:fld>
+            <a:endParaRPr lang="fr-FR"/>
+          </a:p>
+        </p:txBody>
+      </p:sp>
+    </p:spTree>
+    <p:extLst>
+      <p:ext uri="{BB962C8B-B14F-4D97-AF65-F5344CB8AC3E}">
+        <p14:creationId xmlns:p14="http://schemas.microsoft.com/office/powerpoint/2010/main" val="3983391877"/>
+      </p:ext>
+    </p:extLst>
+  </p:cSld>
+  <p:clrMapOvr>
+    <a:masterClrMapping/>
+  </p:clrMapOvr>
+</p:notes>
+</file>
+
 <file path=ppt/slideLayouts/slideLayout1.xml><?xml version="1.0" encoding="utf-8"?>
 <p:sldLayout xmlns:a="http://schemas.openxmlformats.org/drawingml/2006/main" xmlns:r="http://schemas.openxmlformats.org/officeDocument/2006/relationships" xmlns:p="http://schemas.openxmlformats.org/presentationml/2006/main" type="title" preserve="1">
   <p:cSld name="Diapositive de titre">
@@ -13071,147 +13508,6 @@
       </p:pic>
       <p:sp>
         <p:nvSpPr>
-          <p:cNvPr id="13" name="ZoneTexte 12">
-            <a:extLst>
-              <a:ext uri="{FF2B5EF4-FFF2-40B4-BE49-F238E27FC236}">
-                <a16:creationId xmlns:a16="http://schemas.microsoft.com/office/drawing/2014/main" id="{07190285-C6BD-4C81-B765-31400C531D8D}"/>
-              </a:ext>
-            </a:extLst>
-          </p:cNvPr>
-          <p:cNvSpPr txBox="1"/>
-          <p:nvPr/>
-        </p:nvSpPr>
-        <p:spPr>
-          <a:xfrm>
-            <a:off x="1139680" y="4629154"/>
-            <a:ext cx="11684289" cy="707886"/>
-          </a:xfrm>
-          <a:prstGeom prst="rect">
-            <a:avLst/>
-          </a:prstGeom>
-          <a:noFill/>
-        </p:spPr>
-        <p:txBody>
-          <a:bodyPr wrap="square" rtlCol="0">
-            <a:spAutoFit/>
-          </a:bodyPr>
-          <a:lstStyle/>
-          <a:p>
-            <a:r>
-              <a:rPr lang="fr-FR" sz="2000" dirty="0">
-                <a:latin typeface="Abadi Extra Light" panose="020B0204020104020204" pitchFamily="34" charset="0"/>
-              </a:rPr>
-              <a:t>La méthode </a:t>
-            </a:r>
-            <a:r>
-              <a:rPr lang="fr-FR" sz="2000" u="sng" dirty="0">
-                <a:latin typeface="Abadi Extra Light" panose="020B0204020104020204" pitchFamily="34" charset="0"/>
-              </a:rPr>
-              <a:t>exit() </a:t>
-            </a:r>
-            <a:r>
-              <a:rPr lang="fr-FR" sz="2000" dirty="0">
-                <a:latin typeface="Abadi Extra Light" panose="020B0204020104020204" pitchFamily="34" charset="0"/>
-              </a:rPr>
-              <a:t>permet de faire sortir les </a:t>
-            </a:r>
-            <a:r>
-              <a:rPr lang="fr-FR" sz="2000" b="1" dirty="0" err="1">
-                <a:latin typeface="Abadi Extra Light" panose="020B0204020104020204" pitchFamily="34" charset="0"/>
-              </a:rPr>
-              <a:t>Users</a:t>
-            </a:r>
-            <a:r>
-              <a:rPr lang="fr-FR" sz="2000" dirty="0">
-                <a:latin typeface="Abadi Extra Light" panose="020B0204020104020204" pitchFamily="34" charset="0"/>
-              </a:rPr>
-              <a:t> ayant pour destination la </a:t>
-            </a:r>
-            <a:r>
-              <a:rPr lang="fr-FR" sz="2000" i="1" dirty="0">
-                <a:latin typeface="Abadi Extra Light" panose="020B0204020104020204" pitchFamily="34" charset="0"/>
-              </a:rPr>
-              <a:t>position</a:t>
-            </a:r>
-            <a:r>
-              <a:rPr lang="fr-FR" sz="2000" dirty="0">
-                <a:latin typeface="Abadi Extra Light" panose="020B0204020104020204" pitchFamily="34" charset="0"/>
-              </a:rPr>
-              <a:t> de </a:t>
-            </a:r>
-            <a:r>
-              <a:rPr lang="fr-FR" sz="2000" b="1" dirty="0">
-                <a:latin typeface="Abadi Extra Light" panose="020B0204020104020204" pitchFamily="34" charset="0"/>
-              </a:rPr>
-              <a:t>l’</a:t>
-            </a:r>
-            <a:r>
-              <a:rPr lang="fr-FR" sz="2000" b="1" dirty="0" err="1">
-                <a:latin typeface="Abadi Extra Light" panose="020B0204020104020204" pitchFamily="34" charset="0"/>
-              </a:rPr>
-              <a:t>Elevator</a:t>
-            </a:r>
-            <a:endParaRPr lang="fr-FR" sz="2000" b="1" dirty="0">
-              <a:latin typeface="Abadi Extra Light" panose="020B0204020104020204" pitchFamily="34" charset="0"/>
-            </a:endParaRPr>
-          </a:p>
-          <a:p>
-            <a:r>
-              <a:rPr lang="fr-FR" sz="2000" dirty="0">
-                <a:latin typeface="Abadi Extra Light" panose="020B0204020104020204" pitchFamily="34" charset="0"/>
-              </a:rPr>
-              <a:t>La méthode </a:t>
-            </a:r>
-            <a:r>
-              <a:rPr lang="fr-FR" sz="2000" u="sng" dirty="0" err="1">
-                <a:latin typeface="Abadi Extra Light" panose="020B0204020104020204" pitchFamily="34" charset="0"/>
-              </a:rPr>
-              <a:t>removWeight</a:t>
-            </a:r>
-            <a:r>
-              <a:rPr lang="fr-FR" sz="2000" u="sng" dirty="0">
-                <a:latin typeface="Abadi Extra Light" panose="020B0204020104020204" pitchFamily="34" charset="0"/>
-              </a:rPr>
-              <a:t>()</a:t>
-            </a:r>
-            <a:r>
-              <a:rPr lang="fr-FR" sz="2000" dirty="0">
-                <a:latin typeface="Abadi Extra Light" panose="020B0204020104020204" pitchFamily="34" charset="0"/>
-              </a:rPr>
-              <a:t> retire leur poids du </a:t>
-            </a:r>
-            <a:r>
-              <a:rPr lang="fr-FR" sz="2000" i="1" dirty="0" err="1">
-                <a:latin typeface="Abadi Extra Light" panose="020B0204020104020204" pitchFamily="34" charset="0"/>
-              </a:rPr>
-              <a:t>CurrentWeight</a:t>
-            </a:r>
-            <a:r>
-              <a:rPr lang="fr-FR" sz="2000" dirty="0">
-                <a:latin typeface="Abadi Extra Light" panose="020B0204020104020204" pitchFamily="34" charset="0"/>
-              </a:rPr>
-              <a:t> de </a:t>
-            </a:r>
-            <a:r>
-              <a:rPr lang="fr-FR" sz="2000" b="1" dirty="0">
-                <a:latin typeface="Abadi Extra Light" panose="020B0204020104020204" pitchFamily="34" charset="0"/>
-              </a:rPr>
-              <a:t>l’</a:t>
-            </a:r>
-            <a:r>
-              <a:rPr lang="fr-FR" sz="2000" b="1" dirty="0" err="1">
-                <a:latin typeface="Abadi Extra Light" panose="020B0204020104020204" pitchFamily="34" charset="0"/>
-              </a:rPr>
-              <a:t>Elevator</a:t>
-            </a:r>
-            <a:endParaRPr lang="fr-FR" sz="2000" b="1" dirty="0">
-              <a:latin typeface="Abadi Extra Light" panose="020B0204020104020204" pitchFamily="34" charset="0"/>
-            </a:endParaRPr>
-          </a:p>
-        </p:txBody>
-      </p:sp>
-      <p:sp>
-        <p:nvSpPr>
           <p:cNvPr id="9" name="Rectangle 8" descr="Flèche : tout droit">
             <a:extLst>
               <a:ext uri="{FF2B5EF4-FFF2-40B4-BE49-F238E27FC236}">
@@ -13270,6 +13566,124 @@
           </a:fontRef>
         </p:style>
       </p:sp>
+      <p:sp>
+        <p:nvSpPr>
+          <p:cNvPr id="3" name="Rectangle 2">
+            <a:extLst>
+              <a:ext uri="{FF2B5EF4-FFF2-40B4-BE49-F238E27FC236}">
+                <a16:creationId xmlns:a16="http://schemas.microsoft.com/office/drawing/2014/main" id="{B2BD18D5-4F2B-4EEE-9F8E-9094170667F3}"/>
+              </a:ext>
+            </a:extLst>
+          </p:cNvPr>
+          <p:cNvSpPr/>
+          <p:nvPr/>
+        </p:nvSpPr>
+        <p:spPr>
+          <a:xfrm>
+            <a:off x="377072" y="4376253"/>
+            <a:ext cx="11434714" cy="1569660"/>
+          </a:xfrm>
+          <a:prstGeom prst="rect">
+            <a:avLst/>
+          </a:prstGeom>
+        </p:spPr>
+        <p:txBody>
+          <a:bodyPr wrap="square">
+            <a:spAutoFit/>
+          </a:bodyPr>
+          <a:lstStyle/>
+          <a:p>
+            <a:pPr algn="just"/>
+            <a:r>
+              <a:rPr lang="fr-FR" sz="2400" dirty="0">
+                <a:latin typeface="Abadi Extra Light" panose="020B0204020104020204" pitchFamily="34" charset="0"/>
+              </a:rPr>
+              <a:t>La méthode « exit() » permet de faire sortir les </a:t>
+            </a:r>
+            <a:r>
+              <a:rPr lang="fr-FR" sz="2400" dirty="0" err="1">
+                <a:latin typeface="Abadi Extra Light" panose="020B0204020104020204" pitchFamily="34" charset="0"/>
+              </a:rPr>
+              <a:t>Users</a:t>
+            </a:r>
+            <a:r>
+              <a:rPr lang="fr-FR" sz="2400" dirty="0">
+                <a:latin typeface="Abadi Extra Light" panose="020B0204020104020204" pitchFamily="34" charset="0"/>
+              </a:rPr>
+              <a:t> ayant pour destination la position de l’</a:t>
+            </a:r>
+            <a:r>
+              <a:rPr lang="fr-FR" sz="2400" dirty="0" err="1">
+                <a:latin typeface="Abadi Extra Light" panose="020B0204020104020204" pitchFamily="34" charset="0"/>
+              </a:rPr>
+              <a:t>Elevator</a:t>
+            </a:r>
+            <a:r>
+              <a:rPr lang="fr-FR" sz="2400" dirty="0">
+                <a:latin typeface="Abadi Extra Light" panose="020B0204020104020204" pitchFamily="34" charset="0"/>
+              </a:rPr>
+              <a:t>.</a:t>
+            </a:r>
+          </a:p>
+          <a:p>
+            <a:pPr algn="just"/>
+            <a:r>
+              <a:rPr lang="fr-FR" sz="2400" dirty="0">
+                <a:latin typeface="Abadi Extra Light" panose="020B0204020104020204" pitchFamily="34" charset="0"/>
+              </a:rPr>
+              <a:t>La méthode « </a:t>
+            </a:r>
+            <a:r>
+              <a:rPr lang="fr-FR" sz="2400" dirty="0" err="1">
+                <a:latin typeface="Abadi Extra Light" panose="020B0204020104020204" pitchFamily="34" charset="0"/>
+              </a:rPr>
+              <a:t>removeWeight</a:t>
+            </a:r>
+            <a:r>
+              <a:rPr lang="fr-FR" sz="2400" dirty="0">
+                <a:latin typeface="Abadi Extra Light" panose="020B0204020104020204" pitchFamily="34" charset="0"/>
+              </a:rPr>
+              <a:t>() » retire leur poids du poids courant (</a:t>
+            </a:r>
+            <a:r>
+              <a:rPr lang="fr-FR" sz="2400" dirty="0" err="1">
+                <a:latin typeface="Abadi Extra Light" panose="020B0204020104020204" pitchFamily="34" charset="0"/>
+              </a:rPr>
+              <a:t>currentWeight</a:t>
+            </a:r>
+            <a:r>
+              <a:rPr lang="fr-FR" sz="2400" dirty="0">
+                <a:latin typeface="Abadi Extra Light" panose="020B0204020104020204" pitchFamily="34" charset="0"/>
+              </a:rPr>
+              <a:t>) </a:t>
+            </a:r>
+            <a:r>
+              <a:rPr lang="fr-FR" sz="2400" dirty="0" err="1">
+                <a:latin typeface="Abadi Extra Light" panose="020B0204020104020204" pitchFamily="34" charset="0"/>
+              </a:rPr>
+              <a:t>àl’intérieur</a:t>
+            </a:r>
+            <a:r>
+              <a:rPr lang="fr-FR" sz="2400" dirty="0">
+                <a:latin typeface="Abadi Extra Light" panose="020B0204020104020204" pitchFamily="34" charset="0"/>
+              </a:rPr>
+              <a:t> l’</a:t>
+            </a:r>
+            <a:r>
+              <a:rPr lang="fr-FR" sz="2400" dirty="0" err="1">
+                <a:latin typeface="Abadi Extra Light" panose="020B0204020104020204" pitchFamily="34" charset="0"/>
+              </a:rPr>
+              <a:t>Elevator</a:t>
+            </a:r>
+            <a:r>
+              <a:rPr lang="fr-FR" sz="2400" dirty="0">
+                <a:latin typeface="Abadi Extra Light" panose="020B0204020104020204" pitchFamily="34" charset="0"/>
+              </a:rPr>
+              <a:t>.</a:t>
+            </a:r>
+          </a:p>
+        </p:txBody>
+      </p:sp>
     </p:spTree>
     <p:extLst>
       <p:ext uri="{BB962C8B-B14F-4D97-AF65-F5344CB8AC3E}">
@@ -13476,7 +13890,7 @@
         <p:spPr>
           <a:xfrm>
             <a:off x="4362449" y="-4763"/>
-            <a:ext cx="7231854" cy="5078313"/>
+            <a:ext cx="7231854" cy="4093428"/>
           </a:xfrm>
           <a:prstGeom prst="rect">
             <a:avLst/>
@@ -13489,201 +13903,215 @@
           </a:bodyPr>
           <a:lstStyle/>
           <a:p>
-            <a:r>
-              <a:rPr lang="fr-FR" dirty="0">
-                <a:latin typeface="Abadi Extra Light" panose="020B0204020104020204" pitchFamily="34" charset="0"/>
-              </a:rPr>
-              <a:t>Puisque nous somme en programmation séquentielle, nous avons crée une classe </a:t>
-            </a:r>
-            <a:r>
-              <a:rPr lang="fr-FR" b="1" dirty="0" err="1">
+            <a:pPr algn="just"/>
+            <a:r>
+              <a:rPr lang="fr-FR" sz="2000" dirty="0">
+                <a:latin typeface="Abadi Extra Light" panose="020B0204020104020204" pitchFamily="34" charset="0"/>
+              </a:rPr>
+              <a:t>Puisque nous sommes en programmation séquentielle, nous avons créé une classe </a:t>
+            </a:r>
+            <a:r>
+              <a:rPr lang="fr-FR" sz="2000" dirty="0" err="1">
                 <a:latin typeface="Abadi Extra Light" panose="020B0204020104020204" pitchFamily="34" charset="0"/>
               </a:rPr>
               <a:t>ElevatorSequence</a:t>
             </a:r>
             <a:r>
-              <a:rPr lang="fr-FR" dirty="0">
-                <a:latin typeface="Abadi Extra Light" panose="020B0204020104020204" pitchFamily="34" charset="0"/>
-              </a:rPr>
-              <a:t> pour géré les séquences de notre system. La méthode </a:t>
-            </a:r>
-            <a:r>
-              <a:rPr lang="fr-FR" dirty="0" err="1">
+              <a:rPr lang="fr-FR" sz="2000" dirty="0">
+                <a:latin typeface="Abadi Extra Light" panose="020B0204020104020204" pitchFamily="34" charset="0"/>
+              </a:rPr>
+              <a:t> pour gérer les séquences de notre système. La méthode « </a:t>
+            </a:r>
+            <a:r>
+              <a:rPr lang="fr-FR" sz="2000" dirty="0" err="1">
                 <a:latin typeface="Abadi Extra Light" panose="020B0204020104020204" pitchFamily="34" charset="0"/>
               </a:rPr>
               <a:t>SystemEmpty</a:t>
             </a:r>
             <a:r>
-              <a:rPr lang="fr-FR" dirty="0">
-                <a:latin typeface="Abadi Extra Light" panose="020B0204020104020204" pitchFamily="34" charset="0"/>
-              </a:rPr>
-              <a:t> renvoie </a:t>
-            </a:r>
-            <a:r>
-              <a:rPr lang="fr-FR" dirty="0" err="1">
+              <a:rPr lang="fr-FR" sz="2000" dirty="0">
+                <a:latin typeface="Abadi Extra Light" panose="020B0204020104020204" pitchFamily="34" charset="0"/>
+              </a:rPr>
+              <a:t>() » renvoie « </a:t>
+            </a:r>
+            <a:r>
+              <a:rPr lang="fr-FR" sz="2000" dirty="0" err="1">
                 <a:latin typeface="Abadi Extra Light" panose="020B0204020104020204" pitchFamily="34" charset="0"/>
               </a:rPr>
               <a:t>true</a:t>
             </a:r>
             <a:r>
-              <a:rPr lang="fr-FR" dirty="0">
-                <a:latin typeface="Abadi Extra Light" panose="020B0204020104020204" pitchFamily="34" charset="0"/>
-              </a:rPr>
-              <a:t> quand le système n’as plus d’User en attente dans les </a:t>
-            </a:r>
-            <a:r>
-              <a:rPr lang="fr-FR" b="1" dirty="0" err="1">
-                <a:latin typeface="Abadi Extra Light" panose="020B0204020104020204" pitchFamily="34" charset="0"/>
-              </a:rPr>
-              <a:t>Floor</a:t>
-            </a:r>
-            <a:r>
-              <a:rPr lang="fr-FR" dirty="0">
-                <a:latin typeface="Abadi Extra Light" panose="020B0204020104020204" pitchFamily="34" charset="0"/>
-              </a:rPr>
-              <a:t> ni dans les </a:t>
-            </a:r>
-            <a:r>
-              <a:rPr lang="fr-FR" b="1" dirty="0" err="1">
-                <a:latin typeface="Abadi Extra Light" panose="020B0204020104020204" pitchFamily="34" charset="0"/>
-              </a:rPr>
-              <a:t>Elevator</a:t>
-            </a:r>
-            <a:r>
-              <a:rPr lang="fr-FR" dirty="0">
-                <a:latin typeface="Abadi Extra Light" panose="020B0204020104020204" pitchFamily="34" charset="0"/>
-              </a:rPr>
-              <a:t>. </a:t>
-            </a:r>
-            <a:r>
-              <a:rPr lang="fr-FR" dirty="0" err="1">
+              <a:rPr lang="fr-FR" sz="2000" dirty="0">
+                <a:latin typeface="Abadi Extra Light" panose="020B0204020104020204" pitchFamily="34" charset="0"/>
+              </a:rPr>
+              <a:t> » quand le système n’a plus d’User en attente dans les </a:t>
+            </a:r>
+            <a:r>
+              <a:rPr lang="fr-FR" sz="2000" dirty="0" err="1">
+                <a:latin typeface="Abadi Extra Light" panose="020B0204020104020204" pitchFamily="34" charset="0"/>
+              </a:rPr>
+              <a:t>Floors</a:t>
+            </a:r>
+            <a:r>
+              <a:rPr lang="fr-FR" sz="2000" dirty="0">
+                <a:latin typeface="Abadi Extra Light" panose="020B0204020104020204" pitchFamily="34" charset="0"/>
+              </a:rPr>
+              <a:t> ni dans les   </a:t>
+            </a:r>
+            <a:r>
+              <a:rPr lang="fr-FR" sz="2000" dirty="0" err="1">
+                <a:latin typeface="Abadi Extra Light" panose="020B0204020104020204" pitchFamily="34" charset="0"/>
+              </a:rPr>
+              <a:t>Elevators</a:t>
+            </a:r>
+            <a:r>
+              <a:rPr lang="fr-FR" sz="2000" dirty="0">
+                <a:latin typeface="Abadi Extra Light" panose="020B0204020104020204" pitchFamily="34" charset="0"/>
+              </a:rPr>
+              <a:t>. « </a:t>
+            </a:r>
+            <a:r>
+              <a:rPr lang="fr-FR" sz="2000" dirty="0" err="1">
                 <a:latin typeface="Abadi Extra Light" panose="020B0204020104020204" pitchFamily="34" charset="0"/>
               </a:rPr>
               <a:t>makeSequence</a:t>
             </a:r>
             <a:r>
-              <a:rPr lang="fr-FR" dirty="0">
-                <a:latin typeface="Abadi Extra Light" panose="020B0204020104020204" pitchFamily="34" charset="0"/>
-              </a:rPr>
-              <a:t> </a:t>
-            </a:r>
-            <a:r>
-              <a:rPr lang="fr-FR" dirty="0" err="1">
-                <a:latin typeface="Abadi Extra Light" panose="020B0204020104020204" pitchFamily="34" charset="0"/>
-              </a:rPr>
-              <a:t>fonctionn</a:t>
-            </a:r>
-            <a:r>
-              <a:rPr lang="fr-FR" dirty="0">
-                <a:latin typeface="Abadi Extra Light" panose="020B0204020104020204" pitchFamily="34" charset="0"/>
-              </a:rPr>
-              <a:t> comme suit :</a:t>
-            </a:r>
-          </a:p>
-          <a:p>
-            <a:pPr marL="342900" indent="-342900">
+              <a:rPr lang="fr-FR" sz="2000" dirty="0">
+                <a:latin typeface="Abadi Extra Light" panose="020B0204020104020204" pitchFamily="34" charset="0"/>
+              </a:rPr>
+              <a:t>() » fonctionne comme suit :</a:t>
+            </a:r>
+          </a:p>
+          <a:p>
+            <a:pPr marL="457200" lvl="0" indent="-457200" algn="just" fontAlgn="base">
               <a:buFont typeface="+mj-lt"/>
               <a:buAutoNum type="arabicPeriod"/>
             </a:pPr>
             <a:r>
-              <a:rPr lang="fr-FR" dirty="0">
-                <a:latin typeface="Abadi Extra Light" panose="020B0204020104020204" pitchFamily="34" charset="0"/>
-              </a:rPr>
-              <a:t>Appel la fonction dispatch() pour attribuer les demandes </a:t>
-            </a:r>
-          </a:p>
-          <a:p>
-            <a:endParaRPr lang="fr-FR" b="1" dirty="0">
+              <a:rPr lang="fr-FR" sz="2000" dirty="0">
+                <a:latin typeface="Abadi Extra Light" panose="020B0204020104020204" pitchFamily="34" charset="0"/>
+              </a:rPr>
+              <a:t>Appelle la fonction dispatch() pour attribuer les demandes,</a:t>
+            </a:r>
+          </a:p>
+          <a:p>
+            <a:pPr algn="just"/>
+            <a:r>
+              <a:rPr lang="en-US" sz="2000" dirty="0">
+                <a:latin typeface="Abadi Extra Light" panose="020B0204020104020204" pitchFamily="34" charset="0"/>
+              </a:rPr>
+              <a:t>Pour </a:t>
+            </a:r>
+            <a:r>
+              <a:rPr lang="en-US" sz="2000" dirty="0" err="1">
+                <a:latin typeface="Abadi Extra Light" panose="020B0204020104020204" pitchFamily="34" charset="0"/>
+              </a:rPr>
+              <a:t>chaque</a:t>
+            </a:r>
+            <a:r>
+              <a:rPr lang="en-US" sz="2000" dirty="0">
+                <a:latin typeface="Abadi Extra Light" panose="020B0204020104020204" pitchFamily="34" charset="0"/>
+              </a:rPr>
+              <a:t> Elevator :</a:t>
+            </a:r>
+            <a:endParaRPr lang="fr-FR" sz="2000" dirty="0">
               <a:latin typeface="Abadi Extra Light" panose="020B0204020104020204" pitchFamily="34" charset="0"/>
             </a:endParaRPr>
           </a:p>
           <a:p>
-            <a:r>
-              <a:rPr lang="fr-FR" dirty="0">
-                <a:latin typeface="Abadi Extra Light" panose="020B0204020104020204" pitchFamily="34" charset="0"/>
-              </a:rPr>
-              <a:t>Pour chaque </a:t>
-            </a:r>
-            <a:r>
-              <a:rPr lang="fr-FR" b="1" dirty="0" err="1">
-                <a:latin typeface="Abadi Extra Light" panose="020B0204020104020204" pitchFamily="34" charset="0"/>
-              </a:rPr>
-              <a:t>Elevator</a:t>
-            </a:r>
-            <a:r>
-              <a:rPr lang="fr-FR" dirty="0">
-                <a:latin typeface="Abadi Extra Light" panose="020B0204020104020204" pitchFamily="34" charset="0"/>
-              </a:rPr>
-              <a:t> :</a:t>
-            </a:r>
-          </a:p>
-          <a:p>
-            <a:r>
-              <a:rPr lang="fr-FR" dirty="0">
-                <a:latin typeface="Abadi Extra Light" panose="020B0204020104020204" pitchFamily="34" charset="0"/>
-              </a:rPr>
-              <a:t>2.   Gère les sorties</a:t>
-            </a:r>
-          </a:p>
-          <a:p>
-            <a:r>
-              <a:rPr lang="fr-FR" dirty="0">
-                <a:latin typeface="Abadi Extra Light" panose="020B0204020104020204" pitchFamily="34" charset="0"/>
-              </a:rPr>
-              <a:t>3.   Gère les entrées</a:t>
-            </a:r>
-          </a:p>
-          <a:p>
-            <a:pPr marL="342900" indent="-342900">
+            <a:pPr lvl="0" algn="just" fontAlgn="base"/>
+            <a:r>
+              <a:rPr lang="en-US" sz="2000" dirty="0">
+                <a:latin typeface="Abadi Extra Light" panose="020B0204020104020204" pitchFamily="34" charset="0"/>
+              </a:rPr>
+              <a:t>2.    </a:t>
+            </a:r>
+            <a:r>
+              <a:rPr lang="en-US" sz="2000" dirty="0" err="1">
+                <a:latin typeface="Abadi Extra Light" panose="020B0204020104020204" pitchFamily="34" charset="0"/>
+              </a:rPr>
+              <a:t>Gère</a:t>
+            </a:r>
+            <a:r>
+              <a:rPr lang="en-US" sz="2000" dirty="0">
+                <a:latin typeface="Abadi Extra Light" panose="020B0204020104020204" pitchFamily="34" charset="0"/>
+              </a:rPr>
+              <a:t> les sorties,</a:t>
+            </a:r>
+            <a:endParaRPr lang="fr-FR" sz="2000" dirty="0">
+              <a:latin typeface="Abadi Extra Light" panose="020B0204020104020204" pitchFamily="34" charset="0"/>
+            </a:endParaRPr>
+          </a:p>
+          <a:p>
+            <a:pPr lvl="0" algn="just" fontAlgn="base"/>
+            <a:r>
+              <a:rPr lang="en-US" sz="2000" dirty="0">
+                <a:latin typeface="Abadi Extra Light" panose="020B0204020104020204" pitchFamily="34" charset="0"/>
+              </a:rPr>
+              <a:t>3.    </a:t>
+            </a:r>
+            <a:r>
+              <a:rPr lang="en-US" sz="2000" dirty="0" err="1">
+                <a:latin typeface="Abadi Extra Light" panose="020B0204020104020204" pitchFamily="34" charset="0"/>
+              </a:rPr>
+              <a:t>Gère</a:t>
+            </a:r>
+            <a:r>
+              <a:rPr lang="en-US" sz="2000" dirty="0">
+                <a:latin typeface="Abadi Extra Light" panose="020B0204020104020204" pitchFamily="34" charset="0"/>
+              </a:rPr>
+              <a:t> les entrées,</a:t>
+            </a:r>
+            <a:endParaRPr lang="fr-FR" sz="2000" dirty="0">
+              <a:latin typeface="Abadi Extra Light" panose="020B0204020104020204" pitchFamily="34" charset="0"/>
+            </a:endParaRPr>
+          </a:p>
+          <a:p>
+            <a:pPr marL="457200" lvl="0" indent="-457200" algn="just" fontAlgn="base">
               <a:buAutoNum type="arabicPeriod" startAt="4"/>
             </a:pPr>
             <a:r>
-              <a:rPr lang="fr-FR" dirty="0">
-                <a:latin typeface="Abadi Extra Light" panose="020B0204020104020204" pitchFamily="34" charset="0"/>
-              </a:rPr>
-              <a:t>Gère les mouvements.</a:t>
-            </a:r>
-          </a:p>
-          <a:p>
-            <a:pPr marL="342900" indent="-342900">
+              <a:rPr lang="en-US" sz="2000" dirty="0" err="1">
+                <a:latin typeface="Abadi Extra Light" panose="020B0204020104020204" pitchFamily="34" charset="0"/>
+              </a:rPr>
+              <a:t>Gère</a:t>
+            </a:r>
+            <a:r>
+              <a:rPr lang="en-US" sz="2000" dirty="0">
+                <a:latin typeface="Abadi Extra Light" panose="020B0204020104020204" pitchFamily="34" charset="0"/>
+              </a:rPr>
+              <a:t> les </a:t>
+            </a:r>
+            <a:r>
+              <a:rPr lang="en-US" sz="2000" dirty="0" err="1">
+                <a:latin typeface="Abadi Extra Light" panose="020B0204020104020204" pitchFamily="34" charset="0"/>
+              </a:rPr>
+              <a:t>mouvements</a:t>
+            </a:r>
+            <a:r>
+              <a:rPr lang="en-US" sz="2000" dirty="0">
+                <a:latin typeface="Abadi Extra Light" panose="020B0204020104020204" pitchFamily="34" charset="0"/>
+              </a:rPr>
+              <a:t>.</a:t>
+            </a:r>
+          </a:p>
+          <a:p>
+            <a:pPr marL="457200" lvl="0" indent="-457200" algn="just" fontAlgn="base">
               <a:buAutoNum type="arabicPeriod" startAt="4"/>
             </a:pPr>
-            <a:endParaRPr lang="fr-FR" dirty="0">
+            <a:endParaRPr lang="fr-FR" sz="2000" dirty="0">
               <a:latin typeface="Abadi Extra Light" panose="020B0204020104020204" pitchFamily="34" charset="0"/>
             </a:endParaRPr>
           </a:p>
           <a:p>
-            <a:r>
-              <a:rPr lang="fr-FR" dirty="0">
-                <a:latin typeface="Abadi Extra Light" panose="020B0204020104020204" pitchFamily="34" charset="0"/>
-              </a:rPr>
-              <a:t>Ainsi, on peux pour faire fonctionner le système il suffit de coder :</a:t>
-            </a:r>
-          </a:p>
-          <a:p>
-            <a:endParaRPr lang="fr-FR" dirty="0">
-              <a:latin typeface="Abadi Extra Light" panose="020B0204020104020204" pitchFamily="34" charset="0"/>
-            </a:endParaRPr>
-          </a:p>
-          <a:p>
-            <a:endParaRPr lang="fr-FR" dirty="0">
-              <a:latin typeface="Abadi Extra Light" panose="020B0204020104020204" pitchFamily="34" charset="0"/>
-            </a:endParaRPr>
-          </a:p>
-          <a:p>
-            <a:endParaRPr lang="fr-FR" dirty="0">
-              <a:latin typeface="Abadi Extra Light" panose="020B0204020104020204" pitchFamily="34" charset="0"/>
-            </a:endParaRPr>
-          </a:p>
-          <a:p>
-            <a:endParaRPr lang="fr-FR" dirty="0">
-              <a:latin typeface="Abadi Extra Light" panose="020B0204020104020204" pitchFamily="34" charset="0"/>
-            </a:endParaRPr>
-          </a:p>
-          <a:p>
-            <a:endParaRPr lang="fr-FR" dirty="0">
-              <a:latin typeface="Abadi Extra Light" panose="020B0204020104020204" pitchFamily="34" charset="0"/>
-            </a:endParaRPr>
+            <a:pPr algn="just"/>
+            <a:r>
+              <a:rPr lang="fr-FR" sz="2000" dirty="0">
+                <a:latin typeface="Abadi Extra Light" panose="020B0204020104020204" pitchFamily="34" charset="0"/>
+              </a:rPr>
+              <a:t>Ainsi, tout simplement notre système fonctionne avec le code ci-dessous :</a:t>
+            </a:r>
           </a:p>
         </p:txBody>
       </p:sp>
@@ -13715,7 +14143,7 @@
         </p:blipFill>
         <p:spPr>
           <a:xfrm>
-            <a:off x="4419934" y="3933703"/>
+            <a:off x="4477420" y="4209860"/>
             <a:ext cx="7116883" cy="2476621"/>
           </a:xfrm>
           <a:prstGeom prst="rect">
@@ -14269,8 +14697,8 @@
         </p:nvSpPr>
         <p:spPr>
           <a:xfrm>
-            <a:off x="187573" y="4017907"/>
-            <a:ext cx="11684289" cy="1015663"/>
+            <a:off x="178336" y="3666926"/>
+            <a:ext cx="11684289" cy="1569660"/>
           </a:xfrm>
           <a:prstGeom prst="rect">
             <a:avLst/>
@@ -14285,50 +14713,23 @@
           <a:p>
             <a:pPr algn="just"/>
             <a:r>
-              <a:rPr lang="fr-FR" sz="2000" dirty="0">
-                <a:latin typeface="Abadi Extra Light" panose="020B0204020104020204" pitchFamily="34" charset="0"/>
-              </a:rPr>
-              <a:t>Nous avons utilisé </a:t>
-            </a:r>
-            <a:r>
-              <a:rPr lang="fr-FR" sz="2000" dirty="0" err="1">
-                <a:latin typeface="Abadi Extra Light" panose="020B0204020104020204" pitchFamily="34" charset="0"/>
-              </a:rPr>
-              <a:t>Junits</a:t>
-            </a:r>
-            <a:r>
-              <a:rPr lang="fr-FR" sz="2000" dirty="0">
-                <a:latin typeface="Abadi Extra Light" panose="020B0204020104020204" pitchFamily="34" charset="0"/>
-              </a:rPr>
-              <a:t> pour effectuer nos tests </a:t>
-            </a:r>
-            <a:r>
-              <a:rPr lang="fr-FR" sz="2000" dirty="0" err="1">
-                <a:latin typeface="Abadi Extra Light" panose="020B0204020104020204" pitchFamily="34" charset="0"/>
-              </a:rPr>
-              <a:t>unitaites</a:t>
-            </a:r>
-            <a:r>
-              <a:rPr lang="fr-FR" sz="2000" dirty="0">
-                <a:latin typeface="Abadi Extra Light" panose="020B0204020104020204" pitchFamily="34" charset="0"/>
-              </a:rPr>
-              <a:t>. Le </a:t>
-            </a:r>
-            <a:r>
-              <a:rPr lang="fr-FR" sz="2000" dirty="0" err="1">
-                <a:latin typeface="Abadi Extra Light" panose="020B0204020104020204" pitchFamily="34" charset="0"/>
-              </a:rPr>
-              <a:t>covorage</a:t>
-            </a:r>
-            <a:r>
-              <a:rPr lang="fr-FR" sz="2000" dirty="0">
-                <a:latin typeface="Abadi Extra Light" panose="020B0204020104020204" pitchFamily="34" charset="0"/>
-              </a:rPr>
-              <a:t> total du projet est de 69,8%. Nous laissons une grande partie non testé de part les affichages qui représentent un grand nombre d’instructions. Seul la partie fonctionnelle est testé ici par des tests unitaires.</a:t>
-            </a:r>
-            <a:endParaRPr lang="fr-FR" sz="2000" b="1" dirty="0">
-              <a:latin typeface="Abadi Extra Light" panose="020B0204020104020204" pitchFamily="34" charset="0"/>
-            </a:endParaRPr>
+              <a:rPr lang="fr-FR" sz="2400" dirty="0">
+                <a:latin typeface="Abadi Extra Light" panose="020B0204020104020204" pitchFamily="34" charset="0"/>
+              </a:rPr>
+              <a:t>Nous avons utilisé JUnit pour effectuer nos tests unitaires. La couverture du code (</a:t>
+            </a:r>
+            <a:r>
+              <a:rPr lang="fr-FR" sz="2400" dirty="0" err="1">
+                <a:latin typeface="Abadi Extra Light" panose="020B0204020104020204" pitchFamily="34" charset="0"/>
+              </a:rPr>
+              <a:t>coverage</a:t>
+            </a:r>
+            <a:r>
+              <a:rPr lang="fr-FR" sz="2400" dirty="0">
+                <a:latin typeface="Abadi Extra Light" panose="020B0204020104020204" pitchFamily="34" charset="0"/>
+              </a:rPr>
+              <a:t>) total du projet est de 69,8%. Nous laissons une grande partie non-testée de par les affichages et les fonctions servant à réaliser les statistiques de notre programme (qui représentent un grand nombre d’instructions). Seule la partie fonctionnelle est testée ici par des tests unitaires.</a:t>
+            </a:r>
           </a:p>
         </p:txBody>
       </p:sp>
@@ -14709,7 +15110,7 @@
         <p:spPr>
           <a:xfrm>
             <a:off x="4379976" y="5010912"/>
-            <a:ext cx="6976872" cy="1344168"/>
+            <a:ext cx="6970776" cy="1344168"/>
           </a:xfrm>
           <a:prstGeom prst="rect">
             <a:avLst/>
@@ -14717,11 +15118,11 @@
         </p:spPr>
         <p:txBody>
           <a:bodyPr vert="horz" lIns="91440" tIns="45720" rIns="91440" bIns="45720" rtlCol="0" anchor="ctr">
-            <a:normAutofit/>
+            <a:normAutofit fontScale="92500" lnSpcReduction="20000"/>
           </a:bodyPr>
           <a:lstStyle/>
           <a:p>
-            <a:pPr indent="-228600">
+            <a:pPr indent="-228600" algn="just">
               <a:lnSpc>
                 <a:spcPct val="90000"/>
               </a:lnSpc>
@@ -14732,48 +15133,53 @@
               <a:buChar char="•"/>
             </a:pPr>
             <a:r>
-              <a:rPr lang="fr-FR" sz="1100" dirty="0">
+              <a:rPr lang="fr-FR" sz="1400" dirty="0">
                 <a:solidFill>
                   <a:schemeClr val="bg1"/>
                 </a:solidFill>
-              </a:rPr>
-              <a:t>Nous avons choisis de faire un projet Maven ce qui nous a permis de faire un </a:t>
-            </a:r>
-            <a:r>
-              <a:rPr lang="fr-FR" sz="1100" dirty="0" err="1">
+                <a:latin typeface="Abadi Extra Light" panose="020B0204020104020204" pitchFamily="34" charset="0"/>
+              </a:rPr>
+              <a:t>Nous avons choisi de faire un projet Maven ce qui nous a permis de faire un </a:t>
+            </a:r>
+            <a:r>
+              <a:rPr lang="fr-FR" sz="1400" dirty="0" err="1">
                 <a:solidFill>
                   <a:schemeClr val="bg1"/>
                 </a:solidFill>
+                <a:latin typeface="Abadi Extra Light" panose="020B0204020104020204" pitchFamily="34" charset="0"/>
               </a:rPr>
               <a:t>build</a:t>
             </a:r>
             <a:r>
-              <a:rPr lang="fr-FR" sz="1100" dirty="0">
+              <a:rPr lang="fr-FR" sz="1400" dirty="0">
                 <a:solidFill>
                   <a:schemeClr val="bg1"/>
                 </a:solidFill>
+                <a:latin typeface="Abadi Extra Light" panose="020B0204020104020204" pitchFamily="34" charset="0"/>
               </a:rPr>
               <a:t> de notre projet (</a:t>
             </a:r>
             <a:r>
-              <a:rPr lang="fr-FR" sz="1100" dirty="0" err="1">
+              <a:rPr lang="fr-FR" sz="1400" dirty="0" err="1">
                 <a:solidFill>
                   <a:schemeClr val="bg1"/>
                 </a:solidFill>
+                <a:latin typeface="Abadi Extra Light" panose="020B0204020104020204" pitchFamily="34" charset="0"/>
               </a:rPr>
               <a:t>Build</a:t>
             </a:r>
             <a:r>
-              <a:rPr lang="fr-FR" sz="1100" dirty="0">
+              <a:rPr lang="fr-FR" sz="1400" dirty="0">
                 <a:solidFill>
                   <a:schemeClr val="bg1"/>
                 </a:solidFill>
+                <a:latin typeface="Abadi Extra Light" panose="020B0204020104020204" pitchFamily="34" charset="0"/>
               </a:rPr>
               <a:t> v1.0.0). </a:t>
             </a:r>
           </a:p>
           <a:p>
-            <a:pPr indent="-228600">
+            <a:pPr indent="-228600" algn="just">
               <a:lnSpc>
                 <a:spcPct val="90000"/>
               </a:lnSpc>
@@ -14783,14 +15189,15 @@
               <a:buFont typeface="Arial" panose="020B0604020202020204" pitchFamily="34" charset="0"/>
               <a:buChar char="•"/>
             </a:pPr>
-            <a:endParaRPr lang="fr-FR" sz="1100" dirty="0">
+            <a:endParaRPr lang="fr-FR" sz="1400" dirty="0">
               <a:solidFill>
                 <a:schemeClr val="bg1"/>
               </a:solidFill>
+              <a:latin typeface="Abadi Extra Light" panose="020B0204020104020204" pitchFamily="34" charset="0"/>
             </a:endParaRPr>
           </a:p>
           <a:p>
-            <a:pPr indent="-228600">
+            <a:pPr indent="-228600" algn="just">
               <a:lnSpc>
                 <a:spcPct val="90000"/>
               </a:lnSpc>
@@ -14801,32 +15208,17 @@
               <a:buChar char="•"/>
             </a:pPr>
             <a:r>
-              <a:rPr lang="fr-FR" sz="1100" dirty="0">
+              <a:rPr lang="fr-FR" sz="1400" dirty="0">
                 <a:solidFill>
                   <a:schemeClr val="bg1"/>
                 </a:solidFill>
-              </a:rPr>
-              <a:t>Le fichier POM.XML contient tous nos </a:t>
-            </a:r>
-            <a:r>
-              <a:rPr lang="fr-FR" sz="1100" dirty="0" err="1">
-                <a:solidFill>
-                  <a:schemeClr val="bg1"/>
-                </a:solidFill>
-              </a:rPr>
-              <a:t>dependence</a:t>
-            </a:r>
-            <a:r>
-              <a:rPr lang="fr-FR" sz="1100" dirty="0">
-                <a:solidFill>
-                  <a:schemeClr val="bg1"/>
-                </a:solidFill>
-              </a:rPr>
-              <a:t> (ici seulement Junit5)</a:t>
-            </a:r>
-          </a:p>
-          <a:p>
-            <a:pPr indent="-228600">
+                <a:latin typeface="Abadi Extra Light" panose="020B0204020104020204" pitchFamily="34" charset="0"/>
+              </a:rPr>
+              <a:t>Le fichier POM.XML contient tous nos dépendances (ici seulement Junit5)</a:t>
+            </a:r>
+          </a:p>
+          <a:p>
+            <a:pPr indent="-228600" algn="just">
               <a:lnSpc>
                 <a:spcPct val="90000"/>
               </a:lnSpc>
@@ -14836,14 +15228,15 @@
               <a:buFont typeface="Arial" panose="020B0604020202020204" pitchFamily="34" charset="0"/>
               <a:buChar char="•"/>
             </a:pPr>
-            <a:endParaRPr lang="fr-FR" sz="1100" dirty="0">
+            <a:endParaRPr lang="fr-FR" sz="1400" dirty="0">
               <a:solidFill>
                 <a:schemeClr val="bg1"/>
               </a:solidFill>
+              <a:latin typeface="Abadi Extra Light" panose="020B0204020104020204" pitchFamily="34" charset="0"/>
             </a:endParaRPr>
           </a:p>
           <a:p>
-            <a:pPr indent="-228600">
+            <a:pPr indent="-228600" algn="just">
               <a:lnSpc>
                 <a:spcPct val="90000"/>
               </a:lnSpc>
@@ -14854,12 +15247,13 @@
               <a:buChar char="•"/>
             </a:pPr>
             <a:r>
-              <a:rPr lang="fr-FR" sz="1100" dirty="0">
+              <a:rPr lang="fr-FR" sz="1400" dirty="0">
                 <a:solidFill>
                   <a:schemeClr val="bg1"/>
                 </a:solidFill>
-              </a:rPr>
-              <a:t>Les fichiers sources ce trouvent dans le répertoire src</a:t>
+                <a:latin typeface="Abadi Extra Light" panose="020B0204020104020204" pitchFamily="34" charset="0"/>
+              </a:rPr>
+              <a:t>Les fichiers sources ce trouvent dans le répertoire « src »</a:t>
             </a:r>
           </a:p>
         </p:txBody>
@@ -15472,7 +15866,7 @@
           <p:nvPr/>
         </p:nvPicPr>
         <p:blipFill>
-          <a:blip r:embed="rId2">
+          <a:blip r:embed="rId3">
             <a:extLst>
               <a:ext uri="{28A0092B-C50C-407E-A947-70E740481C1C}">
                 <a14:useLocalDpi xmlns:a14="http://schemas.microsoft.com/office/drawing/2010/main" val="0"/>
@@ -15564,7 +15958,7 @@
           <p:nvPr/>
         </p:nvPicPr>
         <p:blipFill>
-          <a:blip r:embed="rId3">
+          <a:blip r:embed="rId4">
             <a:extLst>
               <a:ext uri="{28A0092B-C50C-407E-A947-70E740481C1C}">
                 <a14:useLocalDpi xmlns:a14="http://schemas.microsoft.com/office/drawing/2010/main" val="0"/>
@@ -15656,7 +16050,7 @@
           <p:nvPr/>
         </p:nvPicPr>
         <p:blipFill>
-          <a:blip r:embed="rId4">
+          <a:blip r:embed="rId5">
             <a:extLst>
               <a:ext uri="{28A0092B-C50C-407E-A947-70E740481C1C}">
                 <a14:useLocalDpi xmlns:a14="http://schemas.microsoft.com/office/drawing/2010/main" val="0"/>
@@ -15748,7 +16142,7 @@
           <p:nvPr/>
         </p:nvPicPr>
         <p:blipFill>
-          <a:blip r:embed="rId5">
+          <a:blip r:embed="rId6">
             <a:extLst>
               <a:ext uri="{28A0092B-C50C-407E-A947-70E740481C1C}">
                 <a14:useLocalDpi xmlns:a14="http://schemas.microsoft.com/office/drawing/2010/main" val="0"/>
@@ -15863,8 +16257,9 @@
                 <a:solidFill>
                   <a:schemeClr val="bg1"/>
                 </a:solidFill>
-              </a:rPr>
-              <a:t>Les méthodes suivantes permettre d’afficher les informations relatives aux différents objets du système pour connaitre leurs états</a:t>
+                <a:latin typeface="Abadi Extra Light" panose="020B0204020104020204" pitchFamily="34" charset="0"/>
+              </a:rPr>
+              <a:t>Les méthodes suivantes permettre d’afficher les informations relatives aux différents objets du système pour connaitre leurs états :</a:t>
             </a:r>
           </a:p>
           <a:p>
@@ -15883,6 +16278,7 @@
                 <a:solidFill>
                   <a:schemeClr val="bg1"/>
                 </a:solidFill>
+                <a:latin typeface="Abadi Extra Light" panose="020B0204020104020204" pitchFamily="34" charset="0"/>
               </a:rPr>
               <a:t>Utils.displayDemandsDetails();</a:t>
             </a:r>
@@ -15903,6 +16299,7 @@
                 <a:solidFill>
                   <a:schemeClr val="bg1"/>
                 </a:solidFill>
+                <a:latin typeface="Abadi Extra Light" panose="020B0204020104020204" pitchFamily="34" charset="0"/>
               </a:rPr>
               <a:t>Utils.displayElevatorDetails</a:t>
             </a:r>
@@ -15911,6 +16308,7 @@
                 <a:solidFill>
                   <a:schemeClr val="bg1"/>
                 </a:solidFill>
+                <a:latin typeface="Abadi Extra Light" panose="020B0204020104020204" pitchFamily="34" charset="0"/>
               </a:rPr>
               <a:t>();</a:t>
             </a:r>
@@ -15931,6 +16329,7 @@
                 <a:solidFill>
                   <a:schemeClr val="bg1"/>
                 </a:solidFill>
+                <a:latin typeface="Abadi Extra Light" panose="020B0204020104020204" pitchFamily="34" charset="0"/>
               </a:rPr>
               <a:t>Utils.displayFloorsDetails</a:t>
             </a:r>
@@ -15939,6 +16338,7 @@
                 <a:solidFill>
                   <a:schemeClr val="bg1"/>
                 </a:solidFill>
+                <a:latin typeface="Abadi Extra Light" panose="020B0204020104020204" pitchFamily="34" charset="0"/>
               </a:rPr>
               <a:t>();</a:t>
             </a:r>
@@ -15959,6 +16359,7 @@
                 <a:solidFill>
                   <a:schemeClr val="bg1"/>
                 </a:solidFill>
+                <a:latin typeface="Abadi Extra Light" panose="020B0204020104020204" pitchFamily="34" charset="0"/>
               </a:rPr>
               <a:t>Utils.displayUsersDetails</a:t>
             </a:r>
@@ -15966,6 +16367,7 @@
               <a:solidFill>
                 <a:schemeClr val="bg1"/>
               </a:solidFill>
+              <a:latin typeface="Abadi Extra Light" panose="020B0204020104020204" pitchFamily="34" charset="0"/>
             </a:endParaRPr>
           </a:p>
         </p:txBody>
@@ -17346,7 +17748,19 @@
               <a:rPr lang="fr-FR" dirty="0">
                 <a:latin typeface="Abadi Extra Light" panose="020B0204020104020204" pitchFamily="34" charset="0"/>
               </a:rPr>
-              <a:t>Le nombre d’itération du système est fortement corrélé au nombre d’User  </a:t>
+              <a:t>Le nombre d’itérations du système est fortement corrélé au nombre d’</a:t>
+            </a:r>
+            <a:r>
+              <a:rPr lang="fr-FR" dirty="0" err="1">
+                <a:latin typeface="Abadi Extra Light" panose="020B0204020104020204" pitchFamily="34" charset="0"/>
+              </a:rPr>
+              <a:t>Users</a:t>
+            </a:r>
+            <a:r>
+              <a:rPr lang="fr-FR" dirty="0">
+                <a:latin typeface="Abadi Extra Light" panose="020B0204020104020204" pitchFamily="34" charset="0"/>
+              </a:rPr>
+              <a:t>  </a:t>
             </a:r>
           </a:p>
         </p:txBody>
@@ -17926,7 +18340,7 @@
             <p:ph idx="1"/>
             <p:extLst>
               <p:ext uri="{D42A27DB-BD31-4B8C-83A1-F6EECF244321}">
-                <p14:modId xmlns:p14="http://schemas.microsoft.com/office/powerpoint/2010/main" val="2371388602"/>
+                <p14:modId xmlns:p14="http://schemas.microsoft.com/office/powerpoint/2010/main" val="720213469"/>
               </p:ext>
             </p:extLst>
           </p:nvPr>
@@ -18370,7 +18784,7 @@
               <a:rPr lang="fr-FR" sz="1600" dirty="0">
                 <a:latin typeface="Abadi Extra Light" panose="020B0204020104020204" pitchFamily="34" charset="0"/>
               </a:rPr>
-              <a:t>Le nombre temps mis par le system pour effectuer toutes ses taches est corrélé au nombre d’User, Néanmoins cette corrélation est moins forte qu’avec les itération. On peux expliquer cela par le nature des User. En effet, s’il y a beaucoup d’User PMR par exemple, le système dois mettre plus de temps par itérations</a:t>
+              <a:t>Le temps mis par le system pour effectuer toutes ses taches est corrélé au nombre d’User, Néanmoins cette corrélation est moins forte qu’avec les itération. On peux expliquer cela par le nature des User. En effet, s’il y a beaucoup d’User PMR par exemple, le système dois mettre plus de temps par itérations</a:t>
             </a:r>
           </a:p>
         </p:txBody>
@@ -18779,6 +19193,136 @@
     <p:extLst>
       <p:ext uri="{BB962C8B-B14F-4D97-AF65-F5344CB8AC3E}">
         <p14:creationId xmlns:p14="http://schemas.microsoft.com/office/powerpoint/2010/main" val="2059467908"/>
+      </p:ext>
+    </p:extLst>
+  </p:cSld>
+  <p:clrMapOvr>
+    <a:masterClrMapping/>
+  </p:clrMapOvr>
+</p:sld>
+</file>
+
+<file path=ppt/slides/slide22.xml><?xml version="1.0" encoding="utf-8"?>
+<p:sld xmlns:a="http://schemas.openxmlformats.org/drawingml/2006/main" xmlns:r="http://schemas.openxmlformats.org/officeDocument/2006/relationships" xmlns:p="http://schemas.openxmlformats.org/presentationml/2006/main">
+  <p:cSld>
+    <p:spTree>
+      <p:nvGrpSpPr>
+        <p:cNvPr id="1" name=""/>
+        <p:cNvGrpSpPr/>
+        <p:nvPr/>
+      </p:nvGrpSpPr>
+      <p:grpSpPr>
+        <a:xfrm>
+          <a:off x="0" y="0"/>
+          <a:ext cx="0" cy="0"/>
+          <a:chOff x="0" y="0"/>
+          <a:chExt cx="0" cy="0"/>
+        </a:xfrm>
+      </p:grpSpPr>
+      <p:graphicFrame>
+        <p:nvGraphicFramePr>
+          <p:cNvPr id="10" name="Objet 9">
+            <a:extLst>
+              <a:ext uri="{FF2B5EF4-FFF2-40B4-BE49-F238E27FC236}">
+                <a16:creationId xmlns:a16="http://schemas.microsoft.com/office/drawing/2014/main" id="{04840915-FA47-4CFA-9357-43B1917E4B4A}"/>
+              </a:ext>
+            </a:extLst>
+          </p:cNvPr>
+          <p:cNvGraphicFramePr>
+            <a:graphicFrameLocks noChangeAspect="1"/>
+          </p:cNvGraphicFramePr>
+          <p:nvPr>
+            <p:extLst>
+              <p:ext uri="{D42A27DB-BD31-4B8C-83A1-F6EECF244321}">
+                <p14:modId xmlns:p14="http://schemas.microsoft.com/office/powerpoint/2010/main" val="3033413484"/>
+              </p:ext>
+            </p:extLst>
+          </p:nvPr>
+        </p:nvGraphicFramePr>
+        <p:xfrm>
+          <a:off x="4081463" y="304800"/>
+          <a:ext cx="7621587" cy="6248400"/>
+        </p:xfrm>
+        <a:graphic>
+          <a:graphicData uri="http://schemas.openxmlformats.org/presentationml/2006/ole">
+            <mc:AlternateContent xmlns:mc="http://schemas.openxmlformats.org/markup-compatibility/2006">
+              <mc:Choice xmlns:v="urn:schemas-microsoft-com:vml" Requires="v">
+                <p:oleObj spid="_x0000_s2053" name="Worksheet" r:id="rId3" imgW="12068147" imgH="11858577" progId="Excel.Sheet.12">
+                  <p:embed/>
+                </p:oleObj>
+              </mc:Choice>
+              <mc:Fallback>
+                <p:oleObj name="Worksheet" r:id="rId3" imgW="12068147" imgH="11858577" progId="Excel.Sheet.12">
+                  <p:embed/>
+                  <p:pic>
+                    <p:nvPicPr>
+                      <p:cNvPr id="0" name=""/>
+                      <p:cNvPicPr/>
+                      <p:nvPr/>
+                    </p:nvPicPr>
+                    <p:blipFill>
+                      <a:blip r:embed="rId4"/>
+                      <a:stretch>
+                        <a:fillRect/>
+                      </a:stretch>
+                    </p:blipFill>
+                    <p:spPr>
+                      <a:xfrm>
+                        <a:off x="4081463" y="304800"/>
+                        <a:ext cx="7621587" cy="6248400"/>
+                      </a:xfrm>
+                      <a:prstGeom prst="rect">
+                        <a:avLst/>
+                      </a:prstGeom>
+                    </p:spPr>
+                  </p:pic>
+                </p:oleObj>
+              </mc:Fallback>
+            </mc:AlternateContent>
+          </a:graphicData>
+        </a:graphic>
+      </p:graphicFrame>
+      <p:sp>
+        <p:nvSpPr>
+          <p:cNvPr id="11" name="ZoneTexte 10">
+            <a:extLst>
+              <a:ext uri="{FF2B5EF4-FFF2-40B4-BE49-F238E27FC236}">
+                <a16:creationId xmlns:a16="http://schemas.microsoft.com/office/drawing/2014/main" id="{519C0740-37C4-4972-8195-F10E0A1FDE8C}"/>
+              </a:ext>
+            </a:extLst>
+          </p:cNvPr>
+          <p:cNvSpPr txBox="1"/>
+          <p:nvPr/>
+        </p:nvSpPr>
+        <p:spPr>
+          <a:xfrm>
+            <a:off x="489527" y="2867025"/>
+            <a:ext cx="6003637" cy="707886"/>
+          </a:xfrm>
+          <a:prstGeom prst="rect">
+            <a:avLst/>
+          </a:prstGeom>
+          <a:noFill/>
+        </p:spPr>
+        <p:txBody>
+          <a:bodyPr wrap="square" rtlCol="0">
+            <a:spAutoFit/>
+          </a:bodyPr>
+          <a:lstStyle/>
+          <a:p>
+            <a:r>
+              <a:rPr lang="fr-FR" sz="4000" b="1" dirty="0">
+                <a:latin typeface="Abadi Extra Light" panose="020B0204020104020204" pitchFamily="34" charset="0"/>
+              </a:rPr>
+              <a:t>Données Brute</a:t>
+            </a:r>
+          </a:p>
+        </p:txBody>
+      </p:sp>
+    </p:spTree>
+    <p:extLst>
+      <p:ext uri="{BB962C8B-B14F-4D97-AF65-F5344CB8AC3E}">
+        <p14:creationId xmlns:p14="http://schemas.microsoft.com/office/powerpoint/2010/main" val="1015712835"/>
       </p:ext>
     </p:extLst>
   </p:cSld>
@@ -18998,8 +19542,8 @@
         </p:nvSpPr>
         <p:spPr>
           <a:xfrm>
-            <a:off x="517236" y="3286807"/>
-            <a:ext cx="11157528" cy="3539430"/>
+            <a:off x="234372" y="3429000"/>
+            <a:ext cx="11157528" cy="3416320"/>
           </a:xfrm>
           <a:prstGeom prst="rect">
             <a:avLst/>
@@ -19012,417 +19556,240 @@
           </a:bodyPr>
           <a:lstStyle/>
           <a:p>
+            <a:pPr algn="just"/>
             <a:r>
               <a:rPr lang="fr-FR" sz="1600" dirty="0">
                 <a:latin typeface="Abadi Extra Light" panose="020B0204020104020204" pitchFamily="34" charset="0"/>
               </a:rPr>
-              <a:t>Nous avons une classe abstraite </a:t>
-            </a:r>
-            <a:r>
-              <a:rPr lang="fr-FR" sz="1600" b="1" dirty="0">
-                <a:latin typeface="Abadi Extra Light" panose="020B0204020104020204" pitchFamily="34" charset="0"/>
-              </a:rPr>
-              <a:t>User</a:t>
+              <a:t>Nous avons une classe abstraite User, définie par : un nom, un prénom, un âge, un statut, une situation ou non de handicap, un numéro correspondant à sa priorité(plus ce numéro est grand plus l’User est prioritaire) calculé par la méthode « </a:t>
+            </a:r>
+            <a:r>
+              <a:rPr lang="fr-FR" sz="1600" dirty="0" err="1">
+                <a:latin typeface="Abadi Extra Light" panose="020B0204020104020204" pitchFamily="34" charset="0"/>
+              </a:rPr>
+              <a:t>setPriority</a:t>
             </a:r>
             <a:r>
               <a:rPr lang="fr-FR" sz="1600" dirty="0">
                 <a:latin typeface="Abadi Extra Light" panose="020B0204020104020204" pitchFamily="34" charset="0"/>
               </a:rPr>
-              <a:t>, définis par : un </a:t>
-            </a:r>
-            <a:r>
-              <a:rPr lang="fr-FR" sz="1600" i="1" dirty="0">
-                <a:latin typeface="Abadi Extra Light" panose="020B0204020104020204" pitchFamily="34" charset="0"/>
-              </a:rPr>
-              <a:t>nom</a:t>
+              <a:t>() », un étage de départ, un étage d’arrivé, un étage final (dont nous détaillerons l’utilité) ainsi qu’une direction calculée à partir de l’étage de départ et celui d’arrivé dans la méthode « </a:t>
+            </a:r>
+            <a:r>
+              <a:rPr lang="fr-FR" sz="1600" dirty="0" err="1">
+                <a:latin typeface="Abadi Extra Light" panose="020B0204020104020204" pitchFamily="34" charset="0"/>
+              </a:rPr>
+              <a:t>setDirection</a:t>
             </a:r>
             <a:r>
               <a:rPr lang="fr-FR" sz="1600" dirty="0">
                 <a:latin typeface="Abadi Extra Light" panose="020B0204020104020204" pitchFamily="34" charset="0"/>
               </a:rPr>
-              <a:t>, un </a:t>
-            </a:r>
-            <a:r>
-              <a:rPr lang="fr-FR" sz="1600" i="1" dirty="0">
-                <a:latin typeface="Abadi Extra Light" panose="020B0204020104020204" pitchFamily="34" charset="0"/>
-              </a:rPr>
-              <a:t>prénom</a:t>
-            </a:r>
+              <a:t>() ».</a:t>
+            </a:r>
+          </a:p>
+          <a:p>
+            <a:pPr algn="just"/>
             <a:r>
               <a:rPr lang="fr-FR" sz="1600" dirty="0">
                 <a:latin typeface="Abadi Extra Light" panose="020B0204020104020204" pitchFamily="34" charset="0"/>
               </a:rPr>
-              <a:t>, un </a:t>
-            </a:r>
-            <a:r>
-              <a:rPr lang="fr-FR" sz="1600" i="1" dirty="0">
-                <a:latin typeface="Abadi Extra Light" panose="020B0204020104020204" pitchFamily="34" charset="0"/>
-              </a:rPr>
-              <a:t>âge</a:t>
-            </a:r>
+              <a:t>Nous avons créé plusieurs méthodes :</a:t>
+            </a:r>
+          </a:p>
+          <a:p>
+            <a:pPr lvl="0" algn="just"/>
             <a:r>
               <a:rPr lang="fr-FR" sz="1600" dirty="0">
                 <a:latin typeface="Abadi Extra Light" panose="020B0204020104020204" pitchFamily="34" charset="0"/>
               </a:rPr>
-              <a:t>, un </a:t>
-            </a:r>
-            <a:r>
-              <a:rPr lang="fr-FR" sz="1600" i="1" dirty="0">
-                <a:latin typeface="Abadi Extra Light" panose="020B0204020104020204" pitchFamily="34" charset="0"/>
-              </a:rPr>
-              <a:t>statut</a:t>
+              <a:t>« </a:t>
+            </a:r>
+            <a:r>
+              <a:rPr lang="fr-FR" sz="1600" dirty="0" err="1">
+                <a:latin typeface="Abadi Extra Light" panose="020B0204020104020204" pitchFamily="34" charset="0"/>
+              </a:rPr>
+              <a:t>callElevator</a:t>
             </a:r>
             <a:r>
               <a:rPr lang="fr-FR" sz="1600" dirty="0">
                 <a:latin typeface="Abadi Extra Light" panose="020B0204020104020204" pitchFamily="34" charset="0"/>
               </a:rPr>
-              <a:t>, une </a:t>
-            </a:r>
-            <a:r>
-              <a:rPr lang="fr-FR" sz="1600" i="1" dirty="0">
-                <a:latin typeface="Abadi Extra Light" panose="020B0204020104020204" pitchFamily="34" charset="0"/>
-              </a:rPr>
-              <a:t>situation ou non de handicap</a:t>
-            </a:r>
+              <a:t>() » qui crée une nouvelle demande,</a:t>
+            </a:r>
+          </a:p>
+          <a:p>
+            <a:pPr lvl="0" algn="just"/>
             <a:r>
               <a:rPr lang="fr-FR" sz="1600" dirty="0">
                 <a:latin typeface="Abadi Extra Light" panose="020B0204020104020204" pitchFamily="34" charset="0"/>
               </a:rPr>
-              <a:t>, un </a:t>
-            </a:r>
-            <a:r>
-              <a:rPr lang="fr-FR" sz="1600" i="1" dirty="0">
-                <a:latin typeface="Abadi Extra Light" panose="020B0204020104020204" pitchFamily="34" charset="0"/>
-              </a:rPr>
-              <a:t>numéro</a:t>
+              <a:t>« </a:t>
+            </a:r>
+            <a:r>
+              <a:rPr lang="fr-FR" sz="1600" dirty="0" err="1">
+                <a:latin typeface="Abadi Extra Light" panose="020B0204020104020204" pitchFamily="34" charset="0"/>
+              </a:rPr>
+              <a:t>setCorrespondance</a:t>
             </a:r>
             <a:r>
               <a:rPr lang="fr-FR" sz="1600" dirty="0">
                 <a:latin typeface="Abadi Extra Light" panose="020B0204020104020204" pitchFamily="34" charset="0"/>
               </a:rPr>
-              <a:t> correspondant à sa </a:t>
-            </a:r>
-            <a:r>
-              <a:rPr lang="fr-FR" sz="1600" i="1" dirty="0">
-                <a:latin typeface="Abadi Extra Light" panose="020B0204020104020204" pitchFamily="34" charset="0"/>
-              </a:rPr>
-              <a:t>priorité</a:t>
+              <a:t>() », « </a:t>
+            </a:r>
+            <a:r>
+              <a:rPr lang="fr-FR" sz="1600" dirty="0" err="1">
+                <a:latin typeface="Abadi Extra Light" panose="020B0204020104020204" pitchFamily="34" charset="0"/>
+              </a:rPr>
+              <a:t>isFinalDestination</a:t>
             </a:r>
             <a:r>
               <a:rPr lang="fr-FR" sz="1600" dirty="0">
                 <a:latin typeface="Abadi Extra Light" panose="020B0204020104020204" pitchFamily="34" charset="0"/>
               </a:rPr>
-              <a:t> (plus ce numéro est grand plus l’User est prioritaire) calculé par la méthode </a:t>
-            </a:r>
-            <a:r>
-              <a:rPr lang="fr-FR" sz="1600" u="sng" dirty="0" err="1">
-                <a:latin typeface="Abadi Extra Light" panose="020B0204020104020204" pitchFamily="34" charset="0"/>
-              </a:rPr>
-              <a:t>setPriority</a:t>
-            </a:r>
-            <a:r>
-              <a:rPr lang="fr-FR" sz="1600" u="sng" dirty="0">
-                <a:latin typeface="Abadi Extra Light" panose="020B0204020104020204" pitchFamily="34" charset="0"/>
-              </a:rPr>
-              <a:t>()</a:t>
+              <a:t> » et « </a:t>
+            </a:r>
+            <a:r>
+              <a:rPr lang="fr-FR" sz="1600" dirty="0" err="1">
+                <a:latin typeface="Abadi Extra Light" panose="020B0204020104020204" pitchFamily="34" charset="0"/>
+              </a:rPr>
+              <a:t>makeChangement</a:t>
             </a:r>
             <a:r>
               <a:rPr lang="fr-FR" sz="1600" dirty="0">
                 <a:latin typeface="Abadi Extra Light" panose="020B0204020104020204" pitchFamily="34" charset="0"/>
               </a:rPr>
-              <a:t>, un étage de départ, un étage d’arrivé, un étage final (dont nous détaillerons l’utilité) ainsi qu’une direction calculé à partir de l’étage de départ et celui d’arrivé dans la méthode </a:t>
-            </a:r>
-            <a:r>
-              <a:rPr lang="fr-FR" sz="1600" u="sng" dirty="0" err="1">
-                <a:latin typeface="Abadi Extra Light" panose="020B0204020104020204" pitchFamily="34" charset="0"/>
-              </a:rPr>
-              <a:t>setDirection</a:t>
-            </a:r>
-            <a:r>
-              <a:rPr lang="fr-FR" sz="1600" u="sng" dirty="0">
-                <a:latin typeface="Abadi Extra Light" panose="020B0204020104020204" pitchFamily="34" charset="0"/>
-              </a:rPr>
-              <a:t>().</a:t>
-            </a:r>
+              <a:t>() » qui servent à traiter les cas d’User devant changer d’ascenseurs pour atteindre leur destination finale,</a:t>
+            </a:r>
+          </a:p>
+          <a:p>
+            <a:pPr lvl="0" algn="just"/>
             <a:r>
               <a:rPr lang="fr-FR" sz="1600" dirty="0">
                 <a:latin typeface="Abadi Extra Light" panose="020B0204020104020204" pitchFamily="34" charset="0"/>
               </a:rPr>
-              <a:t> </a:t>
-            </a:r>
-          </a:p>
-          <a:p>
-            <a:endParaRPr lang="fr-FR" sz="1600" dirty="0">
-              <a:latin typeface="Abadi Extra Light" panose="020B0204020104020204" pitchFamily="34" charset="0"/>
-            </a:endParaRPr>
-          </a:p>
-          <a:p>
+              <a:t>« </a:t>
+            </a:r>
+            <a:r>
+              <a:rPr lang="fr-FR" sz="1600" dirty="0" err="1">
+                <a:latin typeface="Abadi Extra Light" panose="020B0204020104020204" pitchFamily="34" charset="0"/>
+              </a:rPr>
+              <a:t>compareTo</a:t>
+            </a:r>
             <a:r>
               <a:rPr lang="fr-FR" sz="1600" dirty="0">
                 <a:latin typeface="Abadi Extra Light" panose="020B0204020104020204" pitchFamily="34" charset="0"/>
               </a:rPr>
-              <a:t>Nous avons </a:t>
+              <a:t>() » pour comparer les </a:t>
             </a:r>
             <a:r>
               <a:rPr lang="fr-FR" sz="1600" dirty="0" err="1">
                 <a:latin typeface="Abadi Extra Light" panose="020B0204020104020204" pitchFamily="34" charset="0"/>
               </a:rPr>
-              <a:t>creer</a:t>
+              <a:t>Users</a:t>
             </a:r>
             <a:r>
               <a:rPr lang="fr-FR" sz="1600" dirty="0">
                 <a:latin typeface="Abadi Extra Light" panose="020B0204020104020204" pitchFamily="34" charset="0"/>
               </a:rPr>
-              <a:t> les méthodes </a:t>
-            </a:r>
-            <a:r>
-              <a:rPr lang="fr-FR" sz="1600" u="sng" dirty="0" err="1">
-                <a:latin typeface="Abadi Extra Light" panose="020B0204020104020204" pitchFamily="34" charset="0"/>
-              </a:rPr>
-              <a:t>callElevator</a:t>
-            </a:r>
-            <a:r>
-              <a:rPr lang="fr-FR" sz="1600" u="sng" dirty="0">
-                <a:latin typeface="Abadi Extra Light" panose="020B0204020104020204" pitchFamily="34" charset="0"/>
-              </a:rPr>
-              <a:t>() </a:t>
-            </a:r>
+              <a:t> en fonction de leur priorité (notre classe User implémente l’interface Comparable),</a:t>
+            </a:r>
+          </a:p>
+          <a:p>
+            <a:pPr lvl="0" algn="just"/>
             <a:r>
               <a:rPr lang="fr-FR" sz="1600" dirty="0">
                 <a:latin typeface="Abadi Extra Light" panose="020B0204020104020204" pitchFamily="34" charset="0"/>
               </a:rPr>
-              <a:t>qui crée une nouvelle demande, </a:t>
-            </a:r>
-            <a:r>
-              <a:rPr lang="fr-FR" sz="1600" u="sng" dirty="0" err="1">
-                <a:latin typeface="Abadi Extra Light" panose="020B0204020104020204" pitchFamily="34" charset="0"/>
-              </a:rPr>
-              <a:t>setCorrespondance</a:t>
-            </a:r>
-            <a:r>
-              <a:rPr lang="fr-FR" sz="1600" u="sng" dirty="0">
-                <a:latin typeface="Abadi Extra Light" panose="020B0204020104020204" pitchFamily="34" charset="0"/>
-              </a:rPr>
-              <a:t>()</a:t>
+              <a:t>Les méthodes « </a:t>
+            </a:r>
+            <a:r>
+              <a:rPr lang="fr-FR" sz="1600" dirty="0" err="1">
+                <a:latin typeface="Abadi Extra Light" panose="020B0204020104020204" pitchFamily="34" charset="0"/>
+              </a:rPr>
+              <a:t>equals</a:t>
             </a:r>
             <a:r>
               <a:rPr lang="fr-FR" sz="1600" dirty="0">
                 <a:latin typeface="Abadi Extra Light" panose="020B0204020104020204" pitchFamily="34" charset="0"/>
               </a:rPr>
-              <a:t>, </a:t>
-            </a:r>
-            <a:r>
-              <a:rPr lang="fr-FR" sz="1600" u="sng" dirty="0" err="1">
-                <a:latin typeface="Abadi Extra Light" panose="020B0204020104020204" pitchFamily="34" charset="0"/>
-              </a:rPr>
-              <a:t>isFinalDestination</a:t>
-            </a:r>
-            <a:r>
-              <a:rPr lang="fr-FR" sz="1600" u="sng" dirty="0">
-                <a:latin typeface="Abadi Extra Light" panose="020B0204020104020204" pitchFamily="34" charset="0"/>
-              </a:rPr>
-              <a:t>()</a:t>
+              <a:t>() » et « </a:t>
+            </a:r>
+            <a:r>
+              <a:rPr lang="fr-FR" sz="1600" dirty="0" err="1">
+                <a:latin typeface="Abadi Extra Light" panose="020B0204020104020204" pitchFamily="34" charset="0"/>
+              </a:rPr>
+              <a:t>hashCode</a:t>
             </a:r>
             <a:r>
               <a:rPr lang="fr-FR" sz="1600" dirty="0">
                 <a:latin typeface="Abadi Extra Light" panose="020B0204020104020204" pitchFamily="34" charset="0"/>
               </a:rPr>
-              <a:t> et </a:t>
-            </a:r>
-            <a:r>
-              <a:rPr lang="fr-FR" sz="1600" u="sng" dirty="0" err="1">
-                <a:latin typeface="Abadi Extra Light" panose="020B0204020104020204" pitchFamily="34" charset="0"/>
-              </a:rPr>
-              <a:t>makeChangement</a:t>
-            </a:r>
-            <a:r>
-              <a:rPr lang="fr-FR" sz="1600" u="sng" dirty="0">
-                <a:latin typeface="Abadi Extra Light" panose="020B0204020104020204" pitchFamily="34" charset="0"/>
-              </a:rPr>
-              <a:t>() </a:t>
+              <a:t>() » ont été surchargées pour </a:t>
+            </a:r>
+            <a:r>
+              <a:rPr lang="fr-FR" sz="1600" dirty="0" err="1">
+                <a:latin typeface="Abadi Extra Light" panose="020B0204020104020204" pitchFamily="34" charset="0"/>
+              </a:rPr>
+              <a:t>utiiser</a:t>
             </a:r>
             <a:r>
               <a:rPr lang="fr-FR" sz="1600" dirty="0">
                 <a:latin typeface="Abadi Extra Light" panose="020B0204020104020204" pitchFamily="34" charset="0"/>
               </a:rPr>
-              <a:t>servent à traiter les cas d’User devant faire des correspondances, </a:t>
-            </a:r>
-          </a:p>
-          <a:p>
-            <a:endParaRPr lang="fr-FR" sz="1600" dirty="0">
-              <a:latin typeface="Abadi Extra Light" panose="020B0204020104020204" pitchFamily="34" charset="0"/>
-            </a:endParaRPr>
-          </a:p>
-          <a:p>
+              <a:t> des </a:t>
+            </a:r>
+            <a:r>
+              <a:rPr lang="fr-FR" sz="1600" dirty="0" err="1">
+                <a:latin typeface="Abadi Extra Light" panose="020B0204020104020204" pitchFamily="34" charset="0"/>
+              </a:rPr>
+              <a:t>HashMap</a:t>
+            </a:r>
             <a:r>
               <a:rPr lang="fr-FR" sz="1600" dirty="0">
                 <a:latin typeface="Abadi Extra Light" panose="020B0204020104020204" pitchFamily="34" charset="0"/>
               </a:rPr>
-              <a:t>User implémente </a:t>
-            </a:r>
-            <a:r>
-              <a:rPr lang="fr-FR" sz="1600" b="1" dirty="0">
-                <a:latin typeface="Abadi Extra Light" panose="020B0204020104020204" pitchFamily="34" charset="0"/>
-              </a:rPr>
-              <a:t>Comparable</a:t>
-            </a:r>
+              <a:t> d’User.</a:t>
+            </a:r>
+          </a:p>
+          <a:p>
+            <a:pPr algn="just"/>
             <a:r>
               <a:rPr lang="fr-FR" sz="1600" dirty="0">
                 <a:latin typeface="Abadi Extra Light" panose="020B0204020104020204" pitchFamily="34" charset="0"/>
               </a:rPr>
-              <a:t>. </a:t>
-            </a:r>
-            <a:r>
-              <a:rPr lang="fr-FR" sz="1600" u="sng" dirty="0" err="1">
-                <a:latin typeface="Abadi Extra Light" panose="020B0204020104020204" pitchFamily="34" charset="0"/>
-              </a:rPr>
-              <a:t>compareTo</a:t>
-            </a:r>
-            <a:r>
-              <a:rPr lang="fr-FR" sz="1600" u="sng" dirty="0">
-                <a:latin typeface="Abadi Extra Light" panose="020B0204020104020204" pitchFamily="34" charset="0"/>
-              </a:rPr>
-              <a:t>() </a:t>
-            </a:r>
+              <a:t> </a:t>
+            </a:r>
+          </a:p>
+          <a:p>
+            <a:pPr algn="just"/>
             <a:r>
               <a:rPr lang="fr-FR" sz="1600" dirty="0">
                 <a:latin typeface="Abadi Extra Light" panose="020B0204020104020204" pitchFamily="34" charset="0"/>
               </a:rPr>
-              <a:t>compare les User en fonction de leur priorité. </a:t>
-            </a:r>
-          </a:p>
-          <a:p>
-            <a:endParaRPr lang="fr-FR" sz="1600" dirty="0">
-              <a:latin typeface="Abadi Extra Light" panose="020B0204020104020204" pitchFamily="34" charset="0"/>
-            </a:endParaRPr>
-          </a:p>
-          <a:p>
+              <a:t>Dans les classes Administrative, </a:t>
+            </a:r>
+            <a:r>
+              <a:rPr lang="fr-FR" sz="1600" dirty="0" err="1">
+                <a:latin typeface="Abadi Extra Light" panose="020B0204020104020204" pitchFamily="34" charset="0"/>
+              </a:rPr>
+              <a:t>Student</a:t>
+            </a:r>
             <a:r>
               <a:rPr lang="fr-FR" sz="1600" dirty="0">
                 <a:latin typeface="Abadi Extra Light" panose="020B0204020104020204" pitchFamily="34" charset="0"/>
               </a:rPr>
-              <a:t>Les méthode </a:t>
-            </a:r>
-            <a:r>
-              <a:rPr lang="fr-FR" sz="1600" u="sng" dirty="0" err="1">
-                <a:latin typeface="Abadi Extra Light" panose="020B0204020104020204" pitchFamily="34" charset="0"/>
-              </a:rPr>
-              <a:t>equals</a:t>
-            </a:r>
-            <a:r>
-              <a:rPr lang="fr-FR" sz="1600" u="sng" dirty="0">
-                <a:latin typeface="Abadi Extra Light" panose="020B0204020104020204" pitchFamily="34" charset="0"/>
-              </a:rPr>
-              <a:t>() </a:t>
-            </a:r>
+              <a:t> et Teacher (qui héritent d’User), nous redéfinissons seulement le statut de l’User. </a:t>
+            </a:r>
+          </a:p>
+          <a:p>
+            <a:pPr algn="just"/>
             <a:r>
               <a:rPr lang="fr-FR" sz="1600" dirty="0">
                 <a:latin typeface="Abadi Extra Light" panose="020B0204020104020204" pitchFamily="34" charset="0"/>
               </a:rPr>
-              <a:t>et </a:t>
-            </a:r>
-            <a:r>
-              <a:rPr lang="fr-FR" sz="1600" u="sng" dirty="0" err="1">
-                <a:latin typeface="Abadi Extra Light" panose="020B0204020104020204" pitchFamily="34" charset="0"/>
-              </a:rPr>
-              <a:t>hashCode</a:t>
-            </a:r>
-            <a:r>
-              <a:rPr lang="fr-FR" sz="1600" u="sng" dirty="0">
-                <a:latin typeface="Abadi Extra Light" panose="020B0204020104020204" pitchFamily="34" charset="0"/>
-              </a:rPr>
-              <a:t>() </a:t>
-            </a:r>
-            <a:r>
-              <a:rPr lang="fr-FR" sz="1600" dirty="0">
-                <a:latin typeface="Abadi Extra Light" panose="020B0204020104020204" pitchFamily="34" charset="0"/>
-              </a:rPr>
-              <a:t>on été surchargé pour utiliser des </a:t>
-            </a:r>
-            <a:r>
-              <a:rPr lang="fr-FR" sz="1600" dirty="0" err="1">
-                <a:latin typeface="Abadi Extra Light" panose="020B0204020104020204" pitchFamily="34" charset="0"/>
-              </a:rPr>
-              <a:t>hashMap</a:t>
-            </a:r>
-            <a:r>
-              <a:rPr lang="fr-FR" sz="1600" dirty="0">
-                <a:latin typeface="Abadi Extra Light" panose="020B0204020104020204" pitchFamily="34" charset="0"/>
-              </a:rPr>
-              <a:t> d’</a:t>
-            </a:r>
-            <a:r>
-              <a:rPr lang="fr-FR" sz="1600" dirty="0" err="1">
-                <a:latin typeface="Abadi Extra Light" panose="020B0204020104020204" pitchFamily="34" charset="0"/>
-              </a:rPr>
-              <a:t>Users</a:t>
-            </a:r>
-            <a:r>
-              <a:rPr lang="fr-FR" sz="1600" dirty="0">
-                <a:latin typeface="Abadi Extra Light" panose="020B0204020104020204" pitchFamily="34" charset="0"/>
-              </a:rPr>
-              <a:t>.</a:t>
-            </a:r>
-          </a:p>
-          <a:p>
-            <a:endParaRPr lang="fr-FR" sz="1600" dirty="0">
-              <a:latin typeface="Abadi Extra Light" panose="020B0204020104020204" pitchFamily="34" charset="0"/>
-            </a:endParaRPr>
-          </a:p>
-          <a:p>
-            <a:r>
-              <a:rPr lang="fr-FR" sz="1600" dirty="0">
-                <a:latin typeface="Abadi Extra Light" panose="020B0204020104020204" pitchFamily="34" charset="0"/>
-              </a:rPr>
-              <a:t>Les classes </a:t>
-            </a:r>
-            <a:r>
-              <a:rPr lang="fr-FR" sz="1600" b="1" dirty="0">
-                <a:latin typeface="Abadi Extra Light" panose="020B0204020104020204" pitchFamily="34" charset="0"/>
-              </a:rPr>
-              <a:t>Administrative</a:t>
-            </a:r>
-            <a:r>
-              <a:rPr lang="fr-FR" sz="1600" dirty="0">
-                <a:latin typeface="Abadi Extra Light" panose="020B0204020104020204" pitchFamily="34" charset="0"/>
-              </a:rPr>
-              <a:t>, </a:t>
-            </a:r>
-            <a:r>
-              <a:rPr lang="fr-FR" sz="1600" b="1" dirty="0">
-                <a:latin typeface="Abadi Extra Light" panose="020B0204020104020204" pitchFamily="34" charset="0"/>
-              </a:rPr>
-              <a:t>Student</a:t>
-            </a:r>
-            <a:r>
-              <a:rPr lang="fr-FR" sz="1600" dirty="0">
-                <a:latin typeface="Abadi Extra Light" panose="020B0204020104020204" pitchFamily="34" charset="0"/>
-              </a:rPr>
-              <a:t>, </a:t>
-            </a:r>
-            <a:r>
-              <a:rPr lang="fr-FR" sz="1600" b="1" dirty="0">
-                <a:latin typeface="Abadi Extra Light" panose="020B0204020104020204" pitchFamily="34" charset="0"/>
-              </a:rPr>
-              <a:t>Teacher</a:t>
-            </a:r>
-            <a:r>
-              <a:rPr lang="fr-FR" sz="1600" dirty="0">
-                <a:latin typeface="Abadi Extra Light" panose="020B0204020104020204" pitchFamily="34" charset="0"/>
-              </a:rPr>
-              <a:t> héritent de </a:t>
-            </a:r>
-            <a:r>
-              <a:rPr lang="fr-FR" sz="1600" b="1" dirty="0">
-                <a:latin typeface="Abadi Extra Light" panose="020B0204020104020204" pitchFamily="34" charset="0"/>
-              </a:rPr>
-              <a:t>User</a:t>
-            </a:r>
-            <a:r>
-              <a:rPr lang="fr-FR" sz="1600" dirty="0">
-                <a:latin typeface="Abadi Extra Light" panose="020B0204020104020204" pitchFamily="34" charset="0"/>
-              </a:rPr>
-              <a:t>. Nous redéfinissons seulement le statut de l’User. Ce statut sert à l’instanciation pour déterminer l’attribut de priorité.</a:t>
+              <a:t>Ce statut sert à l’instanciation pour déterminer l’attribut de priorité.</a:t>
             </a:r>
           </a:p>
         </p:txBody>
@@ -19754,7 +20121,7 @@
         </p:nvSpPr>
         <p:spPr>
           <a:xfrm>
-            <a:off x="200025" y="3524249"/>
+            <a:off x="200024" y="3773308"/>
             <a:ext cx="11791951" cy="3228975"/>
           </a:xfrm>
         </p:spPr>
@@ -19764,134 +20131,112 @@
           </a:bodyPr>
           <a:lstStyle/>
           <a:p>
+            <a:pPr marL="0" indent="0">
+              <a:buNone/>
+            </a:pPr>
+            <a:r>
+              <a:rPr lang="fr-FR" sz="2400" dirty="0">
+                <a:latin typeface="Abadi Extra Light" panose="020B0204020104020204" pitchFamily="34" charset="0"/>
+              </a:rPr>
+              <a:t>Dans le cas où la couleur de départ est différente de la couleur d’arrivée :</a:t>
+            </a:r>
+          </a:p>
+          <a:p>
+            <a:pPr marL="0" indent="0">
+              <a:buNone/>
+            </a:pPr>
+            <a:endParaRPr lang="fr-FR" sz="2400" dirty="0">
+              <a:latin typeface="Abadi Extra Light" panose="020B0204020104020204" pitchFamily="34" charset="0"/>
+            </a:endParaRPr>
+          </a:p>
+          <a:p>
+            <a:pPr lvl="1" fontAlgn="base"/>
+            <a:r>
+              <a:rPr lang="fr-FR" sz="2000" dirty="0">
+                <a:latin typeface="Abadi Extra Light" panose="020B0204020104020204" pitchFamily="34" charset="0"/>
+              </a:rPr>
+              <a:t>A l’instanciation d’un User nous calculons l’étage pivot (à l’aide de la méthode « </a:t>
+            </a:r>
+            <a:r>
+              <a:rPr lang="fr-FR" sz="2000" dirty="0" err="1">
+                <a:latin typeface="Abadi Extra Light" panose="020B0204020104020204" pitchFamily="34" charset="0"/>
+              </a:rPr>
+              <a:t>setCorrespondance</a:t>
+            </a:r>
+            <a:r>
+              <a:rPr lang="fr-FR" sz="2000" dirty="0">
+                <a:latin typeface="Abadi Extra Light" panose="020B0204020104020204" pitchFamily="34" charset="0"/>
+              </a:rPr>
+              <a:t>() »). Cet étage devient la destination et la destination finale est stockée dans l’attribut « </a:t>
+            </a:r>
+            <a:r>
+              <a:rPr lang="fr-FR" sz="2000" dirty="0" err="1">
+                <a:latin typeface="Abadi Extra Light" panose="020B0204020104020204" pitchFamily="34" charset="0"/>
+              </a:rPr>
+              <a:t>finalDestination</a:t>
+            </a:r>
+            <a:r>
+              <a:rPr lang="fr-FR" sz="2000" dirty="0">
+                <a:latin typeface="Abadi Extra Light" panose="020B0204020104020204" pitchFamily="34" charset="0"/>
+              </a:rPr>
+              <a:t> ».</a:t>
+            </a:r>
+          </a:p>
+          <a:p>
+            <a:pPr lvl="1" fontAlgn="base"/>
+            <a:r>
+              <a:rPr lang="fr-FR" sz="2000" dirty="0">
+                <a:latin typeface="Abadi Extra Light" panose="020B0204020104020204" pitchFamily="34" charset="0"/>
+              </a:rPr>
+              <a:t>Quand l’utilisateur arrive à sa destination pivot, le test « </a:t>
+            </a:r>
+            <a:r>
+              <a:rPr lang="fr-FR" sz="2000" dirty="0" err="1">
+                <a:latin typeface="Abadi Extra Light" panose="020B0204020104020204" pitchFamily="34" charset="0"/>
+              </a:rPr>
+              <a:t>isFinalDesination</a:t>
+            </a:r>
+            <a:r>
+              <a:rPr lang="fr-FR" sz="2000" dirty="0">
+                <a:latin typeface="Abadi Extra Light" panose="020B0204020104020204" pitchFamily="34" charset="0"/>
+              </a:rPr>
+              <a:t>() » est faux et permet d’appeler la méthode « </a:t>
+            </a:r>
+            <a:r>
+              <a:rPr lang="fr-FR" sz="2000" dirty="0" err="1">
+                <a:latin typeface="Abadi Extra Light" panose="020B0204020104020204" pitchFamily="34" charset="0"/>
+              </a:rPr>
+              <a:t>makeChangement</a:t>
+            </a:r>
+            <a:r>
+              <a:rPr lang="fr-FR" sz="2000" dirty="0">
+                <a:latin typeface="Abadi Extra Light" panose="020B0204020104020204" pitchFamily="34" charset="0"/>
+              </a:rPr>
+              <a:t>() » (qui met l’User dans la queue du </a:t>
+            </a:r>
+            <a:r>
+              <a:rPr lang="fr-FR" sz="2000" dirty="0" err="1">
+                <a:latin typeface="Abadi Extra Light" panose="020B0204020104020204" pitchFamily="34" charset="0"/>
+              </a:rPr>
+              <a:t>Floor</a:t>
+            </a:r>
+            <a:r>
+              <a:rPr lang="fr-FR" sz="2000" dirty="0">
+                <a:latin typeface="Abadi Extra Light" panose="020B0204020104020204" pitchFamily="34" charset="0"/>
+              </a:rPr>
+              <a:t> correspondant à sa prochaine demande).</a:t>
+            </a:r>
+          </a:p>
+          <a:p>
             <a:pPr marL="0" indent="0" algn="just">
               <a:spcBef>
                 <a:spcPts val="2400"/>
               </a:spcBef>
               <a:buNone/>
             </a:pPr>
-            <a:r>
-              <a:rPr lang="fr-FR" sz="2400" dirty="0">
-                <a:latin typeface="Abadi Extra Light" panose="020B0204020104020204" pitchFamily="34" charset="0"/>
-              </a:rPr>
-              <a:t>Dans le cas ou la couleur de départ est différente de la couleur d’arrivé :</a:t>
-            </a:r>
-          </a:p>
-          <a:p>
-            <a:pPr algn="just">
-              <a:spcBef>
-                <a:spcPts val="2400"/>
-              </a:spcBef>
-            </a:pPr>
-            <a:r>
-              <a:rPr lang="fr-FR" sz="2400" dirty="0">
-                <a:latin typeface="Abadi Extra Light" panose="020B0204020104020204" pitchFamily="34" charset="0"/>
-              </a:rPr>
-              <a:t>A l’instanciation d’un </a:t>
-            </a:r>
-            <a:r>
-              <a:rPr lang="fr-FR" sz="2400" b="1" dirty="0">
-                <a:latin typeface="Abadi Extra Light" panose="020B0204020104020204" pitchFamily="34" charset="0"/>
-              </a:rPr>
-              <a:t>User</a:t>
-            </a:r>
-            <a:r>
-              <a:rPr lang="fr-FR" sz="2400" dirty="0">
-                <a:latin typeface="Abadi Extra Light" panose="020B0204020104020204" pitchFamily="34" charset="0"/>
-              </a:rPr>
-              <a:t> nous calculons l’étage pivot à l’aide de la méthode </a:t>
-            </a:r>
-            <a:r>
-              <a:rPr lang="fr-FR" sz="2400" u="sng" dirty="0" err="1">
-                <a:latin typeface="Abadi Extra Light" panose="020B0204020104020204" pitchFamily="34" charset="0"/>
-              </a:rPr>
-              <a:t>setCorrespondance</a:t>
-            </a:r>
-            <a:r>
-              <a:rPr lang="fr-FR" sz="2400" u="sng" dirty="0">
-                <a:latin typeface="Abadi Extra Light" panose="020B0204020104020204" pitchFamily="34" charset="0"/>
-              </a:rPr>
-              <a:t>()</a:t>
-            </a:r>
-            <a:r>
-              <a:rPr lang="fr-FR" sz="2400" dirty="0">
-                <a:latin typeface="Abadi Extra Light" panose="020B0204020104020204" pitchFamily="34" charset="0"/>
-              </a:rPr>
-              <a:t> cette étage deviens la destination et la destination final est stockée dans l’attribut </a:t>
-            </a:r>
-            <a:r>
-              <a:rPr lang="fr-FR" sz="2400" i="1" dirty="0">
-                <a:latin typeface="Abadi Extra Light" panose="020B0204020104020204" pitchFamily="34" charset="0"/>
-              </a:rPr>
-              <a:t>finalDestination</a:t>
-            </a:r>
-            <a:r>
-              <a:rPr lang="fr-FR" sz="2400" dirty="0">
-                <a:latin typeface="Abadi Extra Light" panose="020B0204020104020204" pitchFamily="34" charset="0"/>
-              </a:rPr>
-              <a:t>.</a:t>
-            </a:r>
-          </a:p>
-          <a:p>
-            <a:pPr algn="just">
-              <a:spcBef>
-                <a:spcPts val="2400"/>
-              </a:spcBef>
-            </a:pPr>
-            <a:r>
-              <a:rPr lang="fr-FR" sz="2400" dirty="0">
-                <a:latin typeface="Abadi Extra Light" panose="020B0204020104020204" pitchFamily="34" charset="0"/>
-              </a:rPr>
-              <a:t>Quand l’utilisateur arrive à sa destination pivot le test </a:t>
-            </a:r>
-            <a:r>
-              <a:rPr lang="fr-FR" sz="2400" u="sng" dirty="0" err="1">
-                <a:latin typeface="Abadi Extra Light" panose="020B0204020104020204" pitchFamily="34" charset="0"/>
-              </a:rPr>
-              <a:t>isFinalDesination</a:t>
-            </a:r>
-            <a:r>
-              <a:rPr lang="fr-FR" sz="2400" u="sng" dirty="0">
-                <a:latin typeface="Abadi Extra Light" panose="020B0204020104020204" pitchFamily="34" charset="0"/>
-              </a:rPr>
-              <a:t>()</a:t>
-            </a:r>
-            <a:r>
-              <a:rPr lang="fr-FR" sz="2400" dirty="0">
-                <a:latin typeface="Abadi Extra Light" panose="020B0204020104020204" pitchFamily="34" charset="0"/>
-              </a:rPr>
-              <a:t> est faux et permet d’appeler la méthode </a:t>
-            </a:r>
-            <a:r>
-              <a:rPr lang="fr-FR" sz="2400" u="sng" dirty="0" err="1">
-                <a:latin typeface="Abadi Extra Light" panose="020B0204020104020204" pitchFamily="34" charset="0"/>
-              </a:rPr>
-              <a:t>makeChangement</a:t>
-            </a:r>
-            <a:r>
-              <a:rPr lang="fr-FR" sz="2400" u="sng" dirty="0">
-                <a:latin typeface="Abadi Extra Light" panose="020B0204020104020204" pitchFamily="34" charset="0"/>
-              </a:rPr>
-              <a:t>() </a:t>
-            </a:r>
-            <a:r>
-              <a:rPr lang="fr-FR" sz="2400" dirty="0">
-                <a:latin typeface="Abadi Extra Light" panose="020B0204020104020204" pitchFamily="34" charset="0"/>
-              </a:rPr>
-              <a:t>qui mets l’User dans la queue du </a:t>
-            </a:r>
-            <a:r>
-              <a:rPr lang="fr-FR" sz="2400" dirty="0" err="1">
-                <a:latin typeface="Abadi Extra Light" panose="020B0204020104020204" pitchFamily="34" charset="0"/>
-              </a:rPr>
-              <a:t>Floor</a:t>
-            </a:r>
-            <a:r>
-              <a:rPr lang="fr-FR" sz="2400" dirty="0">
-                <a:latin typeface="Abadi Extra Light" panose="020B0204020104020204" pitchFamily="34" charset="0"/>
-              </a:rPr>
-              <a:t> correspondant à sa prochaine demande.</a:t>
-            </a:r>
+            <a:endParaRPr lang="fr-FR" sz="2000" dirty="0">
+              <a:latin typeface="Abadi Extra Light" panose="020B0204020104020204" pitchFamily="34" charset="0"/>
+            </a:endParaRPr>
           </a:p>
         </p:txBody>
       </p:sp>
@@ -20082,8 +20427,8 @@
         </p:nvSpPr>
         <p:spPr>
           <a:xfrm>
-            <a:off x="441036" y="3524250"/>
-            <a:ext cx="11157528" cy="3416320"/>
+            <a:off x="184728" y="3620511"/>
+            <a:ext cx="11275291" cy="3046988"/>
           </a:xfrm>
           <a:prstGeom prst="rect">
             <a:avLst/>
@@ -20096,6 +20441,7 @@
           </a:bodyPr>
           <a:lstStyle/>
           <a:p>
+            <a:pPr algn="just"/>
             <a:r>
               <a:rPr lang="fr-FR" sz="2400" dirty="0">
                 <a:latin typeface="Abadi Extra Light" panose="020B0204020104020204" pitchFamily="34" charset="0"/>
@@ -20112,16 +20458,44 @@
               <a:rPr lang="fr-FR" sz="2400" dirty="0">
                 <a:latin typeface="Abadi Extra Light" panose="020B0204020104020204" pitchFamily="34" charset="0"/>
               </a:rPr>
-              <a:t>, représente l’appel d’un utilisateur à un étage. Cette demande contient deux attributs correspondants aux deux informations envoyées par un bouton appuyé dans le système d’ascenseur : </a:t>
-            </a:r>
-          </a:p>
-          <a:p>
+              <a:t> représente l’appel d’un utilisateur à un étage. Cette demande contient deux attributs correspondants aux deux informations envoyées par un bouton « Appuyé » dans le système d’ascenseur : </a:t>
+            </a:r>
+          </a:p>
+          <a:p>
+            <a:pPr marL="800100" lvl="1" indent="-342900" algn="just" fontAlgn="base">
+              <a:buFont typeface="Arial" panose="020B0604020202020204" pitchFamily="34" charset="0"/>
+              <a:buChar char="•"/>
+            </a:pPr>
+            <a:r>
+              <a:rPr lang="en-US" sz="2400" dirty="0">
+                <a:latin typeface="Abadi Extra Light" panose="020B0204020104020204" pitchFamily="34" charset="0"/>
+              </a:rPr>
+              <a:t>Un </a:t>
+            </a:r>
+            <a:r>
+              <a:rPr lang="en-US" sz="2400" dirty="0" err="1">
+                <a:latin typeface="Abadi Extra Light" panose="020B0204020104020204" pitchFamily="34" charset="0"/>
+              </a:rPr>
+              <a:t>étage</a:t>
+            </a:r>
+            <a:r>
+              <a:rPr lang="en-US" sz="2400" dirty="0">
+                <a:latin typeface="Abadi Extra Light" panose="020B0204020104020204" pitchFamily="34" charset="0"/>
+              </a:rPr>
+              <a:t> </a:t>
+            </a:r>
+            <a:r>
+              <a:rPr lang="en-US" sz="2400" dirty="0" err="1">
+                <a:latin typeface="Abadi Extra Light" panose="020B0204020104020204" pitchFamily="34" charset="0"/>
+              </a:rPr>
+              <a:t>d’appel</a:t>
+            </a:r>
             <a:endParaRPr lang="fr-FR" sz="2400" dirty="0">
               <a:latin typeface="Abadi Extra Light" panose="020B0204020104020204" pitchFamily="34" charset="0"/>
             </a:endParaRPr>
           </a:p>
           <a:p>
-            <a:pPr marL="342900" indent="-342900">
+            <a:pPr marL="800100" lvl="1" indent="-342900" algn="just" fontAlgn="base">
               <a:buFont typeface="Arial" panose="020B0604020202020204" pitchFamily="34" charset="0"/>
               <a:buChar char="•"/>
             </a:pPr>
@@ -20129,68 +20503,49 @@
               <a:rPr lang="fr-FR" sz="2400" dirty="0">
                 <a:latin typeface="Abadi Extra Light" panose="020B0204020104020204" pitchFamily="34" charset="0"/>
               </a:rPr>
-              <a:t>Un étage d’appel</a:t>
-            </a:r>
-          </a:p>
-          <a:p>
-            <a:pPr marL="342900" indent="-342900">
+              <a:t>Une direction pouvant être égale à « up » ou « down »</a:t>
+            </a:r>
+          </a:p>
+          <a:p>
+            <a:pPr marL="800100" lvl="1" indent="-342900" algn="just" fontAlgn="base">
               <a:buFont typeface="Arial" panose="020B0604020202020204" pitchFamily="34" charset="0"/>
               <a:buChar char="•"/>
             </a:pPr>
-            <a:r>
-              <a:rPr lang="fr-FR" sz="2400" dirty="0">
-                <a:latin typeface="Abadi Extra Light" panose="020B0204020104020204" pitchFamily="34" charset="0"/>
-              </a:rPr>
-              <a:t>Une direction pouvant être égale à ’’up’’ ou ‘’down’’’</a:t>
-            </a:r>
-          </a:p>
-          <a:p>
             <a:endParaRPr lang="fr-FR" sz="2400" dirty="0">
               <a:latin typeface="Abadi Extra Light" panose="020B0204020104020204" pitchFamily="34" charset="0"/>
             </a:endParaRPr>
           </a:p>
           <a:p>
+            <a:pPr algn="just"/>
             <a:r>
               <a:rPr lang="fr-FR" sz="2400" dirty="0">
                 <a:latin typeface="Abadi Extra Light" panose="020B0204020104020204" pitchFamily="34" charset="0"/>
               </a:rPr>
-              <a:t>Les méthode </a:t>
-            </a:r>
-            <a:r>
-              <a:rPr lang="fr-FR" sz="2400" u="sng" dirty="0" err="1">
+              <a:t>Les méthode « </a:t>
+            </a:r>
+            <a:r>
+              <a:rPr lang="fr-FR" sz="2400" dirty="0" err="1">
                 <a:latin typeface="Abadi Extra Light" panose="020B0204020104020204" pitchFamily="34" charset="0"/>
               </a:rPr>
               <a:t>equals</a:t>
             </a:r>
             <a:r>
-              <a:rPr lang="fr-FR" sz="2400" u="sng" dirty="0">
-                <a:latin typeface="Abadi Extra Light" panose="020B0204020104020204" pitchFamily="34" charset="0"/>
-              </a:rPr>
-              <a:t>() </a:t>
-            </a:r>
-            <a:r>
               <a:rPr lang="fr-FR" sz="2400" dirty="0">
                 <a:latin typeface="Abadi Extra Light" panose="020B0204020104020204" pitchFamily="34" charset="0"/>
               </a:rPr>
-              <a:t>et </a:t>
-            </a:r>
-            <a:r>
-              <a:rPr lang="fr-FR" sz="2400" u="sng" dirty="0" err="1">
+              <a:t>() » et « </a:t>
+            </a:r>
+            <a:r>
+              <a:rPr lang="fr-FR" sz="2400" dirty="0" err="1">
                 <a:latin typeface="Abadi Extra Light" panose="020B0204020104020204" pitchFamily="34" charset="0"/>
               </a:rPr>
               <a:t>hashCode</a:t>
             </a:r>
             <a:r>
-              <a:rPr lang="fr-FR" sz="2400" u="sng" dirty="0">
-                <a:latin typeface="Abadi Extra Light" panose="020B0204020104020204" pitchFamily="34" charset="0"/>
-              </a:rPr>
-              <a:t>() </a:t>
-            </a:r>
-            <a:r>
               <a:rPr lang="fr-FR" sz="2400" dirty="0">
                 <a:latin typeface="Abadi Extra Light" panose="020B0204020104020204" pitchFamily="34" charset="0"/>
               </a:rPr>
-              <a:t>on été surchargé pour utiliser des set de </a:t>
+              <a:t>() » ont été surchargées pour utiliser des Sets de </a:t>
             </a:r>
             <a:r>
               <a:rPr lang="fr-FR" sz="2400" dirty="0" err="1">
@@ -20204,11 +20559,6 @@
               </a:rPr>
               <a:t>.</a:t>
             </a:r>
-          </a:p>
-          <a:p>
-            <a:endParaRPr lang="fr-FR" sz="2400" dirty="0">
-              <a:latin typeface="Abadi Extra Light" panose="020B0204020104020204" pitchFamily="34" charset="0"/>
-            </a:endParaRPr>
           </a:p>
         </p:txBody>
       </p:sp>
@@ -20668,8 +21018,8 @@
         </p:nvSpPr>
         <p:spPr>
           <a:xfrm>
-            <a:off x="412461" y="3470255"/>
-            <a:ext cx="11157528" cy="3785652"/>
+            <a:off x="264679" y="3394364"/>
+            <a:ext cx="11157528" cy="3477875"/>
           </a:xfrm>
           <a:prstGeom prst="rect">
             <a:avLst/>
@@ -20682,11 +21032,12 @@
           </a:bodyPr>
           <a:lstStyle/>
           <a:p>
+            <a:pPr algn="just"/>
             <a:r>
               <a:rPr lang="fr-FR" sz="2000" dirty="0">
                 <a:latin typeface="Abadi Extra Light" panose="020B0204020104020204" pitchFamily="34" charset="0"/>
               </a:rPr>
-              <a:t>La classe Dispatcher contient un set de toutes les demandes remplis par la méthode </a:t>
+              <a:t>La classe Dispatcher contient un Set de toutes les demandes rempli par la méthode « </a:t>
             </a:r>
             <a:r>
               <a:rPr lang="fr-FR" sz="2000" dirty="0" err="1">
@@ -20710,48 +21061,23 @@
               <a:rPr lang="fr-FR" sz="2000" dirty="0">
                 <a:latin typeface="Abadi Extra Light" panose="020B0204020104020204" pitchFamily="34" charset="0"/>
               </a:rPr>
-              <a:t>) et à pour rôle de les attribuer aux </a:t>
-            </a:r>
-            <a:r>
-              <a:rPr lang="fr-FR" sz="2000" b="1" dirty="0" err="1">
-                <a:latin typeface="Abadi Extra Light" panose="020B0204020104020204" pitchFamily="34" charset="0"/>
-              </a:rPr>
-              <a:t>Elevator</a:t>
+              <a:t>) » et a pour rôle de les attribuer aux </a:t>
+            </a:r>
+            <a:r>
+              <a:rPr lang="fr-FR" sz="2000" dirty="0" err="1">
+                <a:latin typeface="Abadi Extra Light" panose="020B0204020104020204" pitchFamily="34" charset="0"/>
+              </a:rPr>
+              <a:t>Elevators</a:t>
             </a:r>
             <a:r>
               <a:rPr lang="fr-FR" sz="2000" dirty="0">
                 <a:latin typeface="Abadi Extra Light" panose="020B0204020104020204" pitchFamily="34" charset="0"/>
               </a:rPr>
-              <a:t> à travers la méthode </a:t>
-            </a:r>
-            <a:r>
-              <a:rPr lang="fr-FR" sz="2000" u="sng" dirty="0">
-                <a:latin typeface="Abadi Extra Light" panose="020B0204020104020204" pitchFamily="34" charset="0"/>
-              </a:rPr>
-              <a:t>dispatch()</a:t>
-            </a:r>
-            <a:r>
-              <a:rPr lang="fr-FR" sz="2000" dirty="0">
-                <a:effectLst>
-                  <a:outerShdw blurRad="38100" dist="38100" dir="2700000" algn="tl">
-                    <a:srgbClr val="000000">
-                      <a:alpha val="43137"/>
-                    </a:srgbClr>
-                  </a:outerShdw>
-                </a:effectLst>
-                <a:latin typeface="Abadi Extra Light" panose="020B0204020104020204" pitchFamily="34" charset="0"/>
-              </a:rPr>
-              <a:t>. </a:t>
-            </a:r>
-            <a:r>
-              <a:rPr lang="fr-FR" sz="2000" dirty="0">
-                <a:latin typeface="Abadi Extra Light" panose="020B0204020104020204" pitchFamily="34" charset="0"/>
-              </a:rPr>
-              <a:t>Pour chaque demande en cours :</a:t>
-            </a:r>
-          </a:p>
-          <a:p>
-            <a:pPr marL="342900" indent="-342900">
+              <a:t> à travers la méthode « dispatch() ». Pour chaque demande en cours :</a:t>
+            </a:r>
+          </a:p>
+          <a:p>
+            <a:pPr marL="800100" lvl="1" indent="-342900" algn="just" fontAlgn="base">
               <a:buFont typeface="Arial" panose="020B0604020202020204" pitchFamily="34" charset="0"/>
               <a:buChar char="•"/>
             </a:pPr>
@@ -20762,7 +21088,7 @@
               <a:t>Le dispatcher la donne en priorité à un </a:t>
             </a:r>
             <a:r>
-              <a:rPr lang="fr-FR" sz="2000" b="1" dirty="0" err="1">
+              <a:rPr lang="fr-FR" sz="2000" dirty="0" err="1">
                 <a:latin typeface="Abadi Extra Light" panose="020B0204020104020204" pitchFamily="34" charset="0"/>
               </a:rPr>
               <a:t>Elevator</a:t>
@@ -20771,41 +21097,35 @@
               <a:rPr lang="fr-FR" sz="2000" dirty="0">
                 <a:latin typeface="Abadi Extra Light" panose="020B0204020104020204" pitchFamily="34" charset="0"/>
               </a:rPr>
-              <a:t> à l’arrêt de la bonne couleur qu’il récupère à l’aide de la méthode </a:t>
-            </a:r>
-            <a:r>
-              <a:rPr lang="fr-FR" sz="2000" u="sng" dirty="0" err="1">
+              <a:t> à l’arrêt de la bonne couleur (qu’il récupère à l’aide de la méthode « </a:t>
+            </a:r>
+            <a:r>
+              <a:rPr lang="fr-FR" sz="2000" dirty="0" err="1">
                 <a:latin typeface="Abadi Extra Light" panose="020B0204020104020204" pitchFamily="34" charset="0"/>
               </a:rPr>
               <a:t>grapNullElevator</a:t>
             </a:r>
             <a:r>
-              <a:rPr lang="fr-FR" sz="2000" u="sng" dirty="0">
+              <a:rPr lang="fr-FR" sz="2000" dirty="0">
                 <a:latin typeface="Abadi Extra Light" panose="020B0204020104020204" pitchFamily="34" charset="0"/>
               </a:rPr>
               <a:t>(</a:t>
             </a:r>
             <a:r>
-              <a:rPr lang="fr-FR" sz="2000" u="sng" dirty="0" err="1">
+              <a:rPr lang="fr-FR" sz="2000" dirty="0" err="1">
                 <a:latin typeface="Abadi Extra Light" panose="020B0204020104020204" pitchFamily="34" charset="0"/>
               </a:rPr>
               <a:t>ElevatorColor</a:t>
             </a:r>
             <a:r>
-              <a:rPr lang="fr-FR" sz="2000" u="sng" dirty="0">
-                <a:latin typeface="Abadi Extra Light" panose="020B0204020104020204" pitchFamily="34" charset="0"/>
-              </a:rPr>
-              <a:t>)</a:t>
-            </a:r>
-            <a:r>
               <a:rPr lang="fr-FR" sz="2000" dirty="0">
                 <a:latin typeface="Abadi Extra Light" panose="020B0204020104020204" pitchFamily="34" charset="0"/>
               </a:rPr>
-              <a:t>. </a:t>
-            </a:r>
-          </a:p>
-          <a:p>
-            <a:pPr marL="342900" indent="-342900">
+              <a:t>) »). </a:t>
+            </a:r>
+          </a:p>
+          <a:p>
+            <a:pPr marL="800100" lvl="1" indent="-342900" algn="just" fontAlgn="base">
               <a:buFont typeface="Arial" panose="020B0604020202020204" pitchFamily="34" charset="0"/>
               <a:buChar char="•"/>
             </a:pPr>
@@ -20813,10 +21133,70 @@
               <a:rPr lang="fr-FR" sz="2000" dirty="0">
                 <a:latin typeface="Abadi Extra Light" panose="020B0204020104020204" pitchFamily="34" charset="0"/>
               </a:rPr>
-              <a:t>Si cette </a:t>
-            </a:r>
-            <a:r>
-              <a:rPr lang="fr-FR" sz="2000" b="1" dirty="0" err="1">
+              <a:t>Si </a:t>
+            </a:r>
+            <a:r>
+              <a:rPr lang="fr-FR" sz="2000" dirty="0" err="1">
+                <a:latin typeface="Abadi Extra Light" panose="020B0204020104020204" pitchFamily="34" charset="0"/>
+              </a:rPr>
+              <a:t>cetElevator</a:t>
+            </a:r>
+            <a:r>
+              <a:rPr lang="fr-FR" sz="2000" dirty="0">
+                <a:latin typeface="Abadi Extra Light" panose="020B0204020104020204" pitchFamily="34" charset="0"/>
+              </a:rPr>
+              <a:t> est en dessous d’une demande et en monté ou au-dessus d’une demande et en descente on calcule le nombre d’itération (« </a:t>
+            </a:r>
+            <a:r>
+              <a:rPr lang="fr-FR" sz="2000" dirty="0" err="1">
+                <a:latin typeface="Abadi Extra Light" panose="020B0204020104020204" pitchFamily="34" charset="0"/>
+              </a:rPr>
+              <a:t>getNbFloorToReachDemand</a:t>
+            </a:r>
+            <a:r>
+              <a:rPr lang="fr-FR" sz="2000" dirty="0">
+                <a:latin typeface="Abadi Extra Light" panose="020B0204020104020204" pitchFamily="34" charset="0"/>
+              </a:rPr>
+              <a:t>(</a:t>
+            </a:r>
+            <a:r>
+              <a:rPr lang="fr-FR" sz="2000" dirty="0" err="1">
+                <a:latin typeface="Abadi Extra Light" panose="020B0204020104020204" pitchFamily="34" charset="0"/>
+              </a:rPr>
+              <a:t>choosen</a:t>
+            </a:r>
+            <a:r>
+              <a:rPr lang="fr-FR" sz="2000" dirty="0">
+                <a:latin typeface="Abadi Extra Light" panose="020B0204020104020204" pitchFamily="34" charset="0"/>
+              </a:rPr>
+              <a:t>, </a:t>
+            </a:r>
+            <a:r>
+              <a:rPr lang="fr-FR" sz="2000" dirty="0" err="1">
+                <a:latin typeface="Abadi Extra Light" panose="020B0204020104020204" pitchFamily="34" charset="0"/>
+              </a:rPr>
+              <a:t>demand</a:t>
+            </a:r>
+            <a:r>
+              <a:rPr lang="fr-FR" sz="2000" dirty="0">
+                <a:latin typeface="Abadi Extra Light" panose="020B0204020104020204" pitchFamily="34" charset="0"/>
+              </a:rPr>
+              <a:t>) ») sur les </a:t>
+            </a:r>
+            <a:r>
+              <a:rPr lang="fr-FR" sz="2000" dirty="0" err="1">
+                <a:latin typeface="Abadi Extra Light" panose="020B0204020104020204" pitchFamily="34" charset="0"/>
+              </a:rPr>
+              <a:t>Floors</a:t>
+            </a:r>
+            <a:r>
+              <a:rPr lang="fr-FR" sz="2000" dirty="0">
+                <a:latin typeface="Abadi Extra Light" panose="020B0204020104020204" pitchFamily="34" charset="0"/>
+              </a:rPr>
+              <a:t> à effectuer par l’</a:t>
+            </a:r>
+            <a:r>
+              <a:rPr lang="fr-FR" sz="2000" dirty="0" err="1">
                 <a:latin typeface="Abadi Extra Light" panose="020B0204020104020204" pitchFamily="34" charset="0"/>
               </a:rPr>
               <a:t>Elevator</a:t>
@@ -20825,131 +21205,59 @@
               <a:rPr lang="fr-FR" sz="2000" dirty="0">
                 <a:latin typeface="Abadi Extra Light" panose="020B0204020104020204" pitchFamily="34" charset="0"/>
               </a:rPr>
-              <a:t> est en dessous d’une demande en monté ou au dessus d’une demande en descente on calcul le nombre d’itération (</a:t>
-            </a:r>
-            <a:r>
-              <a:rPr lang="fr-FR" sz="2000" u="sng" dirty="0" err="1">
-                <a:latin typeface="Abadi Extra Light" panose="020B0204020104020204" pitchFamily="34" charset="0"/>
-              </a:rPr>
-              <a:t>getNbFloorToReachDemand</a:t>
-            </a:r>
-            <a:r>
-              <a:rPr lang="fr-FR" sz="2000" u="sng" dirty="0">
+              <a:t> avant de prendre des </a:t>
+            </a:r>
+            <a:r>
+              <a:rPr lang="fr-FR" sz="2000" dirty="0" err="1">
+                <a:latin typeface="Abadi Extra Light" panose="020B0204020104020204" pitchFamily="34" charset="0"/>
+              </a:rPr>
+              <a:t>Users</a:t>
+            </a:r>
+            <a:r>
+              <a:rPr lang="fr-FR" sz="2000" dirty="0">
+                <a:latin typeface="Abadi Extra Light" panose="020B0204020104020204" pitchFamily="34" charset="0"/>
+              </a:rPr>
+              <a:t> et de changer de direction. On ajoute la demande via « </a:t>
+            </a:r>
+            <a:r>
+              <a:rPr lang="fr-FR" sz="2000" dirty="0" err="1">
+                <a:latin typeface="Abadi Extra Light" panose="020B0204020104020204" pitchFamily="34" charset="0"/>
+              </a:rPr>
+              <a:t>addDemandOnChoosen</a:t>
+            </a:r>
+            <a:r>
+              <a:rPr lang="fr-FR" sz="2000" dirty="0">
                 <a:latin typeface="Abadi Extra Light" panose="020B0204020104020204" pitchFamily="34" charset="0"/>
               </a:rPr>
               <a:t>(</a:t>
             </a:r>
             <a:r>
-              <a:rPr lang="fr-FR" sz="2000" u="sng" dirty="0" err="1">
+              <a:rPr lang="fr-FR" sz="2000" dirty="0" err="1">
                 <a:latin typeface="Abadi Extra Light" panose="020B0204020104020204" pitchFamily="34" charset="0"/>
               </a:rPr>
               <a:t>choosen</a:t>
             </a:r>
             <a:r>
-              <a:rPr lang="fr-FR" sz="2000" u="sng" dirty="0">
+              <a:rPr lang="fr-FR" sz="2000" dirty="0">
                 <a:latin typeface="Abadi Extra Light" panose="020B0204020104020204" pitchFamily="34" charset="0"/>
               </a:rPr>
               <a:t>, </a:t>
             </a:r>
             <a:r>
-              <a:rPr lang="fr-FR" sz="2000" u="sng" dirty="0" err="1">
+              <a:rPr lang="fr-FR" sz="2000" dirty="0" err="1">
                 <a:latin typeface="Abadi Extra Light" panose="020B0204020104020204" pitchFamily="34" charset="0"/>
               </a:rPr>
               <a:t>demand</a:t>
             </a:r>
             <a:r>
-              <a:rPr lang="fr-FR" sz="2000" u="sng" dirty="0">
-                <a:latin typeface="Abadi Extra Light" panose="020B0204020104020204" pitchFamily="34" charset="0"/>
-              </a:rPr>
-              <a:t>)</a:t>
-            </a:r>
-            <a:r>
               <a:rPr lang="fr-FR" sz="2000" dirty="0">
                 <a:latin typeface="Abadi Extra Light" panose="020B0204020104020204" pitchFamily="34" charset="0"/>
               </a:rPr>
-              <a:t>) sur les </a:t>
-            </a:r>
-            <a:r>
-              <a:rPr lang="fr-FR" sz="2000" b="1" dirty="0" err="1">
-                <a:latin typeface="Abadi Extra Light" panose="020B0204020104020204" pitchFamily="34" charset="0"/>
-              </a:rPr>
-              <a:t>Floor</a:t>
-            </a:r>
-            <a:r>
-              <a:rPr lang="fr-FR" sz="2000" dirty="0">
-                <a:latin typeface="Abadi Extra Light" panose="020B0204020104020204" pitchFamily="34" charset="0"/>
-              </a:rPr>
-              <a:t> à effectuer par </a:t>
-            </a:r>
-            <a:r>
-              <a:rPr lang="fr-FR" sz="2000" b="1" dirty="0">
-                <a:latin typeface="Abadi Extra Light" panose="020B0204020104020204" pitchFamily="34" charset="0"/>
-              </a:rPr>
-              <a:t>l’</a:t>
-            </a:r>
-            <a:r>
-              <a:rPr lang="fr-FR" sz="2000" b="1" dirty="0" err="1">
-                <a:latin typeface="Abadi Extra Light" panose="020B0204020104020204" pitchFamily="34" charset="0"/>
-              </a:rPr>
-              <a:t>Elevator</a:t>
-            </a:r>
-            <a:r>
-              <a:rPr lang="fr-FR" sz="2000" dirty="0">
-                <a:latin typeface="Abadi Extra Light" panose="020B0204020104020204" pitchFamily="34" charset="0"/>
-              </a:rPr>
-              <a:t> avant de prendre des </a:t>
-            </a:r>
-            <a:r>
-              <a:rPr lang="fr-FR" sz="2000" b="1" dirty="0" err="1">
-                <a:latin typeface="Abadi Extra Light" panose="020B0204020104020204" pitchFamily="34" charset="0"/>
-              </a:rPr>
-              <a:t>Users</a:t>
-            </a:r>
-            <a:r>
-              <a:rPr lang="fr-FR" sz="2000" dirty="0">
-                <a:latin typeface="Abadi Extra Light" panose="020B0204020104020204" pitchFamily="34" charset="0"/>
-              </a:rPr>
-              <a:t> et de changer de direction. On ajoute la demande via </a:t>
-            </a:r>
-            <a:r>
-              <a:rPr lang="fr-FR" sz="2000" u="sng" dirty="0" err="1">
-                <a:latin typeface="Abadi Extra Light" panose="020B0204020104020204" pitchFamily="34" charset="0"/>
-              </a:rPr>
-              <a:t>addDemandOnChoosen</a:t>
-            </a:r>
-            <a:r>
-              <a:rPr lang="fr-FR" sz="2000" u="sng" dirty="0">
-                <a:latin typeface="Abadi Extra Light" panose="020B0204020104020204" pitchFamily="34" charset="0"/>
-              </a:rPr>
-              <a:t>(</a:t>
-            </a:r>
-            <a:r>
-              <a:rPr lang="fr-FR" sz="2000" u="sng" dirty="0" err="1">
-                <a:latin typeface="Abadi Extra Light" panose="020B0204020104020204" pitchFamily="34" charset="0"/>
-              </a:rPr>
-              <a:t>choosen</a:t>
-            </a:r>
-            <a:r>
-              <a:rPr lang="fr-FR" sz="2000" u="sng" dirty="0">
-                <a:latin typeface="Abadi Extra Light" panose="020B0204020104020204" pitchFamily="34" charset="0"/>
-              </a:rPr>
-              <a:t>, </a:t>
-            </a:r>
-            <a:r>
-              <a:rPr lang="fr-FR" sz="2000" u="sng" dirty="0" err="1">
-                <a:latin typeface="Abadi Extra Light" panose="020B0204020104020204" pitchFamily="34" charset="0"/>
-              </a:rPr>
-              <a:t>demand</a:t>
-            </a:r>
-            <a:r>
-              <a:rPr lang="fr-FR" sz="2000" u="sng" dirty="0">
-                <a:latin typeface="Abadi Extra Light" panose="020B0204020104020204" pitchFamily="34" charset="0"/>
-              </a:rPr>
-              <a:t>)</a:t>
-            </a:r>
-          </a:p>
-          <a:p>
-            <a:pPr marL="342900" indent="-342900">
+              <a:t>) »</a:t>
+            </a:r>
+          </a:p>
+          <a:p>
+            <a:pPr marL="800100" lvl="1" indent="-342900" algn="just" fontAlgn="base">
               <a:buFont typeface="Arial" panose="020B0604020202020204" pitchFamily="34" charset="0"/>
               <a:buChar char="•"/>
             </a:pPr>
@@ -20960,7 +21268,7 @@
               <a:t>Si aucun </a:t>
             </a:r>
             <a:r>
-              <a:rPr lang="fr-FR" sz="2000" b="1" dirty="0" err="1">
+              <a:rPr lang="fr-FR" sz="2000" dirty="0" err="1">
                 <a:latin typeface="Abadi Extra Light" panose="020B0204020104020204" pitchFamily="34" charset="0"/>
               </a:rPr>
               <a:t>Elevator</a:t>
@@ -20969,16 +21277,10 @@
               <a:rPr lang="fr-FR" sz="2000" dirty="0">
                 <a:latin typeface="Abadi Extra Light" panose="020B0204020104020204" pitchFamily="34" charset="0"/>
               </a:rPr>
-              <a:t> n’est à l’arrêt il va calculer </a:t>
-            </a:r>
-            <a:r>
-              <a:rPr lang="fr-FR" sz="2000" b="1" dirty="0">
-                <a:latin typeface="Abadi Extra Light" panose="020B0204020104020204" pitchFamily="34" charset="0"/>
-              </a:rPr>
-              <a:t>l’</a:t>
-            </a:r>
-            <a:r>
-              <a:rPr lang="fr-FR" sz="2000" b="1" dirty="0" err="1">
+              <a:t> n’est à l’arrêt, il va calculer l’</a:t>
+            </a:r>
+            <a:r>
+              <a:rPr lang="fr-FR" sz="2000" dirty="0" err="1">
                 <a:latin typeface="Abadi Extra Light" panose="020B0204020104020204" pitchFamily="34" charset="0"/>
               </a:rPr>
               <a:t>Elevator</a:t>
@@ -20989,50 +21291,6 @@
               </a:rPr>
               <a:t> le plus proche dont le chemin passe par la demande</a:t>
             </a:r>
-          </a:p>
-          <a:p>
-            <a:pPr marL="342900" indent="-342900">
-              <a:buFont typeface="Arial" panose="020B0604020202020204" pitchFamily="34" charset="0"/>
-              <a:buChar char="•"/>
-            </a:pPr>
-            <a:r>
-              <a:rPr lang="fr-FR" sz="2000" dirty="0">
-                <a:latin typeface="Abadi Extra Light" panose="020B0204020104020204" pitchFamily="34" charset="0"/>
-              </a:rPr>
-              <a:t>Si aucun </a:t>
-            </a:r>
-            <a:r>
-              <a:rPr lang="fr-FR" sz="2000" b="1" dirty="0" err="1">
-                <a:latin typeface="Abadi Extra Light" panose="020B0204020104020204" pitchFamily="34" charset="0"/>
-              </a:rPr>
-              <a:t>Elevator</a:t>
-            </a:r>
-            <a:r>
-              <a:rPr lang="fr-FR" sz="2000" dirty="0">
-                <a:latin typeface="Abadi Extra Light" panose="020B0204020104020204" pitchFamily="34" charset="0"/>
-              </a:rPr>
-              <a:t> ne répond à cette demande il laisse la demande pour le prochaine appel à </a:t>
-            </a:r>
-            <a:r>
-              <a:rPr lang="fr-FR" sz="2000" u="sng" dirty="0">
-                <a:latin typeface="Abadi Extra Light" panose="020B0204020104020204" pitchFamily="34" charset="0"/>
-              </a:rPr>
-              <a:t>dispatch()</a:t>
-            </a:r>
-          </a:p>
-          <a:p>
-            <a:pPr marL="342900" indent="-342900">
-              <a:buFont typeface="Arial" panose="020B0604020202020204" pitchFamily="34" charset="0"/>
-              <a:buChar char="•"/>
-            </a:pPr>
-            <a:endParaRPr lang="fr-FR" sz="2000" dirty="0">
-              <a:latin typeface="Abadi Extra Light" panose="020B0204020104020204" pitchFamily="34" charset="0"/>
-            </a:endParaRPr>
-          </a:p>
-          <a:p>
-            <a:endParaRPr lang="fr-FR" sz="2000" dirty="0">
-              <a:latin typeface="Abadi Extra Light" panose="020B0204020104020204" pitchFamily="34" charset="0"/>
-            </a:endParaRPr>
           </a:p>
         </p:txBody>
       </p:sp>
@@ -21180,7 +21438,7 @@
                 </a:solidFill>
                 <a:latin typeface="Abadi Extra Light" panose="020B0204020104020204" pitchFamily="34" charset="0"/>
               </a:rPr>
-              <a:t>Faire rentrer utilisateurs dans l’ascenseur correspondant </a:t>
+              <a:t>Faire rentrer les utilisateurs dans l’ascenseur correspondant </a:t>
             </a:r>
             <a:endParaRPr lang="en-US" sz="3200" dirty="0">
               <a:solidFill>
@@ -21338,7 +21596,7 @@
         <p:spPr>
           <a:xfrm>
             <a:off x="253855" y="3667125"/>
-            <a:ext cx="11684289" cy="1938992"/>
+            <a:ext cx="11684289" cy="3477875"/>
           </a:xfrm>
           <a:prstGeom prst="rect">
             <a:avLst/>
@@ -21351,205 +21609,184 @@
           </a:bodyPr>
           <a:lstStyle/>
           <a:p>
-            <a:r>
-              <a:rPr lang="fr-FR" sz="2000" dirty="0">
-                <a:latin typeface="Abadi Extra Light" panose="020B0204020104020204" pitchFamily="34" charset="0"/>
-              </a:rPr>
-              <a:t>Chaque </a:t>
-            </a:r>
-            <a:r>
-              <a:rPr lang="fr-FR" sz="2000" b="1" dirty="0" err="1">
+            <a:pPr lvl="0" algn="just" fontAlgn="base"/>
+            <a:r>
+              <a:rPr lang="fr-FR" sz="2400" dirty="0">
+                <a:latin typeface="Abadi Extra Light" panose="020B0204020104020204" pitchFamily="34" charset="0"/>
+              </a:rPr>
+              <a:t>Si aucun </a:t>
+            </a:r>
+            <a:r>
+              <a:rPr lang="fr-FR" sz="2400" dirty="0" err="1">
+                <a:latin typeface="Abadi Extra Light" panose="020B0204020104020204" pitchFamily="34" charset="0"/>
+              </a:rPr>
+              <a:t>Elevator</a:t>
+            </a:r>
+            <a:r>
+              <a:rPr lang="fr-FR" sz="2400" dirty="0">
+                <a:latin typeface="Abadi Extra Light" panose="020B0204020104020204" pitchFamily="34" charset="0"/>
+              </a:rPr>
+              <a:t> ne répond à cette demande il laisse la demande pour le prochain appel à « dispatch() ». Chaque </a:t>
+            </a:r>
+            <a:r>
+              <a:rPr lang="fr-FR" sz="2400" dirty="0" err="1">
                 <a:latin typeface="Abadi Extra Light" panose="020B0204020104020204" pitchFamily="34" charset="0"/>
               </a:rPr>
               <a:t>Floor</a:t>
             </a:r>
             <a:r>
-              <a:rPr lang="fr-FR" sz="2000" dirty="0">
+              <a:rPr lang="fr-FR" sz="2400" dirty="0">
                 <a:latin typeface="Abadi Extra Light" panose="020B0204020104020204" pitchFamily="34" charset="0"/>
               </a:rPr>
               <a:t> possède deux </a:t>
             </a:r>
             <a:r>
-              <a:rPr lang="fr-FR" sz="2000" b="1" dirty="0" err="1">
+              <a:rPr lang="fr-FR" sz="2400" dirty="0" err="1">
                 <a:latin typeface="Abadi Extra Light" panose="020B0204020104020204" pitchFamily="34" charset="0"/>
               </a:rPr>
               <a:t>PriorityQueue</a:t>
             </a:r>
             <a:r>
-              <a:rPr lang="fr-FR" sz="2000" dirty="0">
+              <a:rPr lang="fr-FR" sz="2400" dirty="0">
                 <a:latin typeface="Abadi Extra Light" panose="020B0204020104020204" pitchFamily="34" charset="0"/>
               </a:rPr>
               <a:t> représentant respectivement les </a:t>
             </a:r>
             <a:r>
-              <a:rPr lang="fr-FR" sz="2000" b="1" dirty="0" err="1">
+              <a:rPr lang="fr-FR" sz="2400" dirty="0" err="1">
                 <a:latin typeface="Abadi Extra Light" panose="020B0204020104020204" pitchFamily="34" charset="0"/>
               </a:rPr>
               <a:t>Users</a:t>
             </a:r>
             <a:r>
-              <a:rPr lang="fr-FR" sz="2000" dirty="0">
+              <a:rPr lang="fr-FR" sz="2400" dirty="0">
                 <a:latin typeface="Abadi Extra Light" panose="020B0204020104020204" pitchFamily="34" charset="0"/>
               </a:rPr>
               <a:t> attendant pour monter (</a:t>
             </a:r>
             <a:r>
-              <a:rPr lang="fr-FR" sz="2000" i="1" dirty="0" err="1">
+              <a:rPr lang="fr-FR" sz="2400" dirty="0" err="1">
                 <a:latin typeface="Abadi Extra Light" panose="020B0204020104020204" pitchFamily="34" charset="0"/>
               </a:rPr>
               <a:t>userUp</a:t>
             </a:r>
             <a:r>
-              <a:rPr lang="fr-FR" sz="2000" dirty="0">
+              <a:rPr lang="fr-FR" sz="2400" dirty="0">
                 <a:latin typeface="Abadi Extra Light" panose="020B0204020104020204" pitchFamily="34" charset="0"/>
               </a:rPr>
               <a:t>) et ceux pour descendre (</a:t>
             </a:r>
             <a:r>
-              <a:rPr lang="fr-FR" sz="2000" i="1" dirty="0" err="1">
+              <a:rPr lang="fr-FR" sz="2400" dirty="0" err="1">
                 <a:latin typeface="Abadi Extra Light" panose="020B0204020104020204" pitchFamily="34" charset="0"/>
               </a:rPr>
               <a:t>userDown</a:t>
             </a:r>
             <a:r>
-              <a:rPr lang="fr-FR" sz="2000" dirty="0">
+              <a:rPr lang="fr-FR" sz="2400" dirty="0">
                 <a:latin typeface="Abadi Extra Light" panose="020B0204020104020204" pitchFamily="34" charset="0"/>
               </a:rPr>
               <a:t>). Les </a:t>
             </a:r>
             <a:r>
-              <a:rPr lang="fr-FR" sz="2000" dirty="0" err="1">
+              <a:rPr lang="fr-FR" sz="2400" dirty="0" err="1">
                 <a:latin typeface="Abadi Extra Light" panose="020B0204020104020204" pitchFamily="34" charset="0"/>
               </a:rPr>
               <a:t>Users</a:t>
             </a:r>
             <a:r>
-              <a:rPr lang="fr-FR" sz="2000" dirty="0">
+              <a:rPr lang="fr-FR" sz="2400" dirty="0">
                 <a:latin typeface="Abadi Extra Light" panose="020B0204020104020204" pitchFamily="34" charset="0"/>
               </a:rPr>
               <a:t> sont rangés par ordre de priorité.</a:t>
             </a:r>
           </a:p>
           <a:p>
-            <a:endParaRPr lang="fr-FR" sz="2000" dirty="0">
+            <a:pPr algn="just"/>
+            <a:r>
+              <a:rPr lang="fr-FR" sz="2400" dirty="0">
+                <a:latin typeface="Abadi Extra Light" panose="020B0204020104020204" pitchFamily="34" charset="0"/>
+              </a:rPr>
+              <a:t>La méthode « enter() » permet de faire rentrer les utilisateurs se trouvant à l’étage de la position de l’</a:t>
+            </a:r>
+            <a:r>
+              <a:rPr lang="fr-FR" sz="2400" dirty="0" err="1">
+                <a:latin typeface="Abadi Extra Light" panose="020B0204020104020204" pitchFamily="34" charset="0"/>
+              </a:rPr>
+              <a:t>Elevator</a:t>
+            </a:r>
+            <a:r>
+              <a:rPr lang="fr-FR" sz="2400" dirty="0">
+                <a:latin typeface="Abadi Extra Light" panose="020B0204020104020204" pitchFamily="34" charset="0"/>
+              </a:rPr>
+              <a:t> et étant dans la queue correspondant à la direction de l’</a:t>
+            </a:r>
+            <a:r>
+              <a:rPr lang="fr-FR" sz="2400" dirty="0" err="1">
+                <a:latin typeface="Abadi Extra Light" panose="020B0204020104020204" pitchFamily="34" charset="0"/>
+              </a:rPr>
+              <a:t>Elevator</a:t>
+            </a:r>
+            <a:r>
+              <a:rPr lang="fr-FR" sz="2400" dirty="0">
+                <a:latin typeface="Abadi Extra Light" panose="020B0204020104020204" pitchFamily="34" charset="0"/>
+              </a:rPr>
+              <a:t>. Elle appelle la méthode « </a:t>
+            </a:r>
+            <a:r>
+              <a:rPr lang="fr-FR" sz="2400" dirty="0" err="1">
+                <a:latin typeface="Abadi Extra Light" panose="020B0204020104020204" pitchFamily="34" charset="0"/>
+              </a:rPr>
+              <a:t>floorToElevator</a:t>
+            </a:r>
+            <a:r>
+              <a:rPr lang="fr-FR" sz="2400" dirty="0">
+                <a:latin typeface="Abadi Extra Light" panose="020B0204020104020204" pitchFamily="34" charset="0"/>
+              </a:rPr>
+              <a:t>(</a:t>
+            </a:r>
+            <a:r>
+              <a:rPr lang="fr-FR" sz="2400" dirty="0" err="1">
+                <a:latin typeface="Abadi Extra Light" panose="020B0204020104020204" pitchFamily="34" charset="0"/>
+              </a:rPr>
+              <a:t>PriorityQueue</a:t>
+            </a:r>
+            <a:r>
+              <a:rPr lang="fr-FR" sz="2400" dirty="0">
+                <a:latin typeface="Abadi Extra Light" panose="020B0204020104020204" pitchFamily="34" charset="0"/>
+              </a:rPr>
+              <a:t>) » tant que le poids (« </a:t>
+            </a:r>
+            <a:r>
+              <a:rPr lang="fr-FR" sz="2400" dirty="0" err="1">
+                <a:latin typeface="Abadi Extra Light" panose="020B0204020104020204" pitchFamily="34" charset="0"/>
+              </a:rPr>
+              <a:t>weightCheck</a:t>
+            </a:r>
+            <a:r>
+              <a:rPr lang="fr-FR" sz="2400" dirty="0">
+                <a:latin typeface="Abadi Extra Light" panose="020B0204020104020204" pitchFamily="34" charset="0"/>
+              </a:rPr>
+              <a:t>() ») ou la surface (« </a:t>
+            </a:r>
+            <a:r>
+              <a:rPr lang="fr-FR" sz="2400" dirty="0" err="1">
+                <a:latin typeface="Abadi Extra Light" panose="020B0204020104020204" pitchFamily="34" charset="0"/>
+              </a:rPr>
+              <a:t>surfaceCheck</a:t>
+            </a:r>
+            <a:r>
+              <a:rPr lang="fr-FR" sz="2400" dirty="0">
+                <a:latin typeface="Abadi Extra Light" panose="020B0204020104020204" pitchFamily="34" charset="0"/>
+              </a:rPr>
+              <a:t>() ») le permet.</a:t>
+            </a:r>
+          </a:p>
+          <a:p>
+            <a:pPr algn="just"/>
+            <a:endParaRPr lang="fr-FR" sz="2800" dirty="0">
               <a:latin typeface="Abadi Extra Light" panose="020B0204020104020204" pitchFamily="34" charset="0"/>
             </a:endParaRPr>
-          </a:p>
-          <a:p>
-            <a:r>
-              <a:rPr lang="fr-FR" sz="2000" dirty="0">
-                <a:latin typeface="Abadi Extra Light" panose="020B0204020104020204" pitchFamily="34" charset="0"/>
-              </a:rPr>
-              <a:t>La méthode </a:t>
-            </a:r>
-            <a:r>
-              <a:rPr lang="fr-FR" sz="2000" u="sng" dirty="0">
-                <a:latin typeface="Abadi Extra Light" panose="020B0204020104020204" pitchFamily="34" charset="0"/>
-              </a:rPr>
-              <a:t>enter() </a:t>
-            </a:r>
-            <a:r>
-              <a:rPr lang="fr-FR" sz="2000" dirty="0">
-                <a:latin typeface="Abadi Extra Light" panose="020B0204020104020204" pitchFamily="34" charset="0"/>
-              </a:rPr>
-              <a:t>permet de faire rentrer les utilisateurs se trouvant à l’étage de la position de </a:t>
-            </a:r>
-            <a:r>
-              <a:rPr lang="fr-FR" sz="2000" b="1" dirty="0">
-                <a:latin typeface="Abadi Extra Light" panose="020B0204020104020204" pitchFamily="34" charset="0"/>
-              </a:rPr>
-              <a:t>l’</a:t>
-            </a:r>
-            <a:r>
-              <a:rPr lang="fr-FR" sz="2000" b="1" dirty="0" err="1">
-                <a:latin typeface="Abadi Extra Light" panose="020B0204020104020204" pitchFamily="34" charset="0"/>
-              </a:rPr>
-              <a:t>Elevator</a:t>
-            </a:r>
-            <a:r>
-              <a:rPr lang="fr-FR" sz="2000" dirty="0">
-                <a:latin typeface="Abadi Extra Light" panose="020B0204020104020204" pitchFamily="34" charset="0"/>
-              </a:rPr>
-              <a:t> et étant dans la queue correspondant à la direction de </a:t>
-            </a:r>
-            <a:r>
-              <a:rPr lang="fr-FR" sz="2000" b="1" dirty="0">
-                <a:latin typeface="Abadi Extra Light" panose="020B0204020104020204" pitchFamily="34" charset="0"/>
-              </a:rPr>
-              <a:t>l’</a:t>
-            </a:r>
-            <a:r>
-              <a:rPr lang="fr-FR" sz="2000" b="1" dirty="0" err="1">
-                <a:latin typeface="Abadi Extra Light" panose="020B0204020104020204" pitchFamily="34" charset="0"/>
-              </a:rPr>
-              <a:t>Elevator</a:t>
-            </a:r>
-            <a:r>
-              <a:rPr lang="fr-FR" sz="2000" dirty="0">
-                <a:latin typeface="Abadi Extra Light" panose="020B0204020104020204" pitchFamily="34" charset="0"/>
-              </a:rPr>
-              <a:t>. Elle appel la méthode </a:t>
-            </a:r>
-            <a:r>
-              <a:rPr lang="fr-FR" sz="2000" dirty="0" err="1">
-                <a:latin typeface="Abadi Extra Light" panose="020B0204020104020204" pitchFamily="34" charset="0"/>
-              </a:rPr>
-              <a:t>floorToElevator</a:t>
-            </a:r>
-            <a:r>
-              <a:rPr lang="fr-FR" sz="2000" dirty="0">
-                <a:latin typeface="Abadi Extra Light" panose="020B0204020104020204" pitchFamily="34" charset="0"/>
-              </a:rPr>
-              <a:t>(</a:t>
-            </a:r>
-            <a:r>
-              <a:rPr lang="fr-FR" sz="2000" dirty="0" err="1">
-                <a:latin typeface="Abadi Extra Light" panose="020B0204020104020204" pitchFamily="34" charset="0"/>
-              </a:rPr>
-              <a:t>PriorityQueue</a:t>
-            </a:r>
-            <a:r>
-              <a:rPr lang="fr-FR" sz="2000" dirty="0">
-                <a:latin typeface="Abadi Extra Light" panose="020B0204020104020204" pitchFamily="34" charset="0"/>
-              </a:rPr>
-              <a:t>).Tant que le </a:t>
-            </a:r>
-            <a:r>
-              <a:rPr lang="fr-FR" sz="2000" i="1" dirty="0">
-                <a:latin typeface="Abadi Extra Light" panose="020B0204020104020204" pitchFamily="34" charset="0"/>
-              </a:rPr>
-              <a:t>poids (</a:t>
-            </a:r>
-            <a:r>
-              <a:rPr lang="fr-FR" sz="2000" u="sng" dirty="0" err="1">
-                <a:latin typeface="Abadi Extra Light" panose="020B0204020104020204" pitchFamily="34" charset="0"/>
-              </a:rPr>
-              <a:t>weightChecker</a:t>
-            </a:r>
-            <a:r>
-              <a:rPr lang="fr-FR" sz="2000" u="sng" dirty="0">
-                <a:latin typeface="Abadi Extra Light" panose="020B0204020104020204" pitchFamily="34" charset="0"/>
-              </a:rPr>
-              <a:t>()</a:t>
-            </a:r>
-            <a:r>
-              <a:rPr lang="fr-FR" sz="2000" dirty="0">
-                <a:latin typeface="Abadi Extra Light" panose="020B0204020104020204" pitchFamily="34" charset="0"/>
-              </a:rPr>
-              <a:t>) ou la </a:t>
-            </a:r>
-            <a:r>
-              <a:rPr lang="fr-FR" sz="2000" i="1" dirty="0">
-                <a:latin typeface="Abadi Extra Light" panose="020B0204020104020204" pitchFamily="34" charset="0"/>
-              </a:rPr>
-              <a:t>surface</a:t>
-            </a:r>
-            <a:r>
-              <a:rPr lang="fr-FR" sz="2000" dirty="0">
-                <a:latin typeface="Abadi Extra Light" panose="020B0204020104020204" pitchFamily="34" charset="0"/>
-              </a:rPr>
-              <a:t> le permet.</a:t>
-            </a:r>
           </a:p>
         </p:txBody>
       </p:sp>
@@ -21697,7 +21934,7 @@
                 </a:solidFill>
                 <a:latin typeface="Abadi Extra Light" panose="020B0204020104020204" pitchFamily="34" charset="0"/>
               </a:rPr>
-              <a:t>Gérer la priorités des entrées et des sorties</a:t>
+              <a:t>Gérer la priorité des entrées et des sorties</a:t>
             </a:r>
             <a:endParaRPr lang="en-US" sz="3200" b="1" dirty="0">
               <a:solidFill>
@@ -21759,7 +21996,7 @@
         <p:spPr>
           <a:xfrm>
             <a:off x="253855" y="4475499"/>
-            <a:ext cx="11684289" cy="1015663"/>
+            <a:ext cx="11684289" cy="1200329"/>
           </a:xfrm>
           <a:prstGeom prst="rect">
             <a:avLst/>
@@ -21772,65 +22009,60 @@
           </a:bodyPr>
           <a:lstStyle/>
           <a:p>
-            <a:r>
-              <a:rPr lang="fr-FR" sz="2000" dirty="0">
-                <a:latin typeface="Abadi Extra Light" panose="020B0204020104020204" pitchFamily="34" charset="0"/>
-              </a:rPr>
-              <a:t>les </a:t>
-            </a:r>
-            <a:r>
-              <a:rPr lang="fr-FR" sz="2000" b="1" dirty="0" err="1">
+            <a:pPr algn="just"/>
+            <a:r>
+              <a:rPr lang="fr-FR" sz="2400" dirty="0">
+                <a:latin typeface="Abadi Extra Light" panose="020B0204020104020204" pitchFamily="34" charset="0"/>
+              </a:rPr>
+              <a:t>Les </a:t>
+            </a:r>
+            <a:r>
+              <a:rPr lang="fr-FR" sz="2400" dirty="0" err="1">
                 <a:latin typeface="Abadi Extra Light" panose="020B0204020104020204" pitchFamily="34" charset="0"/>
               </a:rPr>
               <a:t>Users</a:t>
             </a:r>
             <a:r>
-              <a:rPr lang="fr-FR" sz="2000" dirty="0">
-                <a:latin typeface="Abadi Extra Light" panose="020B0204020104020204" pitchFamily="34" charset="0"/>
-              </a:rPr>
-              <a:t> sont ajoutés par ordre de priorité (</a:t>
-            </a:r>
-            <a:r>
-              <a:rPr lang="fr-FR" sz="2000" dirty="0" err="1">
+              <a:rPr lang="fr-FR" sz="2400" dirty="0">
+                <a:latin typeface="Abadi Extra Light" panose="020B0204020104020204" pitchFamily="34" charset="0"/>
+              </a:rPr>
+              <a:t> sont ajoutés par ordre de priorité (« </a:t>
+            </a:r>
+            <a:r>
+              <a:rPr lang="fr-FR" sz="2400" dirty="0" err="1">
                 <a:latin typeface="Abadi Extra Light" panose="020B0204020104020204" pitchFamily="34" charset="0"/>
               </a:rPr>
               <a:t>addPassagengerToElevator</a:t>
             </a:r>
             <a:r>
-              <a:rPr lang="fr-FR" sz="2000" dirty="0">
+              <a:rPr lang="fr-FR" sz="2400" dirty="0">
                 <a:latin typeface="Abadi Extra Light" panose="020B0204020104020204" pitchFamily="34" charset="0"/>
               </a:rPr>
               <a:t>(</a:t>
             </a:r>
             <a:r>
-              <a:rPr lang="fr-FR" sz="2000" dirty="0" err="1">
+              <a:rPr lang="fr-FR" sz="2400" dirty="0" err="1">
                 <a:latin typeface="Abadi Extra Light" panose="020B0204020104020204" pitchFamily="34" charset="0"/>
               </a:rPr>
               <a:t>PriorityQueue</a:t>
             </a:r>
             <a:r>
-              <a:rPr lang="fr-FR" sz="2000" dirty="0">
-                <a:latin typeface="Abadi Extra Light" panose="020B0204020104020204" pitchFamily="34" charset="0"/>
-              </a:rPr>
-              <a:t>)). Si il reste un PMR dans la queue qui n’a pas pu rentrer, la fonction </a:t>
-            </a:r>
-            <a:r>
-              <a:rPr lang="fr-FR" sz="2000" u="sng" dirty="0" err="1">
+              <a:rPr lang="fr-FR" sz="2400" dirty="0">
+                <a:latin typeface="Abadi Extra Light" panose="020B0204020104020204" pitchFamily="34" charset="0"/>
+              </a:rPr>
+              <a:t>) »). S’il reste un PMR dans la queue qui n’a pas pu rentrer, la fonction « </a:t>
+            </a:r>
+            <a:r>
+              <a:rPr lang="fr-FR" sz="2400" dirty="0" err="1">
                 <a:latin typeface="Abadi Extra Light" panose="020B0204020104020204" pitchFamily="34" charset="0"/>
               </a:rPr>
               <a:t>exitWhenPMR</a:t>
             </a:r>
             <a:r>
-              <a:rPr lang="fr-FR" sz="2000" u="sng" dirty="0">
-                <a:latin typeface="Abadi Extra Light" panose="020B0204020104020204" pitchFamily="34" charset="0"/>
-              </a:rPr>
-              <a:t>() </a:t>
-            </a:r>
-            <a:r>
-              <a:rPr lang="fr-FR" sz="2000" dirty="0">
-                <a:latin typeface="Abadi Extra Light" panose="020B0204020104020204" pitchFamily="34" charset="0"/>
-              </a:rPr>
-              <a:t>est appelée. Elle retires les utilisateur par ordre décroissant de priorité jusqu’à que le PMR puisse rentrer.</a:t>
+              <a:rPr lang="fr-FR" sz="2400" dirty="0">
+                <a:latin typeface="Abadi Extra Light" panose="020B0204020104020204" pitchFamily="34" charset="0"/>
+              </a:rPr>
+              <a:t>() » est appelée. Elle retire les utilisateurs par ordre décroissant de priorité jusqu’à que le PMR puisse rentrer.</a:t>
             </a:r>
           </a:p>
         </p:txBody>
@@ -22136,8 +22368,8 @@
         </p:nvSpPr>
         <p:spPr>
           <a:xfrm>
-            <a:off x="253855" y="4206810"/>
-            <a:ext cx="11684289" cy="1631216"/>
+            <a:off x="253855" y="3989843"/>
+            <a:ext cx="11684289" cy="2677656"/>
           </a:xfrm>
           <a:prstGeom prst="rect">
             <a:avLst/>
@@ -22150,164 +22382,159 @@
           </a:bodyPr>
           <a:lstStyle/>
           <a:p>
-            <a:r>
-              <a:rPr lang="fr-FR" sz="2000" dirty="0">
+            <a:pPr algn="just"/>
+            <a:r>
+              <a:rPr lang="fr-FR" sz="2400" dirty="0">
                 <a:latin typeface="Abadi Extra Light" panose="020B0204020104020204" pitchFamily="34" charset="0"/>
               </a:rPr>
               <a:t>Les étages sont définis par une couleur et un numéro. A la création du système (</a:t>
             </a:r>
             <a:r>
-              <a:rPr lang="fr-FR" sz="2000" b="1" dirty="0" err="1">
+              <a:rPr lang="fr-FR" sz="2400" dirty="0" err="1">
                 <a:latin typeface="Abadi Extra Light" panose="020B0204020104020204" pitchFamily="34" charset="0"/>
               </a:rPr>
               <a:t>SystemInit</a:t>
             </a:r>
             <a:r>
-              <a:rPr lang="fr-FR" sz="2000" dirty="0">
-                <a:latin typeface="Abadi Extra Light" panose="020B0204020104020204" pitchFamily="34" charset="0"/>
-              </a:rPr>
-              <a:t>), les étages sont créé à travers notre propre liste chainée. Ainsi nous pouvons simplement accédé à l’étage précédent ou suivant par la méthode </a:t>
-            </a:r>
-            <a:r>
-              <a:rPr lang="fr-FR" sz="2000" u="sng" dirty="0" err="1">
+              <a:rPr lang="fr-FR" sz="2400" dirty="0">
+                <a:latin typeface="Abadi Extra Light" panose="020B0204020104020204" pitchFamily="34" charset="0"/>
+              </a:rPr>
+              <a:t>), les étages sont créés à travers notre propre liste chainée. Ainsi nous pouvons simplement accéder à l’étage précédent ou suivant par les méthodes « </a:t>
+            </a:r>
+            <a:r>
+              <a:rPr lang="fr-FR" sz="2400" dirty="0" err="1">
                 <a:latin typeface="Abadi Extra Light" panose="020B0204020104020204" pitchFamily="34" charset="0"/>
               </a:rPr>
               <a:t>getNextFloor</a:t>
             </a:r>
             <a:r>
-              <a:rPr lang="fr-FR" sz="2000" u="sng" dirty="0">
-                <a:latin typeface="Abadi Extra Light" panose="020B0204020104020204" pitchFamily="34" charset="0"/>
-              </a:rPr>
-              <a:t>() </a:t>
-            </a:r>
-            <a:r>
-              <a:rPr lang="fr-FR" sz="2000" dirty="0">
-                <a:latin typeface="Abadi Extra Light" panose="020B0204020104020204" pitchFamily="34" charset="0"/>
-              </a:rPr>
-              <a:t>et </a:t>
-            </a:r>
-            <a:r>
-              <a:rPr lang="fr-FR" sz="2000" u="sng" dirty="0" err="1">
+              <a:rPr lang="fr-FR" sz="2400" dirty="0">
+                <a:latin typeface="Abadi Extra Light" panose="020B0204020104020204" pitchFamily="34" charset="0"/>
+              </a:rPr>
+              <a:t>() » et « </a:t>
+            </a:r>
+            <a:r>
+              <a:rPr lang="fr-FR" sz="2400" dirty="0" err="1">
                 <a:latin typeface="Abadi Extra Light" panose="020B0204020104020204" pitchFamily="34" charset="0"/>
               </a:rPr>
               <a:t>getPreviousFloor</a:t>
             </a:r>
             <a:r>
-              <a:rPr lang="fr-FR" sz="2000" u="sng" dirty="0">
-                <a:latin typeface="Abadi Extra Light" panose="020B0204020104020204" pitchFamily="34" charset="0"/>
-              </a:rPr>
-              <a:t>(). </a:t>
-            </a:r>
-            <a:r>
-              <a:rPr lang="fr-FR" sz="2000" dirty="0">
+              <a:rPr lang="fr-FR" sz="2400" dirty="0">
+                <a:latin typeface="Abadi Extra Light" panose="020B0204020104020204" pitchFamily="34" charset="0"/>
+              </a:rPr>
+              <a:t>() ». </a:t>
+            </a:r>
+          </a:p>
+          <a:p>
+            <a:pPr algn="just"/>
+            <a:r>
+              <a:rPr lang="fr-FR" sz="2400" dirty="0">
                 <a:latin typeface="Abadi Extra Light" panose="020B0204020104020204" pitchFamily="34" charset="0"/>
               </a:rPr>
               <a:t>Les </a:t>
             </a:r>
             <a:r>
-              <a:rPr lang="fr-FR" sz="2000" u="sng" dirty="0" err="1">
+              <a:rPr lang="fr-FR" sz="2400" dirty="0" err="1">
                 <a:latin typeface="Abadi Extra Light" panose="020B0204020104020204" pitchFamily="34" charset="0"/>
               </a:rPr>
               <a:t>methodes</a:t>
             </a:r>
             <a:r>
-              <a:rPr lang="fr-FR" sz="2000" u="sng" dirty="0">
-                <a:latin typeface="Abadi Extra Light" panose="020B0204020104020204" pitchFamily="34" charset="0"/>
-              </a:rPr>
-              <a:t> </a:t>
-            </a:r>
-            <a:r>
-              <a:rPr lang="fr-FR" sz="2000" u="sng" dirty="0" err="1">
+              <a:rPr lang="fr-FR" sz="2400" dirty="0">
+                <a:latin typeface="Abadi Extra Light" panose="020B0204020104020204" pitchFamily="34" charset="0"/>
+              </a:rPr>
+              <a:t> « </a:t>
+            </a:r>
+            <a:r>
+              <a:rPr lang="fr-FR" sz="2400" dirty="0" err="1">
                 <a:latin typeface="Abadi Extra Light" panose="020B0204020104020204" pitchFamily="34" charset="0"/>
               </a:rPr>
               <a:t>goUp</a:t>
             </a:r>
             <a:r>
-              <a:rPr lang="fr-FR" sz="2000" u="sng" dirty="0">
-                <a:latin typeface="Abadi Extra Light" panose="020B0204020104020204" pitchFamily="34" charset="0"/>
-              </a:rPr>
-              <a:t>() </a:t>
-            </a:r>
-            <a:r>
-              <a:rPr lang="fr-FR" sz="2000" dirty="0">
-                <a:latin typeface="Abadi Extra Light" panose="020B0204020104020204" pitchFamily="34" charset="0"/>
-              </a:rPr>
-              <a:t>et </a:t>
-            </a:r>
-            <a:r>
-              <a:rPr lang="fr-FR" sz="2000" u="sng" dirty="0" err="1">
+              <a:rPr lang="fr-FR" sz="2400" dirty="0">
+                <a:latin typeface="Abadi Extra Light" panose="020B0204020104020204" pitchFamily="34" charset="0"/>
+              </a:rPr>
+              <a:t>() » et « </a:t>
+            </a:r>
+            <a:r>
+              <a:rPr lang="fr-FR" sz="2400" dirty="0" err="1">
                 <a:latin typeface="Abadi Extra Light" panose="020B0204020104020204" pitchFamily="34" charset="0"/>
               </a:rPr>
               <a:t>goDown</a:t>
             </a:r>
             <a:r>
-              <a:rPr lang="fr-FR" sz="2000" u="sng" dirty="0">
-                <a:latin typeface="Abadi Extra Light" panose="020B0204020104020204" pitchFamily="34" charset="0"/>
-              </a:rPr>
-              <a:t>() </a:t>
-            </a:r>
-            <a:r>
-              <a:rPr lang="fr-FR" sz="2000" dirty="0">
-                <a:latin typeface="Abadi Extra Light" panose="020B0204020104020204" pitchFamily="34" charset="0"/>
-              </a:rPr>
-              <a:t>utilisent c’est méthodes pour changer la position d’un </a:t>
-            </a:r>
-            <a:r>
-              <a:rPr lang="fr-FR" sz="2000" b="1" dirty="0" err="1">
+              <a:rPr lang="fr-FR" sz="2400" dirty="0">
+                <a:latin typeface="Abadi Extra Light" panose="020B0204020104020204" pitchFamily="34" charset="0"/>
+              </a:rPr>
+              <a:t>() » utilisent ces méthodes pour changer la position d’un </a:t>
+            </a:r>
+            <a:r>
+              <a:rPr lang="fr-FR" sz="2400" dirty="0" err="1">
                 <a:latin typeface="Abadi Extra Light" panose="020B0204020104020204" pitchFamily="34" charset="0"/>
               </a:rPr>
               <a:t>Elevator</a:t>
             </a:r>
             <a:r>
-              <a:rPr lang="fr-FR" sz="2000" dirty="0">
-                <a:latin typeface="Abadi Extra Light" panose="020B0204020104020204" pitchFamily="34" charset="0"/>
-              </a:rPr>
-              <a:t>. Les exceptions </a:t>
-            </a:r>
-            <a:r>
-              <a:rPr lang="fr-FR" sz="2000" dirty="0" err="1">
+              <a:rPr lang="fr-FR" sz="2400" dirty="0">
+                <a:latin typeface="Abadi Extra Light" panose="020B0204020104020204" pitchFamily="34" charset="0"/>
+              </a:rPr>
+              <a:t>. </a:t>
+            </a:r>
+          </a:p>
+          <a:p>
+            <a:pPr algn="just"/>
+            <a:r>
+              <a:rPr lang="fr-FR" sz="2400" dirty="0">
+                <a:latin typeface="Abadi Extra Light" panose="020B0204020104020204" pitchFamily="34" charset="0"/>
+              </a:rPr>
+              <a:t>Les exceptions </a:t>
+            </a:r>
+            <a:r>
+              <a:rPr lang="fr-FR" sz="2400" dirty="0" err="1">
                 <a:latin typeface="Abadi Extra Light" panose="020B0204020104020204" pitchFamily="34" charset="0"/>
               </a:rPr>
               <a:t>LastFloorException</a:t>
             </a:r>
             <a:r>
-              <a:rPr lang="fr-FR" sz="2000" dirty="0">
+              <a:rPr lang="fr-FR" sz="2400" dirty="0">
                 <a:latin typeface="Abadi Extra Light" panose="020B0204020104020204" pitchFamily="34" charset="0"/>
               </a:rPr>
               <a:t> et </a:t>
             </a:r>
             <a:r>
-              <a:rPr lang="fr-FR" sz="2000" dirty="0" err="1">
+              <a:rPr lang="fr-FR" sz="2400" dirty="0" err="1">
                 <a:latin typeface="Abadi Extra Light" panose="020B0204020104020204" pitchFamily="34" charset="0"/>
               </a:rPr>
               <a:t>FirstFloorException</a:t>
             </a:r>
             <a:r>
-              <a:rPr lang="fr-FR" sz="2000" dirty="0">
-                <a:latin typeface="Abadi Extra Light" panose="020B0204020104020204" pitchFamily="34" charset="0"/>
-              </a:rPr>
-              <a:t> sont lancé si on essaye d’accéder respectivement au suivant du dernière </a:t>
-            </a:r>
-            <a:r>
-              <a:rPr lang="fr-FR" sz="2000" b="1" dirty="0" err="1">
+              <a:rPr lang="fr-FR" sz="2400" dirty="0">
+                <a:latin typeface="Abadi Extra Light" panose="020B0204020104020204" pitchFamily="34" charset="0"/>
+              </a:rPr>
+              <a:t> sont lancées si on essaye d’accéder respectivement au suivant du dernier </a:t>
+            </a:r>
+            <a:r>
+              <a:rPr lang="fr-FR" sz="2400" dirty="0" err="1">
                 <a:latin typeface="Abadi Extra Light" panose="020B0204020104020204" pitchFamily="34" charset="0"/>
               </a:rPr>
               <a:t>Floor</a:t>
             </a:r>
             <a:r>
-              <a:rPr lang="fr-FR" sz="2000" dirty="0">
-                <a:latin typeface="Abadi Extra Light" panose="020B0204020104020204" pitchFamily="34" charset="0"/>
-              </a:rPr>
-              <a:t> et au précédent du première </a:t>
-            </a:r>
-            <a:r>
-              <a:rPr lang="fr-FR" sz="2000" b="1" dirty="0" err="1">
+              <a:rPr lang="fr-FR" sz="2400" dirty="0">
+                <a:latin typeface="Abadi Extra Light" panose="020B0204020104020204" pitchFamily="34" charset="0"/>
+              </a:rPr>
+              <a:t> et au précédent du premier </a:t>
+            </a:r>
+            <a:r>
+              <a:rPr lang="fr-FR" sz="2400" dirty="0" err="1">
                 <a:latin typeface="Abadi Extra Light" panose="020B0204020104020204" pitchFamily="34" charset="0"/>
               </a:rPr>
               <a:t>Floor</a:t>
             </a:r>
             <a:r>
-              <a:rPr lang="fr-FR" sz="2000" dirty="0">
+              <a:rPr lang="fr-FR" sz="2400" dirty="0">
                 <a:latin typeface="Abadi Extra Light" panose="020B0204020104020204" pitchFamily="34" charset="0"/>
               </a:rPr>
               <a:t>.</a:t>
@@ -22678,4 +22905,299 @@
     </a:ext>
   </a:extLst>
 </a:theme>
+</file>
+
+<file path=ppt/theme/theme2.xml><?xml version="1.0" encoding="utf-8"?>
+<a:theme xmlns:a="http://schemas.openxmlformats.org/drawingml/2006/main" name="Thème Office">
+  <a:themeElements>
+    <a:clrScheme name="Office">
+      <a:dk1>
+        <a:sysClr val="windowText" lastClr="000000"/>
+      </a:dk1>
+      <a:lt1>
+        <a:sysClr val="window" lastClr="FFFFFF"/>
+      </a:lt1>
+      <a:dk2>
+        <a:srgbClr val="44546A"/>
+      </a:dk2>
+      <a:lt2>
+        <a:srgbClr val="E7E6E6"/>
+      </a:lt2>
+      <a:accent1>
+        <a:srgbClr val="4472C4"/>
+      </a:accent1>
+      <a:accent2>
+        <a:srgbClr val="ED7D31"/>
+      </a:accent2>
+      <a:accent3>
+        <a:srgbClr val="A5A5A5"/>
+      </a:accent3>
+      <a:accent4>
+        <a:srgbClr val="FFC000"/>
+      </a:accent4>
+      <a:accent5>
+        <a:srgbClr val="5B9BD5"/>
+      </a:accent5>
+      <a:accent6>
+        <a:srgbClr val="70AD47"/>
+      </a:accent6>
+      <a:hlink>
+        <a:srgbClr val="0563C1"/>
+      </a:hlink>
+      <a:folHlink>
+        <a:srgbClr val="954F72"/>
+      </a:folHlink>
+    </a:clrScheme>
+    <a:fontScheme name="Office">
+      <a:majorFont>
+        <a:latin typeface="Calibri Light" panose="020F0302020204030204"/>
+        <a:ea typeface=""/>
+        <a:cs typeface=""/>
+        <a:font script="Jpan" typeface="游ゴシック Light"/>
+        <a:font script="Hang" typeface="맑은 고딕"/>
+        <a:font script="Hans" typeface="等线 Light"/>
+        <a:font script="Hant" typeface="新細明體"/>
+        <a:font script="Arab" typeface="Times New Roman"/>
+        <a:font script="Hebr" typeface="Times New Roman"/>
+        <a:font script="Thai" typeface="Angsana New"/>
+        <a:font script="Ethi" typeface="Nyala"/>
+        <a:font script="Beng" typeface="Vrinda"/>
+        <a:font script="Gujr" typeface="Shruti"/>
+        <a:font script="Khmr" typeface="MoolBoran"/>
+        <a:font script="Knda" typeface="Tunga"/>
+        <a:font script="Guru" typeface="Raavi"/>
+        <a:font script="Cans" typeface="Euphemia"/>
+        <a:font script="Cher" typeface="Plantagenet Cherokee"/>
+        <a:font script="Yiii" typeface="Microsoft Yi Baiti"/>
+        <a:font script="Tibt" typeface="Microsoft Himalaya"/>
+        <a:font script="Thaa" typeface="MV Boli"/>
+        <a:font script="Deva" typeface="Mangal"/>
+        <a:font script="Telu" typeface="Gautami"/>
+        <a:font script="Taml" typeface="Latha"/>
+        <a:font script="Syrc" typeface="Estrangelo Edessa"/>
+        <a:font script="Orya" typeface="Kalinga"/>
+        <a:font script="Mlym" typeface="Kartika"/>
+        <a:font script="Laoo" typeface="DokChampa"/>
+        <a:font script="Sinh" typeface="Iskoola Pota"/>
+        <a:font script="Mong" typeface="Mongolian Baiti"/>
+        <a:font script="Viet" typeface="Times New Roman"/>
+        <a:font script="Uigh" typeface="Microsoft Uighur"/>
+        <a:font script="Geor" typeface="Sylfaen"/>
+        <a:font script="Armn" typeface="Arial"/>
+        <a:font script="Bugi" typeface="Leelawadee UI"/>
+        <a:font script="Bopo" typeface="Microsoft JhengHei"/>
+        <a:font script="Java" typeface="Javanese Text"/>
+        <a:font script="Lisu" typeface="Segoe UI"/>
+        <a:font script="Mymr" typeface="Myanmar Text"/>
+        <a:font script="Nkoo" typeface="Ebrima"/>
+        <a:font script="Olck" typeface="Nirmala UI"/>
+        <a:font script="Osma" typeface="Ebrima"/>
+        <a:font script="Phag" typeface="Phagspa"/>
+        <a:font script="Syrn" typeface="Estrangelo Edessa"/>
+        <a:font script="Syrj" typeface="Estrangelo Edessa"/>
+        <a:font script="Syre" typeface="Estrangelo Edessa"/>
+        <a:font script="Sora" typeface="Nirmala UI"/>
+        <a:font script="Tale" typeface="Microsoft Tai Le"/>
+        <a:font script="Talu" typeface="Microsoft New Tai Lue"/>
+        <a:font script="Tfng" typeface="Ebrima"/>
+      </a:majorFont>
+      <a:minorFont>
+        <a:latin typeface="Calibri" panose="020F0502020204030204"/>
+        <a:ea typeface=""/>
+        <a:cs typeface=""/>
+        <a:font script="Jpan" typeface="游ゴシック"/>
+        <a:font script="Hang" typeface="맑은 고딕"/>
+        <a:font script="Hans" typeface="等线"/>
+        <a:font script="Hant" typeface="新細明體"/>
+        <a:font script="Arab" typeface="Arial"/>
+        <a:font script="Hebr" typeface="Arial"/>
+        <a:font script="Thai" typeface="Cordia New"/>
+        <a:font script="Ethi" typeface="Nyala"/>
+        <a:font script="Beng" typeface="Vrinda"/>
+        <a:font script="Gujr" typeface="Shruti"/>
+        <a:font script="Khmr" typeface="DaunPenh"/>
+        <a:font script="Knda" typeface="Tunga"/>
+        <a:font script="Guru" typeface="Raavi"/>
+        <a:font script="Cans" typeface="Euphemia"/>
+        <a:font script="Cher" typeface="Plantagenet Cherokee"/>
+        <a:font script="Yiii" typeface="Microsoft Yi Baiti"/>
+        <a:font script="Tibt" typeface="Microsoft Himalaya"/>
+        <a:font script="Thaa" typeface="MV Boli"/>
+        <a:font script="Deva" typeface="Mangal"/>
+        <a:font script="Telu" typeface="Gautami"/>
+        <a:font script="Taml" typeface="Latha"/>
+        <a:font script="Syrc" typeface="Estrangelo Edessa"/>
+        <a:font script="Orya" typeface="Kalinga"/>
+        <a:font script="Mlym" typeface="Kartika"/>
+        <a:font script="Laoo" typeface="DokChampa"/>
+        <a:font script="Sinh" typeface="Iskoola Pota"/>
+        <a:font script="Mong" typeface="Mongolian Baiti"/>
+        <a:font script="Viet" typeface="Arial"/>
+        <a:font script="Uigh" typeface="Microsoft Uighur"/>
+        <a:font script="Geor" typeface="Sylfaen"/>
+        <a:font script="Armn" typeface="Arial"/>
+        <a:font script="Bugi" typeface="Leelawadee UI"/>
+        <a:font script="Bopo" typeface="Microsoft JhengHei"/>
+        <a:font script="Java" typeface="Javanese Text"/>
+        <a:font script="Lisu" typeface="Segoe UI"/>
+        <a:font script="Mymr" typeface="Myanmar Text"/>
+        <a:font script="Nkoo" typeface="Ebrima"/>
+        <a:font script="Olck" typeface="Nirmala UI"/>
+        <a:font script="Osma" typeface="Ebrima"/>
+        <a:font script="Phag" typeface="Phagspa"/>
+        <a:font script="Syrn" typeface="Estrangelo Edessa"/>
+        <a:font script="Syrj" typeface="Estrangelo Edessa"/>
+        <a:font script="Syre" typeface="Estrangelo Edessa"/>
+        <a:font script="Sora" typeface="Nirmala UI"/>
+        <a:font script="Tale" typeface="Microsoft Tai Le"/>
+        <a:font script="Talu" typeface="Microsoft New Tai Lue"/>
+        <a:font script="Tfng" typeface="Ebrima"/>
+      </a:minorFont>
+    </a:fontScheme>
+    <a:fmtScheme name="Office">
+      <a:fillStyleLst>
+        <a:solidFill>
+          <a:schemeClr val="phClr"/>
+        </a:solidFill>
+        <a:gradFill rotWithShape="1">
+          <a:gsLst>
+            <a:gs pos="0">
+              <a:schemeClr val="phClr">
+                <a:lumMod val="110000"/>
+                <a:satMod val="105000"/>
+                <a:tint val="67000"/>
+              </a:schemeClr>
+            </a:gs>
+            <a:gs pos="50000">
+              <a:schemeClr val="phClr">
+                <a:lumMod val="105000"/>
+                <a:satMod val="103000"/>
+                <a:tint val="73000"/>
+              </a:schemeClr>
+            </a:gs>
+            <a:gs pos="100000">
+              <a:schemeClr val="phClr">
+                <a:lumMod val="105000"/>
+                <a:satMod val="109000"/>
+                <a:tint val="81000"/>
+              </a:schemeClr>
+            </a:gs>
+          </a:gsLst>
+          <a:lin ang="5400000" scaled="0"/>
+        </a:gradFill>
+        <a:gradFill rotWithShape="1">
+          <a:gsLst>
+            <a:gs pos="0">
+              <a:schemeClr val="phClr">
+                <a:satMod val="103000"/>
+                <a:lumMod val="102000"/>
+                <a:tint val="94000"/>
+              </a:schemeClr>
+            </a:gs>
+            <a:gs pos="50000">
+              <a:schemeClr val="phClr">
+                <a:satMod val="110000"/>
+                <a:lumMod val="100000"/>
+                <a:shade val="100000"/>
+              </a:schemeClr>
+            </a:gs>
+            <a:gs pos="100000">
+              <a:schemeClr val="phClr">
+                <a:lumMod val="99000"/>
+                <a:satMod val="120000"/>
+                <a:shade val="78000"/>
+              </a:schemeClr>
+            </a:gs>
+          </a:gsLst>
+          <a:lin ang="5400000" scaled="0"/>
+        </a:gradFill>
+      </a:fillStyleLst>
+      <a:lnStyleLst>
+        <a:ln w="6350" cap="flat" cmpd="sng" algn="ctr">
+          <a:solidFill>
+            <a:schemeClr val="phClr"/>
+          </a:solidFill>
+          <a:prstDash val="solid"/>
+          <a:miter lim="800000"/>
+        </a:ln>
+        <a:ln w="12700" cap="flat" cmpd="sng" algn="ctr">
+          <a:solidFill>
+            <a:schemeClr val="phClr"/>
+          </a:solidFill>
+          <a:prstDash val="solid"/>
+          <a:miter lim="800000"/>
+        </a:ln>
+        <a:ln w="19050" cap="flat" cmpd="sng" algn="ctr">
+          <a:solidFill>
+            <a:schemeClr val="phClr"/>
+          </a:solidFill>
+          <a:prstDash val="solid"/>
+          <a:miter lim="800000"/>
+        </a:ln>
+      </a:lnStyleLst>
+      <a:effectStyleLst>
+        <a:effectStyle>
+          <a:effectLst/>
+        </a:effectStyle>
+        <a:effectStyle>
+          <a:effectLst/>
+        </a:effectStyle>
+        <a:effectStyle>
+          <a:effectLst>
+            <a:outerShdw blurRad="57150" dist="19050" dir="5400000" algn="ctr" rotWithShape="0">
+              <a:srgbClr val="000000">
+                <a:alpha val="63000"/>
+              </a:srgbClr>
+            </a:outerShdw>
+          </a:effectLst>
+        </a:effectStyle>
+      </a:effectStyleLst>
+      <a:bgFillStyleLst>
+        <a:solidFill>
+          <a:schemeClr val="phClr"/>
+        </a:solidFill>
+        <a:solidFill>
+          <a:schemeClr val="phClr">
+            <a:tint val="95000"/>
+            <a:satMod val="170000"/>
+          </a:schemeClr>
+        </a:solidFill>
+        <a:gradFill rotWithShape="1">
+          <a:gsLst>
+            <a:gs pos="0">
+              <a:schemeClr val="phClr">
+                <a:tint val="93000"/>
+                <a:satMod val="150000"/>
+                <a:shade val="98000"/>
+                <a:lumMod val="102000"/>
+              </a:schemeClr>
+            </a:gs>
+            <a:gs pos="50000">
+              <a:schemeClr val="phClr">
+                <a:tint val="98000"/>
+                <a:satMod val="130000"/>
+                <a:shade val="90000"/>
+                <a:lumMod val="103000"/>
+              </a:schemeClr>
+            </a:gs>
+            <a:gs pos="100000">
+              <a:schemeClr val="phClr">
+                <a:shade val="63000"/>
+                <a:satMod val="120000"/>
+              </a:schemeClr>
+            </a:gs>
+          </a:gsLst>
+          <a:lin ang="5400000" scaled="0"/>
+        </a:gradFill>
+      </a:bgFillStyleLst>
+    </a:fmtScheme>
+  </a:themeElements>
+  <a:objectDefaults/>
+  <a:extraClrSchemeLst/>
+  <a:extLst>
+    <a:ext uri="{05A4C25C-085E-4340-85A3-A5531E510DB2}">
+      <thm15:themeFamily xmlns:thm15="http://schemas.microsoft.com/office/thememl/2012/main" name="Office Theme" id="{62F939B6-93AF-4DB8-9C6B-D6C7DFDC589F}" vid="{4A3C46E8-61CC-4603-A589-7422A47A8E4A}"/>
+    </a:ext>
+  </a:extLst>
+</a:theme>
 </file>
--- a/Elements de rendu/Documentation Projet.pptx
+++ b/Elements de rendu/Documentation Projet.pptx
@@ -5759,7 +5759,7 @@
       <dgm:spPr/>
     </dgm:pt>
     <dgm:pt modelId="{3B9BC01F-FC14-410B-92AF-E444AC6ECC6A}" type="pres">
-      <dgm:prSet presAssocID="{F331CAD0-D6DD-4EE3-86C4-4C3654E1EC3F}" presName="bgRect" presStyleLbl="bgShp" presStyleIdx="0" presStyleCnt="8"/>
+      <dgm:prSet presAssocID="{F331CAD0-D6DD-4EE3-86C4-4C3654E1EC3F}" presName="bgRect" presStyleLbl="bgShp" presStyleIdx="0" presStyleCnt="8" custLinFactNeighborX="-993" custLinFactNeighborY="-1939"/>
       <dgm:spPr/>
     </dgm:pt>
     <dgm:pt modelId="{AE6B4CA4-FFCA-4EBE-9AF1-C8E49098D9FF}" type="pres">
@@ -6264,7 +6264,7 @@
       </dsp:nvSpPr>
       <dsp:spPr>
         <a:xfrm>
-          <a:off x="0" y="718"/>
+          <a:off x="0" y="0"/>
           <a:ext cx="6513603" cy="603486"/>
         </a:xfrm>
         <a:prstGeom prst="roundRect">
@@ -8925,7 +8925,7 @@
           <a:p>
             <a:fld id="{6B7F2C77-2C08-4585-917B-594B8B2BDAFA}" type="datetimeFigureOut">
               <a:rPr lang="fr-FR" smtClean="0"/>
-              <a:t>16/12/2019</a:t>
+              <a:t>19/12/2019</a:t>
             </a:fld>
             <a:endParaRPr lang="fr-FR"/>
           </a:p>
@@ -9423,7 +9423,7 @@
           <a:p>
             <a:fld id="{192FD1CC-A67F-4324-B4C4-686A1BA9B484}" type="datetimeFigureOut">
               <a:rPr lang="fr-FR" smtClean="0"/>
-              <a:t>16/12/2019</a:t>
+              <a:t>19/12/2019</a:t>
             </a:fld>
             <a:endParaRPr lang="fr-FR"/>
           </a:p>
@@ -9621,7 +9621,7 @@
           <a:p>
             <a:fld id="{192FD1CC-A67F-4324-B4C4-686A1BA9B484}" type="datetimeFigureOut">
               <a:rPr lang="fr-FR" smtClean="0"/>
-              <a:t>16/12/2019</a:t>
+              <a:t>19/12/2019</a:t>
             </a:fld>
             <a:endParaRPr lang="fr-FR"/>
           </a:p>
@@ -9829,7 +9829,7 @@
           <a:p>
             <a:fld id="{192FD1CC-A67F-4324-B4C4-686A1BA9B484}" type="datetimeFigureOut">
               <a:rPr lang="fr-FR" smtClean="0"/>
-              <a:t>16/12/2019</a:t>
+              <a:t>19/12/2019</a:t>
             </a:fld>
             <a:endParaRPr lang="fr-FR"/>
           </a:p>
@@ -10027,7 +10027,7 @@
           <a:p>
             <a:fld id="{192FD1CC-A67F-4324-B4C4-686A1BA9B484}" type="datetimeFigureOut">
               <a:rPr lang="fr-FR" smtClean="0"/>
-              <a:t>16/12/2019</a:t>
+              <a:t>19/12/2019</a:t>
             </a:fld>
             <a:endParaRPr lang="fr-FR"/>
           </a:p>
@@ -10302,7 +10302,7 @@
           <a:p>
             <a:fld id="{192FD1CC-A67F-4324-B4C4-686A1BA9B484}" type="datetimeFigureOut">
               <a:rPr lang="fr-FR" smtClean="0"/>
-              <a:t>16/12/2019</a:t>
+              <a:t>19/12/2019</a:t>
             </a:fld>
             <a:endParaRPr lang="fr-FR"/>
           </a:p>
@@ -10567,7 +10567,7 @@
           <a:p>
             <a:fld id="{192FD1CC-A67F-4324-B4C4-686A1BA9B484}" type="datetimeFigureOut">
               <a:rPr lang="fr-FR" smtClean="0"/>
-              <a:t>16/12/2019</a:t>
+              <a:t>19/12/2019</a:t>
             </a:fld>
             <a:endParaRPr lang="fr-FR"/>
           </a:p>
@@ -10979,7 +10979,7 @@
           <a:p>
             <a:fld id="{192FD1CC-A67F-4324-B4C4-686A1BA9B484}" type="datetimeFigureOut">
               <a:rPr lang="fr-FR" smtClean="0"/>
-              <a:t>16/12/2019</a:t>
+              <a:t>19/12/2019</a:t>
             </a:fld>
             <a:endParaRPr lang="fr-FR"/>
           </a:p>
@@ -11120,7 +11120,7 @@
           <a:p>
             <a:fld id="{192FD1CC-A67F-4324-B4C4-686A1BA9B484}" type="datetimeFigureOut">
               <a:rPr lang="fr-FR" smtClean="0"/>
-              <a:t>16/12/2019</a:t>
+              <a:t>19/12/2019</a:t>
             </a:fld>
             <a:endParaRPr lang="fr-FR"/>
           </a:p>
@@ -11233,7 +11233,7 @@
           <a:p>
             <a:fld id="{192FD1CC-A67F-4324-B4C4-686A1BA9B484}" type="datetimeFigureOut">
               <a:rPr lang="fr-FR" smtClean="0"/>
-              <a:t>16/12/2019</a:t>
+              <a:t>19/12/2019</a:t>
             </a:fld>
             <a:endParaRPr lang="fr-FR"/>
           </a:p>
@@ -11544,7 +11544,7 @@
           <a:p>
             <a:fld id="{192FD1CC-A67F-4324-B4C4-686A1BA9B484}" type="datetimeFigureOut">
               <a:rPr lang="fr-FR" smtClean="0"/>
-              <a:t>16/12/2019</a:t>
+              <a:t>19/12/2019</a:t>
             </a:fld>
             <a:endParaRPr lang="fr-FR"/>
           </a:p>
@@ -11832,7 +11832,7 @@
           <a:p>
             <a:fld id="{192FD1CC-A67F-4324-B4C4-686A1BA9B484}" type="datetimeFigureOut">
               <a:rPr lang="fr-FR" smtClean="0"/>
-              <a:t>16/12/2019</a:t>
+              <a:t>19/12/2019</a:t>
             </a:fld>
             <a:endParaRPr lang="fr-FR"/>
           </a:p>
@@ -12073,7 +12073,7 @@
           <a:p>
             <a:fld id="{192FD1CC-A67F-4324-B4C4-686A1BA9B484}" type="datetimeFigureOut">
               <a:rPr lang="fr-FR" smtClean="0"/>
-              <a:t>16/12/2019</a:t>
+              <a:t>19/12/2019</a:t>
             </a:fld>
             <a:endParaRPr lang="fr-FR"/>
           </a:p>
@@ -16796,7 +16796,7 @@
               <a:rPr lang="fr-FR" sz="2400" dirty="0">
                 <a:latin typeface="Abadi Extra Light" panose="020B0204020104020204" pitchFamily="34" charset="0"/>
               </a:rPr>
-              <a:t>La création d’un classe </a:t>
+              <a:t>La création d’une classe </a:t>
             </a:r>
             <a:r>
               <a:rPr lang="fr-FR" sz="2400" dirty="0" err="1">
@@ -17572,7 +17572,7 @@
                 <a:ea typeface="+mj-ea"/>
                 <a:cs typeface="+mj-cs"/>
               </a:rPr>
-              <a:t>d’utilisateur</a:t>
+              <a:t>d’utilisateurs</a:t>
             </a:r>
             <a:r>
               <a:rPr lang="en-US" sz="2200" kern="1200" dirty="0">
@@ -18302,8 +18302,8 @@
         </p:nvSpPr>
         <p:spPr>
           <a:xfrm>
-            <a:off x="863029" y="1012004"/>
-            <a:ext cx="3416158" cy="4795408"/>
+            <a:off x="863028" y="1012004"/>
+            <a:ext cx="3459589" cy="4795408"/>
           </a:xfrm>
         </p:spPr>
         <p:txBody>
@@ -18312,6 +18312,7 @@
           </a:bodyPr>
           <a:lstStyle/>
           <a:p>
+            <a:pPr algn="ctr"/>
             <a:r>
               <a:rPr lang="fr-FR" dirty="0">
                 <a:solidFill>
@@ -18319,7 +18320,7 @@
                 </a:solidFill>
                 <a:latin typeface="Abadi Extra Light" panose="020B0204020104020204" pitchFamily="34" charset="0"/>
               </a:rPr>
-              <a:t>Que doit faire notre système d’ascenseur ?</a:t>
+              <a:t>Que doit faire notre système d’ascenseurs ?</a:t>
             </a:r>
           </a:p>
         </p:txBody>
@@ -18340,7 +18341,7 @@
             <p:ph idx="1"/>
             <p:extLst>
               <p:ext uri="{D42A27DB-BD31-4B8C-83A1-F6EECF244321}">
-                <p14:modId xmlns:p14="http://schemas.microsoft.com/office/powerpoint/2010/main" val="720213469"/>
+                <p14:modId xmlns:p14="http://schemas.microsoft.com/office/powerpoint/2010/main" val="475144725"/>
               </p:ext>
             </p:extLst>
           </p:nvPr>
@@ -18612,7 +18613,7 @@
                 <a:ea typeface="+mj-ea"/>
                 <a:cs typeface="+mj-cs"/>
               </a:rPr>
-              <a:t>d’utilisateur</a:t>
+              <a:t>d’utilisateurs</a:t>
             </a:r>
             <a:r>
               <a:rPr lang="en-US" sz="2200" kern="1200" dirty="0">
